--- a/presentations/Qual_2012_YuHuang.pptx
+++ b/presentations/Qual_2012_YuHuang.pptx
@@ -268,7 +268,7 @@
           <a:p>
             <a:fld id="{89111220-B39A-49CE-9112-9B116A3B1043}" type="datetimeFigureOut">
               <a:rPr lang="en-US" smtClean="0"/>
-              <a:t>9/13/12</a:t>
+              <a:t>9/13/2012</a:t>
             </a:fld>
             <a:endParaRPr lang="en-US"/>
           </a:p>
@@ -433,7 +433,7 @@
           <a:p>
             <a:fld id="{B6FF9642-E0FC-4E41-87C5-4272C67560A0}" type="datetimeFigureOut">
               <a:rPr lang="en-US" smtClean="0"/>
-              <a:t>9/13/12</a:t>
+              <a:t>9/13/2012</a:t>
             </a:fld>
             <a:endParaRPr lang="en-US"/>
           </a:p>
@@ -952,11 +952,7 @@
           <a:p>
             <a:r>
               <a:rPr lang="en-US" dirty="0" smtClean="0"/>
-              <a:t>This </a:t>
-            </a:r>
-            <a:r>
-              <a:rPr lang="en-US" dirty="0" smtClean="0"/>
-              <a:t>slide</a:t>
+              <a:t>This slide</a:t>
             </a:r>
             <a:r>
               <a:rPr lang="en-US" baseline="0" dirty="0" smtClean="0"/>
@@ -1137,11 +1133,7 @@
           <a:p>
             <a:r>
               <a:rPr lang="en-US" dirty="0" smtClean="0"/>
-              <a:t>This </a:t>
-            </a:r>
-            <a:r>
-              <a:rPr lang="en-US" dirty="0" smtClean="0"/>
-              <a:t>slide</a:t>
+              <a:t>This slide</a:t>
             </a:r>
             <a:r>
               <a:rPr lang="en-US" baseline="0" dirty="0" smtClean="0"/>
@@ -1322,11 +1314,7 @@
           <a:p>
             <a:r>
               <a:rPr lang="en-US" dirty="0" smtClean="0"/>
-              <a:t>This </a:t>
-            </a:r>
-            <a:r>
-              <a:rPr lang="en-US" dirty="0" smtClean="0"/>
-              <a:t>slide</a:t>
+              <a:t>This slide</a:t>
             </a:r>
             <a:r>
               <a:rPr lang="en-US" baseline="0" dirty="0" smtClean="0"/>
@@ -1507,11 +1495,7 @@
           <a:p>
             <a:r>
               <a:rPr lang="en-US" dirty="0" smtClean="0"/>
-              <a:t>This </a:t>
-            </a:r>
-            <a:r>
-              <a:rPr lang="en-US" dirty="0" smtClean="0"/>
-              <a:t>slide</a:t>
+              <a:t>This slide</a:t>
             </a:r>
             <a:r>
               <a:rPr lang="en-US" baseline="0" dirty="0" smtClean="0"/>
@@ -2035,11 +2019,7 @@
             </a:r>
             <a:r>
               <a:rPr lang="en-US" baseline="0" dirty="0" smtClean="0"/>
-              <a:t> </a:t>
-            </a:r>
-            <a:r>
-              <a:rPr lang="en-US" baseline="0" dirty="0" smtClean="0"/>
-              <a:t>slice illustrates two execution traces of our running example.</a:t>
+              <a:t> slice illustrates two execution traces of our running example.</a:t>
             </a:r>
           </a:p>
           <a:p>
@@ -2330,11 +2310,7 @@
             </a:r>
             <a:r>
               <a:rPr lang="en-US" baseline="0" dirty="0" smtClean="0"/>
-              <a:t> </a:t>
-            </a:r>
-            <a:r>
-              <a:rPr lang="en-US" baseline="0" dirty="0" smtClean="0"/>
-              <a:t>one-task program execution given above is allowed by MCAPI specification.</a:t>
+              <a:t> one-task program execution given above is allowed by MCAPI specification.</a:t>
             </a:r>
           </a:p>
           <a:p>
@@ -2392,15 +2368,7 @@
           <a:p>
             <a:r>
               <a:rPr lang="en-US" baseline="0" dirty="0" smtClean="0"/>
-              <a:t>Other than functions for message passing, we have other structures, like if statement and assert, for the program control flow and property </a:t>
-            </a:r>
-            <a:r>
-              <a:rPr lang="en-US" baseline="0" dirty="0" smtClean="0"/>
-              <a:t>checking</a:t>
-            </a:r>
-            <a:r>
-              <a:rPr lang="en-US" baseline="0" dirty="0" smtClean="0"/>
-              <a:t>.</a:t>
+              <a:t>Other than functions for message passing, we have other structures, like if statement and assert, for the program control flow and property checking.</a:t>
             </a:r>
             <a:endParaRPr lang="en-US" dirty="0"/>
           </a:p>
@@ -2862,11 +2830,7 @@
           <a:p>
             <a:r>
               <a:rPr lang="en-US" altLang="zh-CN" dirty="0" smtClean="0"/>
-              <a:t>As </a:t>
-            </a:r>
-            <a:r>
-              <a:rPr lang="en-US" altLang="zh-CN" dirty="0" smtClean="0"/>
-              <a:t>proof sketch</a:t>
+              <a:t>As proof sketch</a:t>
             </a:r>
             <a:r>
               <a:rPr lang="en-US" altLang="zh-CN" baseline="0" dirty="0" smtClean="0"/>
@@ -2988,11 +2952,7 @@
             </a:r>
             <a:r>
               <a:rPr lang="en-US" altLang="zh-CN" baseline="0" dirty="0" smtClean="0"/>
-              <a:t> </a:t>
-            </a:r>
-            <a:r>
-              <a:rPr lang="en-US" altLang="zh-CN" baseline="0" dirty="0" smtClean="0"/>
-              <a:t>1 and 2 proves that an over-approximated match set can also capture the correct non-deterministic behaviors of a program execution. Now we give an algorithm that generates such an over-approximation with quadratic time complexity. </a:t>
+              <a:t> 1 and 2 proves that an over-approximated match set can also capture the correct non-deterministic behaviors of a program execution. Now we give an algorithm that generates such an over-approximation with quadratic time complexity. </a:t>
             </a:r>
           </a:p>
           <a:p>
@@ -3259,11 +3219,7 @@
             </a:r>
             <a:r>
               <a:rPr lang="en-US" altLang="zh-CN" baseline="0" dirty="0" smtClean="0"/>
-              <a:t> </a:t>
-            </a:r>
-            <a:r>
-              <a:rPr lang="en-US" altLang="zh-CN" baseline="0" dirty="0" smtClean="0"/>
-              <a:t>major step of our algorithm is to apply three rules to all possible match pairs. </a:t>
+              <a:t> major step of our algorithm is to apply three rules to all possible match pairs. </a:t>
             </a:r>
           </a:p>
           <a:p>
@@ -3791,11 +3747,7 @@
             </a:r>
             <a:r>
               <a:rPr lang="en-US" baseline="0" dirty="0" smtClean="0"/>
-              <a:t> </a:t>
-            </a:r>
-            <a:r>
-              <a:rPr lang="en-US" baseline="0" dirty="0" smtClean="0"/>
-              <a:t>by a regular MCAPI operation, we give a shorthand representation that is enough to present the program execution.</a:t>
+              <a:t> by a regular MCAPI operation, we give a shorthand representation that is enough to present the program execution.</a:t>
             </a:r>
           </a:p>
           <a:p>
@@ -3927,11 +3879,7 @@
           <a:p>
             <a:r>
               <a:rPr lang="en-US" baseline="0" dirty="0" smtClean="0"/>
-              <a:t>Here </a:t>
-            </a:r>
-            <a:r>
-              <a:rPr lang="en-US" baseline="0" dirty="0" smtClean="0"/>
-              <a:t>is an MCAPI program represented by shorthand operations.</a:t>
+              <a:t>Here is an MCAPI program represented by shorthand operations.</a:t>
             </a:r>
           </a:p>
           <a:p>
@@ -4386,27 +4334,13 @@
               <a:p>
                 <a:r>
                   <a:rPr lang="en-US" dirty="0" smtClean="0"/>
-                  <a:t>A </a:t>
-                </a:r>
-                <a:r>
-                  <a:rPr lang="en-US" dirty="0" smtClean="0"/>
-                  <a:t>correct and efficient SMT encoding of an MCAPI program execution that detects all program errors if the user provided match pairs are precise or over-approximated.</a:t>
+                  <a:t>A correct and efficient SMT encoding of an MCAPI program execution that detects all program errors if the user provided match pairs are precise or over-approximated.</a:t>
                 </a:r>
               </a:p>
               <a:p>
                 <a:r>
                   <a:rPr lang="en-US" dirty="0" smtClean="0"/>
-                  <a:t>An </a:t>
-                </a:r>
-                <a14:m/>
-                <a:r>
-                  <a:rPr lang="en-US" dirty="0" smtClean="0"/>
-                  <a:t> algorithm to generate an over-approximation of possible match pairs, where </a:t>
-                </a:r>
-                <a14:m/>
-                <a:r>
-                  <a:rPr lang="en-US" dirty="0" smtClean="0"/>
-                  <a:t> is the size of the execution trace at lines of code.</a:t>
+                  <a:t>An  algorithm to generate an over-approximation of possible match pairs, where  is the size of the execution trace at lines of code.</a:t>
                 </a:r>
               </a:p>
               <a:p>
@@ -5081,7 +5015,7 @@
           <a:p>
             <a:fld id="{F84A4CBD-960A-456A-9B79-9A5DAA6E02E9}" type="datetime1">
               <a:rPr lang="en-US" smtClean="0"/>
-              <a:t>9/13/12</a:t>
+              <a:t>9/13/2012</a:t>
             </a:fld>
             <a:endParaRPr lang="en-US"/>
           </a:p>
@@ -5247,7 +5181,7 @@
           <a:p>
             <a:fld id="{6FFB0080-53E0-4E29-9C87-13FA032C8670}" type="datetime1">
               <a:rPr lang="en-US" smtClean="0"/>
-              <a:t>9/13/12</a:t>
+              <a:t>9/13/2012</a:t>
             </a:fld>
             <a:endParaRPr lang="en-US"/>
           </a:p>
@@ -5423,7 +5357,7 @@
           <a:p>
             <a:fld id="{4C97581C-C694-4A06-BF33-FF47280C11E9}" type="datetime1">
               <a:rPr lang="en-US" smtClean="0"/>
-              <a:t>9/13/12</a:t>
+              <a:t>9/13/2012</a:t>
             </a:fld>
             <a:endParaRPr lang="en-US"/>
           </a:p>
@@ -5589,7 +5523,7 @@
           <a:p>
             <a:fld id="{75320065-1C4F-4F35-ADCD-61DA485BD8F4}" type="datetime1">
               <a:rPr lang="en-US" smtClean="0"/>
-              <a:t>9/13/12</a:t>
+              <a:t>9/13/2012</a:t>
             </a:fld>
             <a:endParaRPr lang="en-US"/>
           </a:p>
@@ -5831,7 +5765,7 @@
           <a:p>
             <a:fld id="{3DE56400-8624-4CE8-A431-7BAD40CC2038}" type="datetime1">
               <a:rPr lang="en-US" smtClean="0"/>
-              <a:t>9/13/12</a:t>
+              <a:t>9/13/2012</a:t>
             </a:fld>
             <a:endParaRPr lang="en-US"/>
           </a:p>
@@ -6115,7 +6049,7 @@
           <a:p>
             <a:fld id="{2D095419-4A23-4EC7-827A-7FC7404DDFBC}" type="datetime1">
               <a:rPr lang="en-US" smtClean="0"/>
-              <a:t>9/13/12</a:t>
+              <a:t>9/13/2012</a:t>
             </a:fld>
             <a:endParaRPr lang="en-US"/>
           </a:p>
@@ -6533,7 +6467,7 @@
           <a:p>
             <a:fld id="{702B5342-B9F4-40A8-B968-68C029020404}" type="datetime1">
               <a:rPr lang="en-US" smtClean="0"/>
-              <a:t>9/13/12</a:t>
+              <a:t>9/13/2012</a:t>
             </a:fld>
             <a:endParaRPr lang="en-US"/>
           </a:p>
@@ -6647,7 +6581,7 @@
           <a:p>
             <a:fld id="{A2C46440-81A3-41E1-AE3A-5848DA728CD2}" type="datetime1">
               <a:rPr lang="en-US" smtClean="0"/>
-              <a:t>9/13/12</a:t>
+              <a:t>9/13/2012</a:t>
             </a:fld>
             <a:endParaRPr lang="en-US"/>
           </a:p>
@@ -6738,7 +6672,7 @@
           <a:p>
             <a:fld id="{97FD17D7-9419-4A8F-9B2A-D9AEBBEE4645}" type="datetime1">
               <a:rPr lang="en-US" smtClean="0"/>
-              <a:t>9/13/12</a:t>
+              <a:t>9/13/2012</a:t>
             </a:fld>
             <a:endParaRPr lang="en-US"/>
           </a:p>
@@ -7011,7 +6945,7 @@
           <a:p>
             <a:fld id="{898AB767-2364-4983-96C9-1AF98BCD7BBF}" type="datetime1">
               <a:rPr lang="en-US" smtClean="0"/>
-              <a:t>9/13/12</a:t>
+              <a:t>9/13/2012</a:t>
             </a:fld>
             <a:endParaRPr lang="en-US"/>
           </a:p>
@@ -7260,7 +7194,7 @@
           <a:p>
             <a:fld id="{0997313F-EAC3-4D49-A621-0E6066639112}" type="datetime1">
               <a:rPr lang="en-US" smtClean="0"/>
-              <a:t>9/13/12</a:t>
+              <a:t>9/13/2012</a:t>
             </a:fld>
             <a:endParaRPr lang="en-US"/>
           </a:p>
@@ -7469,7 +7403,7 @@
           <a:p>
             <a:fld id="{1707B6C9-6E01-44ED-87EB-FEC9DE271BB7}" type="datetime1">
               <a:rPr lang="en-US" smtClean="0"/>
-              <a:t>9/13/12</a:t>
+              <a:t>9/13/2012</a:t>
             </a:fld>
             <a:endParaRPr lang="en-US"/>
           </a:p>
@@ -7921,7 +7855,7 @@
   <p:timing>
     <p:tnLst>
       <p:par>
-        <p:cTn xmlns:p14="http://schemas.microsoft.com/office/powerpoint/2010/main" id="1" dur="indefinite" restart="never" nodeType="tmRoot"/>
+        <p:cTn id="1" dur="indefinite" restart="never" nodeType="tmRoot"/>
       </p:par>
     </p:tnLst>
   </p:timing>
@@ -8165,15 +8099,7 @@
           <a:p>
             <a:r>
               <a:rPr lang="en-US" dirty="0" smtClean="0"/>
-              <a:t>All </a:t>
-            </a:r>
-            <a:r>
-              <a:rPr lang="en-US" dirty="0" smtClean="0"/>
-              <a:t>declarations </a:t>
-            </a:r>
-            <a:r>
-              <a:rPr lang="en-US" dirty="0" smtClean="0"/>
-              <a:t>of the send, receive operations and the free variables </a:t>
+              <a:t>All declarations of the send, receive operations and the free variables </a:t>
             </a:r>
             <a:endParaRPr lang="en-US" dirty="0"/>
           </a:p>
@@ -8338,7 +8264,7 @@
   <p:timing>
     <p:tnLst>
       <p:par>
-        <p:cTn xmlns:p14="http://schemas.microsoft.com/office/powerpoint/2010/main" id="1" dur="indefinite" restart="never" nodeType="tmRoot"/>
+        <p:cTn id="1" dur="indefinite" restart="never" nodeType="tmRoot"/>
       </p:par>
     </p:tnLst>
   </p:timing>
@@ -8403,7 +8329,7 @@
         </p:nvGraphicFramePr>
         <p:xfrm>
           <a:off x="1828800" y="1676400"/>
-          <a:ext cx="5247503" cy="2133599"/>
+          <a:ext cx="5247503" cy="2133600"/>
         </p:xfrm>
         <a:graphic>
           <a:graphicData uri="http://schemas.openxmlformats.org/drawingml/2006/table">
@@ -9664,17 +9590,6 @@
           </a:p>
           <a:p>
             <a:r>
-              <a:rPr lang="en-US" altLang="zh-CN" sz="2000" dirty="0">
-                <a:solidFill>
-                  <a:schemeClr val="accent2">
-                    <a:lumMod val="40000"/>
-                    <a:lumOff val="60000"/>
-                  </a:schemeClr>
-                </a:solidFill>
-              </a:rPr>
-              <a:t>(define </a:t>
-            </a:r>
-            <a:r>
               <a:rPr lang="en-US" altLang="zh-CN" sz="2000" i="1" dirty="0">
                 <a:solidFill>
                   <a:schemeClr val="accent2">
@@ -9683,29 +9598,7 @@
                   </a:schemeClr>
                 </a:solidFill>
               </a:rPr>
-              <a:t>R</a:t>
-            </a:r>
-            <a:r>
-              <a:rPr lang="en-US" altLang="zh-CN" sz="2000" i="1" baseline="-25000" dirty="0">
-                <a:solidFill>
-                  <a:schemeClr val="accent2">
-                    <a:lumMod val="40000"/>
-                    <a:lumOff val="60000"/>
-                  </a:schemeClr>
-                </a:solidFill>
-              </a:rPr>
-              <a:t>0,2</a:t>
-            </a:r>
-            <a:r>
-              <a:rPr lang="en-US" altLang="zh-CN" sz="2000" i="1" dirty="0">
-                <a:solidFill>
-                  <a:schemeClr val="accent2">
-                    <a:lumMod val="40000"/>
-                    <a:lumOff val="60000"/>
-                  </a:schemeClr>
-                </a:solidFill>
-              </a:rPr>
-              <a:t>::</a:t>
+              <a:t>(define R0,2::</a:t>
             </a:r>
             <a:r>
               <a:rPr lang="en-US" altLang="zh-CN" sz="2000" i="1" dirty="0" err="1">
@@ -9727,20 +9620,9 @@
                   </a:schemeClr>
                 </a:solidFill>
               </a:rPr>
-              <a:t>)</a:t>
-            </a:r>
-            <a:r>
-              <a:rPr lang="en-US" altLang="zh-CN" sz="2000" dirty="0">
-                <a:solidFill>
-                  <a:schemeClr val="accent2">
-                    <a:lumMod val="40000"/>
-                    <a:lumOff val="60000"/>
-                  </a:schemeClr>
-                </a:solidFill>
-              </a:rPr>
-              <a:t> </a:t>
-            </a:r>
-            <a:endParaRPr lang="en-US" altLang="zh-CN" sz="2000" dirty="0" smtClean="0">
+              <a:t>) </a:t>
+            </a:r>
+            <a:endParaRPr lang="en-US" altLang="zh-CN" sz="2000" i="1" dirty="0">
               <a:solidFill>
                 <a:schemeClr val="accent2">
                   <a:lumMod val="40000"/>
@@ -9915,7 +9797,7 @@
   <p:timing>
     <p:tnLst>
       <p:par>
-        <p:cTn xmlns:p14="http://schemas.microsoft.com/office/powerpoint/2010/main" id="1" dur="indefinite" restart="never" nodeType="tmRoot"/>
+        <p:cTn id="1" dur="indefinite" restart="never" nodeType="tmRoot"/>
       </p:par>
     </p:tnLst>
   </p:timing>
@@ -9980,7 +9862,7 @@
         </p:nvGraphicFramePr>
         <p:xfrm>
           <a:off x="1828800" y="1676400"/>
-          <a:ext cx="5247503" cy="2133599"/>
+          <a:ext cx="5247503" cy="2133600"/>
         </p:xfrm>
         <a:graphic>
           <a:graphicData uri="http://schemas.openxmlformats.org/drawingml/2006/table">
@@ -11536,7 +11418,7 @@
   <p:timing>
     <p:tnLst>
       <p:par>
-        <p:cTn xmlns:p14="http://schemas.microsoft.com/office/powerpoint/2010/main" id="1" dur="indefinite" restart="never" nodeType="tmRoot"/>
+        <p:cTn id="1" dur="indefinite" restart="never" nodeType="tmRoot"/>
       </p:par>
     </p:tnLst>
   </p:timing>
@@ -11601,7 +11483,7 @@
         </p:nvGraphicFramePr>
         <p:xfrm>
           <a:off x="1828800" y="1676400"/>
-          <a:ext cx="5247503" cy="2133599"/>
+          <a:ext cx="5247503" cy="2133600"/>
         </p:xfrm>
         <a:graphic>
           <a:graphicData uri="http://schemas.openxmlformats.org/drawingml/2006/table">
@@ -12889,7 +12771,7 @@
   <p:timing>
     <p:tnLst>
       <p:par>
-        <p:cTn xmlns:p14="http://schemas.microsoft.com/office/powerpoint/2010/main" id="1" dur="indefinite" restart="never" nodeType="tmRoot"/>
+        <p:cTn id="1" dur="indefinite" restart="never" nodeType="tmRoot"/>
       </p:par>
     </p:tnLst>
   </p:timing>
@@ -12954,7 +12836,7 @@
         </p:nvGraphicFramePr>
         <p:xfrm>
           <a:off x="1828800" y="1676400"/>
-          <a:ext cx="5247503" cy="2133599"/>
+          <a:ext cx="5247503" cy="2133600"/>
         </p:xfrm>
         <a:graphic>
           <a:graphicData uri="http://schemas.openxmlformats.org/drawingml/2006/table">
@@ -14504,7 +14386,7 @@
   <p:timing>
     <p:tnLst>
       <p:par>
-        <p:cTn xmlns:p14="http://schemas.microsoft.com/office/powerpoint/2010/main" id="1" dur="indefinite" restart="never" nodeType="tmRoot"/>
+        <p:cTn id="1" dur="indefinite" restart="never" nodeType="tmRoot"/>
       </p:par>
     </p:tnLst>
   </p:timing>
@@ -14925,7 +14807,7 @@
   <p:timing>
     <p:tnLst>
       <p:par>
-        <p:cTn xmlns:p14="http://schemas.microsoft.com/office/powerpoint/2010/main" id="1" dur="indefinite" restart="never" nodeType="tmRoot"/>
+        <p:cTn id="1" dur="indefinite" restart="never" nodeType="tmRoot"/>
       </p:par>
     </p:tnLst>
   </p:timing>
@@ -14990,7 +14872,7 @@
         </p:nvGraphicFramePr>
         <p:xfrm>
           <a:off x="1828800" y="1676400"/>
-          <a:ext cx="5247503" cy="2133599"/>
+          <a:ext cx="5247503" cy="2133600"/>
         </p:xfrm>
         <a:graphic>
           <a:graphicData uri="http://schemas.openxmlformats.org/drawingml/2006/table">
@@ -16208,7 +16090,7 @@
         </p:nvGraphicFramePr>
         <p:xfrm>
           <a:off x="1905000" y="4267200"/>
-          <a:ext cx="5247503" cy="2133599"/>
+          <a:ext cx="5247503" cy="2133600"/>
         </p:xfrm>
         <a:graphic>
           <a:graphicData uri="http://schemas.openxmlformats.org/drawingml/2006/table">
@@ -17506,7 +17388,7 @@
   <p:timing>
     <p:tnLst>
       <p:par>
-        <p:cTn xmlns:p14="http://schemas.microsoft.com/office/powerpoint/2010/main" id="1" dur="indefinite" restart="never" nodeType="tmRoot"/>
+        <p:cTn id="1" dur="indefinite" restart="never" nodeType="tmRoot"/>
       </p:par>
     </p:tnLst>
   </p:timing>
@@ -18938,18 +18820,18 @@
   <p:clrMapOvr>
     <a:masterClrMapping/>
   </p:clrMapOvr>
-  <mc:AlternateContent xmlns:mc="http://schemas.openxmlformats.org/markup-compatibility/2006">
-    <mc:Choice xmlns:p14="http://schemas.microsoft.com/office/powerpoint/2010/main" Requires="p14">
+  <mc:AlternateContent xmlns:mc="http://schemas.openxmlformats.org/markup-compatibility/2006" xmlns:p14="http://schemas.microsoft.com/office/powerpoint/2010/main">
+    <mc:Choice Requires="p14">
       <p:transition spd="slow" p14:dur="2000"/>
     </mc:Choice>
-    <mc:Fallback>
+    <mc:Fallback xmlns="">
       <p:transition xmlns:p14="http://schemas.microsoft.com/office/powerpoint/2010/main" spd="slow"/>
     </mc:Fallback>
   </mc:AlternateContent>
   <p:timing>
     <p:tnLst>
       <p:par>
-        <p:cTn xmlns:p14="http://schemas.microsoft.com/office/powerpoint/2010/main" id="1" dur="indefinite" restart="never" nodeType="tmRoot"/>
+        <p:cTn id="1" dur="indefinite" restart="never" nodeType="tmRoot"/>
       </p:par>
     </p:tnLst>
   </p:timing>
@@ -20507,18 +20389,18 @@
   <p:clrMapOvr>
     <a:masterClrMapping/>
   </p:clrMapOvr>
-  <mc:AlternateContent xmlns:mc="http://schemas.openxmlformats.org/markup-compatibility/2006">
-    <mc:Choice xmlns:p14="http://schemas.microsoft.com/office/powerpoint/2010/main" Requires="p14">
+  <mc:AlternateContent xmlns:mc="http://schemas.openxmlformats.org/markup-compatibility/2006" xmlns:p14="http://schemas.microsoft.com/office/powerpoint/2010/main">
+    <mc:Choice Requires="p14">
       <p:transition spd="slow" p14:dur="2000"/>
     </mc:Choice>
-    <mc:Fallback>
+    <mc:Fallback xmlns="">
       <p:transition xmlns:p14="http://schemas.microsoft.com/office/powerpoint/2010/main" spd="slow"/>
     </mc:Fallback>
   </mc:AlternateContent>
   <p:timing>
     <p:tnLst>
       <p:par>
-        <p:cTn xmlns:p14="http://schemas.microsoft.com/office/powerpoint/2010/main" id="1" dur="indefinite" restart="never" nodeType="tmRoot"/>
+        <p:cTn id="1" dur="indefinite" restart="never" nodeType="tmRoot"/>
       </p:par>
     </p:tnLst>
   </p:timing>
@@ -20559,15 +20441,11 @@
           <a:p>
             <a:r>
               <a:rPr lang="en-US" dirty="0" smtClean="0"/>
-              <a:t>Theorem 1 </a:t>
-            </a:r>
-            <a:r>
-              <a:rPr lang="en-US" altLang="zh-CN" dirty="0"/>
-              <a:t>–</a:t>
+              <a:t>Proof </a:t>
             </a:r>
             <a:r>
               <a:rPr lang="en-US" dirty="0" smtClean="0"/>
-              <a:t> Proof Sketch</a:t>
+              <a:t>Sketch</a:t>
             </a:r>
             <a:endParaRPr lang="en-US" dirty="0"/>
           </a:p>
@@ -21377,7 +21255,7 @@
   <p:timing>
     <p:tnLst>
       <p:par>
-        <p:cTn xmlns:p14="http://schemas.microsoft.com/office/powerpoint/2010/main" id="1" dur="indefinite" restart="never" nodeType="tmRoot"/>
+        <p:cTn id="1" dur="indefinite" restart="never" nodeType="tmRoot"/>
       </p:par>
     </p:tnLst>
   </p:timing>
@@ -21801,8 +21679,10 @@
                           <a:latin typeface="Lucida Console" pitchFamily="49" charset="0"/>
                           <a:cs typeface="Times New Roman" pitchFamily="18" charset="0"/>
                         </a:rPr>
-                        <a:t> if(b &gt; 0</a:t>
-                      </a:r>
+                        <a:t> if(b &gt; 0)</a:t>
+                      </a:r>
+                    </a:p>
+                    <a:p>
                       <a:r>
                         <a:rPr lang="en-US" baseline="0" dirty="0" smtClean="0">
                           <a:solidFill>
@@ -21811,46 +21691,7 @@
                           <a:latin typeface="Lucida Console" pitchFamily="49" charset="0"/>
                           <a:cs typeface="Times New Roman" pitchFamily="18" charset="0"/>
                         </a:rPr>
-                        <a:t>)</a:t>
-                      </a:r>
-                      <a:endParaRPr lang="en-US" baseline="0" dirty="0" smtClean="0">
-                        <a:solidFill>
-                          <a:schemeClr val="tx1"/>
-                        </a:solidFill>
-                        <a:latin typeface="Lucida Console" pitchFamily="49" charset="0"/>
-                        <a:cs typeface="Times New Roman" pitchFamily="18" charset="0"/>
-                      </a:endParaRPr>
-                    </a:p>
-                    <a:p>
-                      <a:r>
-                        <a:rPr lang="en-US" baseline="0" dirty="0" smtClean="0">
-                          <a:solidFill>
-                            <a:schemeClr val="tx1"/>
-                          </a:solidFill>
-                          <a:latin typeface="Lucida Console" pitchFamily="49" charset="0"/>
-                          <a:cs typeface="Times New Roman" pitchFamily="18" charset="0"/>
-                        </a:rPr>
-                        <a:t>      09 </a:t>
-                      </a:r>
-                      <a:r>
-                        <a:rPr lang="en-US" baseline="0" dirty="0" smtClean="0">
-                          <a:solidFill>
-                            <a:schemeClr val="tx1"/>
-                          </a:solidFill>
-                          <a:latin typeface="Lucida Console" pitchFamily="49" charset="0"/>
-                          <a:cs typeface="Times New Roman" pitchFamily="18" charset="0"/>
-                        </a:rPr>
-                        <a:t>   assert</a:t>
-                      </a:r>
-                      <a:r>
-                        <a:rPr lang="en-US" baseline="0" dirty="0" smtClean="0">
-                          <a:solidFill>
-                            <a:schemeClr val="tx1"/>
-                          </a:solidFill>
-                          <a:latin typeface="Lucida Console" pitchFamily="49" charset="0"/>
-                          <a:cs typeface="Times New Roman" pitchFamily="18" charset="0"/>
-                        </a:rPr>
-                        <a:t>(a == 4);</a:t>
+                        <a:t>      09    assert(a == 4);</a:t>
                       </a:r>
                     </a:p>
                     <a:p>
@@ -21926,7 +21767,7 @@
   <p:timing>
     <p:tnLst>
       <p:par>
-        <p:cTn xmlns:p14="http://schemas.microsoft.com/office/powerpoint/2010/main" id="1" dur="indefinite" restart="never" nodeType="tmRoot"/>
+        <p:cTn id="1" dur="indefinite" restart="never" nodeType="tmRoot"/>
       </p:par>
     </p:tnLst>
   </p:timing>
@@ -23285,7 +23126,7 @@
   <p:timing>
     <p:tnLst>
       <p:par>
-        <p:cTn xmlns:p14="http://schemas.microsoft.com/office/powerpoint/2010/main" id="1" dur="indefinite" restart="never" nodeType="tmRoot"/>
+        <p:cTn id="1" dur="indefinite" restart="never" nodeType="tmRoot"/>
       </p:par>
     </p:tnLst>
   </p:timing>
@@ -24787,7 +24628,7 @@
   <p:timing>
     <p:tnLst>
       <p:par>
-        <p:cTn xmlns:p14="http://schemas.microsoft.com/office/powerpoint/2010/main" id="1" dur="indefinite" restart="never" nodeType="tmRoot"/>
+        <p:cTn id="1" dur="indefinite" restart="never" nodeType="tmRoot"/>
       </p:par>
     </p:tnLst>
   </p:timing>
@@ -25165,7 +25006,7 @@
   <p:timing>
     <p:tnLst>
       <p:par>
-        <p:cTn xmlns:p14="http://schemas.microsoft.com/office/powerpoint/2010/main" id="1" dur="indefinite" restart="never" nodeType="tmRoot"/>
+        <p:cTn id="1" dur="indefinite" restart="never" nodeType="tmRoot"/>
       </p:par>
     </p:tnLst>
   </p:timing>
@@ -25228,7 +25069,7 @@
         </p:nvGraphicFramePr>
         <p:xfrm>
           <a:off x="1524000" y="2895600"/>
-          <a:ext cx="6096000" cy="1285239"/>
+          <a:ext cx="6096000" cy="1285240"/>
         </p:xfrm>
         <a:graphic>
           <a:graphicData uri="http://schemas.openxmlformats.org/drawingml/2006/table">
@@ -25542,7 +25383,7 @@
   <p:timing>
     <p:tnLst>
       <p:par>
-        <p:cTn xmlns:p14="http://schemas.microsoft.com/office/powerpoint/2010/main" id="1" dur="indefinite" restart="never" nodeType="tmRoot"/>
+        <p:cTn id="1" dur="indefinite" restart="never" nodeType="tmRoot"/>
       </p:par>
     </p:tnLst>
   </p:timing>
@@ -25959,7 +25800,7 @@
   <p:timing>
     <p:tnLst>
       <p:par>
-        <p:cTn xmlns:p14="http://schemas.microsoft.com/office/powerpoint/2010/main" id="1" dur="indefinite" restart="never" nodeType="tmRoot"/>
+        <p:cTn id="1" dur="indefinite" restart="never" nodeType="tmRoot"/>
       </p:par>
     </p:tnLst>
   </p:timing>
@@ -26680,7 +26521,7 @@
   <p:timing>
     <p:tnLst>
       <p:par>
-        <p:cTn xmlns:p14="http://schemas.microsoft.com/office/powerpoint/2010/main" id="1" dur="indefinite" restart="never" nodeType="tmRoot"/>
+        <p:cTn id="1" dur="indefinite" restart="never" nodeType="tmRoot"/>
       </p:par>
     </p:tnLst>
   </p:timing>
@@ -26736,14 +26577,14 @@
           <p:nvPr>
             <p:extLst>
               <p:ext uri="{D42A27DB-BD31-4B8C-83A1-F6EECF244321}">
-                <p14:modId xmlns:p14="http://schemas.microsoft.com/office/powerpoint/2010/main" val="3729988617"/>
+                <p14:modId xmlns:p14="http://schemas.microsoft.com/office/powerpoint/2010/main" val="4158357752"/>
               </p:ext>
             </p:extLst>
           </p:nvPr>
         </p:nvGraphicFramePr>
         <p:xfrm>
           <a:off x="1524000" y="1651000"/>
-          <a:ext cx="6553200" cy="1849120"/>
+          <a:ext cx="6553200" cy="2926080"/>
         </p:xfrm>
         <a:graphic>
           <a:graphicData uri="http://schemas.openxmlformats.org/drawingml/2006/table">
@@ -26946,7 +26787,28 @@
                           </a:solidFill>
                           <a:latin typeface="Lucida Console" pitchFamily="49" charset="0"/>
                         </a:rPr>
-                        <a:t>(*,a,&amp;h1)</a:t>
+                        <a:t>(*,a,&amp;h1</a:t>
+                      </a:r>
+                      <a:r>
+                        <a:rPr lang="en-US" dirty="0" smtClean="0">
+                          <a:solidFill>
+                            <a:schemeClr val="tx1"/>
+                          </a:solidFill>
+                          <a:latin typeface="Lucida Console" pitchFamily="49" charset="0"/>
+                        </a:rPr>
+                        <a:t>)</a:t>
+                      </a:r>
+                    </a:p>
+                    <a:p>
+                      <a:pPr algn="l"/>
+                      <a:r>
+                        <a:rPr lang="en-US" dirty="0" smtClean="0">
+                          <a:solidFill>
+                            <a:schemeClr val="tx1"/>
+                          </a:solidFill>
+                          <a:latin typeface="Lucida Console" pitchFamily="49" charset="0"/>
+                        </a:rPr>
+                        <a:t>W(&amp;h1)</a:t>
                       </a:r>
                       <a:endParaRPr lang="en-US" dirty="0">
                         <a:solidFill>
@@ -27012,7 +26874,27 @@
                           </a:solidFill>
                           <a:latin typeface="Lucida Console" pitchFamily="49" charset="0"/>
                         </a:rPr>
-                        <a:t>(0,”2”,&amp;h5)</a:t>
+                        <a:t>(0,”2”,&amp;h5</a:t>
+                      </a:r>
+                      <a:r>
+                        <a:rPr lang="en-US" dirty="0" smtClean="0">
+                          <a:solidFill>
+                            <a:schemeClr val="tx1"/>
+                          </a:solidFill>
+                          <a:latin typeface="Lucida Console" pitchFamily="49" charset="0"/>
+                        </a:rPr>
+                        <a:t>)</a:t>
+                      </a:r>
+                    </a:p>
+                    <a:p>
+                      <a:r>
+                        <a:rPr lang="en-US" dirty="0" smtClean="0">
+                          <a:solidFill>
+                            <a:schemeClr val="tx1"/>
+                          </a:solidFill>
+                          <a:latin typeface="Lucida Console" pitchFamily="49" charset="0"/>
+                        </a:rPr>
+                        <a:t>W(&amp;h5)</a:t>
                       </a:r>
                       <a:endParaRPr lang="en-US" dirty="0">
                         <a:solidFill>
@@ -27078,7 +26960,27 @@
                           </a:solidFill>
                           <a:latin typeface="Lucida Console" pitchFamily="49" charset="0"/>
                         </a:rPr>
-                        <a:t>(0,”4”,&amp;h8)</a:t>
+                        <a:t>(0,”4”,&amp;h8</a:t>
+                      </a:r>
+                      <a:r>
+                        <a:rPr lang="en-US" dirty="0" smtClean="0">
+                          <a:solidFill>
+                            <a:schemeClr val="tx1"/>
+                          </a:solidFill>
+                          <a:latin typeface="Lucida Console" pitchFamily="49" charset="0"/>
+                        </a:rPr>
+                        <a:t>)</a:t>
+                      </a:r>
+                    </a:p>
+                    <a:p>
+                      <a:r>
+                        <a:rPr lang="en-US" dirty="0" smtClean="0">
+                          <a:solidFill>
+                            <a:schemeClr val="tx1"/>
+                          </a:solidFill>
+                          <a:latin typeface="Lucida Console" pitchFamily="49" charset="0"/>
+                        </a:rPr>
+                        <a:t>W(&amp;h8)</a:t>
                       </a:r>
                       <a:endParaRPr lang="en-US" dirty="0">
                         <a:solidFill>
@@ -27163,46 +27065,18 @@
                           </a:solidFill>
                           <a:latin typeface="Lucida Console" pitchFamily="49" charset="0"/>
                         </a:rPr>
-                        <a:t>(*,b,&amp;h2)</a:t>
-                      </a:r>
-                      <a:endParaRPr lang="en-US" dirty="0">
-                        <a:solidFill>
-                          <a:schemeClr val="tx1"/>
-                        </a:solidFill>
-                        <a:latin typeface="Lucida Console" pitchFamily="49" charset="0"/>
-                      </a:endParaRPr>
-                    </a:p>
-                  </a:txBody>
-                  <a:tcPr>
-                    <a:lnL w="12700" cmpd="sng">
-                      <a:noFill/>
-                    </a:lnL>
-                    <a:lnR w="12700" cmpd="sng">
-                      <a:noFill/>
-                    </a:lnR>
-                    <a:lnT w="12700" cmpd="sng">
-                      <a:noFill/>
-                    </a:lnT>
-                    <a:lnB w="12700" cmpd="sng">
-                      <a:noFill/>
-                    </a:lnB>
-                    <a:lnTlToBr w="12700" cmpd="sng">
-                      <a:noFill/>
-                      <a:prstDash val="solid"/>
-                    </a:lnTlToBr>
-                    <a:lnBlToTr w="12700" cmpd="sng">
-                      <a:noFill/>
-                      <a:prstDash val="solid"/>
-                    </a:lnBlToTr>
-                    <a:solidFill>
-                      <a:schemeClr val="bg1"/>
-                    </a:solidFill>
-                  </a:tcPr>
-                </a:tc>
-                <a:tc>
-                  <a:txBody>
-                    <a:bodyPr/>
-                    <a:lstStyle/>
+                        <a:t>(*,b,&amp;h2</a:t>
+                      </a:r>
+                      <a:r>
+                        <a:rPr lang="en-US" dirty="0" smtClean="0">
+                          <a:solidFill>
+                            <a:schemeClr val="tx1"/>
+                          </a:solidFill>
+                          <a:latin typeface="Lucida Console" pitchFamily="49" charset="0"/>
+                        </a:rPr>
+                        <a:t>)</a:t>
+                      </a:r>
+                    </a:p>
                     <a:p>
                       <a:pPr marL="0" marR="0" indent="0" algn="l" defTabSz="914400" rtl="0" eaLnBrk="1" fontAlgn="auto" latinLnBrk="0" hangingPunct="1">
                         <a:lnSpc>
@@ -27228,25 +27102,7 @@
                           </a:solidFill>
                           <a:latin typeface="Lucida Console" pitchFamily="49" charset="0"/>
                         </a:rPr>
-                        <a:t>R</a:t>
-                      </a:r>
-                      <a:r>
-                        <a:rPr lang="en-US" baseline="-25000" dirty="0" smtClean="0">
-                          <a:solidFill>
-                            <a:schemeClr val="tx1"/>
-                          </a:solidFill>
-                          <a:latin typeface="Lucida Console" pitchFamily="49" charset="0"/>
-                        </a:rPr>
-                        <a:t>1,2</a:t>
-                      </a:r>
-                      <a:r>
-                        <a:rPr lang="en-US" dirty="0" smtClean="0">
-                          <a:solidFill>
-                            <a:schemeClr val="tx1"/>
-                          </a:solidFill>
-                          <a:latin typeface="Lucida Console" pitchFamily="49" charset="0"/>
-                        </a:rPr>
-                        <a:t>(*,d,&amp;h6)</a:t>
+                        <a:t>W(&amp;h2)</a:t>
                       </a:r>
                       <a:endParaRPr lang="en-US" dirty="0">
                         <a:solidFill>
@@ -27282,47 +27138,6 @@
                     </a:solidFill>
                   </a:tcPr>
                 </a:tc>
-                <a:tc>
-                  <a:txBody>
-                    <a:bodyPr/>
-                    <a:lstStyle/>
-                    <a:p>
-                      <a:endParaRPr lang="en-US" dirty="0">
-                        <a:solidFill>
-                          <a:schemeClr val="tx1"/>
-                        </a:solidFill>
-                        <a:latin typeface="Lucida Console" pitchFamily="49" charset="0"/>
-                      </a:endParaRPr>
-                    </a:p>
-                  </a:txBody>
-                  <a:tcPr>
-                    <a:lnL w="12700" cmpd="sng">
-                      <a:noFill/>
-                    </a:lnL>
-                    <a:lnR w="12700" cmpd="sng">
-                      <a:noFill/>
-                    </a:lnR>
-                    <a:lnT w="12700" cmpd="sng">
-                      <a:noFill/>
-                    </a:lnT>
-                    <a:lnB w="12700" cmpd="sng">
-                      <a:noFill/>
-                    </a:lnB>
-                    <a:lnTlToBr w="12700" cmpd="sng">
-                      <a:noFill/>
-                      <a:prstDash val="solid"/>
-                    </a:lnTlToBr>
-                    <a:lnBlToTr w="12700" cmpd="sng">
-                      <a:noFill/>
-                      <a:prstDash val="solid"/>
-                    </a:lnBlToTr>
-                    <a:solidFill>
-                      <a:schemeClr val="bg1"/>
-                    </a:solidFill>
-                  </a:tcPr>
-                </a:tc>
-              </a:tr>
-              <a:tr h="370840">
                 <a:tc>
                   <a:txBody>
                     <a:bodyPr/>
@@ -27352,7 +27167,7 @@
                           </a:solidFill>
                           <a:latin typeface="Lucida Console" pitchFamily="49" charset="0"/>
                         </a:rPr>
-                        <a:t>S</a:t>
+                        <a:t>R</a:t>
                       </a:r>
                       <a:r>
                         <a:rPr lang="en-US" baseline="-25000" dirty="0" smtClean="0">
@@ -27361,7 +27176,7 @@
                           </a:solidFill>
                           <a:latin typeface="Lucida Console" pitchFamily="49" charset="0"/>
                         </a:rPr>
-                        <a:t>0,3</a:t>
+                        <a:t>1,2</a:t>
                       </a:r>
                       <a:r>
                         <a:rPr lang="en-US" dirty="0" smtClean="0">
@@ -27370,46 +27185,18 @@
                           </a:solidFill>
                           <a:latin typeface="Lucida Console" pitchFamily="49" charset="0"/>
                         </a:rPr>
-                        <a:t>(1,”1”,&amp;h3)</a:t>
-                      </a:r>
-                      <a:endParaRPr lang="en-US" dirty="0">
-                        <a:solidFill>
-                          <a:schemeClr val="tx1"/>
-                        </a:solidFill>
-                        <a:latin typeface="Lucida Console" pitchFamily="49" charset="0"/>
-                      </a:endParaRPr>
-                    </a:p>
-                  </a:txBody>
-                  <a:tcPr>
-                    <a:lnL w="12700" cmpd="sng">
-                      <a:noFill/>
-                    </a:lnL>
-                    <a:lnR w="12700" cmpd="sng">
-                      <a:noFill/>
-                    </a:lnR>
-                    <a:lnT w="12700" cmpd="sng">
-                      <a:noFill/>
-                    </a:lnT>
-                    <a:lnB w="12700" cmpd="sng">
-                      <a:noFill/>
-                    </a:lnB>
-                    <a:lnTlToBr w="12700" cmpd="sng">
-                      <a:noFill/>
-                      <a:prstDash val="solid"/>
-                    </a:lnTlToBr>
-                    <a:lnBlToTr w="12700" cmpd="sng">
-                      <a:noFill/>
-                      <a:prstDash val="solid"/>
-                    </a:lnBlToTr>
-                    <a:solidFill>
-                      <a:schemeClr val="bg1"/>
-                    </a:solidFill>
-                  </a:tcPr>
-                </a:tc>
-                <a:tc>
-                  <a:txBody>
-                    <a:bodyPr/>
-                    <a:lstStyle/>
+                        <a:t>(*,d,&amp;h6</a:t>
+                      </a:r>
+                      <a:r>
+                        <a:rPr lang="en-US" dirty="0" smtClean="0">
+                          <a:solidFill>
+                            <a:schemeClr val="tx1"/>
+                          </a:solidFill>
+                          <a:latin typeface="Lucida Console" pitchFamily="49" charset="0"/>
+                        </a:rPr>
+                        <a:t>)</a:t>
+                      </a:r>
+                    </a:p>
                     <a:p>
                       <a:pPr marL="0" marR="0" indent="0" algn="l" defTabSz="914400" rtl="0" eaLnBrk="1" fontAlgn="auto" latinLnBrk="0" hangingPunct="1">
                         <a:lnSpc>
@@ -27435,25 +27222,7 @@
                           </a:solidFill>
                           <a:latin typeface="Lucida Console" pitchFamily="49" charset="0"/>
                         </a:rPr>
-                        <a:t>S</a:t>
-                      </a:r>
-                      <a:r>
-                        <a:rPr lang="en-US" baseline="-25000" dirty="0" smtClean="0">
-                          <a:solidFill>
-                            <a:schemeClr val="tx1"/>
-                          </a:solidFill>
-                          <a:latin typeface="Lucida Console" pitchFamily="49" charset="0"/>
-                        </a:rPr>
-                        <a:t>1,3</a:t>
-                      </a:r>
-                      <a:r>
-                        <a:rPr lang="en-US" dirty="0" smtClean="0">
-                          <a:solidFill>
-                            <a:schemeClr val="tx1"/>
-                          </a:solidFill>
-                          <a:latin typeface="Lucida Console" pitchFamily="49" charset="0"/>
-                        </a:rPr>
-                        <a:t>(0,”3”,&amp;h7)</a:t>
+                        <a:t>W(&amp;h6)</a:t>
                       </a:r>
                       <a:endParaRPr lang="en-US" dirty="0">
                         <a:solidFill>
@@ -27559,6 +27328,287 @@
                           </a:solidFill>
                           <a:latin typeface="Lucida Console" pitchFamily="49" charset="0"/>
                         </a:rPr>
+                        <a:t>S</a:t>
+                      </a:r>
+                      <a:r>
+                        <a:rPr lang="en-US" baseline="-25000" dirty="0" smtClean="0">
+                          <a:solidFill>
+                            <a:schemeClr val="tx1"/>
+                          </a:solidFill>
+                          <a:latin typeface="Lucida Console" pitchFamily="49" charset="0"/>
+                        </a:rPr>
+                        <a:t>0,3</a:t>
+                      </a:r>
+                      <a:r>
+                        <a:rPr lang="en-US" dirty="0" smtClean="0">
+                          <a:solidFill>
+                            <a:schemeClr val="tx1"/>
+                          </a:solidFill>
+                          <a:latin typeface="Lucida Console" pitchFamily="49" charset="0"/>
+                        </a:rPr>
+                        <a:t>(1,”1”,&amp;h3</a:t>
+                      </a:r>
+                      <a:r>
+                        <a:rPr lang="en-US" dirty="0" smtClean="0">
+                          <a:solidFill>
+                            <a:schemeClr val="tx1"/>
+                          </a:solidFill>
+                          <a:latin typeface="Lucida Console" pitchFamily="49" charset="0"/>
+                        </a:rPr>
+                        <a:t>)</a:t>
+                      </a:r>
+                    </a:p>
+                    <a:p>
+                      <a:pPr marL="0" marR="0" indent="0" algn="l" defTabSz="914400" rtl="0" eaLnBrk="1" fontAlgn="auto" latinLnBrk="0" hangingPunct="1">
+                        <a:lnSpc>
+                          <a:spcPct val="100000"/>
+                        </a:lnSpc>
+                        <a:spcBef>
+                          <a:spcPts val="0"/>
+                        </a:spcBef>
+                        <a:spcAft>
+                          <a:spcPts val="0"/>
+                        </a:spcAft>
+                        <a:buClrTx/>
+                        <a:buSzTx/>
+                        <a:buFontTx/>
+                        <a:buNone/>
+                        <a:tabLst/>
+                        <a:defRPr/>
+                      </a:pPr>
+                      <a:r>
+                        <a:rPr lang="en-US" dirty="0" smtClean="0">
+                          <a:solidFill>
+                            <a:schemeClr val="tx1"/>
+                          </a:solidFill>
+                          <a:latin typeface="Lucida Console" pitchFamily="49" charset="0"/>
+                        </a:rPr>
+                        <a:t>W(&amp;h3)</a:t>
+                      </a:r>
+                      <a:endParaRPr lang="en-US" dirty="0">
+                        <a:solidFill>
+                          <a:schemeClr val="tx1"/>
+                        </a:solidFill>
+                        <a:latin typeface="Lucida Console" pitchFamily="49" charset="0"/>
+                      </a:endParaRPr>
+                    </a:p>
+                  </a:txBody>
+                  <a:tcPr>
+                    <a:lnL w="12700" cmpd="sng">
+                      <a:noFill/>
+                    </a:lnL>
+                    <a:lnR w="12700" cmpd="sng">
+                      <a:noFill/>
+                    </a:lnR>
+                    <a:lnT w="12700" cmpd="sng">
+                      <a:noFill/>
+                    </a:lnT>
+                    <a:lnB w="12700" cmpd="sng">
+                      <a:noFill/>
+                    </a:lnB>
+                    <a:lnTlToBr w="12700" cmpd="sng">
+                      <a:noFill/>
+                      <a:prstDash val="solid"/>
+                    </a:lnTlToBr>
+                    <a:lnBlToTr w="12700" cmpd="sng">
+                      <a:noFill/>
+                      <a:prstDash val="solid"/>
+                    </a:lnBlToTr>
+                    <a:solidFill>
+                      <a:schemeClr val="bg1"/>
+                    </a:solidFill>
+                  </a:tcPr>
+                </a:tc>
+                <a:tc>
+                  <a:txBody>
+                    <a:bodyPr/>
+                    <a:lstStyle/>
+                    <a:p>
+                      <a:pPr marL="0" marR="0" indent="0" algn="l" defTabSz="914400" rtl="0" eaLnBrk="1" fontAlgn="auto" latinLnBrk="0" hangingPunct="1">
+                        <a:lnSpc>
+                          <a:spcPct val="100000"/>
+                        </a:lnSpc>
+                        <a:spcBef>
+                          <a:spcPts val="0"/>
+                        </a:spcBef>
+                        <a:spcAft>
+                          <a:spcPts val="0"/>
+                        </a:spcAft>
+                        <a:buClrTx/>
+                        <a:buSzTx/>
+                        <a:buFontTx/>
+                        <a:buNone/>
+                        <a:tabLst/>
+                        <a:defRPr/>
+                      </a:pPr>
+                      <a:r>
+                        <a:rPr lang="en-US" dirty="0" smtClean="0">
+                          <a:solidFill>
+                            <a:schemeClr val="tx1"/>
+                          </a:solidFill>
+                          <a:latin typeface="Lucida Console" pitchFamily="49" charset="0"/>
+                        </a:rPr>
+                        <a:t>S</a:t>
+                      </a:r>
+                      <a:r>
+                        <a:rPr lang="en-US" baseline="-25000" dirty="0" smtClean="0">
+                          <a:solidFill>
+                            <a:schemeClr val="tx1"/>
+                          </a:solidFill>
+                          <a:latin typeface="Lucida Console" pitchFamily="49" charset="0"/>
+                        </a:rPr>
+                        <a:t>1,3</a:t>
+                      </a:r>
+                      <a:r>
+                        <a:rPr lang="en-US" dirty="0" smtClean="0">
+                          <a:solidFill>
+                            <a:schemeClr val="tx1"/>
+                          </a:solidFill>
+                          <a:latin typeface="Lucida Console" pitchFamily="49" charset="0"/>
+                        </a:rPr>
+                        <a:t>(0,”3”,&amp;h7</a:t>
+                      </a:r>
+                      <a:r>
+                        <a:rPr lang="en-US" dirty="0" smtClean="0">
+                          <a:solidFill>
+                            <a:schemeClr val="tx1"/>
+                          </a:solidFill>
+                          <a:latin typeface="Lucida Console" pitchFamily="49" charset="0"/>
+                        </a:rPr>
+                        <a:t>)</a:t>
+                      </a:r>
+                    </a:p>
+                    <a:p>
+                      <a:pPr marL="0" marR="0" indent="0" algn="l" defTabSz="914400" rtl="0" eaLnBrk="1" fontAlgn="auto" latinLnBrk="0" hangingPunct="1">
+                        <a:lnSpc>
+                          <a:spcPct val="100000"/>
+                        </a:lnSpc>
+                        <a:spcBef>
+                          <a:spcPts val="0"/>
+                        </a:spcBef>
+                        <a:spcAft>
+                          <a:spcPts val="0"/>
+                        </a:spcAft>
+                        <a:buClrTx/>
+                        <a:buSzTx/>
+                        <a:buFontTx/>
+                        <a:buNone/>
+                        <a:tabLst/>
+                        <a:defRPr/>
+                      </a:pPr>
+                      <a:r>
+                        <a:rPr lang="en-US" dirty="0" smtClean="0">
+                          <a:solidFill>
+                            <a:schemeClr val="tx1"/>
+                          </a:solidFill>
+                          <a:latin typeface="Lucida Console" pitchFamily="49" charset="0"/>
+                        </a:rPr>
+                        <a:t>W(&amp;h7)</a:t>
+                      </a:r>
+                      <a:endParaRPr lang="en-US" dirty="0">
+                        <a:solidFill>
+                          <a:schemeClr val="tx1"/>
+                        </a:solidFill>
+                        <a:latin typeface="Lucida Console" pitchFamily="49" charset="0"/>
+                      </a:endParaRPr>
+                    </a:p>
+                  </a:txBody>
+                  <a:tcPr>
+                    <a:lnL w="12700" cmpd="sng">
+                      <a:noFill/>
+                    </a:lnL>
+                    <a:lnR w="12700" cmpd="sng">
+                      <a:noFill/>
+                    </a:lnR>
+                    <a:lnT w="12700" cmpd="sng">
+                      <a:noFill/>
+                    </a:lnT>
+                    <a:lnB w="12700" cmpd="sng">
+                      <a:noFill/>
+                    </a:lnB>
+                    <a:lnTlToBr w="12700" cmpd="sng">
+                      <a:noFill/>
+                      <a:prstDash val="solid"/>
+                    </a:lnTlToBr>
+                    <a:lnBlToTr w="12700" cmpd="sng">
+                      <a:noFill/>
+                      <a:prstDash val="solid"/>
+                    </a:lnBlToTr>
+                    <a:solidFill>
+                      <a:schemeClr val="bg1"/>
+                    </a:solidFill>
+                  </a:tcPr>
+                </a:tc>
+                <a:tc>
+                  <a:txBody>
+                    <a:bodyPr/>
+                    <a:lstStyle/>
+                    <a:p>
+                      <a:endParaRPr lang="en-US" dirty="0">
+                        <a:solidFill>
+                          <a:schemeClr val="tx1"/>
+                        </a:solidFill>
+                        <a:latin typeface="Lucida Console" pitchFamily="49" charset="0"/>
+                      </a:endParaRPr>
+                    </a:p>
+                  </a:txBody>
+                  <a:tcPr>
+                    <a:lnL w="12700" cmpd="sng">
+                      <a:noFill/>
+                    </a:lnL>
+                    <a:lnR w="12700" cmpd="sng">
+                      <a:noFill/>
+                    </a:lnR>
+                    <a:lnT w="12700" cmpd="sng">
+                      <a:noFill/>
+                    </a:lnT>
+                    <a:lnB w="12700" cmpd="sng">
+                      <a:noFill/>
+                    </a:lnB>
+                    <a:lnTlToBr w="12700" cmpd="sng">
+                      <a:noFill/>
+                      <a:prstDash val="solid"/>
+                    </a:lnTlToBr>
+                    <a:lnBlToTr w="12700" cmpd="sng">
+                      <a:noFill/>
+                      <a:prstDash val="solid"/>
+                    </a:lnBlToTr>
+                    <a:solidFill>
+                      <a:schemeClr val="bg1"/>
+                    </a:solidFill>
+                  </a:tcPr>
+                </a:tc>
+              </a:tr>
+              <a:tr h="370840">
+                <a:tc>
+                  <a:txBody>
+                    <a:bodyPr/>
+                    <a:lstStyle/>
+                    <a:p>
+                      <a:pPr marL="0" marR="0" indent="0" algn="l" defTabSz="914400" rtl="0" eaLnBrk="1" fontAlgn="auto" latinLnBrk="0" hangingPunct="1">
+                        <a:lnSpc>
+                          <a:spcPct val="100000"/>
+                        </a:lnSpc>
+                        <a:spcBef>
+                          <a:spcPts val="0"/>
+                        </a:spcBef>
+                        <a:spcAft>
+                          <a:spcPts val="0"/>
+                        </a:spcAft>
+                        <a:buClrTx/>
+                        <a:buSzTx/>
+                        <a:buFontTx/>
+                        <a:buNone/>
+                        <a:tabLst/>
+                        <a:defRPr/>
+                      </a:pPr>
+                      <a:r>
+                        <a:rPr lang="en-US" dirty="0" smtClean="0">
+                          <a:solidFill>
+                            <a:schemeClr val="tx1"/>
+                          </a:solidFill>
+                          <a:latin typeface="Lucida Console" pitchFamily="49" charset="0"/>
+                        </a:rPr>
                         <a:t>R</a:t>
                       </a:r>
                       <a:r>
@@ -27577,7 +27627,44 @@
                           </a:solidFill>
                           <a:latin typeface="Lucida Console" pitchFamily="49" charset="0"/>
                         </a:rPr>
-                        <a:t>(*,c,&amp;h4)</a:t>
+                        <a:t>(*,c,&amp;h4</a:t>
+                      </a:r>
+                      <a:r>
+                        <a:rPr lang="en-US" dirty="0" smtClean="0">
+                          <a:solidFill>
+                            <a:schemeClr val="tx1"/>
+                          </a:solidFill>
+                          <a:latin typeface="Lucida Console" pitchFamily="49" charset="0"/>
+                        </a:rPr>
+                        <a:t>)</a:t>
+                      </a:r>
+                    </a:p>
+                    <a:p>
+                      <a:pPr marL="0" marR="0" indent="0" algn="l" defTabSz="914400" rtl="0" eaLnBrk="1" fontAlgn="auto" latinLnBrk="0" hangingPunct="1">
+                        <a:lnSpc>
+                          <a:spcPct val="100000"/>
+                        </a:lnSpc>
+                        <a:spcBef>
+                          <a:spcPts val="0"/>
+                        </a:spcBef>
+                        <a:spcAft>
+                          <a:spcPts val="0"/>
+                        </a:spcAft>
+                        <a:buClrTx/>
+                        <a:buSzTx/>
+                        <a:buFontTx/>
+                        <a:buNone/>
+                        <a:tabLst/>
+                        <a:defRPr/>
+                      </a:pPr>
+                      <a:r>
+                        <a:rPr lang="en-US" dirty="0" smtClean="0">
+                          <a:solidFill>
+                            <a:schemeClr val="tx1"/>
+                          </a:solidFill>
+                          <a:latin typeface="Lucida Console" pitchFamily="49" charset="0"/>
+                        </a:rPr>
+                        <a:t>W(&amp;h4)</a:t>
                       </a:r>
                       <a:endParaRPr lang="en-US" dirty="0">
                         <a:solidFill>
@@ -27709,7 +27796,7 @@
   <p:timing>
     <p:tnLst>
       <p:par>
-        <p:cTn xmlns:p14="http://schemas.microsoft.com/office/powerpoint/2010/main" id="1" dur="indefinite" restart="never" nodeType="tmRoot"/>
+        <p:cTn id="1" dur="indefinite" restart="never" nodeType="tmRoot"/>
       </p:par>
     </p:tnLst>
   </p:timing>
@@ -29312,18 +29399,18 @@
   <p:clrMapOvr>
     <a:masterClrMapping/>
   </p:clrMapOvr>
-  <mc:AlternateContent xmlns:mc="http://schemas.openxmlformats.org/markup-compatibility/2006">
-    <mc:Choice xmlns:p14="http://schemas.microsoft.com/office/powerpoint/2010/main" Requires="p14">
+  <mc:AlternateContent xmlns:mc="http://schemas.openxmlformats.org/markup-compatibility/2006" xmlns:p14="http://schemas.microsoft.com/office/powerpoint/2010/main">
+    <mc:Choice Requires="p14">
       <p:transition spd="slow" p14:dur="2000"/>
     </mc:Choice>
-    <mc:Fallback>
+    <mc:Fallback xmlns="">
       <p:transition xmlns:p14="http://schemas.microsoft.com/office/powerpoint/2010/main" spd="slow"/>
     </mc:Fallback>
   </mc:AlternateContent>
   <p:timing>
     <p:tnLst>
       <p:par>
-        <p:cTn xmlns:p14="http://schemas.microsoft.com/office/powerpoint/2010/main" id="1" dur="indefinite" restart="never" nodeType="tmRoot"/>
+        <p:cTn id="1" dur="indefinite" restart="never" nodeType="tmRoot"/>
       </p:par>
     </p:tnLst>
   </p:timing>
@@ -29356,14 +29443,14 @@
           <p:nvPr>
             <p:extLst>
               <p:ext uri="{D42A27DB-BD31-4B8C-83A1-F6EECF244321}">
-                <p14:modId xmlns:p14="http://schemas.microsoft.com/office/powerpoint/2010/main" val="1249103845"/>
+                <p14:modId xmlns:p14="http://schemas.microsoft.com/office/powerpoint/2010/main" val="10711112"/>
               </p:ext>
             </p:extLst>
           </p:nvPr>
         </p:nvGraphicFramePr>
         <p:xfrm>
           <a:off x="1524000" y="1651000"/>
-          <a:ext cx="6553200" cy="1849120"/>
+          <a:ext cx="6553200" cy="2926080"/>
         </p:xfrm>
         <a:graphic>
           <a:graphicData uri="http://schemas.openxmlformats.org/drawingml/2006/table">
@@ -29575,14 +29662,35 @@
                           </a:solidFill>
                           <a:latin typeface="Lucida Console" pitchFamily="49" charset="0"/>
                         </a:rPr>
-                        <a:t>(*,a,&amp;h1)</a:t>
+                        <a:t>(*,a,&amp;h1</a:t>
+                      </a:r>
+                      <a:r>
+                        <a:rPr lang="en-US" dirty="0" smtClean="0">
+                          <a:solidFill>
+                            <a:schemeClr val="accent2">
+                              <a:lumMod val="60000"/>
+                              <a:lumOff val="40000"/>
+                            </a:schemeClr>
+                          </a:solidFill>
+                          <a:latin typeface="Lucida Console" pitchFamily="49" charset="0"/>
+                        </a:rPr>
+                        <a:t>)</a:t>
+                      </a:r>
+                    </a:p>
+                    <a:p>
+                      <a:pPr algn="l"/>
+                      <a:r>
+                        <a:rPr lang="en-US" dirty="0" smtClean="0">
+                          <a:solidFill>
+                            <a:schemeClr val="tx1"/>
+                          </a:solidFill>
+                          <a:latin typeface="Lucida Console" pitchFamily="49" charset="0"/>
+                        </a:rPr>
+                        <a:t>W(&amp;h1)</a:t>
                       </a:r>
                       <a:endParaRPr lang="en-US" dirty="0">
                         <a:solidFill>
-                          <a:schemeClr val="accent2">
-                            <a:lumMod val="60000"/>
-                            <a:lumOff val="40000"/>
-                          </a:schemeClr>
+                          <a:schemeClr val="tx1"/>
                         </a:solidFill>
                         <a:latin typeface="Lucida Console" pitchFamily="49" charset="0"/>
                       </a:endParaRPr>
@@ -29653,14 +29761,34 @@
                           </a:solidFill>
                           <a:latin typeface="Lucida Console" pitchFamily="49" charset="0"/>
                         </a:rPr>
-                        <a:t>(0,”2”,&amp;h5)</a:t>
+                        <a:t>(0,”2”,&amp;h5</a:t>
+                      </a:r>
+                      <a:r>
+                        <a:rPr lang="en-US" dirty="0" smtClean="0">
+                          <a:solidFill>
+                            <a:schemeClr val="accent2">
+                              <a:lumMod val="60000"/>
+                              <a:lumOff val="40000"/>
+                            </a:schemeClr>
+                          </a:solidFill>
+                          <a:latin typeface="Lucida Console" pitchFamily="49" charset="0"/>
+                        </a:rPr>
+                        <a:t>)</a:t>
+                      </a:r>
+                    </a:p>
+                    <a:p>
+                      <a:r>
+                        <a:rPr lang="en-US" dirty="0" smtClean="0">
+                          <a:solidFill>
+                            <a:schemeClr val="tx1"/>
+                          </a:solidFill>
+                          <a:latin typeface="Lucida Console" pitchFamily="49" charset="0"/>
+                        </a:rPr>
+                        <a:t>W(&amp;h5)</a:t>
                       </a:r>
                       <a:endParaRPr lang="en-US" dirty="0">
                         <a:solidFill>
-                          <a:schemeClr val="accent2">
-                            <a:lumMod val="60000"/>
-                            <a:lumOff val="40000"/>
-                          </a:schemeClr>
+                          <a:schemeClr val="tx1"/>
                         </a:solidFill>
                         <a:latin typeface="Lucida Console" pitchFamily="49" charset="0"/>
                       </a:endParaRPr>
@@ -29731,14 +29859,34 @@
                           </a:solidFill>
                           <a:latin typeface="Lucida Console" pitchFamily="49" charset="0"/>
                         </a:rPr>
-                        <a:t>(0,”4”,&amp;h8)</a:t>
+                        <a:t>(0,”4”,&amp;h8</a:t>
+                      </a:r>
+                      <a:r>
+                        <a:rPr lang="en-US" dirty="0" smtClean="0">
+                          <a:solidFill>
+                            <a:schemeClr val="accent2">
+                              <a:lumMod val="60000"/>
+                              <a:lumOff val="40000"/>
+                            </a:schemeClr>
+                          </a:solidFill>
+                          <a:latin typeface="Lucida Console" pitchFamily="49" charset="0"/>
+                        </a:rPr>
+                        <a:t>)</a:t>
+                      </a:r>
+                    </a:p>
+                    <a:p>
+                      <a:r>
+                        <a:rPr lang="en-US" dirty="0" smtClean="0">
+                          <a:solidFill>
+                            <a:schemeClr val="tx1"/>
+                          </a:solidFill>
+                          <a:latin typeface="Lucida Console" pitchFamily="49" charset="0"/>
+                        </a:rPr>
+                        <a:t>W(&amp;h8)</a:t>
                       </a:r>
                       <a:endParaRPr lang="en-US" dirty="0">
                         <a:solidFill>
-                          <a:schemeClr val="accent2">
-                            <a:lumMod val="60000"/>
-                            <a:lumOff val="40000"/>
-                          </a:schemeClr>
+                          <a:schemeClr val="tx1"/>
                         </a:solidFill>
                         <a:latin typeface="Lucida Console" pitchFamily="49" charset="0"/>
                       </a:endParaRPr>
@@ -29828,49 +29976,21 @@
                           </a:solidFill>
                           <a:latin typeface="Lucida Console" pitchFamily="49" charset="0"/>
                         </a:rPr>
-                        <a:t>(*,b,&amp;h2)</a:t>
-                      </a:r>
-                      <a:endParaRPr lang="en-US" dirty="0">
-                        <a:solidFill>
-                          <a:schemeClr val="accent2">
-                            <a:lumMod val="60000"/>
-                            <a:lumOff val="40000"/>
-                          </a:schemeClr>
-                        </a:solidFill>
-                        <a:latin typeface="Lucida Console" pitchFamily="49" charset="0"/>
-                      </a:endParaRPr>
-                    </a:p>
-                  </a:txBody>
-                  <a:tcPr>
-                    <a:lnL w="12700" cmpd="sng">
-                      <a:noFill/>
-                    </a:lnL>
-                    <a:lnR w="12700" cmpd="sng">
-                      <a:noFill/>
-                    </a:lnR>
-                    <a:lnT w="12700" cmpd="sng">
-                      <a:noFill/>
-                    </a:lnT>
-                    <a:lnB w="12700" cmpd="sng">
-                      <a:noFill/>
-                    </a:lnB>
-                    <a:lnTlToBr w="12700" cmpd="sng">
-                      <a:noFill/>
-                      <a:prstDash val="solid"/>
-                    </a:lnTlToBr>
-                    <a:lnBlToTr w="12700" cmpd="sng">
-                      <a:noFill/>
-                      <a:prstDash val="solid"/>
-                    </a:lnBlToTr>
-                    <a:solidFill>
-                      <a:schemeClr val="bg1"/>
-                    </a:solidFill>
-                  </a:tcPr>
-                </a:tc>
-                <a:tc>
-                  <a:txBody>
-                    <a:bodyPr/>
-                    <a:lstStyle/>
+                        <a:t>(*,b,&amp;h2</a:t>
+                      </a:r>
+                      <a:r>
+                        <a:rPr lang="en-US" dirty="0" smtClean="0">
+                          <a:solidFill>
+                            <a:schemeClr val="accent2">
+                              <a:lumMod val="60000"/>
+                              <a:lumOff val="40000"/>
+                            </a:schemeClr>
+                          </a:solidFill>
+                          <a:latin typeface="Lucida Console" pitchFamily="49" charset="0"/>
+                        </a:rPr>
+                        <a:t>)</a:t>
+                      </a:r>
+                    </a:p>
                     <a:p>
                       <a:pPr marL="0" marR="0" indent="0" algn="l" defTabSz="914400" rtl="0" eaLnBrk="1" fontAlgn="auto" latinLnBrk="0" hangingPunct="1">
                         <a:lnSpc>
@@ -29892,45 +30012,15 @@
                       <a:r>
                         <a:rPr lang="en-US" dirty="0" smtClean="0">
                           <a:solidFill>
-                            <a:schemeClr val="accent1">
-                              <a:lumMod val="60000"/>
-                              <a:lumOff val="40000"/>
-                            </a:schemeClr>
-                          </a:solidFill>
-                          <a:latin typeface="Lucida Console" pitchFamily="49" charset="0"/>
-                        </a:rPr>
-                        <a:t>R</a:t>
-                      </a:r>
-                      <a:r>
-                        <a:rPr lang="en-US" baseline="-25000" dirty="0" smtClean="0">
-                          <a:solidFill>
-                            <a:schemeClr val="accent1">
-                              <a:lumMod val="60000"/>
-                              <a:lumOff val="40000"/>
-                            </a:schemeClr>
-                          </a:solidFill>
-                          <a:latin typeface="Lucida Console" pitchFamily="49" charset="0"/>
-                        </a:rPr>
-                        <a:t>1,2</a:t>
-                      </a:r>
-                      <a:r>
-                        <a:rPr lang="en-US" dirty="0" smtClean="0">
-                          <a:solidFill>
-                            <a:schemeClr val="accent1">
-                              <a:lumMod val="60000"/>
-                              <a:lumOff val="40000"/>
-                            </a:schemeClr>
-                          </a:solidFill>
-                          <a:latin typeface="Lucida Console" pitchFamily="49" charset="0"/>
-                        </a:rPr>
-                        <a:t>(*,d,&amp;h6)</a:t>
+                            <a:schemeClr val="tx1"/>
+                          </a:solidFill>
+                          <a:latin typeface="Lucida Console" pitchFamily="49" charset="0"/>
+                        </a:rPr>
+                        <a:t>W(&amp;h2)</a:t>
                       </a:r>
                       <a:endParaRPr lang="en-US" dirty="0">
                         <a:solidFill>
-                          <a:schemeClr val="accent1">
-                            <a:lumMod val="60000"/>
-                            <a:lumOff val="40000"/>
-                          </a:schemeClr>
+                          <a:schemeClr val="tx1"/>
                         </a:solidFill>
                         <a:latin typeface="Lucida Console" pitchFamily="49" charset="0"/>
                       </a:endParaRPr>
@@ -29962,47 +30052,6 @@
                     </a:solidFill>
                   </a:tcPr>
                 </a:tc>
-                <a:tc>
-                  <a:txBody>
-                    <a:bodyPr/>
-                    <a:lstStyle/>
-                    <a:p>
-                      <a:endParaRPr lang="en-US" dirty="0">
-                        <a:solidFill>
-                          <a:schemeClr val="tx1"/>
-                        </a:solidFill>
-                        <a:latin typeface="Lucida Console" pitchFamily="49" charset="0"/>
-                      </a:endParaRPr>
-                    </a:p>
-                  </a:txBody>
-                  <a:tcPr>
-                    <a:lnL w="12700" cmpd="sng">
-                      <a:noFill/>
-                    </a:lnL>
-                    <a:lnR w="12700" cmpd="sng">
-                      <a:noFill/>
-                    </a:lnR>
-                    <a:lnT w="12700" cmpd="sng">
-                      <a:noFill/>
-                    </a:lnT>
-                    <a:lnB w="12700" cmpd="sng">
-                      <a:noFill/>
-                    </a:lnB>
-                    <a:lnTlToBr w="12700" cmpd="sng">
-                      <a:noFill/>
-                      <a:prstDash val="solid"/>
-                    </a:lnTlToBr>
-                    <a:lnBlToTr w="12700" cmpd="sng">
-                      <a:noFill/>
-                      <a:prstDash val="solid"/>
-                    </a:lnBlToTr>
-                    <a:solidFill>
-                      <a:schemeClr val="bg1"/>
-                    </a:solidFill>
-                  </a:tcPr>
-                </a:tc>
-              </a:tr>
-              <a:tr h="370840">
                 <a:tc>
                   <a:txBody>
                     <a:bodyPr/>
@@ -30035,7 +30084,7 @@
                           </a:solidFill>
                           <a:latin typeface="Lucida Console" pitchFamily="49" charset="0"/>
                         </a:rPr>
-                        <a:t>S</a:t>
+                        <a:t>R</a:t>
                       </a:r>
                       <a:r>
                         <a:rPr lang="en-US" baseline="-25000" dirty="0" smtClean="0">
@@ -30047,7 +30096,7 @@
                           </a:solidFill>
                           <a:latin typeface="Lucida Console" pitchFamily="49" charset="0"/>
                         </a:rPr>
-                        <a:t>0,3</a:t>
+                        <a:t>1,2</a:t>
                       </a:r>
                       <a:r>
                         <a:rPr lang="en-US" dirty="0" smtClean="0">
@@ -30059,49 +30108,21 @@
                           </a:solidFill>
                           <a:latin typeface="Lucida Console" pitchFamily="49" charset="0"/>
                         </a:rPr>
-                        <a:t>(1,”1”,&amp;h3)</a:t>
-                      </a:r>
-                      <a:endParaRPr lang="en-US" dirty="0">
-                        <a:solidFill>
-                          <a:schemeClr val="accent1">
-                            <a:lumMod val="60000"/>
-                            <a:lumOff val="40000"/>
-                          </a:schemeClr>
-                        </a:solidFill>
-                        <a:latin typeface="Lucida Console" pitchFamily="49" charset="0"/>
-                      </a:endParaRPr>
-                    </a:p>
-                  </a:txBody>
-                  <a:tcPr>
-                    <a:lnL w="12700" cmpd="sng">
-                      <a:noFill/>
-                    </a:lnL>
-                    <a:lnR w="12700" cmpd="sng">
-                      <a:noFill/>
-                    </a:lnR>
-                    <a:lnT w="12700" cmpd="sng">
-                      <a:noFill/>
-                    </a:lnT>
-                    <a:lnB w="12700" cmpd="sng">
-                      <a:noFill/>
-                    </a:lnB>
-                    <a:lnTlToBr w="12700" cmpd="sng">
-                      <a:noFill/>
-                      <a:prstDash val="solid"/>
-                    </a:lnTlToBr>
-                    <a:lnBlToTr w="12700" cmpd="sng">
-                      <a:noFill/>
-                      <a:prstDash val="solid"/>
-                    </a:lnBlToTr>
-                    <a:solidFill>
-                      <a:schemeClr val="bg1"/>
-                    </a:solidFill>
-                  </a:tcPr>
-                </a:tc>
-                <a:tc>
-                  <a:txBody>
-                    <a:bodyPr/>
-                    <a:lstStyle/>
+                        <a:t>(*,d,&amp;h6</a:t>
+                      </a:r>
+                      <a:r>
+                        <a:rPr lang="en-US" dirty="0" smtClean="0">
+                          <a:solidFill>
+                            <a:schemeClr val="accent1">
+                              <a:lumMod val="60000"/>
+                              <a:lumOff val="40000"/>
+                            </a:schemeClr>
+                          </a:solidFill>
+                          <a:latin typeface="Lucida Console" pitchFamily="49" charset="0"/>
+                        </a:rPr>
+                        <a:t>)</a:t>
+                      </a:r>
+                    </a:p>
                     <a:p>
                       <a:pPr marL="0" marR="0" indent="0" algn="l" defTabSz="914400" rtl="0" eaLnBrk="1" fontAlgn="auto" latinLnBrk="0" hangingPunct="1">
                         <a:lnSpc>
@@ -30123,45 +30144,15 @@
                       <a:r>
                         <a:rPr lang="en-US" dirty="0" smtClean="0">
                           <a:solidFill>
-                            <a:schemeClr val="accent2">
-                              <a:lumMod val="60000"/>
-                              <a:lumOff val="40000"/>
-                            </a:schemeClr>
-                          </a:solidFill>
-                          <a:latin typeface="Lucida Console" pitchFamily="49" charset="0"/>
-                        </a:rPr>
-                        <a:t>S</a:t>
-                      </a:r>
-                      <a:r>
-                        <a:rPr lang="en-US" baseline="-25000" dirty="0" smtClean="0">
-                          <a:solidFill>
-                            <a:schemeClr val="accent2">
-                              <a:lumMod val="60000"/>
-                              <a:lumOff val="40000"/>
-                            </a:schemeClr>
-                          </a:solidFill>
-                          <a:latin typeface="Lucida Console" pitchFamily="49" charset="0"/>
-                        </a:rPr>
-                        <a:t>1,3</a:t>
-                      </a:r>
-                      <a:r>
-                        <a:rPr lang="en-US" dirty="0" smtClean="0">
-                          <a:solidFill>
-                            <a:schemeClr val="accent2">
-                              <a:lumMod val="60000"/>
-                              <a:lumOff val="40000"/>
-                            </a:schemeClr>
-                          </a:solidFill>
-                          <a:latin typeface="Lucida Console" pitchFamily="49" charset="0"/>
-                        </a:rPr>
-                        <a:t>(0,”3”,&amp;h7)</a:t>
+                            <a:schemeClr val="tx1"/>
+                          </a:solidFill>
+                          <a:latin typeface="Lucida Console" pitchFamily="49" charset="0"/>
+                        </a:rPr>
+                        <a:t>W(&amp;h6)</a:t>
                       </a:r>
                       <a:endParaRPr lang="en-US" dirty="0">
                         <a:solidFill>
-                          <a:schemeClr val="accent2">
-                            <a:lumMod val="60000"/>
-                            <a:lumOff val="40000"/>
-                          </a:schemeClr>
+                          <a:schemeClr val="tx1"/>
                         </a:solidFill>
                         <a:latin typeface="Lucida Console" pitchFamily="49" charset="0"/>
                       </a:endParaRPr>
@@ -30259,6 +30250,138 @@
                       <a:r>
                         <a:rPr lang="en-US" dirty="0" smtClean="0">
                           <a:solidFill>
+                            <a:schemeClr val="accent1">
+                              <a:lumMod val="60000"/>
+                              <a:lumOff val="40000"/>
+                            </a:schemeClr>
+                          </a:solidFill>
+                          <a:latin typeface="Lucida Console" pitchFamily="49" charset="0"/>
+                        </a:rPr>
+                        <a:t>S</a:t>
+                      </a:r>
+                      <a:r>
+                        <a:rPr lang="en-US" baseline="-25000" dirty="0" smtClean="0">
+                          <a:solidFill>
+                            <a:schemeClr val="accent1">
+                              <a:lumMod val="60000"/>
+                              <a:lumOff val="40000"/>
+                            </a:schemeClr>
+                          </a:solidFill>
+                          <a:latin typeface="Lucida Console" pitchFamily="49" charset="0"/>
+                        </a:rPr>
+                        <a:t>0,3</a:t>
+                      </a:r>
+                      <a:r>
+                        <a:rPr lang="en-US" dirty="0" smtClean="0">
+                          <a:solidFill>
+                            <a:schemeClr val="accent1">
+                              <a:lumMod val="60000"/>
+                              <a:lumOff val="40000"/>
+                            </a:schemeClr>
+                          </a:solidFill>
+                          <a:latin typeface="Lucida Console" pitchFamily="49" charset="0"/>
+                        </a:rPr>
+                        <a:t>(1,”1”,&amp;h3</a:t>
+                      </a:r>
+                      <a:r>
+                        <a:rPr lang="en-US" dirty="0" smtClean="0">
+                          <a:solidFill>
+                            <a:schemeClr val="accent1">
+                              <a:lumMod val="60000"/>
+                              <a:lumOff val="40000"/>
+                            </a:schemeClr>
+                          </a:solidFill>
+                          <a:latin typeface="Lucida Console" pitchFamily="49" charset="0"/>
+                        </a:rPr>
+                        <a:t>)</a:t>
+                      </a:r>
+                    </a:p>
+                    <a:p>
+                      <a:pPr marL="0" marR="0" indent="0" algn="l" defTabSz="914400" rtl="0" eaLnBrk="1" fontAlgn="auto" latinLnBrk="0" hangingPunct="1">
+                        <a:lnSpc>
+                          <a:spcPct val="100000"/>
+                        </a:lnSpc>
+                        <a:spcBef>
+                          <a:spcPts val="0"/>
+                        </a:spcBef>
+                        <a:spcAft>
+                          <a:spcPts val="0"/>
+                        </a:spcAft>
+                        <a:buClrTx/>
+                        <a:buSzTx/>
+                        <a:buFontTx/>
+                        <a:buNone/>
+                        <a:tabLst/>
+                        <a:defRPr/>
+                      </a:pPr>
+                      <a:r>
+                        <a:rPr lang="en-US" dirty="0" smtClean="0">
+                          <a:solidFill>
+                            <a:schemeClr val="tx1"/>
+                          </a:solidFill>
+                          <a:latin typeface="Lucida Console" pitchFamily="49" charset="0"/>
+                        </a:rPr>
+                        <a:t>W(&amp;h3)</a:t>
+                      </a:r>
+                      <a:endParaRPr lang="en-US" dirty="0">
+                        <a:solidFill>
+                          <a:schemeClr val="tx1"/>
+                        </a:solidFill>
+                        <a:latin typeface="Lucida Console" pitchFamily="49" charset="0"/>
+                      </a:endParaRPr>
+                    </a:p>
+                  </a:txBody>
+                  <a:tcPr>
+                    <a:lnL w="12700" cmpd="sng">
+                      <a:noFill/>
+                    </a:lnL>
+                    <a:lnR w="12700" cmpd="sng">
+                      <a:noFill/>
+                    </a:lnR>
+                    <a:lnT w="12700" cmpd="sng">
+                      <a:noFill/>
+                    </a:lnT>
+                    <a:lnB w="12700" cmpd="sng">
+                      <a:noFill/>
+                    </a:lnB>
+                    <a:lnTlToBr w="12700" cmpd="sng">
+                      <a:noFill/>
+                      <a:prstDash val="solid"/>
+                    </a:lnTlToBr>
+                    <a:lnBlToTr w="12700" cmpd="sng">
+                      <a:noFill/>
+                      <a:prstDash val="solid"/>
+                    </a:lnBlToTr>
+                    <a:solidFill>
+                      <a:schemeClr val="bg1"/>
+                    </a:solidFill>
+                  </a:tcPr>
+                </a:tc>
+                <a:tc>
+                  <a:txBody>
+                    <a:bodyPr/>
+                    <a:lstStyle/>
+                    <a:p>
+                      <a:pPr marL="0" marR="0" indent="0" algn="l" defTabSz="914400" rtl="0" eaLnBrk="1" fontAlgn="auto" latinLnBrk="0" hangingPunct="1">
+                        <a:lnSpc>
+                          <a:spcPct val="100000"/>
+                        </a:lnSpc>
+                        <a:spcBef>
+                          <a:spcPts val="0"/>
+                        </a:spcBef>
+                        <a:spcAft>
+                          <a:spcPts val="0"/>
+                        </a:spcAft>
+                        <a:buClrTx/>
+                        <a:buSzTx/>
+                        <a:buFontTx/>
+                        <a:buNone/>
+                        <a:tabLst/>
+                        <a:defRPr/>
+                      </a:pPr>
+                      <a:r>
+                        <a:rPr lang="en-US" dirty="0" smtClean="0">
+                          <a:solidFill>
                             <a:schemeClr val="accent2">
                               <a:lumMod val="60000"/>
                               <a:lumOff val="40000"/>
@@ -30266,7 +30389,7 @@
                           </a:solidFill>
                           <a:latin typeface="Lucida Console" pitchFamily="49" charset="0"/>
                         </a:rPr>
-                        <a:t>R</a:t>
+                        <a:t>S</a:t>
                       </a:r>
                       <a:r>
                         <a:rPr lang="en-US" baseline="-25000" dirty="0" smtClean="0">
@@ -30278,7 +30401,7 @@
                           </a:solidFill>
                           <a:latin typeface="Lucida Console" pitchFamily="49" charset="0"/>
                         </a:rPr>
-                        <a:t>0,4</a:t>
+                        <a:t>1,3</a:t>
                       </a:r>
                       <a:r>
                         <a:rPr lang="en-US" dirty="0" smtClean="0">
@@ -30290,14 +30413,224 @@
                           </a:solidFill>
                           <a:latin typeface="Lucida Console" pitchFamily="49" charset="0"/>
                         </a:rPr>
-                        <a:t>(*,c,&amp;h4)</a:t>
+                        <a:t>(0,”3”,&amp;h7</a:t>
+                      </a:r>
+                      <a:r>
+                        <a:rPr lang="en-US" dirty="0" smtClean="0">
+                          <a:solidFill>
+                            <a:schemeClr val="accent2">
+                              <a:lumMod val="60000"/>
+                              <a:lumOff val="40000"/>
+                            </a:schemeClr>
+                          </a:solidFill>
+                          <a:latin typeface="Lucida Console" pitchFamily="49" charset="0"/>
+                        </a:rPr>
+                        <a:t>)</a:t>
+                      </a:r>
+                    </a:p>
+                    <a:p>
+                      <a:pPr marL="0" marR="0" indent="0" algn="l" defTabSz="914400" rtl="0" eaLnBrk="1" fontAlgn="auto" latinLnBrk="0" hangingPunct="1">
+                        <a:lnSpc>
+                          <a:spcPct val="100000"/>
+                        </a:lnSpc>
+                        <a:spcBef>
+                          <a:spcPts val="0"/>
+                        </a:spcBef>
+                        <a:spcAft>
+                          <a:spcPts val="0"/>
+                        </a:spcAft>
+                        <a:buClrTx/>
+                        <a:buSzTx/>
+                        <a:buFontTx/>
+                        <a:buNone/>
+                        <a:tabLst/>
+                        <a:defRPr/>
+                      </a:pPr>
+                      <a:r>
+                        <a:rPr lang="en-US" dirty="0" smtClean="0">
+                          <a:solidFill>
+                            <a:schemeClr val="tx1"/>
+                          </a:solidFill>
+                          <a:latin typeface="Lucida Console" pitchFamily="49" charset="0"/>
+                        </a:rPr>
+                        <a:t>W(&amp;h7)</a:t>
                       </a:r>
                       <a:endParaRPr lang="en-US" dirty="0">
                         <a:solidFill>
-                          <a:schemeClr val="accent2">
-                            <a:lumMod val="60000"/>
-                            <a:lumOff val="40000"/>
-                          </a:schemeClr>
+                          <a:schemeClr val="tx1"/>
+                        </a:solidFill>
+                        <a:latin typeface="Lucida Console" pitchFamily="49" charset="0"/>
+                      </a:endParaRPr>
+                    </a:p>
+                  </a:txBody>
+                  <a:tcPr>
+                    <a:lnL w="12700" cmpd="sng">
+                      <a:noFill/>
+                    </a:lnL>
+                    <a:lnR w="12700" cmpd="sng">
+                      <a:noFill/>
+                    </a:lnR>
+                    <a:lnT w="12700" cmpd="sng">
+                      <a:noFill/>
+                    </a:lnT>
+                    <a:lnB w="12700" cmpd="sng">
+                      <a:noFill/>
+                    </a:lnB>
+                    <a:lnTlToBr w="12700" cmpd="sng">
+                      <a:noFill/>
+                      <a:prstDash val="solid"/>
+                    </a:lnTlToBr>
+                    <a:lnBlToTr w="12700" cmpd="sng">
+                      <a:noFill/>
+                      <a:prstDash val="solid"/>
+                    </a:lnBlToTr>
+                    <a:solidFill>
+                      <a:schemeClr val="bg1"/>
+                    </a:solidFill>
+                  </a:tcPr>
+                </a:tc>
+                <a:tc>
+                  <a:txBody>
+                    <a:bodyPr/>
+                    <a:lstStyle/>
+                    <a:p>
+                      <a:endParaRPr lang="en-US" dirty="0">
+                        <a:solidFill>
+                          <a:schemeClr val="tx1"/>
+                        </a:solidFill>
+                        <a:latin typeface="Lucida Console" pitchFamily="49" charset="0"/>
+                      </a:endParaRPr>
+                    </a:p>
+                  </a:txBody>
+                  <a:tcPr>
+                    <a:lnL w="12700" cmpd="sng">
+                      <a:noFill/>
+                    </a:lnL>
+                    <a:lnR w="12700" cmpd="sng">
+                      <a:noFill/>
+                    </a:lnR>
+                    <a:lnT w="12700" cmpd="sng">
+                      <a:noFill/>
+                    </a:lnT>
+                    <a:lnB w="12700" cmpd="sng">
+                      <a:noFill/>
+                    </a:lnB>
+                    <a:lnTlToBr w="12700" cmpd="sng">
+                      <a:noFill/>
+                      <a:prstDash val="solid"/>
+                    </a:lnTlToBr>
+                    <a:lnBlToTr w="12700" cmpd="sng">
+                      <a:noFill/>
+                      <a:prstDash val="solid"/>
+                    </a:lnBlToTr>
+                    <a:solidFill>
+                      <a:schemeClr val="bg1"/>
+                    </a:solidFill>
+                  </a:tcPr>
+                </a:tc>
+              </a:tr>
+              <a:tr h="370840">
+                <a:tc>
+                  <a:txBody>
+                    <a:bodyPr/>
+                    <a:lstStyle/>
+                    <a:p>
+                      <a:pPr marL="0" marR="0" indent="0" algn="l" defTabSz="914400" rtl="0" eaLnBrk="1" fontAlgn="auto" latinLnBrk="0" hangingPunct="1">
+                        <a:lnSpc>
+                          <a:spcPct val="100000"/>
+                        </a:lnSpc>
+                        <a:spcBef>
+                          <a:spcPts val="0"/>
+                        </a:spcBef>
+                        <a:spcAft>
+                          <a:spcPts val="0"/>
+                        </a:spcAft>
+                        <a:buClrTx/>
+                        <a:buSzTx/>
+                        <a:buFontTx/>
+                        <a:buNone/>
+                        <a:tabLst/>
+                        <a:defRPr/>
+                      </a:pPr>
+                      <a:r>
+                        <a:rPr lang="en-US" dirty="0" smtClean="0">
+                          <a:solidFill>
+                            <a:schemeClr val="accent2">
+                              <a:lumMod val="60000"/>
+                              <a:lumOff val="40000"/>
+                            </a:schemeClr>
+                          </a:solidFill>
+                          <a:latin typeface="Lucida Console" pitchFamily="49" charset="0"/>
+                        </a:rPr>
+                        <a:t>R</a:t>
+                      </a:r>
+                      <a:r>
+                        <a:rPr lang="en-US" baseline="-25000" dirty="0" smtClean="0">
+                          <a:solidFill>
+                            <a:schemeClr val="accent2">
+                              <a:lumMod val="60000"/>
+                              <a:lumOff val="40000"/>
+                            </a:schemeClr>
+                          </a:solidFill>
+                          <a:latin typeface="Lucida Console" pitchFamily="49" charset="0"/>
+                        </a:rPr>
+                        <a:t>0,4</a:t>
+                      </a:r>
+                      <a:r>
+                        <a:rPr lang="en-US" dirty="0" smtClean="0">
+                          <a:solidFill>
+                            <a:schemeClr val="accent2">
+                              <a:lumMod val="60000"/>
+                              <a:lumOff val="40000"/>
+                            </a:schemeClr>
+                          </a:solidFill>
+                          <a:latin typeface="Lucida Console" pitchFamily="49" charset="0"/>
+                        </a:rPr>
+                        <a:t>(*,c,&amp;h4</a:t>
+                      </a:r>
+                      <a:r>
+                        <a:rPr lang="en-US" dirty="0" smtClean="0">
+                          <a:solidFill>
+                            <a:schemeClr val="accent2">
+                              <a:lumMod val="60000"/>
+                              <a:lumOff val="40000"/>
+                            </a:schemeClr>
+                          </a:solidFill>
+                          <a:latin typeface="Lucida Console" pitchFamily="49" charset="0"/>
+                        </a:rPr>
+                        <a:t>)</a:t>
+                      </a:r>
+                    </a:p>
+                    <a:p>
+                      <a:pPr marL="0" marR="0" indent="0" algn="l" defTabSz="914400" rtl="0" eaLnBrk="1" fontAlgn="auto" latinLnBrk="0" hangingPunct="1">
+                        <a:lnSpc>
+                          <a:spcPct val="100000"/>
+                        </a:lnSpc>
+                        <a:spcBef>
+                          <a:spcPts val="0"/>
+                        </a:spcBef>
+                        <a:spcAft>
+                          <a:spcPts val="0"/>
+                        </a:spcAft>
+                        <a:buClrTx/>
+                        <a:buSzTx/>
+                        <a:buFontTx/>
+                        <a:buNone/>
+                        <a:tabLst/>
+                        <a:defRPr/>
+                      </a:pPr>
+                      <a:r>
+                        <a:rPr lang="en-US" dirty="0" smtClean="0">
+                          <a:solidFill>
+                            <a:schemeClr val="tx1"/>
+                          </a:solidFill>
+                          <a:latin typeface="Lucida Console" pitchFamily="49" charset="0"/>
+                        </a:rPr>
+                        <a:t>W(&amp;h4)</a:t>
+                      </a:r>
+                      <a:endParaRPr lang="en-US" dirty="0">
+                        <a:solidFill>
+                          <a:schemeClr val="tx1"/>
                         </a:solidFill>
                         <a:latin typeface="Lucida Console" pitchFamily="49" charset="0"/>
                       </a:endParaRPr>
@@ -30443,7 +30776,7 @@
         </p:nvSpPr>
         <p:spPr>
           <a:xfrm>
-            <a:off x="1219200" y="4224918"/>
+            <a:off x="1219200" y="4895671"/>
             <a:ext cx="7391400" cy="1200329"/>
           </a:xfrm>
           <a:prstGeom prst="rect">
@@ -30670,7 +31003,7 @@
         <p:spPr>
           <a:xfrm flipV="1">
             <a:off x="3276600" y="2247900"/>
-            <a:ext cx="533400" cy="342900"/>
+            <a:ext cx="533400" cy="419100"/>
           </a:xfrm>
           <a:prstGeom prst="line">
             <a:avLst/>
@@ -30705,8 +31038,8 @@
         </p:nvCxnSpPr>
         <p:spPr>
           <a:xfrm>
-            <a:off x="3352800" y="2667000"/>
-            <a:ext cx="457200" cy="257175"/>
+            <a:off x="3352800" y="2924175"/>
+            <a:ext cx="342900" cy="504825"/>
           </a:xfrm>
           <a:prstGeom prst="line">
             <a:avLst/>
@@ -30742,7 +31075,7 @@
         <p:spPr>
           <a:xfrm flipV="1">
             <a:off x="3352800" y="2247900"/>
-            <a:ext cx="2438400" cy="342900"/>
+            <a:ext cx="2438400" cy="547687"/>
           </a:xfrm>
           <a:prstGeom prst="line">
             <a:avLst/>
@@ -30777,8 +31110,8 @@
         </p:nvCxnSpPr>
         <p:spPr>
           <a:xfrm flipV="1">
-            <a:off x="3352800" y="2971800"/>
-            <a:ext cx="342900" cy="381000"/>
+            <a:off x="3276600" y="2247900"/>
+            <a:ext cx="457200" cy="1866900"/>
           </a:xfrm>
           <a:prstGeom prst="line">
             <a:avLst/>
@@ -30813,8 +31146,8 @@
         </p:nvCxnSpPr>
         <p:spPr>
           <a:xfrm flipV="1">
-            <a:off x="3352800" y="2419350"/>
-            <a:ext cx="2971800" cy="1009650"/>
+            <a:off x="3352800" y="2362200"/>
+            <a:ext cx="2438400" cy="1800226"/>
           </a:xfrm>
           <a:prstGeom prst="line">
             <a:avLst/>
@@ -30849,8 +31182,8 @@
         </p:nvCxnSpPr>
         <p:spPr>
           <a:xfrm flipV="1">
-            <a:off x="3352800" y="2667000"/>
-            <a:ext cx="609600" cy="304800"/>
+            <a:off x="3543300" y="2924175"/>
+            <a:ext cx="190500" cy="504825"/>
           </a:xfrm>
           <a:prstGeom prst="line">
             <a:avLst/>
@@ -30893,7 +31226,7 @@
   <p:timing>
     <p:tnLst>
       <p:par>
-        <p:cTn xmlns:p14="http://schemas.microsoft.com/office/powerpoint/2010/main" id="1" dur="indefinite" restart="never" nodeType="tmRoot"/>
+        <p:cTn id="1" dur="indefinite" restart="never" nodeType="tmRoot"/>
       </p:par>
     </p:tnLst>
   </p:timing>
@@ -30949,14 +31282,14 @@
           <p:nvPr>
             <p:extLst>
               <p:ext uri="{D42A27DB-BD31-4B8C-83A1-F6EECF244321}">
-                <p14:modId xmlns:p14="http://schemas.microsoft.com/office/powerpoint/2010/main" val="2587677395"/>
+                <p14:modId xmlns:p14="http://schemas.microsoft.com/office/powerpoint/2010/main" val="3768279552"/>
               </p:ext>
             </p:extLst>
           </p:nvPr>
         </p:nvGraphicFramePr>
         <p:xfrm>
-          <a:off x="990600" y="1676400"/>
-          <a:ext cx="7239000" cy="1290320"/>
+          <a:off x="990600" y="1773242"/>
+          <a:ext cx="7239000" cy="1524000"/>
         </p:xfrm>
         <a:graphic>
           <a:graphicData uri="http://schemas.openxmlformats.org/drawingml/2006/table">
@@ -30965,110 +31298,18 @@
                 <a:tableStyleId>{5C22544A-7EE6-4342-B048-85BDC9FD1C3A}</a:tableStyleId>
               </a:tblPr>
               <a:tblGrid>
-                <a:gridCol w="1447800"/>
-                <a:gridCol w="1447800"/>
-                <a:gridCol w="1295400"/>
-                <a:gridCol w="1600200"/>
-                <a:gridCol w="1447800"/>
+                <a:gridCol w="1910292"/>
+                <a:gridCol w="1910292"/>
+                <a:gridCol w="1709208"/>
+                <a:gridCol w="1709208"/>
               </a:tblGrid>
-              <a:tr h="370840">
+              <a:tr h="520861">
                 <a:tc>
                   <a:txBody>
                     <a:bodyPr/>
                     <a:lstStyle/>
                     <a:p>
-                      <a:endParaRPr lang="en-US" dirty="0"/>
-                    </a:p>
-                  </a:txBody>
-                  <a:tcPr marL="0" marR="0" marT="0" marB="0"/>
-                </a:tc>
-                <a:tc>
-                  <a:txBody>
-                    <a:bodyPr/>
-                    <a:lstStyle/>
-                    <a:p>
                       <a:pPr algn="ctr"/>
-                      <a:r>
-                        <a:rPr lang="en-US" dirty="0" smtClean="0"/>
-                        <a:t>Program Order</a:t>
-                      </a:r>
-                      <a:endParaRPr lang="en-US" dirty="0"/>
-                    </a:p>
-                  </a:txBody>
-                  <a:tcPr marL="0" marR="0" marT="0" marB="0"/>
-                </a:tc>
-                <a:tc>
-                  <a:txBody>
-                    <a:bodyPr/>
-                    <a:lstStyle/>
-                    <a:p>
-                      <a:pPr algn="ctr"/>
-                      <a:r>
-                        <a:rPr lang="en-US" dirty="0" smtClean="0"/>
-                        <a:t>Matches</a:t>
-                      </a:r>
-                      <a:endParaRPr lang="en-US" dirty="0"/>
-                    </a:p>
-                  </a:txBody>
-                  <a:tcPr marL="0" marR="0" marT="0" marB="0"/>
-                </a:tc>
-                <a:tc>
-                  <a:txBody>
-                    <a:bodyPr/>
-                    <a:lstStyle/>
-                    <a:p>
-                      <a:pPr algn="ctr"/>
-                      <a:r>
-                        <a:rPr lang="en-US" dirty="0" err="1" smtClean="0"/>
-                        <a:t>Assume&amp;Assert</a:t>
-                      </a:r>
-                      <a:endParaRPr lang="en-US" dirty="0"/>
-                    </a:p>
-                  </a:txBody>
-                  <a:tcPr marL="0" marR="0" marT="0" marB="0"/>
-                </a:tc>
-                <a:tc>
-                  <a:txBody>
-                    <a:bodyPr/>
-                    <a:lstStyle/>
-                    <a:p>
-                      <a:pPr algn="ctr"/>
-                      <a:r>
-                        <a:rPr lang="en-US" dirty="0" smtClean="0"/>
-                        <a:t>Extra</a:t>
-                      </a:r>
-                      <a:endParaRPr lang="en-US" dirty="0"/>
-                    </a:p>
-                  </a:txBody>
-                  <a:tcPr marL="0" marR="0" marT="0" marB="0"/>
-                </a:tc>
-              </a:tr>
-              <a:tr h="370840">
-                <a:tc>
-                  <a:txBody>
-                    <a:bodyPr/>
-                    <a:lstStyle/>
-                    <a:p>
-                      <a:pPr algn="ctr"/>
-                      <a:r>
-                        <a:rPr lang="en-US" dirty="0" smtClean="0"/>
-                        <a:t>Our Encoding</a:t>
-                      </a:r>
-                      <a:endParaRPr lang="en-US" dirty="0"/>
-                    </a:p>
-                  </a:txBody>
-                  <a:tcPr marL="0" marR="0" marT="0" marB="0"/>
-                </a:tc>
-                <a:tc>
-                  <a:txBody>
-                    <a:bodyPr/>
-                    <a:lstStyle/>
-                    <a:p>
-                      <a:pPr algn="ctr"/>
-                      <a:r>
-                        <a:rPr lang="en-US" dirty="0" smtClean="0"/>
-                        <a:t>11</a:t>
-                      </a:r>
                       <a:endParaRPr lang="en-US" dirty="0"/>
                     </a:p>
                   </a:txBody>
@@ -31082,7 +31323,7 @@
                       <a:pPr algn="ctr"/>
                       <a:r>
                         <a:rPr lang="en-US" dirty="0" smtClean="0"/>
-                        <a:t>4</a:t>
+                        <a:t>Definitions</a:t>
                       </a:r>
                       <a:endParaRPr lang="en-US" dirty="0"/>
                     </a:p>
@@ -31097,7 +31338,7 @@
                       <a:pPr algn="ctr"/>
                       <a:r>
                         <a:rPr lang="en-US" dirty="0" smtClean="0"/>
-                        <a:t>2</a:t>
+                        <a:t>Constraints</a:t>
                       </a:r>
                       <a:endParaRPr lang="en-US" dirty="0"/>
                     </a:p>
@@ -31109,18 +31350,33 @@
                     <a:bodyPr/>
                     <a:lstStyle/>
                     <a:p>
-                      <a:pPr algn="ctr"/>
+                      <a:pPr marL="0" marR="0" indent="0" algn="ctr" defTabSz="914400" rtl="0" eaLnBrk="1" fontAlgn="auto" latinLnBrk="0" hangingPunct="1">
+                        <a:lnSpc>
+                          <a:spcPct val="100000"/>
+                        </a:lnSpc>
+                        <a:spcBef>
+                          <a:spcPts val="0"/>
+                        </a:spcBef>
+                        <a:spcAft>
+                          <a:spcPts val="0"/>
+                        </a:spcAft>
+                        <a:buClrTx/>
+                        <a:buSzTx/>
+                        <a:buFontTx/>
+                        <a:buNone/>
+                        <a:tabLst/>
+                        <a:defRPr/>
+                      </a:pPr>
                       <a:r>
                         <a:rPr lang="en-US" dirty="0" smtClean="0"/>
-                        <a:t>0</a:t>
-                      </a:r>
-                      <a:endParaRPr lang="en-US" dirty="0"/>
+                        <a:t>Matches</a:t>
+                      </a:r>
                     </a:p>
                   </a:txBody>
                   <a:tcPr marL="0" marR="0" marT="0" marB="0" anchor="ctr"/>
                 </a:tc>
               </a:tr>
-              <a:tr h="370840">
+              <a:tr h="520861">
                 <a:tc>
                   <a:txBody>
                     <a:bodyPr/>
@@ -31128,27 +31384,8 @@
                     <a:p>
                       <a:pPr algn="ctr"/>
                       <a:r>
-                        <a:rPr lang="en-US" dirty="0" err="1" smtClean="0"/>
-                        <a:t>Elwakil’s</a:t>
-                      </a:r>
-                      <a:r>
                         <a:rPr lang="en-US" dirty="0" smtClean="0"/>
-                        <a:t> Encoding</a:t>
-                      </a:r>
-                      <a:endParaRPr lang="en-US" dirty="0"/>
-                    </a:p>
-                  </a:txBody>
-                  <a:tcPr marL="0" marR="0" marT="0" marB="0"/>
-                </a:tc>
-                <a:tc>
-                  <a:txBody>
-                    <a:bodyPr/>
-                    <a:lstStyle/>
-                    <a:p>
-                      <a:pPr algn="ctr"/>
-                      <a:r>
-                        <a:rPr lang="en-US" dirty="0" smtClean="0"/>
-                        <a:t>22</a:t>
+                        <a:t>Our Encoding</a:t>
                       </a:r>
                       <a:endParaRPr lang="en-US" dirty="0"/>
                     </a:p>
@@ -31163,7 +31400,7 @@
                       <a:pPr algn="ctr"/>
                       <a:r>
                         <a:rPr lang="en-US" dirty="0" smtClean="0"/>
-                        <a:t>13</a:t>
+                        <a:t>23</a:t>
                       </a:r>
                       <a:endParaRPr lang="en-US" dirty="0"/>
                     </a:p>
@@ -31178,7 +31415,7 @@
                       <a:pPr algn="ctr"/>
                       <a:r>
                         <a:rPr lang="en-US" dirty="0" smtClean="0"/>
-                        <a:t>3</a:t>
+                        <a:t>13</a:t>
                       </a:r>
                       <a:endParaRPr lang="en-US" dirty="0"/>
                     </a:p>
@@ -31190,10 +31427,91 @@
                     <a:bodyPr/>
                     <a:lstStyle/>
                     <a:p>
+                      <a:pPr marL="0" marR="0" indent="0" algn="ctr" defTabSz="914400" rtl="0" eaLnBrk="1" fontAlgn="auto" latinLnBrk="0" hangingPunct="1">
+                        <a:lnSpc>
+                          <a:spcPct val="100000"/>
+                        </a:lnSpc>
+                        <a:spcBef>
+                          <a:spcPts val="0"/>
+                        </a:spcBef>
+                        <a:spcAft>
+                          <a:spcPts val="0"/>
+                        </a:spcAft>
+                        <a:buClrTx/>
+                        <a:buSzTx/>
+                        <a:buFontTx/>
+                        <a:buNone/>
+                        <a:tabLst/>
+                        <a:defRPr/>
+                      </a:pPr>
+                      <a:r>
+                        <a:rPr lang="en-US" dirty="0" smtClean="0"/>
+                        <a:t>4</a:t>
+                      </a:r>
+                    </a:p>
+                  </a:txBody>
+                  <a:tcPr marL="0" marR="0" marT="0" marB="0" anchor="ctr"/>
+                </a:tc>
+              </a:tr>
+              <a:tr h="482278">
+                <a:tc>
+                  <a:txBody>
+                    <a:bodyPr/>
+                    <a:lstStyle/>
+                    <a:p>
                       <a:pPr algn="ctr"/>
                       <a:r>
+                        <a:rPr lang="en-US" dirty="0" err="1" smtClean="0"/>
+                        <a:t>Elwakil’s</a:t>
+                      </a:r>
+                      <a:r>
                         <a:rPr lang="en-US" dirty="0" smtClean="0"/>
-                        <a:t>8</a:t>
+                        <a:t> Encoding</a:t>
+                      </a:r>
+                      <a:endParaRPr lang="en-US" dirty="0"/>
+                    </a:p>
+                  </a:txBody>
+                  <a:tcPr marL="0" marR="0" marT="0" marB="0" anchor="ctr"/>
+                </a:tc>
+                <a:tc>
+                  <a:txBody>
+                    <a:bodyPr/>
+                    <a:lstStyle/>
+                    <a:p>
+                      <a:pPr algn="ctr"/>
+                      <a:r>
+                        <a:rPr lang="en-US" dirty="0" smtClean="0"/>
+                        <a:t>23</a:t>
+                      </a:r>
+                      <a:endParaRPr lang="en-US" dirty="0"/>
+                    </a:p>
+                  </a:txBody>
+                  <a:tcPr marL="0" marR="0" marT="0" marB="0" anchor="ctr"/>
+                </a:tc>
+                <a:tc>
+                  <a:txBody>
+                    <a:bodyPr/>
+                    <a:lstStyle/>
+                    <a:p>
+                      <a:pPr algn="ctr"/>
+                      <a:r>
+                        <a:rPr lang="en-US" dirty="0" smtClean="0"/>
+                        <a:t>33</a:t>
+                      </a:r>
+                      <a:endParaRPr lang="en-US" dirty="0"/>
+                    </a:p>
+                  </a:txBody>
+                  <a:tcPr marL="0" marR="0" marT="0" marB="0" anchor="ctr"/>
+                </a:tc>
+                <a:tc>
+                  <a:txBody>
+                    <a:bodyPr/>
+                    <a:lstStyle/>
+                    <a:p>
+                      <a:pPr algn="ctr"/>
+                      <a:r>
+                        <a:rPr lang="en-US" dirty="0" smtClean="0"/>
+                        <a:t>13</a:t>
                       </a:r>
                       <a:endParaRPr lang="en-US" dirty="0"/>
                     </a:p>
@@ -31722,7 +32040,7 @@
   <p:timing>
     <p:tnLst>
       <p:par>
-        <p:cTn xmlns:p14="http://schemas.microsoft.com/office/powerpoint/2010/main" id="1" dur="indefinite" restart="never" nodeType="tmRoot"/>
+        <p:cTn id="1" dur="indefinite" restart="never" nodeType="tmRoot"/>
       </p:par>
     </p:tnLst>
   </p:timing>
@@ -32107,8 +32425,10 @@
                           <a:latin typeface="Lucida Console" pitchFamily="49" charset="0"/>
                           <a:cs typeface="Times New Roman" pitchFamily="18" charset="0"/>
                         </a:rPr>
-                        <a:t> if(b &gt; 0</a:t>
-                      </a:r>
+                        <a:t> if(b &gt; 0)</a:t>
+                      </a:r>
+                    </a:p>
+                    <a:p>
                       <a:r>
                         <a:rPr lang="en-US" b="0" baseline="0" dirty="0" smtClean="0">
                           <a:solidFill>
@@ -32117,46 +32437,7 @@
                           <a:latin typeface="Lucida Console" pitchFamily="49" charset="0"/>
                           <a:cs typeface="Times New Roman" pitchFamily="18" charset="0"/>
                         </a:rPr>
-                        <a:t>)</a:t>
-                      </a:r>
-                      <a:endParaRPr lang="en-US" b="0" baseline="0" dirty="0" smtClean="0">
-                        <a:solidFill>
-                          <a:schemeClr val="tx1"/>
-                        </a:solidFill>
-                        <a:latin typeface="Lucida Console" pitchFamily="49" charset="0"/>
-                        <a:cs typeface="Times New Roman" pitchFamily="18" charset="0"/>
-                      </a:endParaRPr>
-                    </a:p>
-                    <a:p>
-                      <a:r>
-                        <a:rPr lang="en-US" b="0" baseline="0" dirty="0" smtClean="0">
-                          <a:solidFill>
-                            <a:schemeClr val="tx1"/>
-                          </a:solidFill>
-                          <a:latin typeface="Lucida Console" pitchFamily="49" charset="0"/>
-                          <a:cs typeface="Times New Roman" pitchFamily="18" charset="0"/>
-                        </a:rPr>
-                        <a:t> 09 </a:t>
-                      </a:r>
-                      <a:r>
-                        <a:rPr lang="en-US" b="0" baseline="0" dirty="0" smtClean="0">
-                          <a:solidFill>
-                            <a:schemeClr val="tx1"/>
-                          </a:solidFill>
-                          <a:latin typeface="Lucida Console" pitchFamily="49" charset="0"/>
-                          <a:cs typeface="Times New Roman" pitchFamily="18" charset="0"/>
-                        </a:rPr>
-                        <a:t>  assert</a:t>
-                      </a:r>
-                      <a:r>
-                        <a:rPr lang="en-US" b="0" baseline="0" dirty="0" smtClean="0">
-                          <a:solidFill>
-                            <a:schemeClr val="tx1"/>
-                          </a:solidFill>
-                          <a:latin typeface="Lucida Console" pitchFamily="49" charset="0"/>
-                          <a:cs typeface="Times New Roman" pitchFamily="18" charset="0"/>
-                        </a:rPr>
-                        <a:t>(a == 4);</a:t>
+                        <a:t> 09   assert(a == 4);</a:t>
                       </a:r>
                     </a:p>
                     <a:p>
@@ -32666,7 +32947,7 @@
   <p:timing>
     <p:tnLst>
       <p:par>
-        <p:cTn xmlns:p14="http://schemas.microsoft.com/office/powerpoint/2010/main" id="1" dur="indefinite" restart="never" nodeType="tmRoot"/>
+        <p:cTn id="1" dur="indefinite" restart="never" nodeType="tmRoot"/>
       </p:par>
     </p:tnLst>
   </p:timing>
@@ -32713,928 +32994,481 @@
           </a:p>
         </p:txBody>
       </p:sp>
-      <mc:AlternateContent xmlns:mc="http://schemas.openxmlformats.org/markup-compatibility/2006" xmlns:a14="http://schemas.microsoft.com/office/drawing/2010/main">
-        <mc:Choice Requires="a14">
-          <p:graphicFrame>
-            <p:nvGraphicFramePr>
-              <p:cNvPr id="3" name="Table 2"/>
-              <p:cNvGraphicFramePr>
-                <a:graphicFrameLocks noGrp="1"/>
-              </p:cNvGraphicFramePr>
-              <p:nvPr>
-                <p:extLst>
-                  <p:ext uri="{D42A27DB-BD31-4B8C-83A1-F6EECF244321}">
-                    <p14:modId xmlns:p14="http://schemas.microsoft.com/office/powerpoint/2010/main" val="3316487501"/>
-                  </p:ext>
-                </p:extLst>
-              </p:nvPr>
-            </p:nvGraphicFramePr>
-            <p:xfrm>
-              <a:off x="990600" y="2514600"/>
-              <a:ext cx="7162800" cy="2113279"/>
-            </p:xfrm>
-            <a:graphic>
-              <a:graphicData uri="http://schemas.openxmlformats.org/drawingml/2006/table">
-                <a:tbl>
-                  <a:tblPr firstRow="1" bandRow="1">
-                    <a:tableStyleId>{5C22544A-7EE6-4342-B048-85BDC9FD1C3A}</a:tableStyleId>
-                  </a:tblPr>
-                  <a:tblGrid>
-                    <a:gridCol w="1193800"/>
-                    <a:gridCol w="1193800"/>
-                    <a:gridCol w="1117600"/>
-                    <a:gridCol w="1295400"/>
-                    <a:gridCol w="1066800"/>
-                    <a:gridCol w="1295400"/>
-                  </a:tblGrid>
-                  <a:tr h="370840">
-                    <a:tc gridSpan="2">
-                      <a:txBody>
-                        <a:bodyPr/>
-                        <a:lstStyle/>
-                        <a:p>
-                          <a:pPr algn="ctr"/>
-                          <a:r>
-                            <a:rPr lang="en-US" dirty="0" smtClean="0"/>
-                            <a:t>Test Programs</a:t>
-                          </a:r>
-                          <a:endParaRPr lang="en-US" dirty="0"/>
-                        </a:p>
-                      </a:txBody>
-                      <a:tcPr marL="0" marR="0" marT="0" marB="0"/>
-                    </a:tc>
-                    <a:tc hMerge="1">
-                      <a:txBody>
-                        <a:bodyPr/>
-                        <a:lstStyle/>
-                        <a:p>
-                          <a:endParaRPr lang="en-US"/>
-                        </a:p>
-                      </a:txBody>
-                      <a:tcPr/>
-                    </a:tc>
-                    <a:tc gridSpan="2">
-                      <a:txBody>
-                        <a:bodyPr/>
-                        <a:lstStyle/>
-                        <a:p>
-                          <a:pPr algn="ctr"/>
-                          <a:r>
-                            <a:rPr lang="en-US" dirty="0" smtClean="0"/>
-                            <a:t>Our Encoding</a:t>
-                          </a:r>
-                          <a:endParaRPr lang="en-US" dirty="0"/>
-                        </a:p>
-                      </a:txBody>
-                      <a:tcPr marL="0" marR="0" marT="0" marB="0"/>
-                    </a:tc>
-                    <a:tc hMerge="1">
-                      <a:txBody>
-                        <a:bodyPr/>
-                        <a:lstStyle/>
-                        <a:p>
-                          <a:endParaRPr lang="en-US"/>
-                        </a:p>
-                      </a:txBody>
-                      <a:tcPr/>
-                    </a:tc>
-                    <a:tc gridSpan="2">
-                      <a:txBody>
-                        <a:bodyPr/>
-                        <a:lstStyle/>
-                        <a:p>
-                          <a:pPr algn="ctr"/>
-                          <a:r>
-                            <a:rPr lang="en-US" dirty="0" err="1" smtClean="0"/>
-                            <a:t>Elwakil’s</a:t>
-                          </a:r>
-                          <a:r>
-                            <a:rPr lang="en-US" dirty="0" smtClean="0"/>
-                            <a:t> Encoding</a:t>
-                          </a:r>
-                          <a:endParaRPr lang="en-US" dirty="0"/>
-                        </a:p>
-                      </a:txBody>
-                      <a:tcPr marL="0" marR="0" marT="0" marB="0"/>
-                    </a:tc>
-                    <a:tc hMerge="1">
-                      <a:txBody>
-                        <a:bodyPr/>
-                        <a:lstStyle/>
-                        <a:p>
-                          <a:endParaRPr lang="en-US"/>
-                        </a:p>
-                      </a:txBody>
-                      <a:tcPr/>
-                    </a:tc>
-                  </a:tr>
-                  <a:tr h="370840">
-                    <a:tc>
-                      <a:txBody>
-                        <a:bodyPr/>
-                        <a:lstStyle/>
-                        <a:p>
-                          <a:pPr algn="ctr"/>
-                          <a:r>
-                            <a:rPr lang="en-US" dirty="0" smtClean="0"/>
-                            <a:t>Name</a:t>
-                          </a:r>
-                          <a:endParaRPr lang="en-US" dirty="0"/>
-                        </a:p>
-                      </a:txBody>
-                      <a:tcPr marL="0" marR="0" marT="0" marB="0"/>
-                    </a:tc>
-                    <a:tc>
-                      <a:txBody>
-                        <a:bodyPr/>
-                        <a:lstStyle/>
-                        <a:p>
-                          <a:pPr algn="ctr"/>
-                          <a:r>
-                            <a:rPr lang="en-US" dirty="0" smtClean="0"/>
-                            <a:t>#</a:t>
-                          </a:r>
-                          <a:r>
-                            <a:rPr lang="en-US" dirty="0" err="1" smtClean="0"/>
-                            <a:t>Msg</a:t>
-                          </a:r>
-                          <a:endParaRPr lang="en-US" dirty="0"/>
-                        </a:p>
-                      </a:txBody>
-                      <a:tcPr marL="0" marR="0" marT="0" marB="0"/>
-                    </a:tc>
-                    <a:tc>
-                      <a:txBody>
-                        <a:bodyPr/>
-                        <a:lstStyle/>
-                        <a:p>
-                          <a:pPr algn="ctr"/>
-                          <a:r>
-                            <a:rPr lang="en-US" dirty="0" smtClean="0"/>
-                            <a:t>Time(</a:t>
-                          </a:r>
-                          <a:r>
-                            <a:rPr lang="en-US" dirty="0" err="1" smtClean="0"/>
-                            <a:t>ms</a:t>
-                          </a:r>
-                          <a:r>
-                            <a:rPr lang="en-US" dirty="0" smtClean="0"/>
-                            <a:t>)</a:t>
-                          </a:r>
-                          <a:endParaRPr lang="en-US" dirty="0"/>
-                        </a:p>
-                      </a:txBody>
-                      <a:tcPr marL="0" marR="0" marT="0" marB="0"/>
-                    </a:tc>
-                    <a:tc>
-                      <a:txBody>
-                        <a:bodyPr/>
-                        <a:lstStyle/>
-                        <a:p>
-                          <a:pPr algn="ctr"/>
-                          <a:r>
-                            <a:rPr lang="en-US" dirty="0" smtClean="0"/>
-                            <a:t>Memory(MB)</a:t>
-                          </a:r>
-                          <a:endParaRPr lang="en-US" dirty="0"/>
-                        </a:p>
-                      </a:txBody>
-                      <a:tcPr marL="0" marR="0" marT="0" marB="0"/>
-                    </a:tc>
-                    <a:tc>
-                      <a:txBody>
-                        <a:bodyPr/>
-                        <a:lstStyle/>
-                        <a:p>
-                          <a:pPr algn="ctr"/>
-                          <a:r>
-                            <a:rPr lang="en-US" dirty="0" smtClean="0"/>
-                            <a:t>Time(</a:t>
-                          </a:r>
-                          <a:r>
-                            <a:rPr lang="en-US" dirty="0" err="1" smtClean="0"/>
-                            <a:t>ms</a:t>
-                          </a:r>
-                          <a:r>
-                            <a:rPr lang="en-US" dirty="0" smtClean="0"/>
-                            <a:t>)</a:t>
-                          </a:r>
-                          <a:endParaRPr lang="en-US" dirty="0"/>
-                        </a:p>
-                      </a:txBody>
-                      <a:tcPr marL="0" marR="0" marT="0" marB="0"/>
-                    </a:tc>
-                    <a:tc>
-                      <a:txBody>
-                        <a:bodyPr/>
-                        <a:lstStyle/>
-                        <a:p>
-                          <a:pPr algn="ctr"/>
-                          <a:r>
-                            <a:rPr lang="en-US" dirty="0" smtClean="0"/>
-                            <a:t>Memory(MB)</a:t>
-                          </a:r>
-                          <a:endParaRPr lang="en-US" dirty="0"/>
-                        </a:p>
-                      </a:txBody>
-                      <a:tcPr marL="0" marR="0" marT="0" marB="0"/>
-                    </a:tc>
-                  </a:tr>
-                  <a:tr h="370840">
-                    <a:tc>
-                      <a:txBody>
-                        <a:bodyPr/>
-                        <a:lstStyle/>
-                        <a:p>
-                          <a:pPr algn="ctr"/>
-                          <a:r>
-                            <a:rPr lang="en-US" dirty="0" smtClean="0"/>
-                            <a:t>Leader</a:t>
-                          </a:r>
-                        </a:p>
-                        <a:p>
-                          <a:pPr algn="ctr"/>
-                          <a:r>
-                            <a:rPr lang="en-US" dirty="0" smtClean="0"/>
-                            <a:t>5ites</a:t>
-                          </a:r>
-                        </a:p>
-                        <a:p>
-                          <a:pPr algn="ctr"/>
-                          <a:r>
-                            <a:rPr lang="en-US" dirty="0" smtClean="0"/>
-                            <a:t>6ites</a:t>
-                          </a:r>
-                        </a:p>
-                        <a:p>
-                          <a:pPr algn="ctr"/>
-                          <a:r>
-                            <a:rPr lang="en-US" dirty="0" smtClean="0"/>
-                            <a:t>7ites</a:t>
-                          </a:r>
-                        </a:p>
-                        <a:p>
-                          <a:pPr algn="ctr"/>
-                          <a:r>
-                            <a:rPr lang="en-US" dirty="0" smtClean="0"/>
-                            <a:t>8ites</a:t>
-                          </a:r>
-                          <a:endParaRPr lang="en-US" dirty="0"/>
-                        </a:p>
-                      </a:txBody>
-                      <a:tcPr marL="0" marR="0" marT="0" marB="0"/>
-                    </a:tc>
-                    <a:tc>
-                      <a:txBody>
-                        <a:bodyPr/>
-                        <a:lstStyle/>
-                        <a:p>
-                          <a:pPr algn="ctr"/>
-                          <a:r>
-                            <a:rPr lang="en-US" dirty="0" smtClean="0"/>
-                            <a:t>30</a:t>
-                          </a:r>
-                        </a:p>
-                        <a:p>
-                          <a:pPr algn="ctr"/>
-                          <a:r>
-                            <a:rPr lang="en-US" dirty="0" smtClean="0"/>
-                            <a:t>15</a:t>
-                          </a:r>
-                        </a:p>
-                        <a:p>
-                          <a:pPr algn="ctr"/>
-                          <a:r>
-                            <a:rPr lang="en-US" dirty="0" smtClean="0"/>
-                            <a:t>18</a:t>
-                          </a:r>
-                        </a:p>
-                        <a:p>
-                          <a:pPr algn="ctr"/>
-                          <a:r>
-                            <a:rPr lang="en-US" dirty="0" smtClean="0"/>
-                            <a:t>21</a:t>
-                          </a:r>
-                        </a:p>
-                        <a:p>
-                          <a:pPr algn="ctr"/>
-                          <a:r>
-                            <a:rPr lang="en-US" dirty="0" smtClean="0"/>
-                            <a:t>24</a:t>
-                          </a:r>
-                          <a:endParaRPr lang="en-US" dirty="0"/>
-                        </a:p>
-                      </a:txBody>
-                      <a:tcPr marL="0" marR="0" marT="0" marB="0"/>
-                    </a:tc>
-                    <a:tc>
-                      <a:txBody>
-                        <a:bodyPr/>
-                        <a:lstStyle/>
-                        <a:p>
-                          <a:pPr algn="ctr"/>
-                          <a:r>
-                            <a:rPr lang="en-US" dirty="0" smtClean="0"/>
-                            <a:t>120</a:t>
-                          </a:r>
-                        </a:p>
-                        <a:p>
-                          <a:pPr algn="ctr"/>
-                          <a:r>
-                            <a:rPr lang="en-US" dirty="0" smtClean="0"/>
-                            <a:t>72</a:t>
-                          </a:r>
-                        </a:p>
-                        <a:p>
-                          <a:pPr algn="ctr"/>
-                          <a:r>
-                            <a:rPr lang="en-US" dirty="0" smtClean="0"/>
-                            <a:t>72</a:t>
-                          </a:r>
-                        </a:p>
-                        <a:p>
-                          <a:pPr algn="ctr"/>
-                          <a:r>
-                            <a:rPr lang="en-US" dirty="0" smtClean="0"/>
-                            <a:t>80</a:t>
-                          </a:r>
-                        </a:p>
-                        <a:p>
-                          <a:pPr algn="ctr"/>
-                          <a:r>
-                            <a:rPr lang="en-US" dirty="0" smtClean="0"/>
-                            <a:t>96</a:t>
-                          </a:r>
-                          <a:endParaRPr lang="en-US" dirty="0"/>
-                        </a:p>
-                      </a:txBody>
-                      <a:tcPr marL="0" marR="0" marT="0" marB="0"/>
-                    </a:tc>
-                    <a:tc>
-                      <a:txBody>
-                        <a:bodyPr/>
-                        <a:lstStyle/>
-                        <a:p>
-                          <a:pPr algn="ctr"/>
-                          <a:r>
-                            <a:rPr lang="en-US" dirty="0" smtClean="0"/>
-                            <a:t>25.473</a:t>
-                          </a:r>
-                        </a:p>
-                        <a:p>
-                          <a:pPr algn="ctr"/>
-                          <a:r>
-                            <a:rPr lang="en-US" dirty="0" smtClean="0"/>
-                            <a:t>18.519</a:t>
-                          </a:r>
-                        </a:p>
-                        <a:p>
-                          <a:pPr algn="ctr"/>
-                          <a:r>
-                            <a:rPr lang="en-US" dirty="0" smtClean="0"/>
-                            <a:t>18.918</a:t>
-                          </a:r>
-                        </a:p>
-                        <a:p>
-                          <a:pPr algn="ctr"/>
-                          <a:r>
-                            <a:rPr lang="en-US" dirty="0" smtClean="0"/>
-                            <a:t>19.375</a:t>
-                          </a:r>
-                        </a:p>
-                        <a:p>
-                          <a:pPr algn="ctr"/>
-                          <a:r>
-                            <a:rPr lang="en-US" dirty="0" smtClean="0"/>
-                            <a:t>20.168</a:t>
-                          </a:r>
-                          <a:endParaRPr lang="en-US" dirty="0"/>
-                        </a:p>
-                      </a:txBody>
-                      <a:tcPr marL="0" marR="0" marT="0" marB="0"/>
-                    </a:tc>
-                    <a:tc>
-                      <a:txBody>
-                        <a:bodyPr/>
-                        <a:lstStyle/>
-                        <a:p>
-                          <a:pPr algn="ctr"/>
-                          <a14:m/>
-                          <a:endParaRPr lang="en-US" dirty="0" smtClean="0"/>
-                        </a:p>
-                        <a:p>
-                          <a:pPr algn="ctr"/>
-                          <a:r>
-                            <a:rPr lang="en-US" dirty="0" smtClean="0"/>
-                            <a:t>392</a:t>
-                          </a:r>
-                        </a:p>
-                        <a:p>
-                          <a:pPr algn="ctr"/>
-                          <a:r>
-                            <a:rPr lang="en-US" dirty="0" smtClean="0"/>
-                            <a:t>636</a:t>
-                          </a:r>
-                        </a:p>
-                        <a:p>
-                          <a:pPr algn="ctr"/>
-                          <a:r>
-                            <a:rPr lang="en-US" dirty="0" smtClean="0"/>
-                            <a:t>940</a:t>
-                          </a:r>
-                        </a:p>
-                        <a:p>
-                          <a:pPr algn="ctr"/>
-                          <a14:m/>
-                          <a:endParaRPr lang="en-US" dirty="0"/>
-                        </a:p>
-                      </a:txBody>
-                      <a:tcPr marL="0" marR="0" marT="0" marB="0"/>
-                    </a:tc>
-                    <a:tc>
-                      <a:txBody>
-                        <a:bodyPr/>
-                        <a:lstStyle/>
-                        <a:p>
-                          <a:pPr algn="ctr"/>
-                          <a14:m/>
-                          <a:endParaRPr lang="en-US" dirty="0" smtClean="0"/>
-                        </a:p>
-                        <a:p>
-                          <a:pPr algn="ctr"/>
-                          <a:r>
-                            <a:rPr lang="en-US" dirty="0" smtClean="0"/>
-                            <a:t>37.218</a:t>
-                          </a:r>
-                        </a:p>
-                        <a:p>
-                          <a:pPr algn="ctr"/>
-                          <a:r>
-                            <a:rPr lang="en-US" dirty="0" smtClean="0"/>
-                            <a:t>48.703</a:t>
-                          </a:r>
-                        </a:p>
-                        <a:p>
-                          <a:pPr algn="ctr"/>
-                          <a:r>
-                            <a:rPr lang="en-US" dirty="0" smtClean="0"/>
-                            <a:t>62.718</a:t>
-                          </a:r>
-                        </a:p>
-                        <a:p>
-                          <a:pPr algn="ctr"/>
-                          <a14:m/>
-                          <a:endParaRPr lang="en-US" dirty="0"/>
-                        </a:p>
-                      </a:txBody>
-                      <a:tcPr marL="0" marR="0" marT="0" marB="0"/>
-                    </a:tc>
-                  </a:tr>
-                </a:tbl>
-              </a:graphicData>
-            </a:graphic>
-          </p:graphicFrame>
-        </mc:Choice>
-        <mc:Fallback xmlns="">
-          <p:graphicFrame>
-            <p:nvGraphicFramePr>
-              <p:cNvPr id="3" name="Table 2"/>
-              <p:cNvGraphicFramePr>
-                <a:graphicFrameLocks noGrp="1"/>
-              </p:cNvGraphicFramePr>
-              <p:nvPr>
-                <p:extLst>
-                  <p:ext uri="{D42A27DB-BD31-4B8C-83A1-F6EECF244321}">
-                    <p14:modId xmlns:p14="http://schemas.microsoft.com/office/powerpoint/2010/main" val="3316487501"/>
-                  </p:ext>
-                </p:extLst>
-              </p:nvPr>
-            </p:nvGraphicFramePr>
-            <p:xfrm>
-              <a:off x="990600" y="2514600"/>
-              <a:ext cx="7162800" cy="2113280"/>
-            </p:xfrm>
-            <a:graphic>
-              <a:graphicData uri="http://schemas.openxmlformats.org/drawingml/2006/table">
-                <a:tbl>
-                  <a:tblPr firstRow="1" bandRow="1">
-                    <a:tableStyleId>{5C22544A-7EE6-4342-B048-85BDC9FD1C3A}</a:tableStyleId>
-                  </a:tblPr>
-                  <a:tblGrid>
-                    <a:gridCol w="1193800"/>
-                    <a:gridCol w="1193800"/>
-                    <a:gridCol w="1117600"/>
-                    <a:gridCol w="1295400"/>
-                    <a:gridCol w="1066800"/>
-                    <a:gridCol w="1295400"/>
-                  </a:tblGrid>
-                  <a:tr h="370840">
-                    <a:tc gridSpan="2">
-                      <a:txBody>
-                        <a:bodyPr/>
-                        <a:lstStyle/>
-                        <a:p>
-                          <a:pPr algn="ctr"/>
-                          <a:r>
-                            <a:rPr lang="en-US" dirty="0" smtClean="0"/>
-                            <a:t>Test Programs</a:t>
-                          </a:r>
-                          <a:endParaRPr lang="en-US" dirty="0"/>
-                        </a:p>
-                      </a:txBody>
-                      <a:tcPr marL="0" marR="0" marT="0" marB="0"/>
-                    </a:tc>
-                    <a:tc hMerge="1">
-                      <a:txBody>
-                        <a:bodyPr/>
-                        <a:lstStyle/>
-                        <a:p>
-                          <a:endParaRPr lang="en-US"/>
-                        </a:p>
-                      </a:txBody>
-                      <a:tcPr/>
-                    </a:tc>
-                    <a:tc gridSpan="2">
-                      <a:txBody>
-                        <a:bodyPr/>
-                        <a:lstStyle/>
-                        <a:p>
-                          <a:pPr algn="ctr"/>
-                          <a:r>
-                            <a:rPr lang="en-US" dirty="0" smtClean="0"/>
-                            <a:t>Our Encoding</a:t>
-                          </a:r>
-                          <a:endParaRPr lang="en-US" dirty="0"/>
-                        </a:p>
-                      </a:txBody>
-                      <a:tcPr marL="0" marR="0" marT="0" marB="0"/>
-                    </a:tc>
-                    <a:tc hMerge="1">
-                      <a:txBody>
-                        <a:bodyPr/>
-                        <a:lstStyle/>
-                        <a:p>
-                          <a:endParaRPr lang="en-US"/>
-                        </a:p>
-                      </a:txBody>
-                      <a:tcPr/>
-                    </a:tc>
-                    <a:tc gridSpan="2">
-                      <a:txBody>
-                        <a:bodyPr/>
-                        <a:lstStyle/>
-                        <a:p>
-                          <a:pPr algn="ctr"/>
-                          <a:r>
-                            <a:rPr lang="en-US" dirty="0" err="1" smtClean="0"/>
-                            <a:t>Elwakil’s</a:t>
-                          </a:r>
-                          <a:r>
-                            <a:rPr lang="en-US" dirty="0" smtClean="0"/>
-                            <a:t> Encoding</a:t>
-                          </a:r>
-                          <a:endParaRPr lang="en-US" dirty="0"/>
-                        </a:p>
-                      </a:txBody>
-                      <a:tcPr marL="0" marR="0" marT="0" marB="0"/>
-                    </a:tc>
-                    <a:tc hMerge="1">
-                      <a:txBody>
-                        <a:bodyPr/>
-                        <a:lstStyle/>
-                        <a:p>
-                          <a:endParaRPr lang="en-US"/>
-                        </a:p>
-                      </a:txBody>
-                      <a:tcPr/>
-                    </a:tc>
-                  </a:tr>
-                  <a:tr h="370840">
-                    <a:tc>
-                      <a:txBody>
-                        <a:bodyPr/>
-                        <a:lstStyle/>
-                        <a:p>
-                          <a:pPr algn="ctr"/>
-                          <a:r>
-                            <a:rPr lang="en-US" dirty="0" smtClean="0"/>
-                            <a:t>Name</a:t>
-                          </a:r>
-                          <a:endParaRPr lang="en-US" dirty="0"/>
-                        </a:p>
-                      </a:txBody>
-                      <a:tcPr marL="0" marR="0" marT="0" marB="0"/>
-                    </a:tc>
-                    <a:tc>
-                      <a:txBody>
-                        <a:bodyPr/>
-                        <a:lstStyle/>
-                        <a:p>
-                          <a:pPr algn="ctr"/>
-                          <a:r>
-                            <a:rPr lang="en-US" dirty="0" smtClean="0"/>
-                            <a:t>#</a:t>
-                          </a:r>
-                          <a:r>
-                            <a:rPr lang="en-US" dirty="0" err="1" smtClean="0"/>
-                            <a:t>Msg</a:t>
-                          </a:r>
-                          <a:endParaRPr lang="en-US" dirty="0"/>
-                        </a:p>
-                      </a:txBody>
-                      <a:tcPr marL="0" marR="0" marT="0" marB="0"/>
-                    </a:tc>
-                    <a:tc>
-                      <a:txBody>
-                        <a:bodyPr/>
-                        <a:lstStyle/>
-                        <a:p>
-                          <a:pPr algn="ctr"/>
-                          <a:r>
-                            <a:rPr lang="en-US" dirty="0" smtClean="0"/>
-                            <a:t>Time(</a:t>
-                          </a:r>
-                          <a:r>
-                            <a:rPr lang="en-US" dirty="0" err="1" smtClean="0"/>
-                            <a:t>ms</a:t>
-                          </a:r>
-                          <a:r>
-                            <a:rPr lang="en-US" dirty="0" smtClean="0"/>
-                            <a:t>)</a:t>
-                          </a:r>
-                          <a:endParaRPr lang="en-US" dirty="0"/>
-                        </a:p>
-                      </a:txBody>
-                      <a:tcPr marL="0" marR="0" marT="0" marB="0"/>
-                    </a:tc>
-                    <a:tc>
-                      <a:txBody>
-                        <a:bodyPr/>
-                        <a:lstStyle/>
-                        <a:p>
-                          <a:pPr algn="ctr"/>
-                          <a:r>
-                            <a:rPr lang="en-US" dirty="0" smtClean="0"/>
-                            <a:t>Memory(MB)</a:t>
-                          </a:r>
-                          <a:endParaRPr lang="en-US" dirty="0"/>
-                        </a:p>
-                      </a:txBody>
-                      <a:tcPr marL="0" marR="0" marT="0" marB="0"/>
-                    </a:tc>
-                    <a:tc>
-                      <a:txBody>
-                        <a:bodyPr/>
-                        <a:lstStyle/>
-                        <a:p>
-                          <a:pPr algn="ctr"/>
-                          <a:r>
-                            <a:rPr lang="en-US" dirty="0" smtClean="0"/>
-                            <a:t>Time(</a:t>
-                          </a:r>
-                          <a:r>
-                            <a:rPr lang="en-US" dirty="0" err="1" smtClean="0"/>
-                            <a:t>ms</a:t>
-                          </a:r>
-                          <a:r>
-                            <a:rPr lang="en-US" dirty="0" smtClean="0"/>
-                            <a:t>)</a:t>
-                          </a:r>
-                          <a:endParaRPr lang="en-US" dirty="0"/>
-                        </a:p>
-                      </a:txBody>
-                      <a:tcPr marL="0" marR="0" marT="0" marB="0"/>
-                    </a:tc>
-                    <a:tc>
-                      <a:txBody>
-                        <a:bodyPr/>
-                        <a:lstStyle/>
-                        <a:p>
-                          <a:pPr algn="ctr"/>
-                          <a:r>
-                            <a:rPr lang="en-US" dirty="0" smtClean="0"/>
-                            <a:t>Memory(MB)</a:t>
-                          </a:r>
-                          <a:endParaRPr lang="en-US" dirty="0"/>
-                        </a:p>
-                      </a:txBody>
-                      <a:tcPr marL="0" marR="0" marT="0" marB="0"/>
-                    </a:tc>
-                  </a:tr>
-                  <a:tr h="1371600">
-                    <a:tc>
-                      <a:txBody>
-                        <a:bodyPr/>
-                        <a:lstStyle/>
-                        <a:p>
-                          <a:pPr algn="ctr"/>
-                          <a:r>
-                            <a:rPr lang="en-US" dirty="0" smtClean="0"/>
-                            <a:t>Leader</a:t>
-                          </a:r>
-                        </a:p>
-                        <a:p>
-                          <a:pPr algn="ctr"/>
-                          <a:r>
-                            <a:rPr lang="en-US" dirty="0" smtClean="0"/>
-                            <a:t>5ites</a:t>
-                          </a:r>
-                        </a:p>
-                        <a:p>
-                          <a:pPr algn="ctr"/>
-                          <a:r>
-                            <a:rPr lang="en-US" dirty="0" smtClean="0"/>
-                            <a:t>6ites</a:t>
-                          </a:r>
-                        </a:p>
-                        <a:p>
-                          <a:pPr algn="ctr"/>
-                          <a:r>
-                            <a:rPr lang="en-US" dirty="0" smtClean="0"/>
-                            <a:t>7ites</a:t>
-                          </a:r>
-                        </a:p>
-                        <a:p>
-                          <a:pPr algn="ctr"/>
-                          <a:r>
-                            <a:rPr lang="en-US" dirty="0" smtClean="0"/>
-                            <a:t>8ites</a:t>
-                          </a:r>
-                          <a:endParaRPr lang="en-US" dirty="0"/>
-                        </a:p>
-                      </a:txBody>
-                      <a:tcPr marL="0" marR="0" marT="0" marB="0"/>
-                    </a:tc>
-                    <a:tc>
-                      <a:txBody>
-                        <a:bodyPr/>
-                        <a:lstStyle/>
-                        <a:p>
-                          <a:pPr algn="ctr"/>
-                          <a:r>
-                            <a:rPr lang="en-US" dirty="0" smtClean="0"/>
-                            <a:t>30</a:t>
-                          </a:r>
-                        </a:p>
-                        <a:p>
-                          <a:pPr algn="ctr"/>
-                          <a:r>
-                            <a:rPr lang="en-US" dirty="0" smtClean="0"/>
-                            <a:t>15</a:t>
-                          </a:r>
-                        </a:p>
-                        <a:p>
-                          <a:pPr algn="ctr"/>
-                          <a:r>
-                            <a:rPr lang="en-US" dirty="0" smtClean="0"/>
-                            <a:t>18</a:t>
-                          </a:r>
-                        </a:p>
-                        <a:p>
-                          <a:pPr algn="ctr"/>
-                          <a:r>
-                            <a:rPr lang="en-US" dirty="0" smtClean="0"/>
-                            <a:t>21</a:t>
-                          </a:r>
-                        </a:p>
-                        <a:p>
-                          <a:pPr algn="ctr"/>
-                          <a:r>
-                            <a:rPr lang="en-US" dirty="0" smtClean="0"/>
-                            <a:t>24</a:t>
-                          </a:r>
-                          <a:endParaRPr lang="en-US" dirty="0"/>
-                        </a:p>
-                      </a:txBody>
-                      <a:tcPr marL="0" marR="0" marT="0" marB="0"/>
-                    </a:tc>
-                    <a:tc>
-                      <a:txBody>
-                        <a:bodyPr/>
-                        <a:lstStyle/>
-                        <a:p>
-                          <a:pPr algn="ctr"/>
-                          <a:r>
-                            <a:rPr lang="en-US" dirty="0" smtClean="0"/>
-                            <a:t>120</a:t>
-                          </a:r>
-                        </a:p>
-                        <a:p>
-                          <a:pPr algn="ctr"/>
-                          <a:r>
-                            <a:rPr lang="en-US" dirty="0" smtClean="0"/>
-                            <a:t>72</a:t>
-                          </a:r>
-                        </a:p>
-                        <a:p>
-                          <a:pPr algn="ctr"/>
-                          <a:r>
-                            <a:rPr lang="en-US" dirty="0" smtClean="0"/>
-                            <a:t>72</a:t>
-                          </a:r>
-                        </a:p>
-                        <a:p>
-                          <a:pPr algn="ctr"/>
-                          <a:r>
-                            <a:rPr lang="en-US" dirty="0" smtClean="0"/>
-                            <a:t>80</a:t>
-                          </a:r>
-                        </a:p>
-                        <a:p>
-                          <a:pPr algn="ctr"/>
-                          <a:r>
-                            <a:rPr lang="en-US" dirty="0" smtClean="0"/>
-                            <a:t>96</a:t>
-                          </a:r>
-                          <a:endParaRPr lang="en-US" dirty="0"/>
-                        </a:p>
-                      </a:txBody>
-                      <a:tcPr marL="0" marR="0" marT="0" marB="0"/>
-                    </a:tc>
-                    <a:tc>
-                      <a:txBody>
-                        <a:bodyPr/>
-                        <a:lstStyle/>
-                        <a:p>
-                          <a:pPr algn="ctr"/>
-                          <a:r>
-                            <a:rPr lang="en-US" dirty="0" smtClean="0"/>
-                            <a:t>25.473</a:t>
-                          </a:r>
-                        </a:p>
-                        <a:p>
-                          <a:pPr algn="ctr"/>
-                          <a:r>
-                            <a:rPr lang="en-US" dirty="0" smtClean="0"/>
-                            <a:t>18.519</a:t>
-                          </a:r>
-                        </a:p>
-                        <a:p>
-                          <a:pPr algn="ctr"/>
-                          <a:r>
-                            <a:rPr lang="en-US" dirty="0" smtClean="0"/>
-                            <a:t>18.918</a:t>
-                          </a:r>
-                        </a:p>
-                        <a:p>
-                          <a:pPr algn="ctr"/>
-                          <a:r>
-                            <a:rPr lang="en-US" dirty="0" smtClean="0"/>
-                            <a:t>19.375</a:t>
-                          </a:r>
-                        </a:p>
-                        <a:p>
-                          <a:pPr algn="ctr"/>
-                          <a:r>
-                            <a:rPr lang="en-US" dirty="0" smtClean="0"/>
-                            <a:t>20.168</a:t>
-                          </a:r>
-                          <a:endParaRPr lang="en-US" dirty="0"/>
-                        </a:p>
-                      </a:txBody>
-                      <a:tcPr marL="0" marR="0" marT="0" marB="0"/>
-                    </a:tc>
-                    <a:tc>
-                      <a:txBody>
-                        <a:bodyPr/>
-                        <a:lstStyle/>
-                        <a:p>
-                          <a:endParaRPr lang="zh-CN"/>
-                        </a:p>
-                      </a:txBody>
-                      <a:tcPr marL="0" marR="0" marT="0" marB="0">
-                        <a:blipFill rotWithShape="1">
-                          <a:blip r:embed="rId2"/>
-                          <a:stretch>
-                            <a:fillRect l="-450857" t="-59556" r="-121143" b="-10667"/>
-                          </a:stretch>
-                        </a:blipFill>
-                      </a:tcPr>
-                    </a:tc>
-                    <a:tc>
-                      <a:txBody>
-                        <a:bodyPr/>
-                        <a:lstStyle/>
-                        <a:p>
-                          <a:endParaRPr lang="zh-CN"/>
-                        </a:p>
-                      </a:txBody>
-                      <a:tcPr marL="0" marR="0" marT="0" marB="0">
-                        <a:blipFill rotWithShape="1">
-                          <a:blip r:embed="rId2"/>
-                          <a:stretch>
-                            <a:fillRect l="-454717" t="-59556" b="-10667"/>
-                          </a:stretch>
-                        </a:blipFill>
-                      </a:tcPr>
-                    </a:tc>
-                  </a:tr>
-                </a:tbl>
-              </a:graphicData>
-            </a:graphic>
-          </p:graphicFrame>
-        </mc:Fallback>
-      </mc:AlternateContent>
+      <p:graphicFrame>
+        <p:nvGraphicFramePr>
+          <p:cNvPr id="3" name="Table 2"/>
+          <p:cNvGraphicFramePr>
+            <a:graphicFrameLocks noGrp="1"/>
+          </p:cNvGraphicFramePr>
+          <p:nvPr>
+            <p:extLst>
+              <p:ext uri="{D42A27DB-BD31-4B8C-83A1-F6EECF244321}">
+                <p14:modId xmlns:p14="http://schemas.microsoft.com/office/powerpoint/2010/main" val="3316487501"/>
+              </p:ext>
+            </p:extLst>
+          </p:nvPr>
+        </p:nvGraphicFramePr>
+        <p:xfrm>
+          <a:off x="990600" y="2514600"/>
+          <a:ext cx="7162800" cy="2113280"/>
+        </p:xfrm>
+        <a:graphic>
+          <a:graphicData uri="http://schemas.openxmlformats.org/drawingml/2006/table">
+            <a:tbl>
+              <a:tblPr firstRow="1" bandRow="1">
+                <a:tableStyleId>{5C22544A-7EE6-4342-B048-85BDC9FD1C3A}</a:tableStyleId>
+              </a:tblPr>
+              <a:tblGrid>
+                <a:gridCol w="1193800"/>
+                <a:gridCol w="1193800"/>
+                <a:gridCol w="1117600"/>
+                <a:gridCol w="1295400"/>
+                <a:gridCol w="1066800"/>
+                <a:gridCol w="1295400"/>
+              </a:tblGrid>
+              <a:tr h="370840">
+                <a:tc gridSpan="2">
+                  <a:txBody>
+                    <a:bodyPr/>
+                    <a:lstStyle/>
+                    <a:p>
+                      <a:pPr algn="ctr"/>
+                      <a:r>
+                        <a:rPr lang="en-US" dirty="0" smtClean="0"/>
+                        <a:t>Test Programs</a:t>
+                      </a:r>
+                      <a:endParaRPr lang="en-US" dirty="0"/>
+                    </a:p>
+                  </a:txBody>
+                  <a:tcPr marL="0" marR="0" marT="0" marB="0"/>
+                </a:tc>
+                <a:tc hMerge="1">
+                  <a:txBody>
+                    <a:bodyPr/>
+                    <a:lstStyle/>
+                    <a:p>
+                      <a:endParaRPr lang="en-US"/>
+                    </a:p>
+                  </a:txBody>
+                  <a:tcPr/>
+                </a:tc>
+                <a:tc gridSpan="2">
+                  <a:txBody>
+                    <a:bodyPr/>
+                    <a:lstStyle/>
+                    <a:p>
+                      <a:pPr algn="ctr"/>
+                      <a:r>
+                        <a:rPr lang="en-US" dirty="0" smtClean="0"/>
+                        <a:t>Our Encoding</a:t>
+                      </a:r>
+                      <a:endParaRPr lang="en-US" dirty="0"/>
+                    </a:p>
+                  </a:txBody>
+                  <a:tcPr marL="0" marR="0" marT="0" marB="0"/>
+                </a:tc>
+                <a:tc hMerge="1">
+                  <a:txBody>
+                    <a:bodyPr/>
+                    <a:lstStyle/>
+                    <a:p>
+                      <a:endParaRPr lang="en-US"/>
+                    </a:p>
+                  </a:txBody>
+                  <a:tcPr/>
+                </a:tc>
+                <a:tc gridSpan="2">
+                  <a:txBody>
+                    <a:bodyPr/>
+                    <a:lstStyle/>
+                    <a:p>
+                      <a:pPr algn="ctr"/>
+                      <a:r>
+                        <a:rPr lang="en-US" dirty="0" err="1" smtClean="0"/>
+                        <a:t>Elwakil’s</a:t>
+                      </a:r>
+                      <a:r>
+                        <a:rPr lang="en-US" dirty="0" smtClean="0"/>
+                        <a:t> Encoding</a:t>
+                      </a:r>
+                      <a:endParaRPr lang="en-US" dirty="0"/>
+                    </a:p>
+                  </a:txBody>
+                  <a:tcPr marL="0" marR="0" marT="0" marB="0"/>
+                </a:tc>
+                <a:tc hMerge="1">
+                  <a:txBody>
+                    <a:bodyPr/>
+                    <a:lstStyle/>
+                    <a:p>
+                      <a:endParaRPr lang="en-US"/>
+                    </a:p>
+                  </a:txBody>
+                  <a:tcPr/>
+                </a:tc>
+              </a:tr>
+              <a:tr h="370840">
+                <a:tc>
+                  <a:txBody>
+                    <a:bodyPr/>
+                    <a:lstStyle/>
+                    <a:p>
+                      <a:pPr algn="ctr"/>
+                      <a:r>
+                        <a:rPr lang="en-US" dirty="0" smtClean="0"/>
+                        <a:t>Name</a:t>
+                      </a:r>
+                      <a:endParaRPr lang="en-US" dirty="0"/>
+                    </a:p>
+                  </a:txBody>
+                  <a:tcPr marL="0" marR="0" marT="0" marB="0"/>
+                </a:tc>
+                <a:tc>
+                  <a:txBody>
+                    <a:bodyPr/>
+                    <a:lstStyle/>
+                    <a:p>
+                      <a:pPr algn="ctr"/>
+                      <a:r>
+                        <a:rPr lang="en-US" dirty="0" smtClean="0"/>
+                        <a:t>#</a:t>
+                      </a:r>
+                      <a:r>
+                        <a:rPr lang="en-US" dirty="0" err="1" smtClean="0"/>
+                        <a:t>Msg</a:t>
+                      </a:r>
+                      <a:endParaRPr lang="en-US" dirty="0"/>
+                    </a:p>
+                  </a:txBody>
+                  <a:tcPr marL="0" marR="0" marT="0" marB="0"/>
+                </a:tc>
+                <a:tc>
+                  <a:txBody>
+                    <a:bodyPr/>
+                    <a:lstStyle/>
+                    <a:p>
+                      <a:pPr algn="ctr"/>
+                      <a:r>
+                        <a:rPr lang="en-US" dirty="0" smtClean="0"/>
+                        <a:t>Time(</a:t>
+                      </a:r>
+                      <a:r>
+                        <a:rPr lang="en-US" dirty="0" err="1" smtClean="0"/>
+                        <a:t>ms</a:t>
+                      </a:r>
+                      <a:r>
+                        <a:rPr lang="en-US" dirty="0" smtClean="0"/>
+                        <a:t>)</a:t>
+                      </a:r>
+                      <a:endParaRPr lang="en-US" dirty="0"/>
+                    </a:p>
+                  </a:txBody>
+                  <a:tcPr marL="0" marR="0" marT="0" marB="0"/>
+                </a:tc>
+                <a:tc>
+                  <a:txBody>
+                    <a:bodyPr/>
+                    <a:lstStyle/>
+                    <a:p>
+                      <a:pPr algn="ctr"/>
+                      <a:r>
+                        <a:rPr lang="en-US" dirty="0" smtClean="0"/>
+                        <a:t>Memory(MB)</a:t>
+                      </a:r>
+                      <a:endParaRPr lang="en-US" dirty="0"/>
+                    </a:p>
+                  </a:txBody>
+                  <a:tcPr marL="0" marR="0" marT="0" marB="0"/>
+                </a:tc>
+                <a:tc>
+                  <a:txBody>
+                    <a:bodyPr/>
+                    <a:lstStyle/>
+                    <a:p>
+                      <a:pPr algn="ctr"/>
+                      <a:r>
+                        <a:rPr lang="en-US" dirty="0" smtClean="0"/>
+                        <a:t>Time(</a:t>
+                      </a:r>
+                      <a:r>
+                        <a:rPr lang="en-US" dirty="0" err="1" smtClean="0"/>
+                        <a:t>ms</a:t>
+                      </a:r>
+                      <a:r>
+                        <a:rPr lang="en-US" dirty="0" smtClean="0"/>
+                        <a:t>)</a:t>
+                      </a:r>
+                      <a:endParaRPr lang="en-US" dirty="0"/>
+                    </a:p>
+                  </a:txBody>
+                  <a:tcPr marL="0" marR="0" marT="0" marB="0"/>
+                </a:tc>
+                <a:tc>
+                  <a:txBody>
+                    <a:bodyPr/>
+                    <a:lstStyle/>
+                    <a:p>
+                      <a:pPr algn="ctr"/>
+                      <a:r>
+                        <a:rPr lang="en-US" dirty="0" smtClean="0"/>
+                        <a:t>Memory(MB)</a:t>
+                      </a:r>
+                      <a:endParaRPr lang="en-US" dirty="0"/>
+                    </a:p>
+                  </a:txBody>
+                  <a:tcPr marL="0" marR="0" marT="0" marB="0"/>
+                </a:tc>
+              </a:tr>
+              <a:tr h="370840">
+                <a:tc>
+                  <a:txBody>
+                    <a:bodyPr/>
+                    <a:lstStyle/>
+                    <a:p>
+                      <a:pPr algn="ctr"/>
+                      <a:r>
+                        <a:rPr lang="en-US" dirty="0" smtClean="0"/>
+                        <a:t>Leader</a:t>
+                      </a:r>
+                    </a:p>
+                    <a:p>
+                      <a:pPr algn="ctr"/>
+                      <a:r>
+                        <a:rPr lang="en-US" dirty="0" smtClean="0"/>
+                        <a:t>5ites</a:t>
+                      </a:r>
+                    </a:p>
+                    <a:p>
+                      <a:pPr algn="ctr"/>
+                      <a:r>
+                        <a:rPr lang="en-US" dirty="0" smtClean="0"/>
+                        <a:t>6ites</a:t>
+                      </a:r>
+                    </a:p>
+                    <a:p>
+                      <a:pPr algn="ctr"/>
+                      <a:r>
+                        <a:rPr lang="en-US" dirty="0" smtClean="0"/>
+                        <a:t>7ites</a:t>
+                      </a:r>
+                    </a:p>
+                    <a:p>
+                      <a:pPr algn="ctr"/>
+                      <a:r>
+                        <a:rPr lang="en-US" dirty="0" smtClean="0"/>
+                        <a:t>8ites</a:t>
+                      </a:r>
+                      <a:endParaRPr lang="en-US" dirty="0"/>
+                    </a:p>
+                  </a:txBody>
+                  <a:tcPr marL="0" marR="0" marT="0" marB="0"/>
+                </a:tc>
+                <a:tc>
+                  <a:txBody>
+                    <a:bodyPr/>
+                    <a:lstStyle/>
+                    <a:p>
+                      <a:pPr algn="ctr"/>
+                      <a:r>
+                        <a:rPr lang="en-US" dirty="0" smtClean="0"/>
+                        <a:t>30</a:t>
+                      </a:r>
+                    </a:p>
+                    <a:p>
+                      <a:pPr algn="ctr"/>
+                      <a:r>
+                        <a:rPr lang="en-US" dirty="0" smtClean="0"/>
+                        <a:t>15</a:t>
+                      </a:r>
+                    </a:p>
+                    <a:p>
+                      <a:pPr algn="ctr"/>
+                      <a:r>
+                        <a:rPr lang="en-US" dirty="0" smtClean="0"/>
+                        <a:t>18</a:t>
+                      </a:r>
+                    </a:p>
+                    <a:p>
+                      <a:pPr algn="ctr"/>
+                      <a:r>
+                        <a:rPr lang="en-US" dirty="0" smtClean="0"/>
+                        <a:t>21</a:t>
+                      </a:r>
+                    </a:p>
+                    <a:p>
+                      <a:pPr algn="ctr"/>
+                      <a:r>
+                        <a:rPr lang="en-US" dirty="0" smtClean="0"/>
+                        <a:t>24</a:t>
+                      </a:r>
+                      <a:endParaRPr lang="en-US" dirty="0"/>
+                    </a:p>
+                  </a:txBody>
+                  <a:tcPr marL="0" marR="0" marT="0" marB="0"/>
+                </a:tc>
+                <a:tc>
+                  <a:txBody>
+                    <a:bodyPr/>
+                    <a:lstStyle/>
+                    <a:p>
+                      <a:pPr algn="ctr"/>
+                      <a:r>
+                        <a:rPr lang="en-US" dirty="0" smtClean="0"/>
+                        <a:t>120</a:t>
+                      </a:r>
+                    </a:p>
+                    <a:p>
+                      <a:pPr algn="ctr"/>
+                      <a:r>
+                        <a:rPr lang="en-US" dirty="0" smtClean="0"/>
+                        <a:t>72</a:t>
+                      </a:r>
+                    </a:p>
+                    <a:p>
+                      <a:pPr algn="ctr"/>
+                      <a:r>
+                        <a:rPr lang="en-US" dirty="0" smtClean="0"/>
+                        <a:t>72</a:t>
+                      </a:r>
+                    </a:p>
+                    <a:p>
+                      <a:pPr algn="ctr"/>
+                      <a:r>
+                        <a:rPr lang="en-US" dirty="0" smtClean="0"/>
+                        <a:t>80</a:t>
+                      </a:r>
+                    </a:p>
+                    <a:p>
+                      <a:pPr algn="ctr"/>
+                      <a:r>
+                        <a:rPr lang="en-US" dirty="0" smtClean="0"/>
+                        <a:t>96</a:t>
+                      </a:r>
+                      <a:endParaRPr lang="en-US" dirty="0"/>
+                    </a:p>
+                  </a:txBody>
+                  <a:tcPr marL="0" marR="0" marT="0" marB="0"/>
+                </a:tc>
+                <a:tc>
+                  <a:txBody>
+                    <a:bodyPr/>
+                    <a:lstStyle/>
+                    <a:p>
+                      <a:pPr algn="ctr"/>
+                      <a:r>
+                        <a:rPr lang="en-US" dirty="0" smtClean="0"/>
+                        <a:t>25.473</a:t>
+                      </a:r>
+                    </a:p>
+                    <a:p>
+                      <a:pPr algn="ctr"/>
+                      <a:r>
+                        <a:rPr lang="en-US" dirty="0" smtClean="0"/>
+                        <a:t>18.519</a:t>
+                      </a:r>
+                    </a:p>
+                    <a:p>
+                      <a:pPr algn="ctr"/>
+                      <a:r>
+                        <a:rPr lang="en-US" dirty="0" smtClean="0"/>
+                        <a:t>18.918</a:t>
+                      </a:r>
+                    </a:p>
+                    <a:p>
+                      <a:pPr algn="ctr"/>
+                      <a:r>
+                        <a:rPr lang="en-US" dirty="0" smtClean="0"/>
+                        <a:t>19.375</a:t>
+                      </a:r>
+                    </a:p>
+                    <a:p>
+                      <a:pPr algn="ctr"/>
+                      <a:r>
+                        <a:rPr lang="en-US" dirty="0" smtClean="0"/>
+                        <a:t>20.168</a:t>
+                      </a:r>
+                      <a:endParaRPr lang="en-US" dirty="0"/>
+                    </a:p>
+                  </a:txBody>
+                  <a:tcPr marL="0" marR="0" marT="0" marB="0"/>
+                </a:tc>
+                <a:tc>
+                  <a:txBody>
+                    <a:bodyPr/>
+                    <a:lstStyle/>
+                    <a:p>
+                      <a:pPr algn="ctr"/>
+                      <a:endParaRPr lang="en-US" dirty="0" smtClean="0"/>
+                    </a:p>
+                    <a:p>
+                      <a:pPr algn="ctr"/>
+                      <a:r>
+                        <a:rPr lang="en-US" dirty="0" smtClean="0"/>
+                        <a:t>392</a:t>
+                      </a:r>
+                    </a:p>
+                    <a:p>
+                      <a:pPr algn="ctr"/>
+                      <a:r>
+                        <a:rPr lang="en-US" dirty="0" smtClean="0"/>
+                        <a:t>636</a:t>
+                      </a:r>
+                    </a:p>
+                    <a:p>
+                      <a:pPr algn="ctr"/>
+                      <a:r>
+                        <a:rPr lang="en-US" dirty="0" smtClean="0"/>
+                        <a:t>940</a:t>
+                      </a:r>
+                    </a:p>
+                    <a:p>
+                      <a:pPr algn="ctr"/>
+                      <a:endParaRPr lang="en-US" dirty="0"/>
+                    </a:p>
+                  </a:txBody>
+                  <a:tcPr marL="0" marR="0" marT="0" marB="0"/>
+                </a:tc>
+                <a:tc>
+                  <a:txBody>
+                    <a:bodyPr/>
+                    <a:lstStyle/>
+                    <a:p>
+                      <a:pPr algn="ctr"/>
+                      <a:endParaRPr lang="en-US" dirty="0" smtClean="0"/>
+                    </a:p>
+                    <a:p>
+                      <a:pPr algn="ctr"/>
+                      <a:r>
+                        <a:rPr lang="en-US" dirty="0" smtClean="0"/>
+                        <a:t>37.218</a:t>
+                      </a:r>
+                    </a:p>
+                    <a:p>
+                      <a:pPr algn="ctr"/>
+                      <a:r>
+                        <a:rPr lang="en-US" dirty="0" smtClean="0"/>
+                        <a:t>48.703</a:t>
+                      </a:r>
+                    </a:p>
+                    <a:p>
+                      <a:pPr algn="ctr"/>
+                      <a:r>
+                        <a:rPr lang="en-US" dirty="0" smtClean="0"/>
+                        <a:t>62.718</a:t>
+                      </a:r>
+                    </a:p>
+                    <a:p>
+                      <a:pPr algn="ctr"/>
+                      <a:endParaRPr lang="en-US" dirty="0"/>
+                    </a:p>
+                  </a:txBody>
+                  <a:tcPr marL="0" marR="0" marT="0" marB="0"/>
+                </a:tc>
+              </a:tr>
+            </a:tbl>
+          </a:graphicData>
+        </a:graphic>
+      </p:graphicFrame>
     </p:spTree>
     <p:extLst>
       <p:ext uri="{BB962C8B-B14F-4D97-AF65-F5344CB8AC3E}">
@@ -33648,7 +33482,7 @@
   <p:timing>
     <p:tnLst>
       <p:par>
-        <p:cTn xmlns:p14="http://schemas.microsoft.com/office/powerpoint/2010/main" id="1" dur="indefinite" restart="never" nodeType="tmRoot"/>
+        <p:cTn id="1" dur="indefinite" restart="never" nodeType="tmRoot"/>
       </p:par>
     </p:tnLst>
   </p:timing>
@@ -33866,13 +33700,20 @@
           <a:p>
             <a:r>
               <a:rPr lang="en-US" sz="2000" dirty="0" smtClean="0"/>
-              <a:t>The experiment shows that our encoding reduces 70% of that of the existing work, and runs average eight times faster and uses two times less memory</a:t>
+              <a:t>The experiment shows that our encoding reduces 70% </a:t>
             </a:r>
             <a:r>
               <a:rPr lang="en-US" sz="2000" dirty="0" smtClean="0"/>
-              <a:t>. FIX BULLET</a:t>
-            </a:r>
-            <a:endParaRPr lang="en-US" sz="2000" dirty="0" smtClean="0"/>
+              <a:t>Clauses </a:t>
+            </a:r>
+            <a:r>
+              <a:rPr lang="en-US" sz="2000" dirty="0" smtClean="0"/>
+              <a:t>Compared to </a:t>
+            </a:r>
+            <a:r>
+              <a:rPr lang="en-US" sz="2000" dirty="0" smtClean="0"/>
+              <a:t>the existing work, and runs average eight times faster and uses two times less memory. </a:t>
+            </a:r>
           </a:p>
         </p:txBody>
       </p:sp>
@@ -33889,7 +33730,7 @@
   <p:timing>
     <p:tnLst>
       <p:par>
-        <p:cTn xmlns:p14="http://schemas.microsoft.com/office/powerpoint/2010/main" id="1" dur="indefinite" restart="never" nodeType="tmRoot"/>
+        <p:cTn id="1" dur="indefinite" restart="never" nodeType="tmRoot"/>
       </p:par>
     </p:tnLst>
   </p:timing>
@@ -33968,7 +33809,7 @@
   <p:timing>
     <p:tnLst>
       <p:par>
-        <p:cTn xmlns:p14="http://schemas.microsoft.com/office/powerpoint/2010/main" id="1" dur="indefinite" restart="never" nodeType="tmRoot"/>
+        <p:cTn id="1" dur="indefinite" restart="never" nodeType="tmRoot"/>
       </p:par>
     </p:tnLst>
   </p:timing>
@@ -35285,7 +35126,7 @@
   <p:timing>
     <p:tnLst>
       <p:par>
-        <p:cTn xmlns:p14="http://schemas.microsoft.com/office/powerpoint/2010/main" id="1" dur="indefinite" restart="never" nodeType="tmRoot"/>
+        <p:cTn id="1" dur="indefinite" restart="never" nodeType="tmRoot"/>
       </p:par>
     </p:tnLst>
   </p:timing>
@@ -35476,7 +35317,7 @@
   <p:timing>
     <p:tnLst>
       <p:par>
-        <p:cTn xmlns:p14="http://schemas.microsoft.com/office/powerpoint/2010/main" id="1" dur="indefinite" restart="never" nodeType="tmRoot"/>
+        <p:cTn id="1" dur="indefinite" restart="never" nodeType="tmRoot"/>
       </p:par>
     </p:tnLst>
   </p:timing>
@@ -37143,7 +36984,7 @@
   <p:timing>
     <p:tnLst>
       <p:par>
-        <p:cTn xmlns:p14="http://schemas.microsoft.com/office/powerpoint/2010/main" id="1" dur="indefinite" restart="never" nodeType="tmRoot"/>
+        <p:cTn id="1" dur="indefinite" restart="never" nodeType="tmRoot"/>
       </p:par>
     </p:tnLst>
   </p:timing>
@@ -37225,8 +37066,8 @@
           <a:p>
             <a:pPr algn="ctr"/>
             <a:r>
-              <a:rPr lang="en-US" i="1" dirty="0" err="1" smtClean="0"/>
-              <a:t>defs</a:t>
+              <a:rPr lang="en-US" i="1" dirty="0" smtClean="0"/>
+              <a:t>definitions</a:t>
             </a:r>
             <a:endParaRPr lang="en-US" i="1" dirty="0"/>
           </a:p>
@@ -37329,7 +37170,7 @@
   <p:timing>
     <p:tnLst>
       <p:par>
-        <p:cTn xmlns:p14="http://schemas.microsoft.com/office/powerpoint/2010/main" id="1" dur="indefinite" restart="never" nodeType="tmRoot"/>
+        <p:cTn id="1" dur="indefinite" restart="never" nodeType="tmRoot"/>
       </p:par>
     </p:tnLst>
   </p:timing>
@@ -37415,8 +37256,8 @@
           <a:p>
             <a:pPr algn="ctr"/>
             <a:r>
-              <a:rPr lang="en-US" i="1" dirty="0" err="1" smtClean="0"/>
-              <a:t>defs</a:t>
+              <a:rPr lang="en-US" i="1" dirty="0" smtClean="0"/>
+              <a:t>definitions</a:t>
             </a:r>
             <a:endParaRPr lang="en-US" i="1" dirty="0"/>
           </a:p>
@@ -37573,23 +37414,7 @@
           <a:p>
             <a:r>
               <a:rPr lang="en-US" dirty="0" smtClean="0"/>
-              <a:t>All </a:t>
-            </a:r>
-            <a:r>
-              <a:rPr lang="en-US" dirty="0" smtClean="0"/>
-              <a:t>declarations </a:t>
-            </a:r>
-            <a:r>
-              <a:rPr lang="en-US" dirty="0" smtClean="0"/>
-              <a:t>of the </a:t>
-            </a:r>
-            <a:r>
-              <a:rPr lang="en-US" dirty="0" smtClean="0"/>
-              <a:t>send, receive operations and </a:t>
-            </a:r>
-            <a:r>
-              <a:rPr lang="en-US" dirty="0" smtClean="0"/>
-              <a:t>the free variables </a:t>
+              <a:t>All declarations of the send, receive operations and the free variables </a:t>
             </a:r>
             <a:endParaRPr lang="en-US" dirty="0"/>
           </a:p>
@@ -37608,7 +37433,7 @@
   <p:timing>
     <p:tnLst>
       <p:par>
-        <p:cTn xmlns:p14="http://schemas.microsoft.com/office/powerpoint/2010/main" id="1" dur="indefinite" restart="never" nodeType="tmRoot"/>
+        <p:cTn id="1" dur="indefinite" restart="never" nodeType="tmRoot"/>
       </p:par>
     </p:tnLst>
   </p:timing>
@@ -37694,8 +37519,8 @@
           <a:p>
             <a:pPr algn="ctr"/>
             <a:r>
-              <a:rPr lang="en-US" i="1" dirty="0" err="1" smtClean="0"/>
-              <a:t>defs</a:t>
+              <a:rPr lang="en-US" i="1" dirty="0" smtClean="0"/>
+              <a:t>definitions</a:t>
             </a:r>
             <a:endParaRPr lang="en-US" i="1" dirty="0"/>
           </a:p>
@@ -37852,15 +37677,7 @@
           <a:p>
             <a:r>
               <a:rPr lang="en-US" dirty="0" smtClean="0"/>
-              <a:t>All </a:t>
-            </a:r>
-            <a:r>
-              <a:rPr lang="en-US" dirty="0" smtClean="0"/>
-              <a:t>declarations </a:t>
-            </a:r>
-            <a:r>
-              <a:rPr lang="en-US" dirty="0" smtClean="0"/>
-              <a:t>of the send, receive operations and the free variables </a:t>
+              <a:t>All declarations of the send, receive operations and the free variables </a:t>
             </a:r>
             <a:endParaRPr lang="en-US" dirty="0"/>
           </a:p>
@@ -37952,7 +37769,7 @@
   <p:timing>
     <p:tnLst>
       <p:par>
-        <p:cTn xmlns:p14="http://schemas.microsoft.com/office/powerpoint/2010/main" id="1" dur="indefinite" restart="never" nodeType="tmRoot"/>
+        <p:cTn id="1" dur="indefinite" restart="never" nodeType="tmRoot"/>
       </p:par>
     </p:tnLst>
   </p:timing>

--- a/presentations/Qual_2012_YuHuang.pptx
+++ b/presentations/Qual_2012_YuHuang.pptx
@@ -268,7 +268,7 @@
           <a:p>
             <a:fld id="{89111220-B39A-49CE-9112-9B116A3B1043}" type="datetimeFigureOut">
               <a:rPr lang="en-US" smtClean="0"/>
-              <a:t>9/13/2012</a:t>
+              <a:t>9/14/2012</a:t>
             </a:fld>
             <a:endParaRPr lang="en-US"/>
           </a:p>
@@ -433,7 +433,7 @@
           <a:p>
             <a:fld id="{B6FF9642-E0FC-4E41-87C5-4272C67560A0}" type="datetimeFigureOut">
               <a:rPr lang="en-US" smtClean="0"/>
-              <a:t>9/13/2012</a:t>
+              <a:t>9/14/2012</a:t>
             </a:fld>
             <a:endParaRPr lang="en-US"/>
           </a:p>
@@ -5015,7 +5015,7 @@
           <a:p>
             <a:fld id="{F84A4CBD-960A-456A-9B79-9A5DAA6E02E9}" type="datetime1">
               <a:rPr lang="en-US" smtClean="0"/>
-              <a:t>9/13/2012</a:t>
+              <a:t>9/14/2012</a:t>
             </a:fld>
             <a:endParaRPr lang="en-US"/>
           </a:p>
@@ -5181,7 +5181,7 @@
           <a:p>
             <a:fld id="{6FFB0080-53E0-4E29-9C87-13FA032C8670}" type="datetime1">
               <a:rPr lang="en-US" smtClean="0"/>
-              <a:t>9/13/2012</a:t>
+              <a:t>9/14/2012</a:t>
             </a:fld>
             <a:endParaRPr lang="en-US"/>
           </a:p>
@@ -5357,7 +5357,7 @@
           <a:p>
             <a:fld id="{4C97581C-C694-4A06-BF33-FF47280C11E9}" type="datetime1">
               <a:rPr lang="en-US" smtClean="0"/>
-              <a:t>9/13/2012</a:t>
+              <a:t>9/14/2012</a:t>
             </a:fld>
             <a:endParaRPr lang="en-US"/>
           </a:p>
@@ -5523,7 +5523,7 @@
           <a:p>
             <a:fld id="{75320065-1C4F-4F35-ADCD-61DA485BD8F4}" type="datetime1">
               <a:rPr lang="en-US" smtClean="0"/>
-              <a:t>9/13/2012</a:t>
+              <a:t>9/14/2012</a:t>
             </a:fld>
             <a:endParaRPr lang="en-US"/>
           </a:p>
@@ -5765,7 +5765,7 @@
           <a:p>
             <a:fld id="{3DE56400-8624-4CE8-A431-7BAD40CC2038}" type="datetime1">
               <a:rPr lang="en-US" smtClean="0"/>
-              <a:t>9/13/2012</a:t>
+              <a:t>9/14/2012</a:t>
             </a:fld>
             <a:endParaRPr lang="en-US"/>
           </a:p>
@@ -6049,7 +6049,7 @@
           <a:p>
             <a:fld id="{2D095419-4A23-4EC7-827A-7FC7404DDFBC}" type="datetime1">
               <a:rPr lang="en-US" smtClean="0"/>
-              <a:t>9/13/2012</a:t>
+              <a:t>9/14/2012</a:t>
             </a:fld>
             <a:endParaRPr lang="en-US"/>
           </a:p>
@@ -6467,7 +6467,7 @@
           <a:p>
             <a:fld id="{702B5342-B9F4-40A8-B968-68C029020404}" type="datetime1">
               <a:rPr lang="en-US" smtClean="0"/>
-              <a:t>9/13/2012</a:t>
+              <a:t>9/14/2012</a:t>
             </a:fld>
             <a:endParaRPr lang="en-US"/>
           </a:p>
@@ -6581,7 +6581,7 @@
           <a:p>
             <a:fld id="{A2C46440-81A3-41E1-AE3A-5848DA728CD2}" type="datetime1">
               <a:rPr lang="en-US" smtClean="0"/>
-              <a:t>9/13/2012</a:t>
+              <a:t>9/14/2012</a:t>
             </a:fld>
             <a:endParaRPr lang="en-US"/>
           </a:p>
@@ -6672,7 +6672,7 @@
           <a:p>
             <a:fld id="{97FD17D7-9419-4A8F-9B2A-D9AEBBEE4645}" type="datetime1">
               <a:rPr lang="en-US" smtClean="0"/>
-              <a:t>9/13/2012</a:t>
+              <a:t>9/14/2012</a:t>
             </a:fld>
             <a:endParaRPr lang="en-US"/>
           </a:p>
@@ -6945,7 +6945,7 @@
           <a:p>
             <a:fld id="{898AB767-2364-4983-96C9-1AF98BCD7BBF}" type="datetime1">
               <a:rPr lang="en-US" smtClean="0"/>
-              <a:t>9/13/2012</a:t>
+              <a:t>9/14/2012</a:t>
             </a:fld>
             <a:endParaRPr lang="en-US"/>
           </a:p>
@@ -7194,7 +7194,7 @@
           <a:p>
             <a:fld id="{0997313F-EAC3-4D49-A621-0E6066639112}" type="datetime1">
               <a:rPr lang="en-US" smtClean="0"/>
-              <a:t>9/13/2012</a:t>
+              <a:t>9/14/2012</a:t>
             </a:fld>
             <a:endParaRPr lang="en-US"/>
           </a:p>
@@ -7403,7 +7403,7 @@
           <a:p>
             <a:fld id="{1707B6C9-6E01-44ED-87EB-FEC9DE271BB7}" type="datetime1">
               <a:rPr lang="en-US" smtClean="0"/>
-              <a:t>9/13/2012</a:t>
+              <a:t>9/14/2012</a:t>
             </a:fld>
             <a:endParaRPr lang="en-US"/>
           </a:p>
@@ -7842,6 +7842,36 @@
           </a:p>
         </p:txBody>
       </p:sp>
+      <p:pic>
+        <p:nvPicPr>
+          <p:cNvPr id="5" name="Picture 4"/>
+          <p:cNvPicPr>
+            <a:picLocks noChangeAspect="1"/>
+          </p:cNvPicPr>
+          <p:nvPr/>
+        </p:nvPicPr>
+        <p:blipFill>
+          <a:blip r:embed="rId3">
+            <a:extLst>
+              <a:ext uri="{28A0092B-C50C-407E-A947-70E740481C1C}">
+                <a14:useLocalDpi xmlns:a14="http://schemas.microsoft.com/office/drawing/2010/main" val="0"/>
+              </a:ext>
+            </a:extLst>
+          </a:blip>
+          <a:stretch>
+            <a:fillRect/>
+          </a:stretch>
+        </p:blipFill>
+        <p:spPr>
+          <a:xfrm>
+            <a:off x="190500" y="152400"/>
+            <a:ext cx="685800" cy="685800"/>
+          </a:xfrm>
+          <a:prstGeom prst="rect">
+            <a:avLst/>
+          </a:prstGeom>
+        </p:spPr>
+      </p:pic>
     </p:spTree>
     <p:extLst>
       <p:ext uri="{BB962C8B-B14F-4D97-AF65-F5344CB8AC3E}">
@@ -8251,6 +8281,36 @@
           </a:p>
         </p:txBody>
       </p:sp>
+      <p:pic>
+        <p:nvPicPr>
+          <p:cNvPr id="15" name="Picture 14"/>
+          <p:cNvPicPr>
+            <a:picLocks noChangeAspect="1"/>
+          </p:cNvPicPr>
+          <p:nvPr/>
+        </p:nvPicPr>
+        <p:blipFill>
+          <a:blip r:embed="rId3">
+            <a:extLst>
+              <a:ext uri="{28A0092B-C50C-407E-A947-70E740481C1C}">
+                <a14:useLocalDpi xmlns:a14="http://schemas.microsoft.com/office/drawing/2010/main" val="0"/>
+              </a:ext>
+            </a:extLst>
+          </a:blip>
+          <a:stretch>
+            <a:fillRect/>
+          </a:stretch>
+        </p:blipFill>
+        <p:spPr>
+          <a:xfrm>
+            <a:off x="190500" y="152400"/>
+            <a:ext cx="685800" cy="685800"/>
+          </a:xfrm>
+          <a:prstGeom prst="rect">
+            <a:avLst/>
+          </a:prstGeom>
+        </p:spPr>
+      </p:pic>
     </p:spTree>
     <p:extLst>
       <p:ext uri="{BB962C8B-B14F-4D97-AF65-F5344CB8AC3E}">
@@ -9598,7 +9658,29 @@
                   </a:schemeClr>
                 </a:solidFill>
               </a:rPr>
-              <a:t>(define R0,2::</a:t>
+              <a:t>(define R</a:t>
+            </a:r>
+            <a:r>
+              <a:rPr lang="en-US" altLang="zh-CN" sz="2000" i="1" baseline="-25000" dirty="0">
+                <a:solidFill>
+                  <a:schemeClr val="accent2">
+                    <a:lumMod val="40000"/>
+                    <a:lumOff val="60000"/>
+                  </a:schemeClr>
+                </a:solidFill>
+              </a:rPr>
+              <a:t>0,2</a:t>
+            </a:r>
+            <a:r>
+              <a:rPr lang="en-US" altLang="zh-CN" sz="2000" i="1" dirty="0">
+                <a:solidFill>
+                  <a:schemeClr val="accent2">
+                    <a:lumMod val="40000"/>
+                    <a:lumOff val="60000"/>
+                  </a:schemeClr>
+                </a:solidFill>
+              </a:rPr>
+              <a:t>::</a:t>
             </a:r>
             <a:r>
               <a:rPr lang="en-US" altLang="zh-CN" sz="2000" i="1" dirty="0" err="1">
@@ -9622,14 +9704,6 @@
               </a:rPr>
               <a:t>) </a:t>
             </a:r>
-            <a:endParaRPr lang="en-US" altLang="zh-CN" sz="2000" i="1" dirty="0">
-              <a:solidFill>
-                <a:schemeClr val="accent2">
-                  <a:lumMod val="40000"/>
-                  <a:lumOff val="60000"/>
-                </a:schemeClr>
-              </a:solidFill>
-            </a:endParaRPr>
           </a:p>
           <a:p>
             <a:r>
@@ -9784,6 +9858,36 @@
           </a:p>
         </p:txBody>
       </p:sp>
+      <p:pic>
+        <p:nvPicPr>
+          <p:cNvPr id="6" name="Picture 5"/>
+          <p:cNvPicPr>
+            <a:picLocks noChangeAspect="1"/>
+          </p:cNvPicPr>
+          <p:nvPr/>
+        </p:nvPicPr>
+        <p:blipFill>
+          <a:blip r:embed="rId3">
+            <a:extLst>
+              <a:ext uri="{28A0092B-C50C-407E-A947-70E740481C1C}">
+                <a14:useLocalDpi xmlns:a14="http://schemas.microsoft.com/office/drawing/2010/main" val="0"/>
+              </a:ext>
+            </a:extLst>
+          </a:blip>
+          <a:stretch>
+            <a:fillRect/>
+          </a:stretch>
+        </p:blipFill>
+        <p:spPr>
+          <a:xfrm>
+            <a:off x="190500" y="152400"/>
+            <a:ext cx="685800" cy="685800"/>
+          </a:xfrm>
+          <a:prstGeom prst="rect">
+            <a:avLst/>
+          </a:prstGeom>
+        </p:spPr>
+      </p:pic>
     </p:spTree>
     <p:extLst>
       <p:ext uri="{BB962C8B-B14F-4D97-AF65-F5344CB8AC3E}">
@@ -11405,6 +11509,36 @@
           </a:p>
         </p:txBody>
       </p:sp>
+      <p:pic>
+        <p:nvPicPr>
+          <p:cNvPr id="6" name="Picture 5"/>
+          <p:cNvPicPr>
+            <a:picLocks noChangeAspect="1"/>
+          </p:cNvPicPr>
+          <p:nvPr/>
+        </p:nvPicPr>
+        <p:blipFill>
+          <a:blip r:embed="rId3">
+            <a:extLst>
+              <a:ext uri="{28A0092B-C50C-407E-A947-70E740481C1C}">
+                <a14:useLocalDpi xmlns:a14="http://schemas.microsoft.com/office/drawing/2010/main" val="0"/>
+              </a:ext>
+            </a:extLst>
+          </a:blip>
+          <a:stretch>
+            <a:fillRect/>
+          </a:stretch>
+        </p:blipFill>
+        <p:spPr>
+          <a:xfrm>
+            <a:off x="190500" y="152400"/>
+            <a:ext cx="685800" cy="685800"/>
+          </a:xfrm>
+          <a:prstGeom prst="rect">
+            <a:avLst/>
+          </a:prstGeom>
+        </p:spPr>
+      </p:pic>
     </p:spTree>
     <p:extLst>
       <p:ext uri="{BB962C8B-B14F-4D97-AF65-F5344CB8AC3E}">
@@ -12758,6 +12892,36 @@
           </a:p>
         </p:txBody>
       </p:sp>
+      <p:pic>
+        <p:nvPicPr>
+          <p:cNvPr id="6" name="Picture 5"/>
+          <p:cNvPicPr>
+            <a:picLocks noChangeAspect="1"/>
+          </p:cNvPicPr>
+          <p:nvPr/>
+        </p:nvPicPr>
+        <p:blipFill>
+          <a:blip r:embed="rId3">
+            <a:extLst>
+              <a:ext uri="{28A0092B-C50C-407E-A947-70E740481C1C}">
+                <a14:useLocalDpi xmlns:a14="http://schemas.microsoft.com/office/drawing/2010/main" val="0"/>
+              </a:ext>
+            </a:extLst>
+          </a:blip>
+          <a:stretch>
+            <a:fillRect/>
+          </a:stretch>
+        </p:blipFill>
+        <p:spPr>
+          <a:xfrm>
+            <a:off x="190500" y="152400"/>
+            <a:ext cx="685800" cy="685800"/>
+          </a:xfrm>
+          <a:prstGeom prst="rect">
+            <a:avLst/>
+          </a:prstGeom>
+        </p:spPr>
+      </p:pic>
     </p:spTree>
     <p:extLst>
       <p:ext uri="{BB962C8B-B14F-4D97-AF65-F5344CB8AC3E}">
@@ -14373,6 +14537,36 @@
           </a:p>
         </p:txBody>
       </p:sp>
+      <p:pic>
+        <p:nvPicPr>
+          <p:cNvPr id="6" name="Picture 5"/>
+          <p:cNvPicPr>
+            <a:picLocks noChangeAspect="1"/>
+          </p:cNvPicPr>
+          <p:nvPr/>
+        </p:nvPicPr>
+        <p:blipFill>
+          <a:blip r:embed="rId3">
+            <a:extLst>
+              <a:ext uri="{28A0092B-C50C-407E-A947-70E740481C1C}">
+                <a14:useLocalDpi xmlns:a14="http://schemas.microsoft.com/office/drawing/2010/main" val="0"/>
+              </a:ext>
+            </a:extLst>
+          </a:blip>
+          <a:stretch>
+            <a:fillRect/>
+          </a:stretch>
+        </p:blipFill>
+        <p:spPr>
+          <a:xfrm>
+            <a:off x="190500" y="152400"/>
+            <a:ext cx="685800" cy="685800"/>
+          </a:xfrm>
+          <a:prstGeom prst="rect">
+            <a:avLst/>
+          </a:prstGeom>
+        </p:spPr>
+      </p:pic>
     </p:spTree>
     <p:extLst>
       <p:ext uri="{BB962C8B-B14F-4D97-AF65-F5344CB8AC3E}">
@@ -14794,6 +14988,36 @@
           </p:txBody>
         </p:sp>
       </p:grpSp>
+      <p:pic>
+        <p:nvPicPr>
+          <p:cNvPr id="8" name="Picture 7"/>
+          <p:cNvPicPr>
+            <a:picLocks noChangeAspect="1"/>
+          </p:cNvPicPr>
+          <p:nvPr/>
+        </p:nvPicPr>
+        <p:blipFill>
+          <a:blip r:embed="rId3">
+            <a:extLst>
+              <a:ext uri="{28A0092B-C50C-407E-A947-70E740481C1C}">
+                <a14:useLocalDpi xmlns:a14="http://schemas.microsoft.com/office/drawing/2010/main" val="0"/>
+              </a:ext>
+            </a:extLst>
+          </a:blip>
+          <a:stretch>
+            <a:fillRect/>
+          </a:stretch>
+        </p:blipFill>
+        <p:spPr>
+          <a:xfrm>
+            <a:off x="190500" y="152400"/>
+            <a:ext cx="685800" cy="685800"/>
+          </a:xfrm>
+          <a:prstGeom prst="rect">
+            <a:avLst/>
+          </a:prstGeom>
+        </p:spPr>
+      </p:pic>
     </p:spTree>
     <p:extLst>
       <p:ext uri="{BB962C8B-B14F-4D97-AF65-F5344CB8AC3E}">
@@ -17375,6 +17599,36 @@
           </a:fontRef>
         </p:style>
       </p:cxnSp>
+      <p:pic>
+        <p:nvPicPr>
+          <p:cNvPr id="7" name="Picture 6"/>
+          <p:cNvPicPr>
+            <a:picLocks noChangeAspect="1"/>
+          </p:cNvPicPr>
+          <p:nvPr/>
+        </p:nvPicPr>
+        <p:blipFill>
+          <a:blip r:embed="rId3">
+            <a:extLst>
+              <a:ext uri="{28A0092B-C50C-407E-A947-70E740481C1C}">
+                <a14:useLocalDpi xmlns:a14="http://schemas.microsoft.com/office/drawing/2010/main" val="0"/>
+              </a:ext>
+            </a:extLst>
+          </a:blip>
+          <a:stretch>
+            <a:fillRect/>
+          </a:stretch>
+        </p:blipFill>
+        <p:spPr>
+          <a:xfrm>
+            <a:off x="190500" y="152400"/>
+            <a:ext cx="685800" cy="685800"/>
+          </a:xfrm>
+          <a:prstGeom prst="rect">
+            <a:avLst/>
+          </a:prstGeom>
+        </p:spPr>
+      </p:pic>
     </p:spTree>
     <p:extLst>
       <p:ext uri="{BB962C8B-B14F-4D97-AF65-F5344CB8AC3E}">
@@ -20441,11 +20695,7 @@
           <a:p>
             <a:r>
               <a:rPr lang="en-US" dirty="0" smtClean="0"/>
-              <a:t>Proof </a:t>
-            </a:r>
-            <a:r>
-              <a:rPr lang="en-US" dirty="0" smtClean="0"/>
-              <a:t>Sketch</a:t>
+              <a:t>Proof Sketch</a:t>
             </a:r>
             <a:endParaRPr lang="en-US" dirty="0"/>
           </a:p>
@@ -21242,6 +21492,36 @@
           </a:p>
         </p:txBody>
       </p:sp>
+      <p:pic>
+        <p:nvPicPr>
+          <p:cNvPr id="12" name="Picture 11"/>
+          <p:cNvPicPr>
+            <a:picLocks noChangeAspect="1"/>
+          </p:cNvPicPr>
+          <p:nvPr/>
+        </p:nvPicPr>
+        <p:blipFill>
+          <a:blip r:embed="rId3">
+            <a:extLst>
+              <a:ext uri="{28A0092B-C50C-407E-A947-70E740481C1C}">
+                <a14:useLocalDpi xmlns:a14="http://schemas.microsoft.com/office/drawing/2010/main" val="0"/>
+              </a:ext>
+            </a:extLst>
+          </a:blip>
+          <a:stretch>
+            <a:fillRect/>
+          </a:stretch>
+        </p:blipFill>
+        <p:spPr>
+          <a:xfrm>
+            <a:off x="190500" y="152400"/>
+            <a:ext cx="685800" cy="685800"/>
+          </a:xfrm>
+          <a:prstGeom prst="rect">
+            <a:avLst/>
+          </a:prstGeom>
+        </p:spPr>
+      </p:pic>
     </p:spTree>
     <p:extLst>
       <p:ext uri="{BB962C8B-B14F-4D97-AF65-F5344CB8AC3E}">
@@ -21754,6 +22034,36 @@
           </a:graphicData>
         </a:graphic>
       </p:graphicFrame>
+      <p:pic>
+        <p:nvPicPr>
+          <p:cNvPr id="6" name="Picture 5"/>
+          <p:cNvPicPr>
+            <a:picLocks noChangeAspect="1"/>
+          </p:cNvPicPr>
+          <p:nvPr/>
+        </p:nvPicPr>
+        <p:blipFill>
+          <a:blip r:embed="rId3">
+            <a:extLst>
+              <a:ext uri="{28A0092B-C50C-407E-A947-70E740481C1C}">
+                <a14:useLocalDpi xmlns:a14="http://schemas.microsoft.com/office/drawing/2010/main" val="0"/>
+              </a:ext>
+            </a:extLst>
+          </a:blip>
+          <a:stretch>
+            <a:fillRect/>
+          </a:stretch>
+        </p:blipFill>
+        <p:spPr>
+          <a:xfrm>
+            <a:off x="190500" y="152400"/>
+            <a:ext cx="685800" cy="685800"/>
+          </a:xfrm>
+          <a:prstGeom prst="rect">
+            <a:avLst/>
+          </a:prstGeom>
+        </p:spPr>
+      </p:pic>
     </p:spTree>
     <p:extLst>
       <p:ext uri="{BB962C8B-B14F-4D97-AF65-F5344CB8AC3E}">
@@ -23113,6 +23423,36 @@
           </a:p>
         </p:txBody>
       </p:sp>
+      <p:pic>
+        <p:nvPicPr>
+          <p:cNvPr id="14" name="Picture 13"/>
+          <p:cNvPicPr>
+            <a:picLocks noChangeAspect="1"/>
+          </p:cNvPicPr>
+          <p:nvPr/>
+        </p:nvPicPr>
+        <p:blipFill>
+          <a:blip r:embed="rId3">
+            <a:extLst>
+              <a:ext uri="{28A0092B-C50C-407E-A947-70E740481C1C}">
+                <a14:useLocalDpi xmlns:a14="http://schemas.microsoft.com/office/drawing/2010/main" val="0"/>
+              </a:ext>
+            </a:extLst>
+          </a:blip>
+          <a:stretch>
+            <a:fillRect/>
+          </a:stretch>
+        </p:blipFill>
+        <p:spPr>
+          <a:xfrm>
+            <a:off x="190500" y="152400"/>
+            <a:ext cx="685800" cy="685800"/>
+          </a:xfrm>
+          <a:prstGeom prst="rect">
+            <a:avLst/>
+          </a:prstGeom>
+        </p:spPr>
+      </p:pic>
     </p:spTree>
     <p:extLst>
       <p:ext uri="{BB962C8B-B14F-4D97-AF65-F5344CB8AC3E}">
@@ -24615,6 +24955,36 @@
           </a:p>
         </p:txBody>
       </p:sp>
+      <p:pic>
+        <p:nvPicPr>
+          <p:cNvPr id="14" name="Picture 13"/>
+          <p:cNvPicPr>
+            <a:picLocks noChangeAspect="1"/>
+          </p:cNvPicPr>
+          <p:nvPr/>
+        </p:nvPicPr>
+        <p:blipFill>
+          <a:blip r:embed="rId3">
+            <a:extLst>
+              <a:ext uri="{28A0092B-C50C-407E-A947-70E740481C1C}">
+                <a14:useLocalDpi xmlns:a14="http://schemas.microsoft.com/office/drawing/2010/main" val="0"/>
+              </a:ext>
+            </a:extLst>
+          </a:blip>
+          <a:stretch>
+            <a:fillRect/>
+          </a:stretch>
+        </p:blipFill>
+        <p:spPr>
+          <a:xfrm>
+            <a:off x="190500" y="152400"/>
+            <a:ext cx="685800" cy="685800"/>
+          </a:xfrm>
+          <a:prstGeom prst="rect">
+            <a:avLst/>
+          </a:prstGeom>
+        </p:spPr>
+      </p:pic>
     </p:spTree>
     <p:extLst>
       <p:ext uri="{BB962C8B-B14F-4D97-AF65-F5344CB8AC3E}">
@@ -24993,6 +25363,36 @@
           </p:txBody>
         </p:sp>
       </p:grpSp>
+      <p:pic>
+        <p:nvPicPr>
+          <p:cNvPr id="10" name="Picture 9"/>
+          <p:cNvPicPr>
+            <a:picLocks noChangeAspect="1"/>
+          </p:cNvPicPr>
+          <p:nvPr/>
+        </p:nvPicPr>
+        <p:blipFill>
+          <a:blip r:embed="rId3">
+            <a:extLst>
+              <a:ext uri="{28A0092B-C50C-407E-A947-70E740481C1C}">
+                <a14:useLocalDpi xmlns:a14="http://schemas.microsoft.com/office/drawing/2010/main" val="0"/>
+              </a:ext>
+            </a:extLst>
+          </a:blip>
+          <a:stretch>
+            <a:fillRect/>
+          </a:stretch>
+        </p:blipFill>
+        <p:spPr>
+          <a:xfrm>
+            <a:off x="190500" y="152400"/>
+            <a:ext cx="685800" cy="685800"/>
+          </a:xfrm>
+          <a:prstGeom prst="rect">
+            <a:avLst/>
+          </a:prstGeom>
+        </p:spPr>
+      </p:pic>
     </p:spTree>
     <p:extLst>
       <p:ext uri="{BB962C8B-B14F-4D97-AF65-F5344CB8AC3E}">
@@ -25370,6 +25770,36 @@
           </a:fontRef>
         </p:style>
       </p:cxnSp>
+      <p:pic>
+        <p:nvPicPr>
+          <p:cNvPr id="7" name="Picture 6"/>
+          <p:cNvPicPr>
+            <a:picLocks noChangeAspect="1"/>
+          </p:cNvPicPr>
+          <p:nvPr/>
+        </p:nvPicPr>
+        <p:blipFill>
+          <a:blip r:embed="rId3">
+            <a:extLst>
+              <a:ext uri="{28A0092B-C50C-407E-A947-70E740481C1C}">
+                <a14:useLocalDpi xmlns:a14="http://schemas.microsoft.com/office/drawing/2010/main" val="0"/>
+              </a:ext>
+            </a:extLst>
+          </a:blip>
+          <a:stretch>
+            <a:fillRect/>
+          </a:stretch>
+        </p:blipFill>
+        <p:spPr>
+          <a:xfrm>
+            <a:off x="190500" y="152400"/>
+            <a:ext cx="685800" cy="685800"/>
+          </a:xfrm>
+          <a:prstGeom prst="rect">
+            <a:avLst/>
+          </a:prstGeom>
+        </p:spPr>
+      </p:pic>
     </p:spTree>
     <p:extLst>
       <p:ext uri="{BB962C8B-B14F-4D97-AF65-F5344CB8AC3E}">
@@ -25787,6 +26217,36 @@
           </a:p>
         </p:txBody>
       </p:sp>
+      <p:pic>
+        <p:nvPicPr>
+          <p:cNvPr id="7" name="Picture 6"/>
+          <p:cNvPicPr>
+            <a:picLocks noChangeAspect="1"/>
+          </p:cNvPicPr>
+          <p:nvPr/>
+        </p:nvPicPr>
+        <p:blipFill>
+          <a:blip r:embed="rId2">
+            <a:extLst>
+              <a:ext uri="{28A0092B-C50C-407E-A947-70E740481C1C}">
+                <a14:useLocalDpi xmlns:a14="http://schemas.microsoft.com/office/drawing/2010/main" val="0"/>
+              </a:ext>
+            </a:extLst>
+          </a:blip>
+          <a:stretch>
+            <a:fillRect/>
+          </a:stretch>
+        </p:blipFill>
+        <p:spPr>
+          <a:xfrm>
+            <a:off x="190500" y="152400"/>
+            <a:ext cx="685800" cy="685800"/>
+          </a:xfrm>
+          <a:prstGeom prst="rect">
+            <a:avLst/>
+          </a:prstGeom>
+        </p:spPr>
+      </p:pic>
     </p:spTree>
     <p:extLst>
       <p:ext uri="{BB962C8B-B14F-4D97-AF65-F5344CB8AC3E}">
@@ -26508,6 +26968,36 @@
           </a:p>
         </p:txBody>
       </p:sp>
+      <p:pic>
+        <p:nvPicPr>
+          <p:cNvPr id="9" name="Picture 8"/>
+          <p:cNvPicPr>
+            <a:picLocks noChangeAspect="1"/>
+          </p:cNvPicPr>
+          <p:nvPr/>
+        </p:nvPicPr>
+        <p:blipFill>
+          <a:blip r:embed="rId2">
+            <a:extLst>
+              <a:ext uri="{28A0092B-C50C-407E-A947-70E740481C1C}">
+                <a14:useLocalDpi xmlns:a14="http://schemas.microsoft.com/office/drawing/2010/main" val="0"/>
+              </a:ext>
+            </a:extLst>
+          </a:blip>
+          <a:stretch>
+            <a:fillRect/>
+          </a:stretch>
+        </p:blipFill>
+        <p:spPr>
+          <a:xfrm>
+            <a:off x="190500" y="152400"/>
+            <a:ext cx="685800" cy="685800"/>
+          </a:xfrm>
+          <a:prstGeom prst="rect">
+            <a:avLst/>
+          </a:prstGeom>
+        </p:spPr>
+      </p:pic>
     </p:spTree>
     <p:extLst>
       <p:ext uri="{BB962C8B-B14F-4D97-AF65-F5344CB8AC3E}">
@@ -26787,16 +27277,7 @@
                           </a:solidFill>
                           <a:latin typeface="Lucida Console" pitchFamily="49" charset="0"/>
                         </a:rPr>
-                        <a:t>(*,a,&amp;h1</a:t>
-                      </a:r>
-                      <a:r>
-                        <a:rPr lang="en-US" dirty="0" smtClean="0">
-                          <a:solidFill>
-                            <a:schemeClr val="tx1"/>
-                          </a:solidFill>
-                          <a:latin typeface="Lucida Console" pitchFamily="49" charset="0"/>
-                        </a:rPr>
-                        <a:t>)</a:t>
+                        <a:t>(*,a,&amp;h1)</a:t>
                       </a:r>
                     </a:p>
                     <a:p>
@@ -26874,16 +27355,7 @@
                           </a:solidFill>
                           <a:latin typeface="Lucida Console" pitchFamily="49" charset="0"/>
                         </a:rPr>
-                        <a:t>(0,”2”,&amp;h5</a:t>
-                      </a:r>
-                      <a:r>
-                        <a:rPr lang="en-US" dirty="0" smtClean="0">
-                          <a:solidFill>
-                            <a:schemeClr val="tx1"/>
-                          </a:solidFill>
-                          <a:latin typeface="Lucida Console" pitchFamily="49" charset="0"/>
-                        </a:rPr>
-                        <a:t>)</a:t>
+                        <a:t>(0,”2”,&amp;h5)</a:t>
                       </a:r>
                     </a:p>
                     <a:p>
@@ -26960,16 +27432,7 @@
                           </a:solidFill>
                           <a:latin typeface="Lucida Console" pitchFamily="49" charset="0"/>
                         </a:rPr>
-                        <a:t>(0,”4”,&amp;h8</a:t>
-                      </a:r>
-                      <a:r>
-                        <a:rPr lang="en-US" dirty="0" smtClean="0">
-                          <a:solidFill>
-                            <a:schemeClr val="tx1"/>
-                          </a:solidFill>
-                          <a:latin typeface="Lucida Console" pitchFamily="49" charset="0"/>
-                        </a:rPr>
-                        <a:t>)</a:t>
+                        <a:t>(0,”4”,&amp;h8)</a:t>
                       </a:r>
                     </a:p>
                     <a:p>
@@ -27065,16 +27528,7 @@
                           </a:solidFill>
                           <a:latin typeface="Lucida Console" pitchFamily="49" charset="0"/>
                         </a:rPr>
-                        <a:t>(*,b,&amp;h2</a:t>
-                      </a:r>
-                      <a:r>
-                        <a:rPr lang="en-US" dirty="0" smtClean="0">
-                          <a:solidFill>
-                            <a:schemeClr val="tx1"/>
-                          </a:solidFill>
-                          <a:latin typeface="Lucida Console" pitchFamily="49" charset="0"/>
-                        </a:rPr>
-                        <a:t>)</a:t>
+                        <a:t>(*,b,&amp;h2)</a:t>
                       </a:r>
                     </a:p>
                     <a:p>
@@ -27185,16 +27639,7 @@
                           </a:solidFill>
                           <a:latin typeface="Lucida Console" pitchFamily="49" charset="0"/>
                         </a:rPr>
-                        <a:t>(*,d,&amp;h6</a:t>
-                      </a:r>
-                      <a:r>
-                        <a:rPr lang="en-US" dirty="0" smtClean="0">
-                          <a:solidFill>
-                            <a:schemeClr val="tx1"/>
-                          </a:solidFill>
-                          <a:latin typeface="Lucida Console" pitchFamily="49" charset="0"/>
-                        </a:rPr>
-                        <a:t>)</a:t>
+                        <a:t>(*,d,&amp;h6)</a:t>
                       </a:r>
                     </a:p>
                     <a:p>
@@ -27346,16 +27791,7 @@
                           </a:solidFill>
                           <a:latin typeface="Lucida Console" pitchFamily="49" charset="0"/>
                         </a:rPr>
-                        <a:t>(1,”1”,&amp;h3</a:t>
-                      </a:r>
-                      <a:r>
-                        <a:rPr lang="en-US" dirty="0" smtClean="0">
-                          <a:solidFill>
-                            <a:schemeClr val="tx1"/>
-                          </a:solidFill>
-                          <a:latin typeface="Lucida Console" pitchFamily="49" charset="0"/>
-                        </a:rPr>
-                        <a:t>)</a:t>
+                        <a:t>(1,”1”,&amp;h3)</a:t>
                       </a:r>
                     </a:p>
                     <a:p>
@@ -27466,16 +27902,7 @@
                           </a:solidFill>
                           <a:latin typeface="Lucida Console" pitchFamily="49" charset="0"/>
                         </a:rPr>
-                        <a:t>(0,”3”,&amp;h7</a:t>
-                      </a:r>
-                      <a:r>
-                        <a:rPr lang="en-US" dirty="0" smtClean="0">
-                          <a:solidFill>
-                            <a:schemeClr val="tx1"/>
-                          </a:solidFill>
-                          <a:latin typeface="Lucida Console" pitchFamily="49" charset="0"/>
-                        </a:rPr>
-                        <a:t>)</a:t>
+                        <a:t>(0,”3”,&amp;h7)</a:t>
                       </a:r>
                     </a:p>
                     <a:p>
@@ -27627,16 +28054,7 @@
                           </a:solidFill>
                           <a:latin typeface="Lucida Console" pitchFamily="49" charset="0"/>
                         </a:rPr>
-                        <a:t>(*,c,&amp;h4</a:t>
-                      </a:r>
-                      <a:r>
-                        <a:rPr lang="en-US" dirty="0" smtClean="0">
-                          <a:solidFill>
-                            <a:schemeClr val="tx1"/>
-                          </a:solidFill>
-                          <a:latin typeface="Lucida Console" pitchFamily="49" charset="0"/>
-                        </a:rPr>
-                        <a:t>)</a:t>
+                        <a:t>(*,c,&amp;h4)</a:t>
                       </a:r>
                     </a:p>
                     <a:p>
@@ -27783,6 +28201,36 @@
           </a:graphicData>
         </a:graphic>
       </p:graphicFrame>
+      <p:pic>
+        <p:nvPicPr>
+          <p:cNvPr id="5" name="Picture 4"/>
+          <p:cNvPicPr>
+            <a:picLocks noChangeAspect="1"/>
+          </p:cNvPicPr>
+          <p:nvPr/>
+        </p:nvPicPr>
+        <p:blipFill>
+          <a:blip r:embed="rId3">
+            <a:extLst>
+              <a:ext uri="{28A0092B-C50C-407E-A947-70E740481C1C}">
+                <a14:useLocalDpi xmlns:a14="http://schemas.microsoft.com/office/drawing/2010/main" val="0"/>
+              </a:ext>
+            </a:extLst>
+          </a:blip>
+          <a:stretch>
+            <a:fillRect/>
+          </a:stretch>
+        </p:blipFill>
+        <p:spPr>
+          <a:xfrm>
+            <a:off x="190500" y="152400"/>
+            <a:ext cx="685800" cy="685800"/>
+          </a:xfrm>
+          <a:prstGeom prst="rect">
+            <a:avLst/>
+          </a:prstGeom>
+        </p:spPr>
+      </p:pic>
     </p:spTree>
     <p:extLst>
       <p:ext uri="{BB962C8B-B14F-4D97-AF65-F5344CB8AC3E}">
@@ -29662,19 +30110,7 @@
                           </a:solidFill>
                           <a:latin typeface="Lucida Console" pitchFamily="49" charset="0"/>
                         </a:rPr>
-                        <a:t>(*,a,&amp;h1</a:t>
-                      </a:r>
-                      <a:r>
-                        <a:rPr lang="en-US" dirty="0" smtClean="0">
-                          <a:solidFill>
-                            <a:schemeClr val="accent2">
-                              <a:lumMod val="60000"/>
-                              <a:lumOff val="40000"/>
-                            </a:schemeClr>
-                          </a:solidFill>
-                          <a:latin typeface="Lucida Console" pitchFamily="49" charset="0"/>
-                        </a:rPr>
-                        <a:t>)</a:t>
+                        <a:t>(*,a,&amp;h1)</a:t>
                       </a:r>
                     </a:p>
                     <a:p>
@@ -29761,19 +30197,7 @@
                           </a:solidFill>
                           <a:latin typeface="Lucida Console" pitchFamily="49" charset="0"/>
                         </a:rPr>
-                        <a:t>(0,”2”,&amp;h5</a:t>
-                      </a:r>
-                      <a:r>
-                        <a:rPr lang="en-US" dirty="0" smtClean="0">
-                          <a:solidFill>
-                            <a:schemeClr val="accent2">
-                              <a:lumMod val="60000"/>
-                              <a:lumOff val="40000"/>
-                            </a:schemeClr>
-                          </a:solidFill>
-                          <a:latin typeface="Lucida Console" pitchFamily="49" charset="0"/>
-                        </a:rPr>
-                        <a:t>)</a:t>
+                        <a:t>(0,”2”,&amp;h5)</a:t>
                       </a:r>
                     </a:p>
                     <a:p>
@@ -29859,19 +30283,7 @@
                           </a:solidFill>
                           <a:latin typeface="Lucida Console" pitchFamily="49" charset="0"/>
                         </a:rPr>
-                        <a:t>(0,”4”,&amp;h8</a:t>
-                      </a:r>
-                      <a:r>
-                        <a:rPr lang="en-US" dirty="0" smtClean="0">
-                          <a:solidFill>
-                            <a:schemeClr val="accent2">
-                              <a:lumMod val="60000"/>
-                              <a:lumOff val="40000"/>
-                            </a:schemeClr>
-                          </a:solidFill>
-                          <a:latin typeface="Lucida Console" pitchFamily="49" charset="0"/>
-                        </a:rPr>
-                        <a:t>)</a:t>
+                        <a:t>(0,”4”,&amp;h8)</a:t>
                       </a:r>
                     </a:p>
                     <a:p>
@@ -29976,19 +30388,7 @@
                           </a:solidFill>
                           <a:latin typeface="Lucida Console" pitchFamily="49" charset="0"/>
                         </a:rPr>
-                        <a:t>(*,b,&amp;h2</a:t>
-                      </a:r>
-                      <a:r>
-                        <a:rPr lang="en-US" dirty="0" smtClean="0">
-                          <a:solidFill>
-                            <a:schemeClr val="accent2">
-                              <a:lumMod val="60000"/>
-                              <a:lumOff val="40000"/>
-                            </a:schemeClr>
-                          </a:solidFill>
-                          <a:latin typeface="Lucida Console" pitchFamily="49" charset="0"/>
-                        </a:rPr>
-                        <a:t>)</a:t>
+                        <a:t>(*,b,&amp;h2)</a:t>
                       </a:r>
                     </a:p>
                     <a:p>
@@ -30108,19 +30508,7 @@
                           </a:solidFill>
                           <a:latin typeface="Lucida Console" pitchFamily="49" charset="0"/>
                         </a:rPr>
-                        <a:t>(*,d,&amp;h6</a:t>
-                      </a:r>
-                      <a:r>
-                        <a:rPr lang="en-US" dirty="0" smtClean="0">
-                          <a:solidFill>
-                            <a:schemeClr val="accent1">
-                              <a:lumMod val="60000"/>
-                              <a:lumOff val="40000"/>
-                            </a:schemeClr>
-                          </a:solidFill>
-                          <a:latin typeface="Lucida Console" pitchFamily="49" charset="0"/>
-                        </a:rPr>
-                        <a:t>)</a:t>
+                        <a:t>(*,d,&amp;h6)</a:t>
                       </a:r>
                     </a:p>
                     <a:p>
@@ -30281,19 +30669,7 @@
                           </a:solidFill>
                           <a:latin typeface="Lucida Console" pitchFamily="49" charset="0"/>
                         </a:rPr>
-                        <a:t>(1,”1”,&amp;h3</a:t>
-                      </a:r>
-                      <a:r>
-                        <a:rPr lang="en-US" dirty="0" smtClean="0">
-                          <a:solidFill>
-                            <a:schemeClr val="accent1">
-                              <a:lumMod val="60000"/>
-                              <a:lumOff val="40000"/>
-                            </a:schemeClr>
-                          </a:solidFill>
-                          <a:latin typeface="Lucida Console" pitchFamily="49" charset="0"/>
-                        </a:rPr>
-                        <a:t>)</a:t>
+                        <a:t>(1,”1”,&amp;h3)</a:t>
                       </a:r>
                     </a:p>
                     <a:p>
@@ -30413,19 +30789,7 @@
                           </a:solidFill>
                           <a:latin typeface="Lucida Console" pitchFamily="49" charset="0"/>
                         </a:rPr>
-                        <a:t>(0,”3”,&amp;h7</a:t>
-                      </a:r>
-                      <a:r>
-                        <a:rPr lang="en-US" dirty="0" smtClean="0">
-                          <a:solidFill>
-                            <a:schemeClr val="accent2">
-                              <a:lumMod val="60000"/>
-                              <a:lumOff val="40000"/>
-                            </a:schemeClr>
-                          </a:solidFill>
-                          <a:latin typeface="Lucida Console" pitchFamily="49" charset="0"/>
-                        </a:rPr>
-                        <a:t>)</a:t>
+                        <a:t>(0,”3”,&amp;h7)</a:t>
                       </a:r>
                     </a:p>
                     <a:p>
@@ -30586,19 +30950,7 @@
                           </a:solidFill>
                           <a:latin typeface="Lucida Console" pitchFamily="49" charset="0"/>
                         </a:rPr>
-                        <a:t>(*,c,&amp;h4</a:t>
-                      </a:r>
-                      <a:r>
-                        <a:rPr lang="en-US" dirty="0" smtClean="0">
-                          <a:solidFill>
-                            <a:schemeClr val="accent2">
-                              <a:lumMod val="60000"/>
-                              <a:lumOff val="40000"/>
-                            </a:schemeClr>
-                          </a:solidFill>
-                          <a:latin typeface="Lucida Console" pitchFamily="49" charset="0"/>
-                        </a:rPr>
-                        <a:t>)</a:t>
+                        <a:t>(*,c,&amp;h4)</a:t>
                       </a:r>
                     </a:p>
                     <a:p>
@@ -31213,6 +31565,36 @@
           </a:fontRef>
         </p:style>
       </p:cxnSp>
+      <p:pic>
+        <p:nvPicPr>
+          <p:cNvPr id="13" name="Picture 12"/>
+          <p:cNvPicPr>
+            <a:picLocks noChangeAspect="1"/>
+          </p:cNvPicPr>
+          <p:nvPr/>
+        </p:nvPicPr>
+        <p:blipFill>
+          <a:blip r:embed="rId3">
+            <a:extLst>
+              <a:ext uri="{28A0092B-C50C-407E-A947-70E740481C1C}">
+                <a14:useLocalDpi xmlns:a14="http://schemas.microsoft.com/office/drawing/2010/main" val="0"/>
+              </a:ext>
+            </a:extLst>
+          </a:blip>
+          <a:stretch>
+            <a:fillRect/>
+          </a:stretch>
+        </p:blipFill>
+        <p:spPr>
+          <a:xfrm>
+            <a:off x="190500" y="152400"/>
+            <a:ext cx="685800" cy="685800"/>
+          </a:xfrm>
+          <a:prstGeom prst="rect">
+            <a:avLst/>
+          </a:prstGeom>
+        </p:spPr>
+      </p:pic>
     </p:spTree>
     <p:extLst>
       <p:ext uri="{BB962C8B-B14F-4D97-AF65-F5344CB8AC3E}">
@@ -32027,6 +32409,36 @@
           </a:graphicData>
         </a:graphic>
       </p:graphicFrame>
+      <p:pic>
+        <p:nvPicPr>
+          <p:cNvPr id="5" name="Picture 4"/>
+          <p:cNvPicPr>
+            <a:picLocks noChangeAspect="1"/>
+          </p:cNvPicPr>
+          <p:nvPr/>
+        </p:nvPicPr>
+        <p:blipFill>
+          <a:blip r:embed="rId3">
+            <a:extLst>
+              <a:ext uri="{28A0092B-C50C-407E-A947-70E740481C1C}">
+                <a14:useLocalDpi xmlns:a14="http://schemas.microsoft.com/office/drawing/2010/main" val="0"/>
+              </a:ext>
+            </a:extLst>
+          </a:blip>
+          <a:stretch>
+            <a:fillRect/>
+          </a:stretch>
+        </p:blipFill>
+        <p:spPr>
+          <a:xfrm>
+            <a:off x="190500" y="152400"/>
+            <a:ext cx="685800" cy="685800"/>
+          </a:xfrm>
+          <a:prstGeom prst="rect">
+            <a:avLst/>
+          </a:prstGeom>
+        </p:spPr>
+      </p:pic>
     </p:spTree>
     <p:extLst>
       <p:ext uri="{BB962C8B-B14F-4D97-AF65-F5344CB8AC3E}">
@@ -32934,6 +33346,36 @@
           </a:graphicData>
         </a:graphic>
       </p:graphicFrame>
+      <p:pic>
+        <p:nvPicPr>
+          <p:cNvPr id="5" name="Picture 4"/>
+          <p:cNvPicPr>
+            <a:picLocks noChangeAspect="1"/>
+          </p:cNvPicPr>
+          <p:nvPr/>
+        </p:nvPicPr>
+        <p:blipFill>
+          <a:blip r:embed="rId3">
+            <a:extLst>
+              <a:ext uri="{28A0092B-C50C-407E-A947-70E740481C1C}">
+                <a14:useLocalDpi xmlns:a14="http://schemas.microsoft.com/office/drawing/2010/main" val="0"/>
+              </a:ext>
+            </a:extLst>
+          </a:blip>
+          <a:stretch>
+            <a:fillRect/>
+          </a:stretch>
+        </p:blipFill>
+        <p:spPr>
+          <a:xfrm>
+            <a:off x="190500" y="152400"/>
+            <a:ext cx="685800" cy="685800"/>
+          </a:xfrm>
+          <a:prstGeom prst="rect">
+            <a:avLst/>
+          </a:prstGeom>
+        </p:spPr>
+      </p:pic>
     </p:spTree>
     <p:extLst>
       <p:ext uri="{BB962C8B-B14F-4D97-AF65-F5344CB8AC3E}">
@@ -33469,6 +33911,36 @@
           </a:graphicData>
         </a:graphic>
       </p:graphicFrame>
+      <p:pic>
+        <p:nvPicPr>
+          <p:cNvPr id="4" name="Picture 3"/>
+          <p:cNvPicPr>
+            <a:picLocks noChangeAspect="1"/>
+          </p:cNvPicPr>
+          <p:nvPr/>
+        </p:nvPicPr>
+        <p:blipFill>
+          <a:blip r:embed="rId2">
+            <a:extLst>
+              <a:ext uri="{28A0092B-C50C-407E-A947-70E740481C1C}">
+                <a14:useLocalDpi xmlns:a14="http://schemas.microsoft.com/office/drawing/2010/main" val="0"/>
+              </a:ext>
+            </a:extLst>
+          </a:blip>
+          <a:stretch>
+            <a:fillRect/>
+          </a:stretch>
+        </p:blipFill>
+        <p:spPr>
+          <a:xfrm>
+            <a:off x="190500" y="152400"/>
+            <a:ext cx="685800" cy="685800"/>
+          </a:xfrm>
+          <a:prstGeom prst="rect">
+            <a:avLst/>
+          </a:prstGeom>
+        </p:spPr>
+      </p:pic>
     </p:spTree>
     <p:extLst>
       <p:ext uri="{BB962C8B-B14F-4D97-AF65-F5344CB8AC3E}">
@@ -33700,23 +34172,41 @@
           <a:p>
             <a:r>
               <a:rPr lang="en-US" sz="2000" dirty="0" smtClean="0"/>
-              <a:t>The experiment shows that our encoding reduces 70% </a:t>
-            </a:r>
-            <a:r>
-              <a:rPr lang="en-US" sz="2000" dirty="0" smtClean="0"/>
-              <a:t>Clauses </a:t>
-            </a:r>
-            <a:r>
-              <a:rPr lang="en-US" sz="2000" dirty="0" smtClean="0"/>
-              <a:t>Compared to </a:t>
-            </a:r>
-            <a:r>
-              <a:rPr lang="en-US" sz="2000" dirty="0" smtClean="0"/>
-              <a:t>the existing work, and runs average eight times faster and uses two times less memory. </a:t>
+              <a:t>The experiment shows that our encoding reduces 70% Clauses Compared to the existing work, and runs average eight times faster and uses two times less memory. </a:t>
             </a:r>
           </a:p>
         </p:txBody>
       </p:sp>
+      <p:pic>
+        <p:nvPicPr>
+          <p:cNvPr id="4" name="Picture 3"/>
+          <p:cNvPicPr>
+            <a:picLocks noChangeAspect="1"/>
+          </p:cNvPicPr>
+          <p:nvPr/>
+        </p:nvPicPr>
+        <p:blipFill>
+          <a:blip r:embed="rId3">
+            <a:extLst>
+              <a:ext uri="{28A0092B-C50C-407E-A947-70E740481C1C}">
+                <a14:useLocalDpi xmlns:a14="http://schemas.microsoft.com/office/drawing/2010/main" val="0"/>
+              </a:ext>
+            </a:extLst>
+          </a:blip>
+          <a:stretch>
+            <a:fillRect/>
+          </a:stretch>
+        </p:blipFill>
+        <p:spPr>
+          <a:xfrm>
+            <a:off x="190500" y="152400"/>
+            <a:ext cx="685800" cy="685800"/>
+          </a:xfrm>
+          <a:prstGeom prst="rect">
+            <a:avLst/>
+          </a:prstGeom>
+        </p:spPr>
+      </p:pic>
     </p:spTree>
     <p:extLst>
       <p:ext uri="{BB962C8B-B14F-4D97-AF65-F5344CB8AC3E}">
@@ -33796,6 +34286,36 @@
           </a:p>
         </p:txBody>
       </p:sp>
+      <p:pic>
+        <p:nvPicPr>
+          <p:cNvPr id="4" name="Picture 3"/>
+          <p:cNvPicPr>
+            <a:picLocks noChangeAspect="1"/>
+          </p:cNvPicPr>
+          <p:nvPr/>
+        </p:nvPicPr>
+        <p:blipFill>
+          <a:blip r:embed="rId3">
+            <a:extLst>
+              <a:ext uri="{28A0092B-C50C-407E-A947-70E740481C1C}">
+                <a14:useLocalDpi xmlns:a14="http://schemas.microsoft.com/office/drawing/2010/main" val="0"/>
+              </a:ext>
+            </a:extLst>
+          </a:blip>
+          <a:stretch>
+            <a:fillRect/>
+          </a:stretch>
+        </p:blipFill>
+        <p:spPr>
+          <a:xfrm>
+            <a:off x="190500" y="152400"/>
+            <a:ext cx="685800" cy="685800"/>
+          </a:xfrm>
+          <a:prstGeom prst="rect">
+            <a:avLst/>
+          </a:prstGeom>
+        </p:spPr>
+      </p:pic>
     </p:spTree>
     <p:extLst>
       <p:ext uri="{BB962C8B-B14F-4D97-AF65-F5344CB8AC3E}">
@@ -35105,6 +35625,36 @@
           </a:graphicData>
         </a:graphic>
       </p:graphicFrame>
+      <p:pic>
+        <p:nvPicPr>
+          <p:cNvPr id="7" name="Picture 6"/>
+          <p:cNvPicPr>
+            <a:picLocks noChangeAspect="1"/>
+          </p:cNvPicPr>
+          <p:nvPr/>
+        </p:nvPicPr>
+        <p:blipFill>
+          <a:blip r:embed="rId3">
+            <a:extLst>
+              <a:ext uri="{28A0092B-C50C-407E-A947-70E740481C1C}">
+                <a14:useLocalDpi xmlns:a14="http://schemas.microsoft.com/office/drawing/2010/main" val="0"/>
+              </a:ext>
+            </a:extLst>
+          </a:blip>
+          <a:stretch>
+            <a:fillRect/>
+          </a:stretch>
+        </p:blipFill>
+        <p:spPr>
+          <a:xfrm>
+            <a:off x="190500" y="152400"/>
+            <a:ext cx="685800" cy="685800"/>
+          </a:xfrm>
+          <a:prstGeom prst="rect">
+            <a:avLst/>
+          </a:prstGeom>
+        </p:spPr>
+      </p:pic>
     </p:spTree>
     <p:extLst>
       <p:ext uri="{BB962C8B-B14F-4D97-AF65-F5344CB8AC3E}">
@@ -35304,6 +35854,36 @@
           </a:p>
         </p:txBody>
       </p:sp>
+      <p:pic>
+        <p:nvPicPr>
+          <p:cNvPr id="5" name="Picture 4"/>
+          <p:cNvPicPr>
+            <a:picLocks noChangeAspect="1"/>
+          </p:cNvPicPr>
+          <p:nvPr/>
+        </p:nvPicPr>
+        <p:blipFill>
+          <a:blip r:embed="rId3">
+            <a:extLst>
+              <a:ext uri="{28A0092B-C50C-407E-A947-70E740481C1C}">
+                <a14:useLocalDpi xmlns:a14="http://schemas.microsoft.com/office/drawing/2010/main" val="0"/>
+              </a:ext>
+            </a:extLst>
+          </a:blip>
+          <a:stretch>
+            <a:fillRect/>
+          </a:stretch>
+        </p:blipFill>
+        <p:spPr>
+          <a:xfrm>
+            <a:off x="190500" y="152400"/>
+            <a:ext cx="685800" cy="685800"/>
+          </a:xfrm>
+          <a:prstGeom prst="rect">
+            <a:avLst/>
+          </a:prstGeom>
+        </p:spPr>
+      </p:pic>
     </p:spTree>
     <p:extLst>
       <p:ext uri="{BB962C8B-B14F-4D97-AF65-F5344CB8AC3E}">
@@ -36971,6 +37551,36 @@
           </a:p>
         </p:txBody>
       </p:sp>
+      <p:pic>
+        <p:nvPicPr>
+          <p:cNvPr id="18" name="Picture 17"/>
+          <p:cNvPicPr>
+            <a:picLocks noChangeAspect="1"/>
+          </p:cNvPicPr>
+          <p:nvPr/>
+        </p:nvPicPr>
+        <p:blipFill>
+          <a:blip r:embed="rId3">
+            <a:extLst>
+              <a:ext uri="{28A0092B-C50C-407E-A947-70E740481C1C}">
+                <a14:useLocalDpi xmlns:a14="http://schemas.microsoft.com/office/drawing/2010/main" val="0"/>
+              </a:ext>
+            </a:extLst>
+          </a:blip>
+          <a:stretch>
+            <a:fillRect/>
+          </a:stretch>
+        </p:blipFill>
+        <p:spPr>
+          <a:xfrm>
+            <a:off x="190500" y="152400"/>
+            <a:ext cx="685800" cy="685800"/>
+          </a:xfrm>
+          <a:prstGeom prst="rect">
+            <a:avLst/>
+          </a:prstGeom>
+        </p:spPr>
+      </p:pic>
     </p:spTree>
     <p:extLst>
       <p:ext uri="{BB962C8B-B14F-4D97-AF65-F5344CB8AC3E}">
@@ -37157,6 +37767,36 @@
           </a:p>
         </p:txBody>
       </p:sp>
+      <p:pic>
+        <p:nvPicPr>
+          <p:cNvPr id="8" name="Picture 7"/>
+          <p:cNvPicPr>
+            <a:picLocks noChangeAspect="1"/>
+          </p:cNvPicPr>
+          <p:nvPr/>
+        </p:nvPicPr>
+        <p:blipFill>
+          <a:blip r:embed="rId3">
+            <a:extLst>
+              <a:ext uri="{28A0092B-C50C-407E-A947-70E740481C1C}">
+                <a14:useLocalDpi xmlns:a14="http://schemas.microsoft.com/office/drawing/2010/main" val="0"/>
+              </a:ext>
+            </a:extLst>
+          </a:blip>
+          <a:stretch>
+            <a:fillRect/>
+          </a:stretch>
+        </p:blipFill>
+        <p:spPr>
+          <a:xfrm>
+            <a:off x="190500" y="152400"/>
+            <a:ext cx="685800" cy="685800"/>
+          </a:xfrm>
+          <a:prstGeom prst="rect">
+            <a:avLst/>
+          </a:prstGeom>
+        </p:spPr>
+      </p:pic>
     </p:spTree>
     <p:extLst>
       <p:ext uri="{BB962C8B-B14F-4D97-AF65-F5344CB8AC3E}">
@@ -37420,6 +38060,36 @@
           </a:p>
         </p:txBody>
       </p:sp>
+      <p:pic>
+        <p:nvPicPr>
+          <p:cNvPr id="11" name="Picture 10"/>
+          <p:cNvPicPr>
+            <a:picLocks noChangeAspect="1"/>
+          </p:cNvPicPr>
+          <p:nvPr/>
+        </p:nvPicPr>
+        <p:blipFill>
+          <a:blip r:embed="rId3">
+            <a:extLst>
+              <a:ext uri="{28A0092B-C50C-407E-A947-70E740481C1C}">
+                <a14:useLocalDpi xmlns:a14="http://schemas.microsoft.com/office/drawing/2010/main" val="0"/>
+              </a:ext>
+            </a:extLst>
+          </a:blip>
+          <a:stretch>
+            <a:fillRect/>
+          </a:stretch>
+        </p:blipFill>
+        <p:spPr>
+          <a:xfrm>
+            <a:off x="190500" y="152400"/>
+            <a:ext cx="685800" cy="685800"/>
+          </a:xfrm>
+          <a:prstGeom prst="rect">
+            <a:avLst/>
+          </a:prstGeom>
+        </p:spPr>
+      </p:pic>
     </p:spTree>
     <p:extLst>
       <p:ext uri="{BB962C8B-B14F-4D97-AF65-F5344CB8AC3E}">
@@ -37756,6 +38426,36 @@
           </a:p>
         </p:txBody>
       </p:sp>
+      <p:pic>
+        <p:nvPicPr>
+          <p:cNvPr id="13" name="Picture 12"/>
+          <p:cNvPicPr>
+            <a:picLocks noChangeAspect="1"/>
+          </p:cNvPicPr>
+          <p:nvPr/>
+        </p:nvPicPr>
+        <p:blipFill>
+          <a:blip r:embed="rId3">
+            <a:extLst>
+              <a:ext uri="{28A0092B-C50C-407E-A947-70E740481C1C}">
+                <a14:useLocalDpi xmlns:a14="http://schemas.microsoft.com/office/drawing/2010/main" val="0"/>
+              </a:ext>
+            </a:extLst>
+          </a:blip>
+          <a:stretch>
+            <a:fillRect/>
+          </a:stretch>
+        </p:blipFill>
+        <p:spPr>
+          <a:xfrm>
+            <a:off x="190500" y="152400"/>
+            <a:ext cx="685800" cy="685800"/>
+          </a:xfrm>
+          <a:prstGeom prst="rect">
+            <a:avLst/>
+          </a:prstGeom>
+        </p:spPr>
+      </p:pic>
     </p:spTree>
     <p:extLst>
       <p:ext uri="{BB962C8B-B14F-4D97-AF65-F5344CB8AC3E}">

--- a/presentations/Qual_2012_YuHuang.pptx
+++ b/presentations/Qual_2012_YuHuang.pptx
@@ -31462,8 +31462,8 @@
         </p:nvCxnSpPr>
         <p:spPr>
           <a:xfrm flipV="1">
-            <a:off x="3276600" y="2247900"/>
-            <a:ext cx="457200" cy="1866900"/>
+            <a:off x="3276600" y="3581400"/>
+            <a:ext cx="381000" cy="533400"/>
           </a:xfrm>
           <a:prstGeom prst="line">
             <a:avLst/>

--- a/presentations/Qual_2012_YuHuang.pptx
+++ b/presentations/Qual_2012_YuHuang.pptx
@@ -5,10 +5,10 @@
     <p:sldMasterId id="2147483648" r:id="rId1"/>
   </p:sldMasterIdLst>
   <p:notesMasterIdLst>
-    <p:notesMasterId r:id="rId37"/>
+    <p:notesMasterId r:id="rId36"/>
   </p:notesMasterIdLst>
   <p:handoutMasterIdLst>
-    <p:handoutMasterId r:id="rId38"/>
+    <p:handoutMasterId r:id="rId37"/>
   </p:handoutMasterIdLst>
   <p:sldIdLst>
     <p:sldId id="256" r:id="rId2"/>
@@ -32,20 +32,19 @@
     <p:sldId id="284" r:id="rId20"/>
     <p:sldId id="307" r:id="rId21"/>
     <p:sldId id="312" r:id="rId22"/>
-    <p:sldId id="313" r:id="rId23"/>
-    <p:sldId id="297" r:id="rId24"/>
-    <p:sldId id="271" r:id="rId25"/>
-    <p:sldId id="285" r:id="rId26"/>
-    <p:sldId id="299" r:id="rId27"/>
-    <p:sldId id="300" r:id="rId28"/>
-    <p:sldId id="301" r:id="rId29"/>
-    <p:sldId id="288" r:id="rId30"/>
-    <p:sldId id="289" r:id="rId31"/>
-    <p:sldId id="293" r:id="rId32"/>
-    <p:sldId id="291" r:id="rId33"/>
-    <p:sldId id="292" r:id="rId34"/>
-    <p:sldId id="270" r:id="rId35"/>
-    <p:sldId id="269" r:id="rId36"/>
+    <p:sldId id="297" r:id="rId23"/>
+    <p:sldId id="271" r:id="rId24"/>
+    <p:sldId id="285" r:id="rId25"/>
+    <p:sldId id="299" r:id="rId26"/>
+    <p:sldId id="300" r:id="rId27"/>
+    <p:sldId id="301" r:id="rId28"/>
+    <p:sldId id="288" r:id="rId29"/>
+    <p:sldId id="289" r:id="rId30"/>
+    <p:sldId id="293" r:id="rId31"/>
+    <p:sldId id="291" r:id="rId32"/>
+    <p:sldId id="292" r:id="rId33"/>
+    <p:sldId id="270" r:id="rId34"/>
+    <p:sldId id="269" r:id="rId35"/>
   </p:sldIdLst>
   <p:sldSz cx="9144000" cy="6858000" type="screen4x3"/>
   <p:notesSz cx="7315200" cy="9601200"/>
@@ -170,7 +169,6 @@
             <p14:sldId id="284"/>
             <p14:sldId id="307"/>
             <p14:sldId id="312"/>
-            <p14:sldId id="313"/>
             <p14:sldId id="297"/>
             <p14:sldId id="271"/>
             <p14:sldId id="285"/>
@@ -274,7 +272,7 @@
           <a:p>
             <a:fld id="{89111220-B39A-49CE-9112-9B116A3B1043}" type="datetimeFigureOut">
               <a:rPr lang="en-US" smtClean="0"/>
-              <a:t>9/14/12</a:t>
+              <a:t>9/14/2012</a:t>
             </a:fld>
             <a:endParaRPr lang="en-US"/>
           </a:p>
@@ -439,7 +437,7 @@
           <a:p>
             <a:fld id="{B6FF9642-E0FC-4E41-87C5-4272C67560A0}" type="datetimeFigureOut">
               <a:rPr lang="en-US" smtClean="0"/>
-              <a:t>9/14/12</a:t>
+              <a:t>9/14/2012</a:t>
             </a:fld>
             <a:endParaRPr lang="en-US"/>
           </a:p>
@@ -2033,11 +2031,7 @@
             </a:pPr>
             <a:r>
               <a:rPr lang="en-US" altLang="zh-CN" baseline="0" dirty="0" smtClean="0"/>
-              <a:t>If </a:t>
-            </a:r>
-            <a:r>
-              <a:rPr lang="en-US" altLang="zh-CN" baseline="0" dirty="0" smtClean="0"/>
-              <a:t>we can give a larger set of match pairs, the encoding generated can capture more behaviors that may exist in more execution traces.</a:t>
+              <a:t>If we can give a larger set of match pairs, the encoding generated can capture more behaviors that may exist in more execution traces.</a:t>
             </a:r>
             <a:r>
               <a:rPr lang="zh-CN" altLang="en-US" baseline="0" dirty="0" smtClean="0"/>
@@ -2524,11 +2518,7 @@
             </a:r>
             <a:r>
               <a:rPr lang="en-US" baseline="0" dirty="0" smtClean="0"/>
-              <a:t> </a:t>
-            </a:r>
-            <a:r>
-              <a:rPr lang="en-US" baseline="0" dirty="0" smtClean="0"/>
-              <a:t>proof </a:t>
+              <a:t> proof </a:t>
             </a:r>
             <a:r>
               <a:rPr lang="en-US" baseline="0" dirty="0" err="1" smtClean="0"/>
@@ -2655,52 +2645,19 @@
           <a:p>
             <a:r>
               <a:rPr lang="en-US" dirty="0" smtClean="0"/>
-              <a:t>For</a:t>
+              <a:t>By giving</a:t>
             </a:r>
             <a:r>
               <a:rPr lang="en-US" baseline="0" dirty="0" smtClean="0"/>
-              <a:t> proof </a:t>
-            </a:r>
-            <a:r>
-              <a:rPr lang="en-US" baseline="0" dirty="0" err="1" smtClean="0"/>
-              <a:t>sektch</a:t>
-            </a:r>
+              <a:t> a precise set of match pair, as shown on the left side, and keep the same definitions and constraints, we can generate a new SMT encoding that captures the behaviors of both trace 1 and trace 2. </a:t>
+            </a:r>
+          </a:p>
+          <a:p>
             <a:r>
               <a:rPr lang="en-US" baseline="0" dirty="0" smtClean="0"/>
-              <a:t> lets revisit our running example,</a:t>
-            </a:r>
-          </a:p>
-          <a:p>
-            <a:endParaRPr lang="en-US" baseline="0" dirty="0" smtClean="0"/>
-          </a:p>
-          <a:p>
-            <a:r>
-              <a:rPr lang="en-US" baseline="0" dirty="0" smtClean="0"/>
-              <a:t>We use boxes instead of the actual encoding to represent the definitions and constraints.</a:t>
-            </a:r>
-          </a:p>
-          <a:p>
-            <a:r>
-              <a:rPr lang="en-US" baseline="0" dirty="0" smtClean="0"/>
-              <a:t>The encoding in the middle is the one we generated in the previous slides. The encoding on the right side captures the behavior of trace 2.</a:t>
-            </a:r>
-          </a:p>
-          <a:p>
-            <a:r>
-              <a:rPr lang="en-US" baseline="0" dirty="0" smtClean="0"/>
-              <a:t>Notice that the </a:t>
-            </a:r>
-            <a:r>
-              <a:rPr lang="en-US" baseline="0" dirty="0" err="1" smtClean="0"/>
-              <a:t>defs</a:t>
-            </a:r>
-            <a:r>
-              <a:rPr lang="en-US" baseline="0" dirty="0" smtClean="0"/>
-              <a:t> and constraints area are equivalent. The only difference is the match set defined in each encoding.</a:t>
-            </a:r>
-          </a:p>
-          <a:p>
-            <a:endParaRPr lang="en-US" baseline="0" dirty="0" smtClean="0"/>
+              <a:t>Notice that we use disjunction for some match pairs and NE functions for some receives, as discussed in the previous slides</a:t>
+            </a:r>
+            <a:endParaRPr lang="en-US" dirty="0"/>
           </a:p>
         </p:txBody>
       </p:sp>
@@ -2786,17 +2743,19 @@
           <a:p>
             <a:r>
               <a:rPr lang="en-US" dirty="0" smtClean="0"/>
-              <a:t>By giving</a:t>
+              <a:t>By running those encodings,</a:t>
             </a:r>
             <a:r>
               <a:rPr lang="en-US" baseline="0" dirty="0" smtClean="0"/>
-              <a:t> a precise set of match pair, as shown on the left side, and keep the same definitions and constraints, we can generate a new SMT encoding that captures the behaviors of both trace 1 and trace 2. </a:t>
-            </a:r>
-          </a:p>
-          <a:p>
+              <a:t> we can get appropriate solutions. Notice that the answer of the encoding in the middle is </a:t>
+            </a:r>
+            <a:r>
+              <a:rPr lang="en-US" baseline="0" dirty="0" err="1" smtClean="0"/>
+              <a:t>unsat</a:t>
+            </a:r>
             <a:r>
               <a:rPr lang="en-US" baseline="0" dirty="0" smtClean="0"/>
-              <a:t>Notice that we use disjunction for some match pairs and NE functions for some receives, as discussed in the previous slides</a:t>
+              <a:t> and the answers of the encoding on the left and right side are sat. As such, the encoding on the left side is larger or equal to either the one in the middle or the one on the right side. This is coherent to theorem 1.  </a:t>
             </a:r>
             <a:endParaRPr lang="en-US" dirty="0"/>
           </a:p>
@@ -2857,7 +2816,7 @@
       </p:grpSpPr>
       <p:sp>
         <p:nvSpPr>
-          <p:cNvPr id="2" name="Slide Image Placeholder 1"/>
+          <p:cNvPr id="2" name="幻灯片图像占位符 1"/>
           <p:cNvSpPr>
             <a:spLocks noGrp="1" noRot="1" noChangeAspect="1"/>
           </p:cNvSpPr>
@@ -2869,7 +2828,7 @@
       </p:sp>
       <p:sp>
         <p:nvSpPr>
-          <p:cNvPr id="3" name="Notes Placeholder 2"/>
+          <p:cNvPr id="3" name="备注占位符 2"/>
           <p:cNvSpPr>
             <a:spLocks noGrp="1"/>
           </p:cNvSpPr>
@@ -2883,28 +2842,70 @@
           <a:lstStyle/>
           <a:p>
             <a:r>
-              <a:rPr lang="en-US" dirty="0" smtClean="0"/>
-              <a:t>By running those encodings,</a:t>
-            </a:r>
-            <a:r>
-              <a:rPr lang="en-US" baseline="0" dirty="0" smtClean="0"/>
-              <a:t> we can get appropriate solutions. Notice that the answer of the encoding in the middle is </a:t>
-            </a:r>
-            <a:r>
-              <a:rPr lang="en-US" baseline="0" dirty="0" err="1" smtClean="0"/>
+              <a:rPr lang="en-US" altLang="zh-CN" dirty="0" smtClean="0"/>
+              <a:t>Theorem</a:t>
+            </a:r>
+            <a:r>
+              <a:rPr lang="en-US" altLang="zh-CN" baseline="0" dirty="0" smtClean="0"/>
+              <a:t> 1 proves that an encoding with a larger set of match pairs can capture more precise behaviors of a program execution. Further, we give theorem 2 here such that if the set of potential match pairs over-</a:t>
+            </a:r>
+            <a:r>
+              <a:rPr lang="en-US" altLang="zh-CN" baseline="0" dirty="0" err="1" smtClean="0"/>
+              <a:t>approximiates</a:t>
+            </a:r>
+            <a:r>
+              <a:rPr lang="en-US" altLang="zh-CN" baseline="0" dirty="0" smtClean="0"/>
+              <a:t> the precise set and the answer of such encoding is sat, then it implies that the answer of the encoding with precise set also returns sat.</a:t>
+            </a:r>
+          </a:p>
+          <a:p>
+            <a:r>
+              <a:rPr lang="en-US" altLang="zh-CN" baseline="0" dirty="0" smtClean="0"/>
+              <a:t>The match set of _gamma contains all the valid match pairs defined in the precise set, as well as the “bogus” match pairs that will exist in the program runtime.</a:t>
+            </a:r>
+          </a:p>
+          <a:p>
+            <a:r>
+              <a:rPr lang="en-US" altLang="zh-CN" baseline="0" dirty="0" smtClean="0"/>
+              <a:t>As such, theorem 2 also says that any match pairs used in a satisfying assignment is valid and reflects a possible MCAPI program execution.   </a:t>
+            </a:r>
+          </a:p>
+          <a:p>
+            <a:r>
+              <a:rPr lang="en-US" altLang="zh-CN" baseline="0" dirty="0" smtClean="0"/>
+              <a:t>Combining with theorem 1, where the answer of _gamma is </a:t>
+            </a:r>
+            <a:r>
+              <a:rPr lang="en-US" altLang="zh-CN" baseline="0" dirty="0" err="1" smtClean="0"/>
               <a:t>unsat</a:t>
             </a:r>
             <a:r>
-              <a:rPr lang="en-US" baseline="0" dirty="0" smtClean="0"/>
-              <a:t> and the answers of the encoding on the left and right side are sat. As such, the encoding on the left side is larger or equal to either the one in the middle or the one on the right side. This is coherent to theorem 1.  </a:t>
-            </a:r>
-            <a:endParaRPr lang="en-US" dirty="0"/>
+              <a:rPr lang="en-US" altLang="zh-CN" baseline="0" dirty="0" smtClean="0"/>
+              <a:t> implies that the answer of precise is also </a:t>
+            </a:r>
+            <a:r>
+              <a:rPr lang="en-US" altLang="zh-CN" baseline="0" dirty="0" err="1" smtClean="0"/>
+              <a:t>unsat</a:t>
+            </a:r>
+            <a:r>
+              <a:rPr lang="en-US" altLang="zh-CN" baseline="0" dirty="0" smtClean="0"/>
+              <a:t>, we can conclude that the answer of the solution with an over-</a:t>
+            </a:r>
+            <a:r>
+              <a:rPr lang="en-US" altLang="zh-CN" baseline="0" dirty="0" err="1" smtClean="0"/>
+              <a:t>approximiated</a:t>
+            </a:r>
+            <a:r>
+              <a:rPr lang="en-US" altLang="zh-CN" baseline="0" dirty="0" smtClean="0"/>
+              <a:t> match set is equal to the answer of that with the precise set. In the other word, the encoding with over-approximated set reflects all possible behaviors in the program runtime.</a:t>
+            </a:r>
+            <a:endParaRPr lang="zh-CN" altLang="en-US" dirty="0"/>
           </a:p>
         </p:txBody>
       </p:sp>
       <p:sp>
         <p:nvSpPr>
-          <p:cNvPr id="4" name="Slide Number Placeholder 3"/>
+          <p:cNvPr id="4" name="灯片编号占位符 3"/>
           <p:cNvSpPr>
             <a:spLocks noGrp="1"/>
           </p:cNvSpPr>
@@ -2928,7 +2929,7 @@
     </p:spTree>
     <p:extLst>
       <p:ext uri="{BB962C8B-B14F-4D97-AF65-F5344CB8AC3E}">
-        <p14:creationId xmlns:p14="http://schemas.microsoft.com/office/powerpoint/2010/main" val="62606597"/>
+        <p14:creationId xmlns:p14="http://schemas.microsoft.com/office/powerpoint/2010/main" val="3702712997"/>
       </p:ext>
     </p:extLst>
   </p:cSld>
@@ -2982,63 +2983,47 @@
           <a:bodyPr/>
           <a:lstStyle/>
           <a:p>
+            <a:pPr marL="0" marR="0" indent="0" algn="l" defTabSz="914400" rtl="0" eaLnBrk="1" fontAlgn="auto" latinLnBrk="0" hangingPunct="1">
+              <a:lnSpc>
+                <a:spcPct val="100000"/>
+              </a:lnSpc>
+              <a:spcBef>
+                <a:spcPts val="0"/>
+              </a:spcBef>
+              <a:spcAft>
+                <a:spcPts val="0"/>
+              </a:spcAft>
+              <a:buClrTx/>
+              <a:buSzTx/>
+              <a:buFontTx/>
+              <a:buNone/>
+              <a:tabLst/>
+              <a:defRPr/>
+            </a:pPr>
+            <a:r>
+              <a:rPr lang="en-US" dirty="0" smtClean="0"/>
+              <a:t>Assume R matches with S. The constraints enforce message non-overtaking. The only</a:t>
+            </a:r>
+            <a:r>
+              <a:rPr lang="en-US" baseline="0" dirty="0" smtClean="0"/>
+              <a:t> way that the SAT solver can use the (match R S) pair, is to violate the message non-overtaking constraint. Therefore, (match R S) would never be a part of a satisfying assignment.</a:t>
+            </a:r>
+            <a:endParaRPr lang="en-US" altLang="zh-CN" dirty="0" smtClean="0"/>
+          </a:p>
+          <a:p>
+            <a:endParaRPr lang="en-US" altLang="zh-CN" dirty="0" smtClean="0"/>
+          </a:p>
+          <a:p>
+            <a:endParaRPr lang="en-US" altLang="zh-CN" dirty="0" smtClean="0"/>
+          </a:p>
+          <a:p>
             <a:r>
               <a:rPr lang="en-US" altLang="zh-CN" dirty="0" smtClean="0"/>
-              <a:t>Theorem</a:t>
+              <a:t>As proof sketch</a:t>
             </a:r>
             <a:r>
               <a:rPr lang="en-US" altLang="zh-CN" baseline="0" dirty="0" smtClean="0"/>
-              <a:t> 1 proves that an encoding with a larger set of match pairs can capture more precise behaviors of a program execution. Further, we give theorem 2 here such that if the set of potential match pairs over-</a:t>
-            </a:r>
-            <a:r>
-              <a:rPr lang="en-US" altLang="zh-CN" baseline="0" dirty="0" err="1" smtClean="0"/>
-              <a:t>approximiates</a:t>
-            </a:r>
-            <a:r>
-              <a:rPr lang="en-US" altLang="zh-CN" baseline="0" dirty="0" smtClean="0"/>
-              <a:t> the precise set and the answer of such encoding is sat, then it implies that the answer of the encoding with precise set also returns sat.</a:t>
-            </a:r>
-          </a:p>
-          <a:p>
-            <a:r>
-              <a:rPr lang="en-US" altLang="zh-CN" baseline="0" dirty="0" smtClean="0"/>
-              <a:t>The match set of _gamma contains all the valid match pairs defined in the precise set, as well as the “bogus” match pairs that will exist in the program runtime.</a:t>
-            </a:r>
-          </a:p>
-          <a:p>
-            <a:r>
-              <a:rPr lang="en-US" altLang="zh-CN" baseline="0" dirty="0" smtClean="0"/>
-              <a:t>As such, theorem 2 also says that any match pairs used in a satisfying assignment is valid and reflects a possible MCAPI program execution.   </a:t>
-            </a:r>
-          </a:p>
-          <a:p>
-            <a:r>
-              <a:rPr lang="en-US" altLang="zh-CN" baseline="0" dirty="0" smtClean="0"/>
-              <a:t>Combining with theorem 1, where the answer of _gamma is </a:t>
-            </a:r>
-            <a:r>
-              <a:rPr lang="en-US" altLang="zh-CN" baseline="0" dirty="0" err="1" smtClean="0"/>
-              <a:t>unsat</a:t>
-            </a:r>
-            <a:r>
-              <a:rPr lang="en-US" altLang="zh-CN" baseline="0" dirty="0" smtClean="0"/>
-              <a:t> implies that the answer of precise is also </a:t>
-            </a:r>
-            <a:r>
-              <a:rPr lang="en-US" altLang="zh-CN" baseline="0" dirty="0" err="1" smtClean="0"/>
-              <a:t>unsat</a:t>
-            </a:r>
-            <a:r>
-              <a:rPr lang="en-US" altLang="zh-CN" baseline="0" dirty="0" smtClean="0"/>
-              <a:t>, we can conclude that the answer of the solution with an over-</a:t>
-            </a:r>
-            <a:r>
-              <a:rPr lang="en-US" altLang="zh-CN" baseline="0" dirty="0" err="1" smtClean="0"/>
-              <a:t>approximiated</a:t>
-            </a:r>
-            <a:r>
-              <a:rPr lang="en-US" altLang="zh-CN" baseline="0" dirty="0" smtClean="0"/>
-              <a:t> match set is equal to the answer of that with the precise set. In the other word, the encoding with over-approximated set reflects all possible behaviors in the program runtime.</a:t>
+              <a:t>, suppose we have two sends in task 1 sending to task 0, match S and R will make the non-overtaking constraint violated, since the message sending from task 1 to task 0 should be received in a FIFO order.</a:t>
             </a:r>
             <a:endParaRPr lang="zh-CN" altLang="en-US" dirty="0"/>
           </a:p>
@@ -3070,7 +3055,7 @@
     </p:spTree>
     <p:extLst>
       <p:ext uri="{BB962C8B-B14F-4D97-AF65-F5344CB8AC3E}">
-        <p14:creationId xmlns:p14="http://schemas.microsoft.com/office/powerpoint/2010/main" val="3702712997"/>
+        <p14:creationId xmlns:p14="http://schemas.microsoft.com/office/powerpoint/2010/main" val="1529844029"/>
       </p:ext>
     </p:extLst>
   </p:cSld>
@@ -3124,47 +3109,57 @@
           <a:bodyPr/>
           <a:lstStyle/>
           <a:p>
-            <a:pPr marL="0" marR="0" indent="0" algn="l" defTabSz="914400" rtl="0" eaLnBrk="1" fontAlgn="auto" latinLnBrk="0" hangingPunct="1">
-              <a:lnSpc>
-                <a:spcPct val="100000"/>
-              </a:lnSpc>
-              <a:spcBef>
-                <a:spcPts val="0"/>
-              </a:spcBef>
-              <a:spcAft>
-                <a:spcPts val="0"/>
-              </a:spcAft>
-              <a:buClrTx/>
-              <a:buSzTx/>
-              <a:buFontTx/>
-              <a:buNone/>
-              <a:tabLst/>
-              <a:defRPr/>
-            </a:pPr>
-            <a:r>
-              <a:rPr lang="en-US" dirty="0" smtClean="0"/>
-              <a:t>Assume R matches with S. The constraints enforce message non-overtaking. The only</a:t>
-            </a:r>
-            <a:r>
-              <a:rPr lang="en-US" baseline="0" dirty="0" smtClean="0"/>
-              <a:t> way that the SAT solver can use the (match R S) pair, is to violate the message non-overtaking constraint. Therefore, (match R S) would never be a part of a satisfying assignment.</a:t>
-            </a:r>
+            <a:r>
+              <a:rPr lang="en-US" altLang="zh-CN" dirty="0" smtClean="0"/>
+              <a:t>ADD WAITS TO THE CODE.</a:t>
+            </a:r>
+          </a:p>
+          <a:p>
             <a:endParaRPr lang="en-US" altLang="zh-CN" dirty="0" smtClean="0"/>
           </a:p>
           <a:p>
+            <a:r>
+              <a:rPr lang="en-US" altLang="zh-CN" dirty="0" smtClean="0"/>
+              <a:t>Only</a:t>
+            </a:r>
+            <a:r>
+              <a:rPr lang="en-US" altLang="zh-CN" baseline="0" dirty="0" smtClean="0"/>
+              <a:t> goal of this slide is to introduce the new program!</a:t>
+            </a:r>
             <a:endParaRPr lang="en-US" altLang="zh-CN" dirty="0" smtClean="0"/>
           </a:p>
           <a:p>
             <a:endParaRPr lang="en-US" altLang="zh-CN" dirty="0" smtClean="0"/>
           </a:p>
           <a:p>
+            <a:endParaRPr lang="en-US" altLang="zh-CN" dirty="0" smtClean="0"/>
+          </a:p>
+          <a:p>
             <a:r>
               <a:rPr lang="en-US" altLang="zh-CN" dirty="0" smtClean="0"/>
-              <a:t>As proof sketch</a:t>
+              <a:t>Theorem</a:t>
             </a:r>
             <a:r>
               <a:rPr lang="en-US" altLang="zh-CN" baseline="0" dirty="0" smtClean="0"/>
-              <a:t>, suppose we have two sends in task 1 sending to task 0, match S and R will make the non-overtaking constraint violated, since the message sending from task 1 to task 0 should be received in a FIFO order.</a:t>
+              <a:t> 1 and 2 proves that an over-approximated match set can also capture the correct non-deterministic behaviors of a program execution. Now we give an algorithm that generates such an over-approximation with quadratic time complexity. </a:t>
+            </a:r>
+          </a:p>
+          <a:p>
+            <a:r>
+              <a:rPr lang="en-US" altLang="zh-CN" baseline="0" dirty="0" smtClean="0"/>
+              <a:t>First, let’s look at a concrete example. Then we will step through the example using our algorithm to generate the match set.</a:t>
+            </a:r>
+          </a:p>
+          <a:p>
+            <a:r>
+              <a:rPr lang="en-US" altLang="zh-CN" baseline="0" dirty="0" smtClean="0"/>
+              <a:t>The program execution contains three tasks and four messages passing from a task to another.</a:t>
+            </a:r>
+          </a:p>
+          <a:p>
+            <a:r>
+              <a:rPr lang="en-US" altLang="zh-CN" baseline="0" dirty="0" smtClean="0"/>
+              <a:t>Task 0 has one message sending to task 1. Task 1 has two messages sending to task 0 and task 2 has one message sending to task 0. </a:t>
             </a:r>
             <a:endParaRPr lang="zh-CN" altLang="en-US" dirty="0"/>
           </a:p>
@@ -3187,7 +3182,7 @@
           <a:p>
             <a:fld id="{50C9558D-FEB3-481B-8881-5304DCCD3A51}" type="slidenum">
               <a:rPr lang="en-US" smtClean="0"/>
-              <a:t>26</a:t>
+              <a:t>28</a:t>
             </a:fld>
             <a:endParaRPr lang="en-US"/>
           </a:p>
@@ -3196,7 +3191,7 @@
     </p:spTree>
     <p:extLst>
       <p:ext uri="{BB962C8B-B14F-4D97-AF65-F5344CB8AC3E}">
-        <p14:creationId xmlns:p14="http://schemas.microsoft.com/office/powerpoint/2010/main" val="1529844029"/>
+        <p14:creationId xmlns:p14="http://schemas.microsoft.com/office/powerpoint/2010/main" val="3092519202"/>
       </p:ext>
     </p:extLst>
   </p:cSld>
@@ -3252,55 +3247,23 @@
           <a:p>
             <a:r>
               <a:rPr lang="en-US" altLang="zh-CN" dirty="0" smtClean="0"/>
-              <a:t>ADD WAITS TO THE CODE.</a:t>
-            </a:r>
-          </a:p>
-          <a:p>
-            <a:endParaRPr lang="en-US" altLang="zh-CN" dirty="0" smtClean="0"/>
-          </a:p>
-          <a:p>
-            <a:r>
-              <a:rPr lang="en-US" altLang="zh-CN" dirty="0" smtClean="0"/>
-              <a:t>Only</a:t>
+              <a:t>The first step</a:t>
             </a:r>
             <a:r>
               <a:rPr lang="en-US" altLang="zh-CN" baseline="0" dirty="0" smtClean="0"/>
-              <a:t> goal of this slide is to introduce the new program!</a:t>
-            </a:r>
-            <a:endParaRPr lang="en-US" altLang="zh-CN" dirty="0" smtClean="0"/>
-          </a:p>
-          <a:p>
-            <a:endParaRPr lang="en-US" altLang="zh-CN" dirty="0" smtClean="0"/>
-          </a:p>
-          <a:p>
-            <a:endParaRPr lang="en-US" altLang="zh-CN" dirty="0" smtClean="0"/>
-          </a:p>
-          <a:p>
-            <a:r>
-              <a:rPr lang="en-US" altLang="zh-CN" dirty="0" smtClean="0"/>
-              <a:t>Theorem</a:t>
-            </a:r>
+              <a:t> to generate the match pairs is generating two data structures, receive list and send list, as shown above.</a:t>
+            </a:r>
+          </a:p>
+          <a:p>
             <a:r>
               <a:rPr lang="en-US" altLang="zh-CN" baseline="0" dirty="0" smtClean="0"/>
-              <a:t> 1 and 2 proves that an over-approximated match set can also capture the correct non-deterministic behaviors of a program execution. Now we give an algorithm that generates such an over-approximation with quadratic time complexity. </a:t>
+              <a:t>The purple highlights the send operations and the brown highlights the receive operations in the tasks as well as the lists.</a:t>
             </a:r>
           </a:p>
           <a:p>
             <a:r>
               <a:rPr lang="en-US" altLang="zh-CN" baseline="0" dirty="0" smtClean="0"/>
-              <a:t>First, let’s look at a concrete example. Then we will step through the example using our algorithm to generate the match set.</a:t>
-            </a:r>
-          </a:p>
-          <a:p>
-            <a:r>
-              <a:rPr lang="en-US" altLang="zh-CN" baseline="0" dirty="0" smtClean="0"/>
-              <a:t>The program execution contains three tasks and four messages passing from a task to another.</a:t>
-            </a:r>
-          </a:p>
-          <a:p>
-            <a:r>
-              <a:rPr lang="en-US" altLang="zh-CN" baseline="0" dirty="0" smtClean="0"/>
-              <a:t>Task 0 has one message sending to task 1. Task 1 has two messages sending to task 0 and task 2 has one message sending to task 0. </a:t>
+              <a:t>Notice that the integer on the left side of arrow represents the endpoint. The number proceeding the receive or send operation in tuple represents the rank of each operation. </a:t>
             </a:r>
             <a:endParaRPr lang="zh-CN" altLang="en-US" dirty="0"/>
           </a:p>
@@ -3332,7 +3295,7 @@
     </p:spTree>
     <p:extLst>
       <p:ext uri="{BB962C8B-B14F-4D97-AF65-F5344CB8AC3E}">
-        <p14:creationId xmlns:p14="http://schemas.microsoft.com/office/powerpoint/2010/main" val="3092519202"/>
+        <p14:creationId xmlns:p14="http://schemas.microsoft.com/office/powerpoint/2010/main" val="4169600862"/>
       </p:ext>
     </p:extLst>
   </p:cSld>
@@ -3388,25 +3351,118 @@
           <a:p>
             <a:r>
               <a:rPr lang="en-US" altLang="zh-CN" dirty="0" smtClean="0"/>
-              <a:t>The first step</a:t>
+              <a:t>CRITICAL: remind everyone what you meant by overtaking on rule 3 and rule 2.</a:t>
+            </a:r>
+          </a:p>
+          <a:p>
+            <a:r>
+              <a:rPr lang="en-US" altLang="zh-CN" dirty="0" smtClean="0"/>
+              <a:t>Explain dash</a:t>
             </a:r>
             <a:r>
               <a:rPr lang="en-US" altLang="zh-CN" baseline="0" dirty="0" smtClean="0"/>
-              <a:t> to generate the match pairs is generating two data structures, receive list and send list, as shown above.</a:t>
-            </a:r>
-          </a:p>
-          <a:p>
+              <a:t> lines.</a:t>
+            </a:r>
+            <a:endParaRPr lang="en-US" altLang="zh-CN" dirty="0" smtClean="0"/>
+          </a:p>
+          <a:p>
+            <a:endParaRPr lang="en-US" altLang="zh-CN" dirty="0" smtClean="0"/>
+          </a:p>
+          <a:p>
+            <a:r>
+              <a:rPr lang="en-US" altLang="zh-CN" dirty="0" smtClean="0"/>
+              <a:t>Rule 1: easy. You have</a:t>
+            </a:r>
             <a:r>
               <a:rPr lang="en-US" altLang="zh-CN" baseline="0" dirty="0" smtClean="0"/>
-              <a:t>The purple highlights the send operations and the brown highlights the receive operations in the tasks as well as the lists.</a:t>
+              <a:t> to match end points. Let’s only look at the red send and receives on endpoint 0</a:t>
             </a:r>
           </a:p>
           <a:p>
             <a:r>
               <a:rPr lang="en-US" altLang="zh-CN" baseline="0" dirty="0" smtClean="0"/>
-              <a:t>Notice that the integer on the left side of arrow represents the endpoint. The number proceeding the receive or send operation in tuple represents the rank of each operation. </a:t>
-            </a:r>
-            <a:endParaRPr lang="zh-CN" altLang="en-US" dirty="0"/>
+              <a:t>Rule 2: somewhat easy. You have to enforce message non-overtaking. </a:t>
+            </a:r>
+            <a:r>
+              <a:rPr lang="en-US" altLang="zh-CN" baseline="0" dirty="0" err="1" smtClean="0"/>
+              <a:t>I_r</a:t>
+            </a:r>
+            <a:r>
+              <a:rPr lang="en-US" altLang="zh-CN" baseline="0" dirty="0" smtClean="0"/>
+              <a:t> or I_s orders operations to a common endpoint within a task. The rules says that for example, the first </a:t>
+            </a:r>
+            <a:r>
+              <a:rPr lang="en-US" altLang="zh-CN" baseline="0" dirty="0" err="1" smtClean="0"/>
+              <a:t>recvieve</a:t>
+            </a:r>
+            <a:r>
+              <a:rPr lang="en-US" altLang="zh-CN" baseline="0" dirty="0" smtClean="0"/>
+              <a:t> on task 0 cannot match with the second send in task 1 when looking at sends and receives on the same end point. No message overtaking.</a:t>
+            </a:r>
+          </a:p>
+          <a:p>
+            <a:r>
+              <a:rPr lang="en-US" altLang="zh-CN" baseline="0" dirty="0" smtClean="0"/>
+              <a:t>Rule 3: more complicated. A stronger non-overtaking constraint that recognizes that messages must complete, meaning, that at some point, a match pair must have taken place within a thread in order to reach a latter receive. Intuitively, when I am considering matches for R_0,4, I know that R_0,1 must have matched to something. The rules acknowledges the fact and restricts the potential matches for R_0,4. PRACTICE THIS POINT! First, we needs a </a:t>
+            </a:r>
+            <a:r>
+              <a:rPr lang="en-US" altLang="zh-CN" baseline="0" dirty="0" err="1" smtClean="0"/>
+              <a:t>n_s</a:t>
+            </a:r>
+            <a:r>
+              <a:rPr lang="en-US" altLang="zh-CN" baseline="0" dirty="0" smtClean="0"/>
+              <a:t> function that counts the number of sends from a source to a particular destination. Be sure to use your example R_0,4 that _cannot_ match with S_1,1 because to be at R_0,4, something must have matched with R0,1 and R02.</a:t>
+            </a:r>
+            <a:endParaRPr lang="en-US" altLang="zh-CN" dirty="0" smtClean="0"/>
+          </a:p>
+          <a:p>
+            <a:endParaRPr lang="en-US" altLang="zh-CN" dirty="0" smtClean="0"/>
+          </a:p>
+          <a:p>
+            <a:endParaRPr lang="en-US" altLang="zh-CN" dirty="0" smtClean="0"/>
+          </a:p>
+          <a:p>
+            <a:r>
+              <a:rPr lang="en-US" altLang="zh-CN" dirty="0" smtClean="0"/>
+              <a:t>The</a:t>
+            </a:r>
+            <a:r>
+              <a:rPr lang="en-US" altLang="zh-CN" baseline="0" dirty="0" smtClean="0"/>
+              <a:t> major step of our algorithm is to apply three rules to all possible match pairs. </a:t>
+            </a:r>
+          </a:p>
+          <a:p>
+            <a:r>
+              <a:rPr lang="en-US" altLang="zh-CN" baseline="0" dirty="0" smtClean="0"/>
+              <a:t>If all of those rules are satisfied for a send and a receive, we will add the potential match to the return set. Otherwise, we ignore this match.</a:t>
+            </a:r>
+          </a:p>
+          <a:p>
+            <a:r>
+              <a:rPr lang="en-US" altLang="zh-CN" baseline="0" dirty="0" smtClean="0"/>
+              <a:t>Rule 1 is to check if the endpoint of a receive is equal to the destination endpoint of a send. We highlight the same color for those operations in our example with matched endpoint.</a:t>
+            </a:r>
+          </a:p>
+          <a:p>
+            <a:r>
+              <a:rPr lang="en-US" altLang="zh-CN" baseline="0" dirty="0" smtClean="0"/>
+              <a:t>Rule 2 is to check that the rank of a receive is larger or equal to the rank of a send, since otherwise the non-overtaking constraint is not satisfied.  </a:t>
+            </a:r>
+          </a:p>
+          <a:p>
+            <a:r>
+              <a:rPr lang="en-US" altLang="zh-CN" baseline="0" dirty="0" smtClean="0"/>
+              <a:t>Rule 3 is to check that the rank of a receive is less or equal to the rank of a send plus the number of sends that sending from the source different from that of the checking send but to the same destination of the checking send.</a:t>
+            </a:r>
+          </a:p>
+          <a:p>
+            <a:endParaRPr lang="en-US" altLang="zh-CN" baseline="0" dirty="0" smtClean="0"/>
+          </a:p>
+          <a:p>
+            <a:r>
+              <a:rPr lang="en-US" altLang="zh-CN" baseline="0" dirty="0" smtClean="0"/>
+              <a:t>The dotted lines shown above depict the potential matches by applying those rules.</a:t>
+            </a:r>
           </a:p>
         </p:txBody>
       </p:sp>
@@ -3436,7 +3492,7 @@
     </p:spTree>
     <p:extLst>
       <p:ext uri="{BB962C8B-B14F-4D97-AF65-F5344CB8AC3E}">
-        <p14:creationId xmlns:p14="http://schemas.microsoft.com/office/powerpoint/2010/main" val="4169600862"/>
+        <p14:creationId xmlns:p14="http://schemas.microsoft.com/office/powerpoint/2010/main" val="1603046237"/>
       </p:ext>
     </p:extLst>
   </p:cSld>
@@ -3465,7 +3521,7 @@
       </p:grpSpPr>
       <p:sp>
         <p:nvSpPr>
-          <p:cNvPr id="2" name="幻灯片图像占位符 1"/>
+          <p:cNvPr id="2" name="Slide Image Placeholder 1"/>
           <p:cNvSpPr>
             <a:spLocks noGrp="1" noRot="1" noChangeAspect="1"/>
           </p:cNvSpPr>
@@ -3477,7 +3533,7 @@
       </p:sp>
       <p:sp>
         <p:nvSpPr>
-          <p:cNvPr id="3" name="备注占位符 2"/>
+          <p:cNvPr id="3" name="Notes Placeholder 2"/>
           <p:cNvSpPr>
             <a:spLocks noGrp="1"/>
           </p:cNvSpPr>
@@ -3491,133 +3547,120 @@
           <a:lstStyle/>
           <a:p>
             <a:r>
-              <a:rPr lang="en-US" altLang="zh-CN" dirty="0" smtClean="0"/>
-              <a:t>CRITICAL: remind everyone what you meant by overtaking on rule 3 and rule 2.</a:t>
-            </a:r>
-          </a:p>
-          <a:p>
-            <a:r>
-              <a:rPr lang="en-US" altLang="zh-CN" dirty="0" smtClean="0"/>
-              <a:t>Explain dash</a:t>
-            </a:r>
-            <a:r>
-              <a:rPr lang="en-US" altLang="zh-CN" baseline="0" dirty="0" smtClean="0"/>
-              <a:t> lines.</a:t>
-            </a:r>
-            <a:endParaRPr lang="en-US" altLang="zh-CN" dirty="0" smtClean="0"/>
-          </a:p>
-          <a:p>
-            <a:endParaRPr lang="en-US" altLang="zh-CN" dirty="0" smtClean="0"/>
-          </a:p>
-          <a:p>
-            <a:r>
-              <a:rPr lang="en-US" altLang="zh-CN" dirty="0" smtClean="0"/>
-              <a:t>Rule </a:t>
-            </a:r>
-            <a:r>
-              <a:rPr lang="en-US" altLang="zh-CN" dirty="0" smtClean="0"/>
-              <a:t>1: easy. You have</a:t>
-            </a:r>
-            <a:r>
-              <a:rPr lang="en-US" altLang="zh-CN" baseline="0" dirty="0" smtClean="0"/>
-              <a:t> to match end points. Let’s only look at the red send and receives on endpoint 0</a:t>
-            </a:r>
-          </a:p>
-          <a:p>
-            <a:r>
-              <a:rPr lang="en-US" altLang="zh-CN" baseline="0" dirty="0" smtClean="0"/>
-              <a:t>Rule 2: somewhat easy. You have to enforce message non-overtaking. </a:t>
-            </a:r>
-            <a:r>
-              <a:rPr lang="en-US" altLang="zh-CN" baseline="0" dirty="0" err="1" smtClean="0"/>
-              <a:t>I_r</a:t>
-            </a:r>
-            <a:r>
-              <a:rPr lang="en-US" altLang="zh-CN" baseline="0" dirty="0" smtClean="0"/>
-              <a:t> or I_s orders operations to a common endpoint within a task. The rules says that for example, the first </a:t>
-            </a:r>
-            <a:r>
-              <a:rPr lang="en-US" altLang="zh-CN" baseline="0" dirty="0" err="1" smtClean="0"/>
-              <a:t>recvieve</a:t>
-            </a:r>
-            <a:r>
-              <a:rPr lang="en-US" altLang="zh-CN" baseline="0" dirty="0" smtClean="0"/>
-              <a:t> on task 0 cannot match with the second send in task 1 when looking at sends and receives on the same end point. No message overtaking.</a:t>
-            </a:r>
-          </a:p>
-          <a:p>
-            <a:r>
-              <a:rPr lang="en-US" altLang="zh-CN" baseline="0" dirty="0" smtClean="0"/>
-              <a:t>Rule 3: more complicated. A stronger non-overtaking constraint that recognizes that messages must complete, meaning, that at some point, a match pair must have taken place within a thread in order to reach a latter receive. Intuitively, when I am considering matches for R_0,4, I know that R_0,1 must have matched to something. The rules acknowledges the fact and restricts the potential matches for R_0,4. PRACTICE THIS POINT! First, we needs a </a:t>
-            </a:r>
-            <a:r>
-              <a:rPr lang="en-US" altLang="zh-CN" baseline="0" dirty="0" err="1" smtClean="0"/>
-              <a:t>n_s</a:t>
-            </a:r>
-            <a:r>
-              <a:rPr lang="en-US" altLang="zh-CN" baseline="0" dirty="0" smtClean="0"/>
-              <a:t> function that counts the number of sends from a source to a particular destination</a:t>
-            </a:r>
-            <a:r>
-              <a:rPr lang="en-US" altLang="zh-CN" baseline="0" dirty="0" smtClean="0"/>
-              <a:t>. Be sure to use your example R_0,4 that _cannot_ match with S_1,1 because to be at R_0,4, something must have matched with R0,1 and R02.</a:t>
-            </a:r>
-            <a:endParaRPr lang="en-US" altLang="zh-CN" dirty="0" smtClean="0"/>
-          </a:p>
-          <a:p>
-            <a:endParaRPr lang="en-US" altLang="zh-CN" dirty="0" smtClean="0"/>
-          </a:p>
-          <a:p>
-            <a:endParaRPr lang="en-US" altLang="zh-CN" dirty="0" smtClean="0"/>
-          </a:p>
-          <a:p>
-            <a:r>
-              <a:rPr lang="en-US" altLang="zh-CN" dirty="0" smtClean="0"/>
-              <a:t>The</a:t>
-            </a:r>
-            <a:r>
-              <a:rPr lang="en-US" altLang="zh-CN" baseline="0" dirty="0" smtClean="0"/>
-              <a:t> major step of our algorithm is to apply three rules to all possible match pairs. </a:t>
-            </a:r>
-          </a:p>
-          <a:p>
-            <a:r>
-              <a:rPr lang="en-US" altLang="zh-CN" baseline="0" dirty="0" smtClean="0"/>
-              <a:t>If all of those rules are satisfied for a send and a receive, we will add the potential match to the return set. Otherwise, we ignore this match.</a:t>
-            </a:r>
-          </a:p>
-          <a:p>
-            <a:r>
-              <a:rPr lang="en-US" altLang="zh-CN" baseline="0" dirty="0" smtClean="0"/>
-              <a:t>Rule 1 is to check if the endpoint of a receive is equal to the destination endpoint of a send. We highlight the same color for those operations in our example with matched endpoint.</a:t>
-            </a:r>
-          </a:p>
-          <a:p>
-            <a:r>
-              <a:rPr lang="en-US" altLang="zh-CN" baseline="0" dirty="0" smtClean="0"/>
-              <a:t>Rule 2 is to check that the rank of a receive is larger or equal to the rank of a send, since otherwise the non-overtaking constraint is not satisfied.  </a:t>
-            </a:r>
-          </a:p>
-          <a:p>
-            <a:r>
-              <a:rPr lang="en-US" altLang="zh-CN" baseline="0" dirty="0" smtClean="0"/>
-              <a:t>Rule 3 is to check that the rank of a receive is less or equal to the rank of a send plus the number of sends that sending from the source different from that of the checking send but to the same destination of the checking send.</a:t>
-            </a:r>
-          </a:p>
-          <a:p>
-            <a:endParaRPr lang="en-US" altLang="zh-CN" baseline="0" dirty="0" smtClean="0"/>
-          </a:p>
-          <a:p>
-            <a:r>
-              <a:rPr lang="en-US" altLang="zh-CN" baseline="0" dirty="0" smtClean="0"/>
-              <a:t>The dotted lines shown above depict the potential matches by applying those rules.</a:t>
-            </a:r>
+              <a:rPr lang="en-US" altLang="zh-CN" sz="1300" dirty="0" smtClean="0"/>
+              <a:t>Entire presentation is Definitions, Constraints, and Matches. Yet, your</a:t>
+            </a:r>
+            <a:r>
+              <a:rPr lang="en-US" altLang="zh-CN" sz="1300" baseline="0" dirty="0" smtClean="0"/>
+              <a:t> table only has matches. Make table columns match our presentation. </a:t>
+            </a:r>
+          </a:p>
+          <a:p>
+            <a:endParaRPr lang="en-US" altLang="zh-CN" sz="1300" baseline="0" dirty="0" smtClean="0"/>
+          </a:p>
+          <a:p>
+            <a:r>
+              <a:rPr lang="en-US" altLang="zh-CN" sz="1300" baseline="0" dirty="0" smtClean="0"/>
+              <a:t>Fix Table 1 (3 columns)</a:t>
+            </a:r>
+          </a:p>
+          <a:p>
+            <a:r>
+              <a:rPr lang="en-US" altLang="zh-CN" sz="1300" baseline="0" dirty="0" smtClean="0"/>
+              <a:t>Definitions: same for both</a:t>
+            </a:r>
+          </a:p>
+          <a:p>
+            <a:r>
+              <a:rPr lang="en-US" altLang="zh-CN" sz="1300" baseline="0" dirty="0" smtClean="0"/>
+              <a:t>Constraints: 13 versus 33</a:t>
+            </a:r>
+          </a:p>
+          <a:p>
+            <a:r>
+              <a:rPr lang="en-US" altLang="zh-CN" sz="1300" baseline="0" dirty="0" smtClean="0"/>
+              <a:t>Matches: 4 versus 13</a:t>
+            </a:r>
+          </a:p>
+          <a:p>
+            <a:endParaRPr lang="en-US" altLang="zh-CN" sz="1300" dirty="0" smtClean="0"/>
+          </a:p>
+          <a:p>
+            <a:r>
+              <a:rPr lang="en-US" altLang="zh-CN" sz="1300" dirty="0" smtClean="0"/>
+              <a:t>MCA </a:t>
+            </a:r>
+            <a:r>
+              <a:rPr lang="en-US" altLang="zh-CN" sz="1300" dirty="0"/>
+              <a:t>provided reference solution;</a:t>
+            </a:r>
+          </a:p>
+          <a:p>
+            <a:r>
+              <a:rPr lang="en-US" altLang="zh-CN" sz="1300" dirty="0"/>
+              <a:t>Experiments using </a:t>
+            </a:r>
+            <a:r>
+              <a:rPr lang="en-US" altLang="zh-CN" sz="1300" i="1" dirty="0" err="1"/>
+              <a:t>Yices</a:t>
+            </a:r>
+            <a:r>
+              <a:rPr lang="en-US" altLang="zh-CN" sz="1300" i="1" dirty="0"/>
+              <a:t> </a:t>
+            </a:r>
+            <a:r>
+              <a:rPr lang="en-US" altLang="zh-CN" sz="1300" dirty="0"/>
+              <a:t>SMT solver on a system running Ubuntu 14; </a:t>
+            </a:r>
+            <a:endParaRPr lang="en-US" altLang="zh-CN" sz="1300" i="1" dirty="0"/>
+          </a:p>
+          <a:p>
+            <a:r>
+              <a:rPr lang="en-US" altLang="zh-CN" sz="1300" dirty="0"/>
+              <a:t>Compare our results to </a:t>
+            </a:r>
+            <a:r>
+              <a:rPr lang="en-US" altLang="zh-CN" sz="1300" dirty="0" err="1"/>
+              <a:t>Elwakil’s</a:t>
+            </a:r>
+            <a:r>
+              <a:rPr lang="en-US" altLang="zh-CN" sz="1300" dirty="0"/>
+              <a:t> work under </a:t>
+            </a:r>
+            <a:r>
+              <a:rPr lang="en-US" altLang="zh-CN" sz="1300" i="1" dirty="0"/>
+              <a:t>zero-buffer semantics;</a:t>
+            </a:r>
+          </a:p>
+          <a:p>
+            <a:r>
+              <a:rPr lang="en-US" altLang="zh-CN" sz="1300" dirty="0"/>
+              <a:t>Four “toy” benchmarks</a:t>
+            </a:r>
+            <a:r>
+              <a:rPr lang="zh-CN" altLang="en-US" sz="1300" dirty="0"/>
+              <a:t> </a:t>
+            </a:r>
+            <a:r>
+              <a:rPr lang="en-US" altLang="zh-CN" sz="1300" dirty="0"/>
+              <a:t>and five “large” benchmarks.</a:t>
+            </a:r>
+          </a:p>
+          <a:p>
+            <a:endParaRPr lang="en-US" altLang="zh-CN" sz="1300" dirty="0"/>
+          </a:p>
+          <a:p>
+            <a:r>
+              <a:rPr lang="en-US" altLang="zh-CN" sz="1300" dirty="0"/>
+              <a:t>The tables above show the performance of the “toy” benchmarks.</a:t>
+            </a:r>
+            <a:endParaRPr lang="en-US" dirty="0"/>
           </a:p>
         </p:txBody>
       </p:sp>
       <p:sp>
         <p:nvSpPr>
-          <p:cNvPr id="4" name="灯片编号占位符 3"/>
+          <p:cNvPr id="4" name="Slide Number Placeholder 3"/>
           <p:cNvSpPr>
             <a:spLocks noGrp="1"/>
           </p:cNvSpPr>
@@ -3641,7 +3684,7 @@
     </p:spTree>
     <p:extLst>
       <p:ext uri="{BB962C8B-B14F-4D97-AF65-F5344CB8AC3E}">
-        <p14:creationId xmlns:p14="http://schemas.microsoft.com/office/powerpoint/2010/main" val="1603046237"/>
+        <p14:creationId xmlns:p14="http://schemas.microsoft.com/office/powerpoint/2010/main" val="945754665"/>
       </p:ext>
     </p:extLst>
   </p:cSld>
@@ -3846,112 +3889,51 @@
           <a:lstStyle/>
           <a:p>
             <a:r>
-              <a:rPr lang="en-US" altLang="zh-CN" sz="1300" dirty="0" smtClean="0"/>
-              <a:t>Entire presentation is Definitions, Constraints, and Matches. Yet, your</a:t>
-            </a:r>
-            <a:r>
-              <a:rPr lang="en-US" altLang="zh-CN" sz="1300" baseline="0" dirty="0" smtClean="0"/>
-              <a:t> table only has matches. Make table columns match our presentation. </a:t>
-            </a:r>
-          </a:p>
-          <a:p>
-            <a:endParaRPr lang="en-US" altLang="zh-CN" sz="1300" baseline="0" dirty="0" smtClean="0"/>
-          </a:p>
-          <a:p>
-            <a:r>
-              <a:rPr lang="en-US" altLang="zh-CN" sz="1300" baseline="0" dirty="0" smtClean="0"/>
-              <a:t>Fix Table 1 (3 columns)</a:t>
-            </a:r>
-          </a:p>
-          <a:p>
-            <a:r>
-              <a:rPr lang="en-US" altLang="zh-CN" sz="1300" baseline="0" dirty="0" smtClean="0"/>
-              <a:t>Definitions: same for both</a:t>
-            </a:r>
-          </a:p>
-          <a:p>
-            <a:r>
-              <a:rPr lang="en-US" altLang="zh-CN" sz="1300" baseline="0" dirty="0" smtClean="0"/>
-              <a:t>Constraints: 13 versus 33</a:t>
-            </a:r>
-          </a:p>
-          <a:p>
-            <a:r>
-              <a:rPr lang="en-US" altLang="zh-CN" sz="1300" baseline="0" dirty="0" smtClean="0"/>
-              <a:t>Matches: 4 versus 13</a:t>
-            </a:r>
-          </a:p>
-          <a:p>
-            <a:endParaRPr lang="en-US" altLang="zh-CN" sz="1300" dirty="0" smtClean="0"/>
-          </a:p>
-          <a:p>
-            <a:r>
-              <a:rPr lang="en-US" altLang="zh-CN" sz="1300" dirty="0" smtClean="0"/>
-              <a:t>MCA </a:t>
-            </a:r>
-            <a:r>
-              <a:rPr lang="en-US" altLang="zh-CN" sz="1300" dirty="0"/>
-              <a:t>provided reference solution;</a:t>
-            </a:r>
-          </a:p>
-          <a:p>
-            <a:r>
-              <a:rPr lang="en-US" altLang="zh-CN" sz="1300" dirty="0"/>
-              <a:t>Experiments using </a:t>
-            </a:r>
-            <a:r>
-              <a:rPr lang="en-US" altLang="zh-CN" sz="1300" i="1" dirty="0" err="1"/>
-              <a:t>Yices</a:t>
-            </a:r>
-            <a:r>
-              <a:rPr lang="en-US" altLang="zh-CN" sz="1300" i="1" dirty="0"/>
-              <a:t> </a:t>
-            </a:r>
-            <a:r>
-              <a:rPr lang="en-US" altLang="zh-CN" sz="1300" dirty="0"/>
-              <a:t>SMT solver on a system running Ubuntu 14; </a:t>
-            </a:r>
-            <a:endParaRPr lang="en-US" altLang="zh-CN" sz="1300" i="1" dirty="0"/>
-          </a:p>
-          <a:p>
-            <a:r>
-              <a:rPr lang="en-US" altLang="zh-CN" sz="1300" dirty="0"/>
-              <a:t>Compare our results to </a:t>
-            </a:r>
-            <a:r>
-              <a:rPr lang="en-US" altLang="zh-CN" sz="1300" dirty="0" err="1"/>
+              <a:rPr lang="en-US" dirty="0" smtClean="0"/>
+              <a:t>Two</a:t>
+            </a:r>
+            <a:r>
+              <a:rPr lang="en-US" baseline="0" dirty="0" smtClean="0"/>
+              <a:t> critical points:</a:t>
+            </a:r>
+          </a:p>
+          <a:p>
+            <a:endParaRPr lang="en-US" baseline="0" dirty="0" smtClean="0"/>
+          </a:p>
+          <a:p>
+            <a:pPr marL="228600" indent="-228600">
+              <a:buAutoNum type="arabicParenR"/>
+            </a:pPr>
+            <a:r>
+              <a:rPr lang="en-US" baseline="0" dirty="0" err="1" smtClean="0"/>
               <a:t>Elwakil’s</a:t>
             </a:r>
             <a:r>
-              <a:rPr lang="en-US" altLang="zh-CN" sz="1300" dirty="0"/>
-              <a:t> work under </a:t>
-            </a:r>
-            <a:r>
-              <a:rPr lang="en-US" altLang="zh-CN" sz="1300" i="1" dirty="0"/>
-              <a:t>zero-buffer semantics;</a:t>
-            </a:r>
-          </a:p>
-          <a:p>
-            <a:r>
-              <a:rPr lang="en-US" altLang="zh-CN" sz="1300" dirty="0"/>
-              <a:t>Four “toy” benchmarks</a:t>
-            </a:r>
-            <a:r>
-              <a:rPr lang="zh-CN" altLang="en-US" sz="1300" dirty="0"/>
-              <a:t> </a:t>
-            </a:r>
-            <a:r>
-              <a:rPr lang="en-US" altLang="zh-CN" sz="1300" dirty="0"/>
-              <a:t>and five “large” benchmarks.</a:t>
-            </a:r>
-          </a:p>
-          <a:p>
-            <a:endParaRPr lang="en-US" altLang="zh-CN" sz="1300" dirty="0"/>
-          </a:p>
-          <a:p>
-            <a:r>
-              <a:rPr lang="en-US" altLang="zh-CN" sz="1300" dirty="0"/>
-              <a:t>The tables above show the performance of the “toy” benchmarks.</a:t>
+              <a:rPr lang="en-US" baseline="0" dirty="0" smtClean="0"/>
+              <a:t> tool just breaks on two of the examples: fails to encode.</a:t>
+            </a:r>
+          </a:p>
+          <a:p>
+            <a:pPr marL="228600" indent="-228600">
+              <a:buAutoNum type="arabicParenR"/>
+            </a:pPr>
+            <a:endParaRPr lang="en-US" baseline="0" dirty="0" smtClean="0"/>
+          </a:p>
+          <a:p>
+            <a:pPr marL="228600" indent="-228600">
+              <a:buAutoNum type="arabicParenR"/>
+            </a:pPr>
+            <a:r>
+              <a:rPr lang="en-US" baseline="0" dirty="0" smtClean="0"/>
+              <a:t>Our encoding is dramatically faster on the examples for which </a:t>
+            </a:r>
+            <a:r>
+              <a:rPr lang="en-US" baseline="0" dirty="0" err="1" smtClean="0"/>
+              <a:t>Elwakil</a:t>
+            </a:r>
+            <a:r>
+              <a:rPr lang="en-US" baseline="0" dirty="0" smtClean="0"/>
+              <a:t> does encode</a:t>
             </a:r>
             <a:endParaRPr lang="en-US" dirty="0"/>
           </a:p>
@@ -3983,7 +3965,7 @@
     </p:spTree>
     <p:extLst>
       <p:ext uri="{BB962C8B-B14F-4D97-AF65-F5344CB8AC3E}">
-        <p14:creationId xmlns:p14="http://schemas.microsoft.com/office/powerpoint/2010/main" val="945754665"/>
+        <p14:creationId xmlns:p14="http://schemas.microsoft.com/office/powerpoint/2010/main" val="3681121626"/>
       </p:ext>
     </p:extLst>
   </p:cSld>
@@ -4039,51 +4021,22 @@
           <a:p>
             <a:r>
               <a:rPr lang="en-US" dirty="0" smtClean="0"/>
-              <a:t>Two</a:t>
+              <a:t>Possibly add a BYU logo on the slide master somewhere?</a:t>
             </a:r>
             <a:r>
               <a:rPr lang="en-US" baseline="0" dirty="0" smtClean="0"/>
-              <a:t> critical points:</a:t>
-            </a:r>
-          </a:p>
-          <a:p>
+              <a:t> In a corner? Top left corner?  I believe there is a website for the logos: Google BYU </a:t>
+            </a:r>
+            <a:r>
+              <a:rPr lang="en-US" baseline="0" smtClean="0"/>
+              <a:t>Official logo</a:t>
+            </a:r>
             <a:endParaRPr lang="en-US" baseline="0" dirty="0" smtClean="0"/>
           </a:p>
           <a:p>
-            <a:pPr marL="228600" indent="-228600">
-              <a:buAutoNum type="arabicParenR"/>
-            </a:pPr>
-            <a:r>
-              <a:rPr lang="en-US" baseline="0" dirty="0" err="1" smtClean="0"/>
-              <a:t>Elwakil’s</a:t>
-            </a:r>
-            <a:r>
-              <a:rPr lang="en-US" baseline="0" dirty="0" smtClean="0"/>
-              <a:t> tool just breaks on two of the examples: fails to encode.</a:t>
-            </a:r>
-          </a:p>
-          <a:p>
-            <a:pPr marL="228600" indent="-228600">
-              <a:buAutoNum type="arabicParenR"/>
-            </a:pPr>
             <a:endParaRPr lang="en-US" baseline="0" dirty="0" smtClean="0"/>
           </a:p>
           <a:p>
-            <a:pPr marL="228600" indent="-228600">
-              <a:buAutoNum type="arabicParenR"/>
-            </a:pPr>
-            <a:r>
-              <a:rPr lang="en-US" baseline="0" dirty="0" smtClean="0"/>
-              <a:t>Our encoding is dramatically faster on the examples for which </a:t>
-            </a:r>
-            <a:r>
-              <a:rPr lang="en-US" baseline="0" dirty="0" err="1" smtClean="0"/>
-              <a:t>Elwakil</a:t>
-            </a:r>
-            <a:r>
-              <a:rPr lang="en-US" baseline="0" dirty="0" smtClean="0"/>
-              <a:t> does encode</a:t>
-            </a:r>
             <a:endParaRPr lang="en-US" dirty="0"/>
           </a:p>
         </p:txBody>
@@ -4114,7 +4067,7 @@
     </p:spTree>
     <p:extLst>
       <p:ext uri="{BB962C8B-B14F-4D97-AF65-F5344CB8AC3E}">
-        <p14:creationId xmlns:p14="http://schemas.microsoft.com/office/powerpoint/2010/main" val="3681121626"/>
+        <p14:creationId xmlns:p14="http://schemas.microsoft.com/office/powerpoint/2010/main" val="627128951"/>
       </p:ext>
     </p:extLst>
   </p:cSld>
@@ -4168,25 +4121,7 @@
           <a:bodyPr/>
           <a:lstStyle/>
           <a:p>
-            <a:r>
-              <a:rPr lang="en-US" dirty="0" smtClean="0"/>
-              <a:t>Possibly add a BYU logo on the slide master somewhere?</a:t>
-            </a:r>
-            <a:r>
-              <a:rPr lang="en-US" baseline="0" dirty="0" smtClean="0"/>
-              <a:t> In a corner? Top left corner?  I believe there is a website for the logos: Google BYU </a:t>
-            </a:r>
-            <a:r>
-              <a:rPr lang="en-US" baseline="0" smtClean="0"/>
-              <a:t>Official logo</a:t>
-            </a:r>
-            <a:endParaRPr lang="en-US" baseline="0" dirty="0" smtClean="0"/>
-          </a:p>
-          <a:p>
-            <a:endParaRPr lang="en-US" baseline="0" dirty="0" smtClean="0"/>
-          </a:p>
-          <a:p>
-            <a:endParaRPr lang="en-US" dirty="0"/>
+            <a:endParaRPr lang="en-US"/>
           </a:p>
         </p:txBody>
       </p:sp>
@@ -4208,90 +4143,6 @@
             <a:fld id="{50C9558D-FEB3-481B-8881-5304DCCD3A51}" type="slidenum">
               <a:rPr lang="en-US" smtClean="0"/>
               <a:t>34</a:t>
-            </a:fld>
-            <a:endParaRPr lang="en-US"/>
-          </a:p>
-        </p:txBody>
-      </p:sp>
-    </p:spTree>
-    <p:extLst>
-      <p:ext uri="{BB962C8B-B14F-4D97-AF65-F5344CB8AC3E}">
-        <p14:creationId xmlns:p14="http://schemas.microsoft.com/office/powerpoint/2010/main" val="627128951"/>
-      </p:ext>
-    </p:extLst>
-  </p:cSld>
-  <p:clrMapOvr>
-    <a:masterClrMapping/>
-  </p:clrMapOvr>
-</p:notes>
-</file>
-
-<file path=ppt/notesSlides/notesSlide33.xml><?xml version="1.0" encoding="utf-8"?>
-<p:notes xmlns:a="http://schemas.openxmlformats.org/drawingml/2006/main" xmlns:r="http://schemas.openxmlformats.org/officeDocument/2006/relationships" xmlns:p="http://schemas.openxmlformats.org/presentationml/2006/main">
-  <p:cSld>
-    <p:spTree>
-      <p:nvGrpSpPr>
-        <p:cNvPr id="1" name=""/>
-        <p:cNvGrpSpPr/>
-        <p:nvPr/>
-      </p:nvGrpSpPr>
-      <p:grpSpPr>
-        <a:xfrm>
-          <a:off x="0" y="0"/>
-          <a:ext cx="0" cy="0"/>
-          <a:chOff x="0" y="0"/>
-          <a:chExt cx="0" cy="0"/>
-        </a:xfrm>
-      </p:grpSpPr>
-      <p:sp>
-        <p:nvSpPr>
-          <p:cNvPr id="2" name="Slide Image Placeholder 1"/>
-          <p:cNvSpPr>
-            <a:spLocks noGrp="1" noRot="1" noChangeAspect="1"/>
-          </p:cNvSpPr>
-          <p:nvPr>
-            <p:ph type="sldImg"/>
-          </p:nvPr>
-        </p:nvSpPr>
-        <p:spPr/>
-      </p:sp>
-      <p:sp>
-        <p:nvSpPr>
-          <p:cNvPr id="3" name="Notes Placeholder 2"/>
-          <p:cNvSpPr>
-            <a:spLocks noGrp="1"/>
-          </p:cNvSpPr>
-          <p:nvPr>
-            <p:ph type="body" idx="1"/>
-          </p:nvPr>
-        </p:nvSpPr>
-        <p:spPr/>
-        <p:txBody>
-          <a:bodyPr/>
-          <a:lstStyle/>
-          <a:p>
-            <a:endParaRPr lang="en-US"/>
-          </a:p>
-        </p:txBody>
-      </p:sp>
-      <p:sp>
-        <p:nvSpPr>
-          <p:cNvPr id="4" name="Slide Number Placeholder 3"/>
-          <p:cNvSpPr>
-            <a:spLocks noGrp="1"/>
-          </p:cNvSpPr>
-          <p:nvPr>
-            <p:ph type="sldNum" sz="quarter" idx="10"/>
-          </p:nvPr>
-        </p:nvSpPr>
-        <p:spPr/>
-        <p:txBody>
-          <a:bodyPr/>
-          <a:lstStyle/>
-          <a:p>
-            <a:fld id="{50C9558D-FEB3-481B-8881-5304DCCD3A51}" type="slidenum">
-              <a:rPr lang="en-US" smtClean="0"/>
-              <a:t>35</a:t>
             </a:fld>
             <a:endParaRPr lang="en-US"/>
           </a:p>
@@ -4356,11 +4207,7 @@
           <a:p>
             <a:r>
               <a:rPr lang="en-US" baseline="0" dirty="0" smtClean="0"/>
-              <a:t>Task 0 is from the previous slide. Let me explain task 1 and 2.  IMPORTANT</a:t>
-            </a:r>
-            <a:r>
-              <a:rPr lang="en-US" baseline="0" dirty="0" smtClean="0"/>
-              <a:t>: there is non-determinism in the run time in resolving sends from multiple end points to a common end point (i.e., two sends from two different nodes to a common end point). Such non-determinism is not easily (if at all) controlled in a sequential test.</a:t>
+              <a:t>Task 0 is from the previous slide. Let me explain task 1 and 2.  IMPORTANT: there is non-determinism in the run time in resolving sends from multiple end points to a common end point (i.e., two sends from two different nodes to a common end point). Such non-determinism is not easily (if at all) controlled in a sequential test.</a:t>
             </a:r>
           </a:p>
           <a:p>
@@ -5516,7 +5363,7 @@
           <a:p>
             <a:fld id="{F84A4CBD-960A-456A-9B79-9A5DAA6E02E9}" type="datetime1">
               <a:rPr lang="en-US" smtClean="0"/>
-              <a:t>9/14/12</a:t>
+              <a:t>9/14/2012</a:t>
             </a:fld>
             <a:endParaRPr lang="en-US"/>
           </a:p>
@@ -5682,7 +5529,7 @@
           <a:p>
             <a:fld id="{6FFB0080-53E0-4E29-9C87-13FA032C8670}" type="datetime1">
               <a:rPr lang="en-US" smtClean="0"/>
-              <a:t>9/14/12</a:t>
+              <a:t>9/14/2012</a:t>
             </a:fld>
             <a:endParaRPr lang="en-US"/>
           </a:p>
@@ -5858,7 +5705,7 @@
           <a:p>
             <a:fld id="{4C97581C-C694-4A06-BF33-FF47280C11E9}" type="datetime1">
               <a:rPr lang="en-US" smtClean="0"/>
-              <a:t>9/14/12</a:t>
+              <a:t>9/14/2012</a:t>
             </a:fld>
             <a:endParaRPr lang="en-US"/>
           </a:p>
@@ -6024,7 +5871,7 @@
           <a:p>
             <a:fld id="{75320065-1C4F-4F35-ADCD-61DA485BD8F4}" type="datetime1">
               <a:rPr lang="en-US" smtClean="0"/>
-              <a:t>9/14/12</a:t>
+              <a:t>9/14/2012</a:t>
             </a:fld>
             <a:endParaRPr lang="en-US"/>
           </a:p>
@@ -6266,7 +6113,7 @@
           <a:p>
             <a:fld id="{3DE56400-8624-4CE8-A431-7BAD40CC2038}" type="datetime1">
               <a:rPr lang="en-US" smtClean="0"/>
-              <a:t>9/14/12</a:t>
+              <a:t>9/14/2012</a:t>
             </a:fld>
             <a:endParaRPr lang="en-US"/>
           </a:p>
@@ -6550,7 +6397,7 @@
           <a:p>
             <a:fld id="{2D095419-4A23-4EC7-827A-7FC7404DDFBC}" type="datetime1">
               <a:rPr lang="en-US" smtClean="0"/>
-              <a:t>9/14/12</a:t>
+              <a:t>9/14/2012</a:t>
             </a:fld>
             <a:endParaRPr lang="en-US"/>
           </a:p>
@@ -6968,7 +6815,7 @@
           <a:p>
             <a:fld id="{702B5342-B9F4-40A8-B968-68C029020404}" type="datetime1">
               <a:rPr lang="en-US" smtClean="0"/>
-              <a:t>9/14/12</a:t>
+              <a:t>9/14/2012</a:t>
             </a:fld>
             <a:endParaRPr lang="en-US"/>
           </a:p>
@@ -7082,7 +6929,7 @@
           <a:p>
             <a:fld id="{A2C46440-81A3-41E1-AE3A-5848DA728CD2}" type="datetime1">
               <a:rPr lang="en-US" smtClean="0"/>
-              <a:t>9/14/12</a:t>
+              <a:t>9/14/2012</a:t>
             </a:fld>
             <a:endParaRPr lang="en-US"/>
           </a:p>
@@ -7173,7 +7020,7 @@
           <a:p>
             <a:fld id="{97FD17D7-9419-4A8F-9B2A-D9AEBBEE4645}" type="datetime1">
               <a:rPr lang="en-US" smtClean="0"/>
-              <a:t>9/14/12</a:t>
+              <a:t>9/14/2012</a:t>
             </a:fld>
             <a:endParaRPr lang="en-US"/>
           </a:p>
@@ -7446,7 +7293,7 @@
           <a:p>
             <a:fld id="{898AB767-2364-4983-96C9-1AF98BCD7BBF}" type="datetime1">
               <a:rPr lang="en-US" smtClean="0"/>
-              <a:t>9/14/12</a:t>
+              <a:t>9/14/2012</a:t>
             </a:fld>
             <a:endParaRPr lang="en-US"/>
           </a:p>
@@ -7695,7 +7542,7 @@
           <a:p>
             <a:fld id="{0997313F-EAC3-4D49-A621-0E6066639112}" type="datetime1">
               <a:rPr lang="en-US" smtClean="0"/>
-              <a:t>9/14/12</a:t>
+              <a:t>9/14/2012</a:t>
             </a:fld>
             <a:endParaRPr lang="en-US"/>
           </a:p>
@@ -7904,7 +7751,7 @@
           <a:p>
             <a:fld id="{1707B6C9-6E01-44ED-87EB-FEC9DE271BB7}" type="datetime1">
               <a:rPr lang="en-US" smtClean="0"/>
-              <a:t>9/14/12</a:t>
+              <a:t>9/14/2012</a:t>
             </a:fld>
             <a:endParaRPr lang="en-US"/>
           </a:p>
@@ -8331,13 +8178,8 @@
           <a:p>
             <a:r>
               <a:rPr lang="en-US" sz="1600" dirty="0" smtClean="0"/>
-              <a:t>Yu </a:t>
-            </a:r>
-            <a:r>
-              <a:rPr lang="en-US" sz="1600" dirty="0" smtClean="0"/>
-              <a:t>Huang and Eric Mercer and Jay McCarthy</a:t>
-            </a:r>
-            <a:endParaRPr lang="en-US" sz="1600" dirty="0" smtClean="0"/>
+              <a:t>Yu Huang and Eric Mercer and Jay McCarthy</a:t>
+            </a:r>
           </a:p>
           <a:p>
             <a:r>
@@ -8391,7 +8233,7 @@
   <p:timing>
     <p:tnLst>
       <p:par>
-        <p:cTn xmlns:p14="http://schemas.microsoft.com/office/powerpoint/2010/main" id="1" dur="indefinite" restart="never" nodeType="tmRoot"/>
+        <p:cTn id="1" dur="indefinite" restart="never" nodeType="tmRoot"/>
       </p:par>
     </p:tnLst>
   </p:timing>
@@ -8757,7 +8599,7 @@
   <p:timing>
     <p:tnLst>
       <p:par>
-        <p:cTn xmlns:p14="http://schemas.microsoft.com/office/powerpoint/2010/main" id="1" dur="indefinite" restart="never" nodeType="tmRoot"/>
+        <p:cTn id="1" dur="indefinite" restart="never" nodeType="tmRoot"/>
       </p:par>
     </p:tnLst>
   </p:timing>
@@ -9196,7 +9038,7 @@
   <p:timing>
     <p:tnLst>
       <p:par>
-        <p:cTn xmlns:p14="http://schemas.microsoft.com/office/powerpoint/2010/main" id="1" dur="indefinite" restart="never" nodeType="tmRoot"/>
+        <p:cTn id="1" dur="indefinite" restart="never" nodeType="tmRoot"/>
       </p:par>
     </p:tnLst>
   </p:timing>
@@ -9261,7 +9103,7 @@
         </p:nvGraphicFramePr>
         <p:xfrm>
           <a:off x="1828800" y="1676400"/>
-          <a:ext cx="5247503" cy="2133599"/>
+          <a:ext cx="5247503" cy="2133600"/>
         </p:xfrm>
         <a:graphic>
           <a:graphicData uri="http://schemas.openxmlformats.org/drawingml/2006/table">
@@ -10544,7 +10386,7 @@
               <a:t>0,2</a:t>
             </a:r>
             <a:r>
-              <a:rPr lang="en-US" altLang="zh-CN" sz="2000" i="1" dirty="0">
+              <a:rPr lang="en-US" altLang="zh-CN" sz="2000" i="1" dirty="0" smtClean="0">
                 <a:solidFill>
                   <a:schemeClr val="accent2">
                     <a:lumMod val="40000"/>
@@ -10552,30 +10394,16 @@
                   </a:schemeClr>
                 </a:solidFill>
               </a:rPr>
-              <a:t>::</a:t>
-            </a:r>
-            <a:r>
-              <a:rPr lang="en-US" altLang="zh-CN" sz="2000" i="1" dirty="0" err="1">
-                <a:solidFill>
-                  <a:schemeClr val="accent2">
-                    <a:lumMod val="40000"/>
-                    <a:lumOff val="60000"/>
-                  </a:schemeClr>
-                </a:solidFill>
-              </a:rPr>
-              <a:t>recv</a:t>
-            </a:r>
-            <a:r>
-              <a:rPr lang="en-US" altLang="zh-CN" sz="2000" i="1" dirty="0">
-                <a:solidFill>
-                  <a:schemeClr val="accent2">
-                    <a:lumMod val="40000"/>
-                    <a:lumOff val="60000"/>
-                  </a:schemeClr>
-                </a:solidFill>
-              </a:rPr>
-              <a:t>) </a:t>
-            </a:r>
+              <a:t>::R) </a:t>
+            </a:r>
+            <a:endParaRPr lang="en-US" altLang="zh-CN" sz="2000" i="1" dirty="0">
+              <a:solidFill>
+                <a:schemeClr val="accent2">
+                  <a:lumMod val="40000"/>
+                  <a:lumOff val="60000"/>
+                </a:schemeClr>
+              </a:solidFill>
+            </a:endParaRPr>
           </a:p>
           <a:p>
             <a:r>
@@ -10773,7 +10601,7 @@
   <p:timing>
     <p:tnLst>
       <p:par>
-        <p:cTn xmlns:p14="http://schemas.microsoft.com/office/powerpoint/2010/main" id="1" dur="indefinite" restart="never" nodeType="tmRoot"/>
+        <p:cTn id="1" dur="indefinite" restart="never" nodeType="tmRoot"/>
       </p:par>
     </p:tnLst>
   </p:timing>
@@ -10859,8 +10687,8 @@
         </p:nvSpPr>
         <p:spPr>
           <a:xfrm>
-            <a:off x="3124200" y="2971800"/>
-            <a:ext cx="3200400" cy="369332"/>
+            <a:off x="762000" y="2971800"/>
+            <a:ext cx="7543800" cy="646331"/>
           </a:xfrm>
           <a:prstGeom prst="rect">
             <a:avLst/>
@@ -10876,12 +10704,129 @@
             <a:pPr algn="ctr"/>
             <a:r>
               <a:rPr lang="en-US" dirty="0" smtClean="0"/>
-              <a:t>ADD DEFINITION HERE</a:t>
+              <a:t>(</a:t>
+            </a:r>
+            <a:r>
+              <a:rPr lang="en-US" b="1" dirty="0" smtClean="0"/>
+              <a:t>define-type </a:t>
+            </a:r>
+            <a:r>
+              <a:rPr lang="en-US" dirty="0" smtClean="0"/>
+              <a:t>R</a:t>
+            </a:r>
+            <a:r>
+              <a:rPr lang="en-US" b="1" dirty="0" smtClean="0"/>
+              <a:t> (record </a:t>
+            </a:r>
+            <a:r>
+              <a:rPr lang="en-US" i="1" dirty="0" smtClean="0"/>
+              <a:t>M::int e::int value::</a:t>
+            </a:r>
+            <a:r>
+              <a:rPr lang="en-US" i="1" dirty="0" err="1" smtClean="0"/>
+              <a:t>int</a:t>
+            </a:r>
+            <a:r>
+              <a:rPr lang="en-US" i="1" dirty="0" smtClean="0"/>
+              <a:t> event::</a:t>
+            </a:r>
+            <a:r>
+              <a:rPr lang="en-US" i="1" dirty="0" err="1" smtClean="0"/>
+              <a:t>int</a:t>
+            </a:r>
+            <a:r>
+              <a:rPr lang="en-US" b="1" dirty="0" smtClean="0"/>
+              <a:t>)</a:t>
+            </a:r>
+            <a:r>
+              <a:rPr lang="en-US" dirty="0" smtClean="0"/>
+              <a:t>)</a:t>
+            </a:r>
+          </a:p>
+          <a:p>
+            <a:pPr algn="ctr"/>
+            <a:r>
+              <a:rPr lang="en-US" dirty="0" smtClean="0"/>
+              <a:t>(</a:t>
+            </a:r>
+            <a:r>
+              <a:rPr lang="en-US" b="1" dirty="0" smtClean="0"/>
+              <a:t>define-type </a:t>
+            </a:r>
+            <a:r>
+              <a:rPr lang="en-US" dirty="0" smtClean="0"/>
+              <a:t>S </a:t>
+            </a:r>
+            <a:r>
+              <a:rPr lang="en-US" b="1" dirty="0" smtClean="0"/>
+              <a:t>(record </a:t>
+            </a:r>
+            <a:r>
+              <a:rPr lang="en-US" i="1" dirty="0" smtClean="0"/>
+              <a:t>O::int ID::</a:t>
+            </a:r>
+            <a:r>
+              <a:rPr lang="en-US" i="1" dirty="0" err="1" smtClean="0"/>
+              <a:t>int</a:t>
+            </a:r>
+            <a:r>
+              <a:rPr lang="en-US" i="1" dirty="0" smtClean="0"/>
+              <a:t> e::int value::</a:t>
+            </a:r>
+            <a:r>
+              <a:rPr lang="en-US" i="1" dirty="0" err="1" smtClean="0"/>
+              <a:t>int</a:t>
+            </a:r>
+            <a:r>
+              <a:rPr lang="en-US" i="1" dirty="0" smtClean="0"/>
+              <a:t> event::</a:t>
+            </a:r>
+            <a:r>
+              <a:rPr lang="en-US" i="1" dirty="0" err="1" smtClean="0"/>
+              <a:t>int</a:t>
+            </a:r>
+            <a:r>
+              <a:rPr lang="en-US" b="1" dirty="0" smtClean="0"/>
+              <a:t>)</a:t>
+            </a:r>
+            <a:r>
+              <a:rPr lang="en-US" dirty="0" smtClean="0"/>
+              <a:t>)</a:t>
             </a:r>
             <a:endParaRPr lang="en-US" dirty="0"/>
           </a:p>
         </p:txBody>
       </p:sp>
+      <p:pic>
+        <p:nvPicPr>
+          <p:cNvPr id="6" name="Picture 5"/>
+          <p:cNvPicPr>
+            <a:picLocks noChangeAspect="1"/>
+          </p:cNvPicPr>
+          <p:nvPr/>
+        </p:nvPicPr>
+        <p:blipFill>
+          <a:blip r:embed="rId3">
+            <a:extLst>
+              <a:ext uri="{28A0092B-C50C-407E-A947-70E740481C1C}">
+                <a14:useLocalDpi xmlns:a14="http://schemas.microsoft.com/office/drawing/2010/main" val="0"/>
+              </a:ext>
+            </a:extLst>
+          </a:blip>
+          <a:stretch>
+            <a:fillRect/>
+          </a:stretch>
+        </p:blipFill>
+        <p:spPr>
+          <a:xfrm>
+            <a:off x="190500" y="152400"/>
+            <a:ext cx="685800" cy="685800"/>
+          </a:xfrm>
+          <a:prstGeom prst="rect">
+            <a:avLst/>
+          </a:prstGeom>
+        </p:spPr>
+      </p:pic>
     </p:spTree>
     <p:extLst>
       <p:ext uri="{BB962C8B-B14F-4D97-AF65-F5344CB8AC3E}">
@@ -10953,7 +10898,7 @@
         </p:nvGraphicFramePr>
         <p:xfrm>
           <a:off x="1828800" y="1676400"/>
-          <a:ext cx="5247503" cy="2133599"/>
+          <a:ext cx="5247503" cy="2133600"/>
         </p:xfrm>
         <a:graphic>
           <a:graphicData uri="http://schemas.openxmlformats.org/drawingml/2006/table">
@@ -12539,7 +12484,7 @@
   <p:timing>
     <p:tnLst>
       <p:par>
-        <p:cTn xmlns:p14="http://schemas.microsoft.com/office/powerpoint/2010/main" id="1" dur="indefinite" restart="never" nodeType="tmRoot"/>
+        <p:cTn id="1" dur="indefinite" restart="never" nodeType="tmRoot"/>
       </p:par>
     </p:tnLst>
   </p:timing>
@@ -12632,8 +12577,8 @@
         </p:nvSpPr>
         <p:spPr>
           <a:xfrm>
-            <a:off x="3124200" y="2971800"/>
-            <a:ext cx="3200400" cy="369332"/>
+            <a:off x="1524000" y="2971800"/>
+            <a:ext cx="6172200" cy="646331"/>
           </a:xfrm>
           <a:prstGeom prst="rect">
             <a:avLst/>
@@ -12649,12 +12594,135 @@
             <a:pPr algn="ctr"/>
             <a:r>
               <a:rPr lang="en-US" dirty="0" smtClean="0"/>
-              <a:t>ADD DEFINITION HERE</a:t>
+              <a:t>(</a:t>
+            </a:r>
+            <a:r>
+              <a:rPr lang="en-US" b="1" dirty="0" smtClean="0"/>
+              <a:t>define</a:t>
+            </a:r>
+            <a:r>
+              <a:rPr lang="en-US" dirty="0" smtClean="0"/>
+              <a:t> HB:</a:t>
+            </a:r>
+            <a:r>
+              <a:rPr lang="en-US" dirty="0" smtClean="0">
+                <a:sym typeface="Wingdings" pitchFamily="2" charset="2"/>
+              </a:rPr>
+              <a:t>:(</a:t>
+            </a:r>
+            <a:r>
+              <a:rPr lang="en-US" dirty="0" smtClean="0">
+                <a:sym typeface="Symbol"/>
+              </a:rPr>
+              <a:t> </a:t>
+            </a:r>
+            <a:r>
+              <a:rPr lang="en-US" i="1" dirty="0" smtClean="0">
+                <a:sym typeface="Symbol"/>
+              </a:rPr>
+              <a:t>a::int b::int</a:t>
+            </a:r>
+          </a:p>
+          <a:p>
+            <a:pPr algn="ctr"/>
+            <a:r>
+              <a:rPr lang="en-US" dirty="0" smtClean="0">
+                <a:sym typeface="Symbol"/>
+              </a:rPr>
+              <a:t>(</a:t>
+            </a:r>
+            <a:r>
+              <a:rPr lang="en-US" b="1" dirty="0" smtClean="0">
+                <a:sym typeface="Symbol"/>
+              </a:rPr>
+              <a:t>subtype</a:t>
+            </a:r>
+            <a:r>
+              <a:rPr lang="en-US" dirty="0" smtClean="0">
+                <a:sym typeface="Symbol"/>
+              </a:rPr>
+              <a:t> </a:t>
+            </a:r>
+            <a:r>
+              <a:rPr lang="en-US" i="1" dirty="0" smtClean="0">
+                <a:sym typeface="Symbol"/>
+              </a:rPr>
+              <a:t>(c::</a:t>
+            </a:r>
+            <a:r>
+              <a:rPr lang="en-US" i="1" dirty="0" err="1" smtClean="0">
+                <a:sym typeface="Symbol"/>
+              </a:rPr>
+              <a:t>bool</a:t>
+            </a:r>
+            <a:r>
+              <a:rPr lang="en-US" i="1" dirty="0" smtClean="0">
+                <a:sym typeface="Symbol"/>
+              </a:rPr>
+              <a:t>)(</a:t>
+            </a:r>
+            <a:r>
+              <a:rPr lang="en-US" i="1" dirty="0" err="1" smtClean="0">
+                <a:sym typeface="Symbol"/>
+              </a:rPr>
+              <a:t>ite</a:t>
+            </a:r>
+            <a:r>
+              <a:rPr lang="en-US" i="1" dirty="0" smtClean="0">
+                <a:sym typeface="Symbol"/>
+              </a:rPr>
+              <a:t> (&lt; a b) (= c true) (= c false</a:t>
+            </a:r>
+            <a:r>
+              <a:rPr lang="en-US" dirty="0" smtClean="0">
+                <a:sym typeface="Symbol"/>
+              </a:rPr>
+              <a:t>)))</a:t>
+            </a:r>
+            <a:r>
+              <a:rPr lang="en-US" dirty="0" smtClean="0">
+                <a:sym typeface="Wingdings" pitchFamily="2" charset="2"/>
+              </a:rPr>
+              <a:t>)</a:t>
+            </a:r>
+            <a:r>
+              <a:rPr lang="en-US" dirty="0" smtClean="0"/>
+              <a:t>)</a:t>
             </a:r>
             <a:endParaRPr lang="en-US" dirty="0"/>
           </a:p>
         </p:txBody>
       </p:sp>
+      <p:pic>
+        <p:nvPicPr>
+          <p:cNvPr id="5" name="Picture 4"/>
+          <p:cNvPicPr>
+            <a:picLocks noChangeAspect="1"/>
+          </p:cNvPicPr>
+          <p:nvPr/>
+        </p:nvPicPr>
+        <p:blipFill>
+          <a:blip r:embed="rId3">
+            <a:extLst>
+              <a:ext uri="{28A0092B-C50C-407E-A947-70E740481C1C}">
+                <a14:useLocalDpi xmlns:a14="http://schemas.microsoft.com/office/drawing/2010/main" val="0"/>
+              </a:ext>
+            </a:extLst>
+          </a:blip>
+          <a:stretch>
+            <a:fillRect/>
+          </a:stretch>
+        </p:blipFill>
+        <p:spPr>
+          <a:xfrm>
+            <a:off x="190500" y="152400"/>
+            <a:ext cx="685800" cy="685800"/>
+          </a:xfrm>
+          <a:prstGeom prst="rect">
+            <a:avLst/>
+          </a:prstGeom>
+        </p:spPr>
+      </p:pic>
     </p:spTree>
     <p:extLst>
       <p:ext uri="{BB962C8B-B14F-4D97-AF65-F5344CB8AC3E}">
@@ -12726,7 +12794,7 @@
         </p:nvGraphicFramePr>
         <p:xfrm>
           <a:off x="1828800" y="1676400"/>
-          <a:ext cx="5247503" cy="2133599"/>
+          <a:ext cx="5247503" cy="2133600"/>
         </p:xfrm>
         <a:graphic>
           <a:graphicData uri="http://schemas.openxmlformats.org/drawingml/2006/table">
@@ -14044,7 +14112,7 @@
   <p:timing>
     <p:tnLst>
       <p:par>
-        <p:cTn xmlns:p14="http://schemas.microsoft.com/office/powerpoint/2010/main" id="1" dur="indefinite" restart="never" nodeType="tmRoot"/>
+        <p:cTn id="1" dur="indefinite" restart="never" nodeType="tmRoot"/>
       </p:par>
     </p:tnLst>
   </p:timing>
@@ -14109,7 +14177,7 @@
         </p:nvGraphicFramePr>
         <p:xfrm>
           <a:off x="1828800" y="1676400"/>
-          <a:ext cx="5247503" cy="2133599"/>
+          <a:ext cx="5247503" cy="2133600"/>
         </p:xfrm>
         <a:graphic>
           <a:graphicData uri="http://schemas.openxmlformats.org/drawingml/2006/table">
@@ -15689,7 +15757,7 @@
   <p:timing>
     <p:tnLst>
       <p:par>
-        <p:cTn xmlns:p14="http://schemas.microsoft.com/office/powerpoint/2010/main" id="1" dur="indefinite" restart="never" nodeType="tmRoot"/>
+        <p:cTn id="1" dur="indefinite" restart="never" nodeType="tmRoot"/>
       </p:par>
     </p:tnLst>
   </p:timing>
@@ -15782,8 +15850,8 @@
         </p:nvSpPr>
         <p:spPr>
           <a:xfrm>
-            <a:off x="3124200" y="2971800"/>
-            <a:ext cx="3200400" cy="369332"/>
+            <a:off x="1676400" y="1371600"/>
+            <a:ext cx="7620000" cy="3693319"/>
           </a:xfrm>
           <a:prstGeom prst="rect">
             <a:avLst/>
@@ -15796,15 +15864,529 @@
           </a:bodyPr>
           <a:lstStyle/>
           <a:p>
-            <a:pPr algn="ctr"/>
             <a:r>
               <a:rPr lang="en-US" dirty="0" smtClean="0"/>
-              <a:t>ADD DEFINITION HERE</a:t>
+              <a:t>(</a:t>
+            </a:r>
+            <a:r>
+              <a:rPr lang="en-US" b="1" dirty="0" smtClean="0"/>
+              <a:t>define</a:t>
+            </a:r>
+            <a:r>
+              <a:rPr lang="en-US" dirty="0" smtClean="0"/>
+              <a:t> MATCH:</a:t>
+            </a:r>
+            <a:r>
+              <a:rPr lang="en-US" dirty="0" smtClean="0">
+                <a:sym typeface="Wingdings" pitchFamily="2" charset="2"/>
+              </a:rPr>
+              <a:t>:(</a:t>
+            </a:r>
+            <a:r>
+              <a:rPr lang="en-US" dirty="0" smtClean="0">
+                <a:sym typeface="Symbol"/>
+              </a:rPr>
+              <a:t> </a:t>
+            </a:r>
+            <a:r>
+              <a:rPr lang="en-US" i="1" dirty="0" smtClean="0">
+                <a:sym typeface="Symbol"/>
+              </a:rPr>
+              <a:t>r::</a:t>
+            </a:r>
+            <a:r>
+              <a:rPr lang="en-US" dirty="0" smtClean="0">
+                <a:sym typeface="Symbol"/>
+              </a:rPr>
+              <a:t>R </a:t>
+            </a:r>
+            <a:r>
+              <a:rPr lang="en-US" i="1" dirty="0" smtClean="0">
+                <a:sym typeface="Symbol"/>
+              </a:rPr>
+              <a:t>s::</a:t>
+            </a:r>
+            <a:r>
+              <a:rPr lang="en-US" dirty="0" smtClean="0">
+                <a:sym typeface="Symbol"/>
+              </a:rPr>
+              <a:t>S (</a:t>
+            </a:r>
+            <a:r>
+              <a:rPr lang="en-US" b="1" dirty="0" smtClean="0">
+                <a:sym typeface="Symbol"/>
+              </a:rPr>
+              <a:t>subtype</a:t>
+            </a:r>
+            <a:r>
+              <a:rPr lang="en-US" dirty="0" smtClean="0">
+                <a:sym typeface="Symbol"/>
+              </a:rPr>
+              <a:t> (</a:t>
+            </a:r>
+            <a:r>
+              <a:rPr lang="en-US" i="1" dirty="0" smtClean="0">
+                <a:sym typeface="Symbol"/>
+              </a:rPr>
+              <a:t>c::</a:t>
+            </a:r>
+            <a:r>
+              <a:rPr lang="en-US" i="1" dirty="0" err="1" smtClean="0">
+                <a:sym typeface="Symbol"/>
+              </a:rPr>
+              <a:t>bool</a:t>
+            </a:r>
+            <a:r>
+              <a:rPr lang="en-US" dirty="0" smtClean="0">
+                <a:sym typeface="Symbol"/>
+              </a:rPr>
+              <a:t>) (</a:t>
+            </a:r>
+            <a:r>
+              <a:rPr lang="en-US" i="1" dirty="0" err="1" smtClean="0">
+                <a:sym typeface="Symbol"/>
+              </a:rPr>
+              <a:t>ite</a:t>
+            </a:r>
+            <a:endParaRPr lang="en-US" i="1" dirty="0">
+              <a:sym typeface="Symbol"/>
+            </a:endParaRPr>
+          </a:p>
+          <a:p>
+            <a:r>
+              <a:rPr lang="en-US" dirty="0">
+                <a:sym typeface="Symbol"/>
+              </a:rPr>
+              <a:t> </a:t>
+            </a:r>
+            <a:r>
+              <a:rPr lang="en-US" dirty="0" smtClean="0">
+                <a:sym typeface="Symbol"/>
+              </a:rPr>
+              <a:t> (and (= (select </a:t>
+            </a:r>
+            <a:r>
+              <a:rPr lang="en-US" i="1" dirty="0" smtClean="0">
+                <a:sym typeface="Symbol"/>
+              </a:rPr>
+              <a:t>r e</a:t>
+            </a:r>
+            <a:r>
+              <a:rPr lang="en-US" dirty="0" smtClean="0">
+                <a:sym typeface="Symbol"/>
+              </a:rPr>
+              <a:t>) (select </a:t>
+            </a:r>
+            <a:r>
+              <a:rPr lang="en-US" i="1" dirty="0" smtClean="0">
+                <a:sym typeface="Symbol"/>
+              </a:rPr>
+              <a:t>s e</a:t>
+            </a:r>
+            <a:r>
+              <a:rPr lang="en-US" dirty="0" smtClean="0">
+                <a:sym typeface="Symbol"/>
+              </a:rPr>
+              <a:t>))</a:t>
+            </a:r>
+          </a:p>
+          <a:p>
+            <a:r>
+              <a:rPr lang="en-US" dirty="0" smtClean="0">
+                <a:sym typeface="Symbol"/>
+              </a:rPr>
+              <a:t>    (= (select </a:t>
+            </a:r>
+            <a:r>
+              <a:rPr lang="en-US" i="1" dirty="0" smtClean="0">
+                <a:sym typeface="Symbol"/>
+              </a:rPr>
+              <a:t>r value</a:t>
+            </a:r>
+            <a:r>
+              <a:rPr lang="en-US" dirty="0" smtClean="0">
+                <a:sym typeface="Symbol"/>
+              </a:rPr>
+              <a:t>) (select </a:t>
+            </a:r>
+            <a:r>
+              <a:rPr lang="en-US" i="1" dirty="0" smtClean="0">
+                <a:sym typeface="Symbol"/>
+              </a:rPr>
+              <a:t>s value</a:t>
+            </a:r>
+            <a:r>
+              <a:rPr lang="en-US" dirty="0" smtClean="0">
+                <a:sym typeface="Symbol"/>
+              </a:rPr>
+              <a:t>))</a:t>
+            </a:r>
+          </a:p>
+          <a:p>
+            <a:r>
+              <a:rPr lang="en-US" dirty="0" smtClean="0">
+                <a:sym typeface="Symbol"/>
+              </a:rPr>
+              <a:t>    (HB (select </a:t>
+            </a:r>
+            <a:r>
+              <a:rPr lang="en-US" i="1" dirty="0" smtClean="0">
+                <a:sym typeface="Symbol"/>
+              </a:rPr>
+              <a:t>s event</a:t>
+            </a:r>
+            <a:r>
+              <a:rPr lang="en-US" dirty="0" smtClean="0">
+                <a:sym typeface="Symbol"/>
+              </a:rPr>
+              <a:t>) (select </a:t>
+            </a:r>
+            <a:r>
+              <a:rPr lang="en-US" i="1" dirty="0" smtClean="0">
+                <a:sym typeface="Symbol"/>
+              </a:rPr>
+              <a:t>r event</a:t>
+            </a:r>
+            <a:r>
+              <a:rPr lang="en-US" dirty="0" smtClean="0">
+                <a:sym typeface="Symbol"/>
+              </a:rPr>
+              <a:t>))</a:t>
+            </a:r>
+          </a:p>
+          <a:p>
+            <a:r>
+              <a:rPr lang="en-US" dirty="0" smtClean="0">
+                <a:sym typeface="Symbol"/>
+              </a:rPr>
+              <a:t>    (= (select </a:t>
+            </a:r>
+            <a:r>
+              <a:rPr lang="en-US" i="1" dirty="0" smtClean="0">
+                <a:sym typeface="Symbol"/>
+              </a:rPr>
+              <a:t>r M</a:t>
+            </a:r>
+            <a:r>
+              <a:rPr lang="en-US" dirty="0" smtClean="0">
+                <a:sym typeface="Symbol"/>
+              </a:rPr>
+              <a:t>) (select </a:t>
+            </a:r>
+            <a:r>
+              <a:rPr lang="en-US" i="1" dirty="0" smtClean="0">
+                <a:sym typeface="Symbol"/>
+              </a:rPr>
+              <a:t>s ID</a:t>
+            </a:r>
+            <a:r>
+              <a:rPr lang="en-US" dirty="0" smtClean="0">
+                <a:sym typeface="Symbol"/>
+              </a:rPr>
+              <a:t>))</a:t>
+            </a:r>
+          </a:p>
+          <a:p>
+            <a:r>
+              <a:rPr lang="en-US" dirty="0" smtClean="0">
+                <a:sym typeface="Symbol"/>
+              </a:rPr>
+              <a:t>    (= (select </a:t>
+            </a:r>
+            <a:r>
+              <a:rPr lang="en-US" i="1" dirty="0" smtClean="0">
+                <a:sym typeface="Symbol"/>
+              </a:rPr>
+              <a:t>s O</a:t>
+            </a:r>
+            <a:r>
+              <a:rPr lang="en-US" dirty="0" smtClean="0">
+                <a:sym typeface="Symbol"/>
+              </a:rPr>
+              <a:t>) (select </a:t>
+            </a:r>
+            <a:r>
+              <a:rPr lang="en-US" i="1" dirty="0" smtClean="0">
+                <a:sym typeface="Symbol"/>
+              </a:rPr>
+              <a:t>r event</a:t>
+            </a:r>
+            <a:r>
+              <a:rPr lang="en-US" dirty="0" smtClean="0">
+                <a:sym typeface="Symbol"/>
+              </a:rPr>
+              <a:t>)))</a:t>
+            </a:r>
+          </a:p>
+          <a:p>
+            <a:r>
+              <a:rPr lang="en-US" dirty="0" smtClean="0">
+                <a:sym typeface="Symbol"/>
+              </a:rPr>
+              <a:t>  (= </a:t>
+            </a:r>
+            <a:r>
+              <a:rPr lang="en-US" i="1" dirty="0" smtClean="0">
+                <a:sym typeface="Symbol"/>
+              </a:rPr>
+              <a:t>c</a:t>
+            </a:r>
+            <a:r>
+              <a:rPr lang="en-US" dirty="0" smtClean="0">
+                <a:sym typeface="Symbol"/>
+              </a:rPr>
+              <a:t> true)</a:t>
+            </a:r>
+          </a:p>
+          <a:p>
+            <a:r>
+              <a:rPr lang="en-US" dirty="0" smtClean="0">
+                <a:sym typeface="Symbol"/>
+              </a:rPr>
+              <a:t>  (= </a:t>
+            </a:r>
+            <a:r>
+              <a:rPr lang="en-US" i="1" dirty="0" smtClean="0">
+                <a:sym typeface="Symbol"/>
+              </a:rPr>
+              <a:t>c</a:t>
+            </a:r>
+            <a:r>
+              <a:rPr lang="en-US" dirty="0" smtClean="0">
+                <a:sym typeface="Symbol"/>
+              </a:rPr>
+              <a:t> false)))</a:t>
+            </a:r>
+            <a:r>
+              <a:rPr lang="en-US" dirty="0" smtClean="0">
+                <a:sym typeface="Wingdings" pitchFamily="2" charset="2"/>
+              </a:rPr>
+              <a:t>)</a:t>
+            </a:r>
+            <a:r>
+              <a:rPr lang="en-US" dirty="0" smtClean="0"/>
+              <a:t>)</a:t>
+            </a:r>
+          </a:p>
+          <a:p>
+            <a:endParaRPr lang="en-US" dirty="0" smtClean="0"/>
+          </a:p>
+          <a:p>
+            <a:r>
+              <a:rPr lang="en-US" dirty="0" smtClean="0"/>
+              <a:t>(</a:t>
+            </a:r>
+            <a:r>
+              <a:rPr lang="en-US" b="1" dirty="0" smtClean="0"/>
+              <a:t>define</a:t>
+            </a:r>
+            <a:r>
+              <a:rPr lang="en-US" dirty="0" smtClean="0"/>
+              <a:t> NE:</a:t>
+            </a:r>
+            <a:r>
+              <a:rPr lang="en-US" dirty="0" smtClean="0">
+                <a:sym typeface="Wingdings" pitchFamily="2" charset="2"/>
+              </a:rPr>
+              <a:t>:(</a:t>
+            </a:r>
+            <a:r>
+              <a:rPr lang="en-US" dirty="0" smtClean="0">
+                <a:sym typeface="Symbol"/>
+              </a:rPr>
+              <a:t> </a:t>
+            </a:r>
+            <a:r>
+              <a:rPr lang="en-US" i="1" dirty="0" smtClean="0">
+                <a:sym typeface="Symbol"/>
+              </a:rPr>
+              <a:t>r1::</a:t>
+            </a:r>
+            <a:r>
+              <a:rPr lang="en-US" dirty="0" smtClean="0">
+                <a:sym typeface="Symbol"/>
+              </a:rPr>
+              <a:t>R </a:t>
+            </a:r>
+            <a:r>
+              <a:rPr lang="en-US" i="1" dirty="0" smtClean="0">
+                <a:sym typeface="Symbol"/>
+              </a:rPr>
+              <a:t>r2::</a:t>
+            </a:r>
+            <a:r>
+              <a:rPr lang="en-US" dirty="0" smtClean="0">
+                <a:sym typeface="Symbol"/>
+              </a:rPr>
+              <a:t>R (</a:t>
+            </a:r>
+            <a:r>
+              <a:rPr lang="en-US" b="1" dirty="0" smtClean="0">
+                <a:sym typeface="Symbol"/>
+              </a:rPr>
+              <a:t>subtype</a:t>
+            </a:r>
+            <a:r>
+              <a:rPr lang="en-US" dirty="0" smtClean="0">
+                <a:sym typeface="Symbol"/>
+              </a:rPr>
+              <a:t> (</a:t>
+            </a:r>
+            <a:r>
+              <a:rPr lang="en-US" i="1" dirty="0" smtClean="0">
+                <a:sym typeface="Symbol"/>
+              </a:rPr>
+              <a:t>c::</a:t>
+            </a:r>
+            <a:r>
+              <a:rPr lang="en-US" i="1" dirty="0" err="1" smtClean="0">
+                <a:sym typeface="Symbol"/>
+              </a:rPr>
+              <a:t>bool</a:t>
+            </a:r>
+            <a:r>
+              <a:rPr lang="en-US" dirty="0" smtClean="0">
+                <a:sym typeface="Symbol"/>
+              </a:rPr>
+              <a:t>) (</a:t>
+            </a:r>
+            <a:r>
+              <a:rPr lang="en-US" i="1" dirty="0" err="1" smtClean="0">
+                <a:sym typeface="Symbol"/>
+              </a:rPr>
+              <a:t>ite</a:t>
+            </a:r>
+            <a:endParaRPr lang="en-US" i="1" dirty="0" smtClean="0">
+              <a:sym typeface="Symbol"/>
+            </a:endParaRPr>
+          </a:p>
+          <a:p>
+            <a:r>
+              <a:rPr lang="en-US" dirty="0">
+                <a:sym typeface="Symbol"/>
+              </a:rPr>
+              <a:t> </a:t>
+            </a:r>
+            <a:r>
+              <a:rPr lang="en-US" dirty="0" smtClean="0">
+                <a:sym typeface="Symbol"/>
+              </a:rPr>
+              <a:t>    (= (select </a:t>
+            </a:r>
+            <a:r>
+              <a:rPr lang="en-US" i="1" dirty="0" smtClean="0">
+                <a:sym typeface="Symbol"/>
+              </a:rPr>
+              <a:t>r1 M</a:t>
+            </a:r>
+            <a:r>
+              <a:rPr lang="en-US" dirty="0" smtClean="0">
+                <a:sym typeface="Symbol"/>
+              </a:rPr>
+              <a:t>) (select </a:t>
+            </a:r>
+            <a:r>
+              <a:rPr lang="en-US" i="1" dirty="0" smtClean="0">
+                <a:sym typeface="Symbol"/>
+              </a:rPr>
+              <a:t>r2 M</a:t>
+            </a:r>
+            <a:r>
+              <a:rPr lang="en-US" dirty="0" smtClean="0">
+                <a:sym typeface="Symbol"/>
+              </a:rPr>
+              <a:t>))</a:t>
+            </a:r>
+          </a:p>
+          <a:p>
+            <a:r>
+              <a:rPr lang="en-US" dirty="0">
+                <a:sym typeface="Symbol"/>
+              </a:rPr>
+              <a:t> </a:t>
+            </a:r>
+            <a:r>
+              <a:rPr lang="en-US" dirty="0" smtClean="0">
+                <a:sym typeface="Symbol"/>
+              </a:rPr>
+              <a:t>    (= </a:t>
+            </a:r>
+            <a:r>
+              <a:rPr lang="en-US" i="1" dirty="0" smtClean="0">
+                <a:sym typeface="Symbol"/>
+              </a:rPr>
+              <a:t>c</a:t>
+            </a:r>
+            <a:r>
+              <a:rPr lang="en-US" dirty="0" smtClean="0">
+                <a:sym typeface="Symbol"/>
+              </a:rPr>
+              <a:t> false)</a:t>
+            </a:r>
+          </a:p>
+          <a:p>
+            <a:r>
+              <a:rPr lang="en-US" dirty="0" smtClean="0">
+                <a:sym typeface="Symbol"/>
+              </a:rPr>
+              <a:t>     (= </a:t>
+            </a:r>
+            <a:r>
+              <a:rPr lang="en-US" i="1" dirty="0" smtClean="0">
+                <a:sym typeface="Symbol"/>
+              </a:rPr>
+              <a:t>c</a:t>
+            </a:r>
+            <a:r>
+              <a:rPr lang="en-US" dirty="0" smtClean="0">
+                <a:sym typeface="Symbol"/>
+              </a:rPr>
+              <a:t> true)))</a:t>
+            </a:r>
+            <a:r>
+              <a:rPr lang="en-US" dirty="0" smtClean="0">
+                <a:sym typeface="Wingdings" pitchFamily="2" charset="2"/>
+              </a:rPr>
+              <a:t>)</a:t>
+            </a:r>
+            <a:r>
+              <a:rPr lang="en-US" dirty="0" smtClean="0"/>
+              <a:t>)</a:t>
             </a:r>
             <a:endParaRPr lang="en-US" dirty="0"/>
           </a:p>
         </p:txBody>
       </p:sp>
+      <p:pic>
+        <p:nvPicPr>
+          <p:cNvPr id="5" name="Picture 4"/>
+          <p:cNvPicPr>
+            <a:picLocks noChangeAspect="1"/>
+          </p:cNvPicPr>
+          <p:nvPr/>
+        </p:nvPicPr>
+        <p:blipFill>
+          <a:blip r:embed="rId3">
+            <a:extLst>
+              <a:ext uri="{28A0092B-C50C-407E-A947-70E740481C1C}">
+                <a14:useLocalDpi xmlns:a14="http://schemas.microsoft.com/office/drawing/2010/main" val="0"/>
+              </a:ext>
+            </a:extLst>
+          </a:blip>
+          <a:stretch>
+            <a:fillRect/>
+          </a:stretch>
+        </p:blipFill>
+        <p:spPr>
+          <a:xfrm>
+            <a:off x="190500" y="152400"/>
+            <a:ext cx="685800" cy="685800"/>
+          </a:xfrm>
+          <a:prstGeom prst="rect">
+            <a:avLst/>
+          </a:prstGeom>
+        </p:spPr>
+      </p:pic>
     </p:spTree>
     <p:extLst>
       <p:ext uri="{BB962C8B-B14F-4D97-AF65-F5344CB8AC3E}">
@@ -16262,7 +16844,7 @@
   <p:timing>
     <p:tnLst>
       <p:par>
-        <p:cTn xmlns:p14="http://schemas.microsoft.com/office/powerpoint/2010/main" id="1" dur="indefinite" restart="never" nodeType="tmRoot"/>
+        <p:cTn id="1" dur="indefinite" restart="never" nodeType="tmRoot"/>
       </p:par>
     </p:tnLst>
   </p:timing>
@@ -16804,7 +17386,7 @@
   <p:timing>
     <p:tnLst>
       <p:par>
-        <p:cTn xmlns:p14="http://schemas.microsoft.com/office/powerpoint/2010/main" id="1" dur="indefinite" restart="never" nodeType="tmRoot"/>
+        <p:cTn id="1" dur="indefinite" restart="never" nodeType="tmRoot"/>
       </p:par>
     </p:tnLst>
   </p:timing>
@@ -16869,7 +17451,7 @@
         </p:nvGraphicFramePr>
         <p:xfrm>
           <a:off x="1828800" y="1676400"/>
-          <a:ext cx="5247503" cy="2133599"/>
+          <a:ext cx="5247503" cy="2133600"/>
         </p:xfrm>
         <a:graphic>
           <a:graphicData uri="http://schemas.openxmlformats.org/drawingml/2006/table">
@@ -18087,7 +18669,7 @@
         </p:nvGraphicFramePr>
         <p:xfrm>
           <a:off x="1905000" y="4267200"/>
-          <a:ext cx="5247503" cy="2133599"/>
+          <a:ext cx="5247503" cy="2133600"/>
         </p:xfrm>
         <a:graphic>
           <a:graphicData uri="http://schemas.openxmlformats.org/drawingml/2006/table">
@@ -19415,7 +19997,7 @@
   <p:timing>
     <p:tnLst>
       <p:par>
-        <p:cTn xmlns:p14="http://schemas.microsoft.com/office/powerpoint/2010/main" id="1" dur="indefinite" restart="never" nodeType="tmRoot"/>
+        <p:cTn id="1" dur="indefinite" restart="never" nodeType="tmRoot"/>
       </p:par>
     </p:tnLst>
   </p:timing>
@@ -19703,14 +20285,6 @@
                         </a:rPr>
                         <a:t>)</a:t>
                       </a:r>
-                      <a:endParaRPr lang="en-US" sz="1800" i="1" dirty="0" smtClean="0">
-                        <a:solidFill>
-                          <a:schemeClr val="accent2">
-                            <a:lumMod val="40000"/>
-                            <a:lumOff val="60000"/>
-                          </a:schemeClr>
-                        </a:solidFill>
-                      </a:endParaRPr>
                     </a:p>
                     <a:p>
                       <a:pPr algn="l"/>
@@ -19722,139 +20296,109 @@
                             </a:schemeClr>
                           </a:solidFill>
                         </a:rPr>
-                        <a:t>(MATCH </a:t>
-                      </a:r>
-                      <a:r>
-                        <a:rPr lang="en-US" altLang="zh-CN" sz="1800" i="1" dirty="0" smtClean="0">
+                        <a:t>(MATCH R</a:t>
+                      </a:r>
+                      <a:r>
+                        <a:rPr lang="en-US" altLang="zh-CN" sz="1800" i="1" baseline="-25000" dirty="0" smtClean="0">
                           <a:solidFill>
                             <a:schemeClr val="tx2">
                               <a:lumMod val="75000"/>
                             </a:schemeClr>
                           </a:solidFill>
                         </a:rPr>
-                        <a:t>R</a:t>
-                      </a:r>
-                      <a:r>
-                        <a:rPr lang="en-US" altLang="zh-CN" sz="1800" i="1" baseline="-25000" dirty="0" smtClean="0">
+                        <a:t>0,5</a:t>
+                      </a:r>
+                      <a:r>
+                        <a:rPr lang="en-US" altLang="zh-CN" sz="1800" i="1" baseline="0" dirty="0" smtClean="0">
                           <a:solidFill>
                             <a:schemeClr val="tx2">
                               <a:lumMod val="75000"/>
                             </a:schemeClr>
                           </a:solidFill>
                         </a:rPr>
-                        <a:t>0,5</a:t>
-                      </a:r>
-                      <a:r>
-                        <a:rPr lang="en-US" altLang="zh-CN" sz="1800" i="1" baseline="0" dirty="0" smtClean="0">
+                        <a:t>  </a:t>
+                      </a:r>
+                      <a:r>
+                        <a:rPr lang="en-US" altLang="zh-CN" sz="1800" i="1" dirty="0" smtClean="0">
                           <a:solidFill>
                             <a:schemeClr val="tx2">
                               <a:lumMod val="75000"/>
                             </a:schemeClr>
                           </a:solidFill>
                         </a:rPr>
-                        <a:t>  </a:t>
-                      </a:r>
-                      <a:r>
-                        <a:rPr lang="en-US" altLang="zh-CN" sz="1800" i="1" dirty="0" smtClean="0">
+                        <a:t>S</a:t>
+                      </a:r>
+                      <a:r>
+                        <a:rPr lang="en-US" altLang="zh-CN" sz="1800" i="1" baseline="-25000" dirty="0" smtClean="0">
                           <a:solidFill>
                             <a:schemeClr val="tx2">
                               <a:lumMod val="75000"/>
                             </a:schemeClr>
                           </a:solidFill>
                         </a:rPr>
-                        <a:t>S</a:t>
-                      </a:r>
-                      <a:r>
-                        <a:rPr lang="en-US" altLang="zh-CN" sz="1800" i="1" baseline="-25000" dirty="0" smtClean="0">
+                        <a:t>1,5 </a:t>
+                      </a:r>
+                      <a:r>
+                        <a:rPr lang="en-US" altLang="zh-CN" sz="1800" i="1" dirty="0" smtClean="0">
                           <a:solidFill>
                             <a:schemeClr val="tx2">
                               <a:lumMod val="75000"/>
                             </a:schemeClr>
                           </a:solidFill>
                         </a:rPr>
-                        <a:t>1,5 </a:t>
-                      </a:r>
+                        <a:t>)</a:t>
+                      </a:r>
+                    </a:p>
+                    <a:p>
+                      <a:pPr algn="l"/>
                       <a:r>
                         <a:rPr lang="en-US" altLang="zh-CN" sz="1800" i="1" dirty="0" smtClean="0">
                           <a:solidFill>
-                            <a:schemeClr val="tx2">
-                              <a:lumMod val="75000"/>
-                            </a:schemeClr>
+                            <a:schemeClr val="tx1"/>
+                          </a:solidFill>
+                        </a:rPr>
+                        <a:t>(MATCH R</a:t>
+                      </a:r>
+                      <a:r>
+                        <a:rPr lang="en-US" altLang="zh-CN" sz="1800" i="1" baseline="-25000" dirty="0" smtClean="0">
+                          <a:solidFill>
+                            <a:schemeClr val="tx1"/>
+                          </a:solidFill>
+                        </a:rPr>
+                        <a:t>1,3</a:t>
+                      </a:r>
+                      <a:r>
+                        <a:rPr lang="en-US" altLang="zh-CN" sz="1800" i="1" baseline="0" dirty="0" smtClean="0">
+                          <a:solidFill>
+                            <a:schemeClr val="tx1"/>
+                          </a:solidFill>
+                        </a:rPr>
+                        <a:t>  </a:t>
+                      </a:r>
+                      <a:r>
+                        <a:rPr lang="en-US" altLang="zh-CN" sz="1800" i="1" dirty="0" smtClean="0">
+                          <a:solidFill>
+                            <a:schemeClr val="tx1"/>
+                          </a:solidFill>
+                        </a:rPr>
+                        <a:t>S</a:t>
+                      </a:r>
+                      <a:r>
+                        <a:rPr lang="en-US" altLang="zh-CN" sz="1800" i="1" baseline="-25000" dirty="0" smtClean="0">
+                          <a:solidFill>
+                            <a:schemeClr val="tx1"/>
+                          </a:solidFill>
+                        </a:rPr>
+                        <a:t>2,7 </a:t>
+                      </a:r>
+                      <a:r>
+                        <a:rPr lang="en-US" altLang="zh-CN" sz="1800" i="1" dirty="0" smtClean="0">
+                          <a:solidFill>
+                            <a:schemeClr val="tx1"/>
                           </a:solidFill>
                         </a:rPr>
                         <a:t>)</a:t>
                       </a:r>
-                      <a:endParaRPr lang="en-US" altLang="zh-CN" sz="1800" i="1" dirty="0" smtClean="0">
-                        <a:solidFill>
-                          <a:schemeClr val="tx2">
-                            <a:lumMod val="75000"/>
-                          </a:schemeClr>
-                        </a:solidFill>
-                      </a:endParaRPr>
-                    </a:p>
-                    <a:p>
-                      <a:pPr algn="l"/>
-                      <a:r>
-                        <a:rPr lang="en-US" altLang="zh-CN" sz="1800" i="1" dirty="0" smtClean="0">
-                          <a:solidFill>
-                            <a:schemeClr val="tx1"/>
-                          </a:solidFill>
-                        </a:rPr>
-                        <a:t>(MATCH </a:t>
-                      </a:r>
-                      <a:r>
-                        <a:rPr lang="en-US" altLang="zh-CN" sz="1800" i="1" dirty="0" smtClean="0">
-                          <a:solidFill>
-                            <a:schemeClr val="tx1"/>
-                          </a:solidFill>
-                        </a:rPr>
-                        <a:t>R</a:t>
-                      </a:r>
-                      <a:r>
-                        <a:rPr lang="en-US" altLang="zh-CN" sz="1800" i="1" baseline="-25000" dirty="0" smtClean="0">
-                          <a:solidFill>
-                            <a:schemeClr val="tx1"/>
-                          </a:solidFill>
-                        </a:rPr>
-                        <a:t>1,3</a:t>
-                      </a:r>
-                      <a:r>
-                        <a:rPr lang="en-US" altLang="zh-CN" sz="1800" i="1" baseline="0" dirty="0" smtClean="0">
-                          <a:solidFill>
-                            <a:schemeClr val="tx1"/>
-                          </a:solidFill>
-                        </a:rPr>
-                        <a:t>  </a:t>
-                      </a:r>
-                      <a:r>
-                        <a:rPr lang="en-US" altLang="zh-CN" sz="1800" i="1" dirty="0" smtClean="0">
-                          <a:solidFill>
-                            <a:schemeClr val="tx1"/>
-                          </a:solidFill>
-                        </a:rPr>
-                        <a:t>S</a:t>
-                      </a:r>
-                      <a:r>
-                        <a:rPr lang="en-US" altLang="zh-CN" sz="1800" i="1" baseline="-25000" dirty="0" smtClean="0">
-                          <a:solidFill>
-                            <a:schemeClr val="tx1"/>
-                          </a:solidFill>
-                        </a:rPr>
-                        <a:t>2,7 </a:t>
-                      </a:r>
-                      <a:r>
-                        <a:rPr lang="en-US" altLang="zh-CN" sz="1800" i="1" dirty="0" smtClean="0">
-                          <a:solidFill>
-                            <a:schemeClr val="tx1"/>
-                          </a:solidFill>
-                        </a:rPr>
-                        <a:t>)</a:t>
-                      </a:r>
-                      <a:endParaRPr lang="en-US" altLang="zh-CN" sz="1800" i="1" dirty="0" smtClean="0">
-                        <a:solidFill>
-                          <a:schemeClr val="tx1"/>
-                        </a:solidFill>
-                      </a:endParaRPr>
                     </a:p>
                     <a:p>
                       <a:endParaRPr lang="en-US" sz="1400" dirty="0" smtClean="0">
@@ -20043,14 +20587,6 @@
                         </a:rPr>
                         <a:t>)</a:t>
                       </a:r>
-                      <a:endParaRPr lang="en-US" sz="1800" i="1" dirty="0" smtClean="0">
-                        <a:solidFill>
-                          <a:schemeClr val="accent2">
-                            <a:lumMod val="40000"/>
-                            <a:lumOff val="60000"/>
-                          </a:schemeClr>
-                        </a:solidFill>
-                      </a:endParaRPr>
                     </a:p>
                     <a:p>
                       <a:pPr algn="l"/>
@@ -20062,139 +20598,109 @@
                             </a:schemeClr>
                           </a:solidFill>
                         </a:rPr>
-                        <a:t>(MATCH </a:t>
-                      </a:r>
-                      <a:r>
-                        <a:rPr lang="en-US" altLang="zh-CN" sz="1800" i="1" dirty="0" smtClean="0">
+                        <a:t>(MATCH R</a:t>
+                      </a:r>
+                      <a:r>
+                        <a:rPr lang="en-US" altLang="zh-CN" sz="1800" i="1" baseline="-25000" dirty="0" smtClean="0">
                           <a:solidFill>
                             <a:schemeClr val="tx2">
                               <a:lumMod val="75000"/>
                             </a:schemeClr>
                           </a:solidFill>
                         </a:rPr>
-                        <a:t>R</a:t>
-                      </a:r>
-                      <a:r>
-                        <a:rPr lang="en-US" altLang="zh-CN" sz="1800" i="1" baseline="-25000" dirty="0" smtClean="0">
+                        <a:t>0,5</a:t>
+                      </a:r>
+                      <a:r>
+                        <a:rPr lang="en-US" altLang="zh-CN" sz="1800" i="1" baseline="0" dirty="0" smtClean="0">
                           <a:solidFill>
                             <a:schemeClr val="tx2">
                               <a:lumMod val="75000"/>
                             </a:schemeClr>
                           </a:solidFill>
                         </a:rPr>
-                        <a:t>0,5</a:t>
-                      </a:r>
-                      <a:r>
-                        <a:rPr lang="en-US" altLang="zh-CN" sz="1800" i="1" baseline="0" dirty="0" smtClean="0">
+                        <a:t>  </a:t>
+                      </a:r>
+                      <a:r>
+                        <a:rPr lang="en-US" altLang="zh-CN" sz="1800" i="1" dirty="0" smtClean="0">
                           <a:solidFill>
                             <a:schemeClr val="tx2">
                               <a:lumMod val="75000"/>
                             </a:schemeClr>
                           </a:solidFill>
                         </a:rPr>
-                        <a:t>  </a:t>
-                      </a:r>
-                      <a:r>
-                        <a:rPr lang="en-US" altLang="zh-CN" sz="1800" i="1" dirty="0" smtClean="0">
+                        <a:t>S</a:t>
+                      </a:r>
+                      <a:r>
+                        <a:rPr lang="en-US" altLang="zh-CN" sz="1800" i="1" baseline="-25000" dirty="0" smtClean="0">
                           <a:solidFill>
                             <a:schemeClr val="tx2">
                               <a:lumMod val="75000"/>
                             </a:schemeClr>
                           </a:solidFill>
                         </a:rPr>
-                        <a:t>S</a:t>
-                      </a:r>
-                      <a:r>
-                        <a:rPr lang="en-US" altLang="zh-CN" sz="1800" i="1" baseline="-25000" dirty="0" smtClean="0">
+                        <a:t>2,4 </a:t>
+                      </a:r>
+                      <a:r>
+                        <a:rPr lang="en-US" altLang="zh-CN" sz="1800" i="1" dirty="0" smtClean="0">
                           <a:solidFill>
                             <a:schemeClr val="tx2">
                               <a:lumMod val="75000"/>
                             </a:schemeClr>
                           </a:solidFill>
                         </a:rPr>
-                        <a:t>2,4 </a:t>
-                      </a:r>
+                        <a:t>)</a:t>
+                      </a:r>
+                    </a:p>
+                    <a:p>
+                      <a:pPr algn="l"/>
                       <a:r>
                         <a:rPr lang="en-US" altLang="zh-CN" sz="1800" i="1" dirty="0" smtClean="0">
                           <a:solidFill>
-                            <a:schemeClr val="tx2">
-                              <a:lumMod val="75000"/>
-                            </a:schemeClr>
+                            <a:schemeClr val="tx1"/>
+                          </a:solidFill>
+                        </a:rPr>
+                        <a:t>(MATCH R</a:t>
+                      </a:r>
+                      <a:r>
+                        <a:rPr lang="en-US" altLang="zh-CN" sz="1800" i="1" baseline="-25000" dirty="0" smtClean="0">
+                          <a:solidFill>
+                            <a:schemeClr val="tx1"/>
+                          </a:solidFill>
+                        </a:rPr>
+                        <a:t>1,3</a:t>
+                      </a:r>
+                      <a:r>
+                        <a:rPr lang="en-US" altLang="zh-CN" sz="1800" i="1" baseline="0" dirty="0" smtClean="0">
+                          <a:solidFill>
+                            <a:schemeClr val="tx1"/>
+                          </a:solidFill>
+                        </a:rPr>
+                        <a:t>  </a:t>
+                      </a:r>
+                      <a:r>
+                        <a:rPr lang="en-US" altLang="zh-CN" sz="1800" i="1" dirty="0" smtClean="0">
+                          <a:solidFill>
+                            <a:schemeClr val="tx1"/>
+                          </a:solidFill>
+                        </a:rPr>
+                        <a:t>S</a:t>
+                      </a:r>
+                      <a:r>
+                        <a:rPr lang="en-US" altLang="zh-CN" sz="1800" i="1" baseline="-25000" dirty="0" smtClean="0">
+                          <a:solidFill>
+                            <a:schemeClr val="tx1"/>
+                          </a:solidFill>
+                        </a:rPr>
+                        <a:t>2,7 </a:t>
+                      </a:r>
+                      <a:r>
+                        <a:rPr lang="en-US" altLang="zh-CN" sz="1800" i="1" dirty="0" smtClean="0">
+                          <a:solidFill>
+                            <a:schemeClr val="tx1"/>
                           </a:solidFill>
                         </a:rPr>
                         <a:t>)</a:t>
                       </a:r>
-                      <a:endParaRPr lang="en-US" altLang="zh-CN" sz="1800" i="1" dirty="0" smtClean="0">
-                        <a:solidFill>
-                          <a:schemeClr val="tx2">
-                            <a:lumMod val="75000"/>
-                          </a:schemeClr>
-                        </a:solidFill>
-                      </a:endParaRPr>
-                    </a:p>
-                    <a:p>
-                      <a:pPr algn="l"/>
-                      <a:r>
-                        <a:rPr lang="en-US" altLang="zh-CN" sz="1800" i="1" dirty="0" smtClean="0">
-                          <a:solidFill>
-                            <a:schemeClr val="tx1"/>
-                          </a:solidFill>
-                        </a:rPr>
-                        <a:t>(MATCH </a:t>
-                      </a:r>
-                      <a:r>
-                        <a:rPr lang="en-US" altLang="zh-CN" sz="1800" i="1" dirty="0" smtClean="0">
-                          <a:solidFill>
-                            <a:schemeClr val="tx1"/>
-                          </a:solidFill>
-                        </a:rPr>
-                        <a:t>R</a:t>
-                      </a:r>
-                      <a:r>
-                        <a:rPr lang="en-US" altLang="zh-CN" sz="1800" i="1" baseline="-25000" dirty="0" smtClean="0">
-                          <a:solidFill>
-                            <a:schemeClr val="tx1"/>
-                          </a:solidFill>
-                        </a:rPr>
-                        <a:t>1,3</a:t>
-                      </a:r>
-                      <a:r>
-                        <a:rPr lang="en-US" altLang="zh-CN" sz="1800" i="1" baseline="0" dirty="0" smtClean="0">
-                          <a:solidFill>
-                            <a:schemeClr val="tx1"/>
-                          </a:solidFill>
-                        </a:rPr>
-                        <a:t>  </a:t>
-                      </a:r>
-                      <a:r>
-                        <a:rPr lang="en-US" altLang="zh-CN" sz="1800" i="1" dirty="0" smtClean="0">
-                          <a:solidFill>
-                            <a:schemeClr val="tx1"/>
-                          </a:solidFill>
-                        </a:rPr>
-                        <a:t>S</a:t>
-                      </a:r>
-                      <a:r>
-                        <a:rPr lang="en-US" altLang="zh-CN" sz="1800" i="1" baseline="-25000" dirty="0" smtClean="0">
-                          <a:solidFill>
-                            <a:schemeClr val="tx1"/>
-                          </a:solidFill>
-                        </a:rPr>
-                        <a:t>2,7 </a:t>
-                      </a:r>
-                      <a:r>
-                        <a:rPr lang="en-US" altLang="zh-CN" sz="1800" i="1" dirty="0" smtClean="0">
-                          <a:solidFill>
-                            <a:schemeClr val="tx1"/>
-                          </a:solidFill>
-                        </a:rPr>
-                        <a:t>)</a:t>
-                      </a:r>
-                      <a:endParaRPr lang="en-US" altLang="zh-CN" sz="1800" i="1" dirty="0" smtClean="0">
-                        <a:solidFill>
-                          <a:schemeClr val="tx1"/>
-                        </a:solidFill>
-                      </a:endParaRPr>
                     </a:p>
                     <a:p>
                       <a:endParaRPr lang="en-US" sz="1400" u="none" strike="noStrike" kern="1200" baseline="0" dirty="0" smtClean="0">
@@ -20507,7 +21013,7 @@
   <p:timing>
     <p:tnLst>
       <p:par>
-        <p:cTn xmlns:p14="http://schemas.microsoft.com/office/powerpoint/2010/main" id="1" dur="indefinite" restart="never" nodeType="tmRoot"/>
+        <p:cTn id="1" dur="indefinite" restart="never" nodeType="tmRoot"/>
       </p:par>
     </p:tnLst>
   </p:timing>
@@ -20547,7 +21053,7 @@
           <a:lstStyle/>
           <a:p>
             <a:r>
-              <a:rPr lang="en-US" dirty="0" smtClean="0"/>
+              <a:rPr lang="en-US" altLang="zh-CN" dirty="0" smtClean="0"/>
               <a:t>Proof Sketch</a:t>
             </a:r>
             <a:endParaRPr lang="en-US" dirty="0"/>
@@ -20564,7 +21070,7 @@
             <p:ph idx="1"/>
             <p:extLst>
               <p:ext uri="{D42A27DB-BD31-4B8C-83A1-F6EECF244321}">
-                <p14:modId xmlns:p14="http://schemas.microsoft.com/office/powerpoint/2010/main" val="2769058980"/>
+                <p14:modId xmlns:p14="http://schemas.microsoft.com/office/powerpoint/2010/main" val="512606599"/>
               </p:ext>
             </p:extLst>
           </p:nvPr>
@@ -20622,80 +21128,7 @@
                     <a:p>
                       <a:endParaRPr lang="en-US" sz="1400" u="none" strike="noStrike" kern="1200" baseline="0" dirty="0" smtClean="0"/>
                     </a:p>
-                  </a:txBody>
-                  <a:tcPr>
-                    <a:lnL w="12700" cmpd="sng">
-                      <a:noFill/>
-                    </a:lnL>
-                    <a:lnR w="12700" cmpd="sng">
-                      <a:noFill/>
-                    </a:lnR>
-                    <a:lnT w="12700" cmpd="sng">
-                      <a:noFill/>
-                    </a:lnT>
-                    <a:lnB w="12700" cmpd="sng">
-                      <a:noFill/>
-                    </a:lnB>
-                    <a:lnTlToBr w="12700" cmpd="sng">
-                      <a:noFill/>
-                      <a:prstDash val="solid"/>
-                    </a:lnTlToBr>
-                    <a:lnBlToTr w="12700" cmpd="sng">
-                      <a:noFill/>
-                      <a:prstDash val="solid"/>
-                    </a:lnBlToTr>
-                  </a:tcPr>
-                </a:tc>
-                <a:tc>
-                  <a:txBody>
-                    <a:bodyPr/>
-                    <a:lstStyle/>
-                    <a:p>
-                      <a:pPr marL="0" algn="l" defTabSz="914400" rtl="0" eaLnBrk="1" latinLnBrk="0" hangingPunct="1"/>
-                      <a:endParaRPr lang="en-US" sz="1400" u="none" strike="noStrike" kern="1200" baseline="0" dirty="0" smtClean="0"/>
-                    </a:p>
-                    <a:p>
-                      <a:pPr marL="0" algn="l" defTabSz="914400" rtl="0" eaLnBrk="1" latinLnBrk="0" hangingPunct="1"/>
-                      <a:endParaRPr lang="en-US" sz="1400" u="none" strike="noStrike" kern="1200" baseline="0" dirty="0" smtClean="0"/>
-                    </a:p>
-                    <a:p>
-                      <a:pPr marL="0" algn="l" defTabSz="914400" rtl="0" eaLnBrk="1" latinLnBrk="0" hangingPunct="1"/>
-                      <a:endParaRPr lang="en-US" sz="1400" u="none" strike="noStrike" kern="1200" baseline="0" dirty="0" smtClean="0"/>
-                    </a:p>
-                    <a:p>
-                      <a:pPr marL="0" algn="l" defTabSz="914400" rtl="0" eaLnBrk="1" latinLnBrk="0" hangingPunct="1"/>
-                      <a:endParaRPr lang="en-US" sz="1400" u="none" strike="noStrike" kern="1200" baseline="0" dirty="0" smtClean="0"/>
-                    </a:p>
-                    <a:p>
-                      <a:pPr marL="0" algn="l" defTabSz="914400" rtl="0" eaLnBrk="1" latinLnBrk="0" hangingPunct="1"/>
-                      <a:endParaRPr lang="en-US" sz="1400" u="none" strike="noStrike" kern="1200" baseline="0" dirty="0" smtClean="0"/>
-                    </a:p>
-                    <a:p>
-                      <a:pPr marL="0" algn="l" defTabSz="914400" rtl="0" eaLnBrk="1" latinLnBrk="0" hangingPunct="1"/>
-                      <a:endParaRPr lang="en-US" sz="1400" u="none" strike="noStrike" kern="1200" baseline="0" dirty="0" smtClean="0"/>
-                    </a:p>
-                    <a:p>
-                      <a:pPr marL="0" algn="l" defTabSz="914400" rtl="0" eaLnBrk="1" latinLnBrk="0" hangingPunct="1"/>
-                      <a:endParaRPr lang="en-US" sz="1400" u="none" strike="noStrike" kern="1200" baseline="0" dirty="0" smtClean="0"/>
-                    </a:p>
-                    <a:p>
-                      <a:pPr marL="0" algn="l" defTabSz="914400" rtl="0" eaLnBrk="1" latinLnBrk="0" hangingPunct="1"/>
-                      <a:endParaRPr lang="en-US" sz="1400" u="none" strike="noStrike" kern="1200" baseline="0" dirty="0" smtClean="0"/>
-                    </a:p>
-                    <a:p>
-                      <a:pPr marL="0" algn="l" defTabSz="914400" rtl="0" eaLnBrk="1" latinLnBrk="0" hangingPunct="1"/>
-                      <a:endParaRPr lang="en-US" sz="1400" u="none" strike="noStrike" kern="1200" baseline="0" dirty="0" smtClean="0"/>
-                    </a:p>
-                    <a:p>
-                      <a:pPr marL="0" algn="l" defTabSz="914400" rtl="0" eaLnBrk="1" latinLnBrk="0" hangingPunct="1"/>
-                      <a:endParaRPr lang="en-US" sz="1400" u="none" strike="noStrike" kern="1200" baseline="0" dirty="0" smtClean="0"/>
-                    </a:p>
-                    <a:p>
-                      <a:pPr marL="0" algn="l" defTabSz="914400" rtl="0" eaLnBrk="1" latinLnBrk="0" hangingPunct="1"/>
-                      <a:endParaRPr lang="en-US" sz="1400" u="none" strike="noStrike" kern="1200" baseline="0" dirty="0" smtClean="0"/>
-                    </a:p>
-                    <a:p>
-                      <a:pPr marL="0" algn="l" defTabSz="914400" rtl="0" eaLnBrk="1" latinLnBrk="0" hangingPunct="1"/>
+                    <a:p>
                       <a:r>
                         <a:rPr lang="en-US" sz="1400" u="none" strike="noStrike" kern="1200" baseline="0" dirty="0" smtClean="0"/>
                         <a:t>match ;</a:t>
@@ -20704,7 +21137,23 @@
                     <a:p>
                       <a:pPr algn="l"/>
                       <a:r>
-                        <a:rPr lang="en-US" sz="1400" i="1" dirty="0" smtClean="0">
+                        <a:rPr lang="en-US" sz="1800" i="1" dirty="0" smtClean="0">
+                          <a:solidFill>
+                            <a:schemeClr val="tx1"/>
+                          </a:solidFill>
+                        </a:rPr>
+                        <a:t>(or</a:t>
+                      </a:r>
+                      <a:r>
+                        <a:rPr lang="en-US" sz="1800" i="1" baseline="0" dirty="0" smtClean="0">
+                          <a:solidFill>
+                            <a:schemeClr val="tx1"/>
+                          </a:solidFill>
+                        </a:rPr>
+                        <a:t> </a:t>
+                      </a:r>
+                      <a:r>
+                        <a:rPr lang="en-US" sz="1800" i="1" dirty="0" smtClean="0">
                           <a:solidFill>
                             <a:schemeClr val="tx1"/>
                           </a:solidFill>
@@ -20712,7 +21161,7 @@
                         <a:t>(</a:t>
                       </a:r>
                       <a:r>
-                        <a:rPr lang="en-US" sz="1400" i="1" baseline="0" dirty="0" smtClean="0">
+                        <a:rPr lang="en-US" sz="1800" i="1" baseline="0" dirty="0" smtClean="0">
                           <a:solidFill>
                             <a:schemeClr val="tx1"/>
                           </a:solidFill>
@@ -20720,7 +21169,7 @@
                         <a:t>MATCH </a:t>
                       </a:r>
                       <a:r>
-                        <a:rPr lang="en-US" sz="1400" i="1" dirty="0" smtClean="0">
+                        <a:rPr lang="en-US" sz="1800" i="1" dirty="0" smtClean="0">
                           <a:solidFill>
                             <a:schemeClr val="tx1"/>
                           </a:solidFill>
@@ -20728,7 +21177,7 @@
                         <a:t>R</a:t>
                       </a:r>
                       <a:r>
-                        <a:rPr lang="en-US" sz="1400" i="1" baseline="-25000" dirty="0" smtClean="0">
+                        <a:rPr lang="en-US" sz="1800" i="1" baseline="-25000" dirty="0" smtClean="0">
                           <a:solidFill>
                             <a:schemeClr val="tx1"/>
                           </a:solidFill>
@@ -20736,7 +21185,7 @@
                         <a:t>0,2</a:t>
                       </a:r>
                       <a:r>
-                        <a:rPr lang="en-US" sz="1400" i="1" dirty="0" smtClean="0">
+                        <a:rPr lang="en-US" sz="1800" i="1" dirty="0" smtClean="0">
                           <a:solidFill>
                             <a:schemeClr val="tx1"/>
                           </a:solidFill>
@@ -20744,7 +21193,7 @@
                         <a:t>,S</a:t>
                       </a:r>
                       <a:r>
-                        <a:rPr lang="en-US" sz="1400" i="1" baseline="-25000" dirty="0" smtClean="0">
+                        <a:rPr lang="en-US" sz="1800" i="1" baseline="-25000" dirty="0" smtClean="0">
                           <a:solidFill>
                             <a:schemeClr val="tx1"/>
                           </a:solidFill>
@@ -20752,864 +21201,7 @@
                         <a:t>2,4</a:t>
                       </a:r>
                       <a:r>
-                        <a:rPr lang="en-US" sz="1400" i="1" dirty="0" smtClean="0">
-                          <a:solidFill>
-                            <a:schemeClr val="tx1"/>
-                          </a:solidFill>
-                        </a:rPr>
-                        <a:t>)</a:t>
-                      </a:r>
-                    </a:p>
-                    <a:p>
-                      <a:pPr algn="l"/>
-                      <a:r>
-                        <a:rPr lang="en-US" altLang="zh-CN" sz="1400" i="1" dirty="0" smtClean="0">
-                          <a:solidFill>
-                            <a:schemeClr val="tx1"/>
-                          </a:solidFill>
-                        </a:rPr>
-                        <a:t>(MATCH R</a:t>
-                      </a:r>
-                      <a:r>
-                        <a:rPr lang="en-US" altLang="zh-CN" sz="1400" i="1" baseline="-25000" dirty="0" smtClean="0">
-                          <a:solidFill>
-                            <a:schemeClr val="tx1"/>
-                          </a:solidFill>
-                        </a:rPr>
-                        <a:t>0,5</a:t>
-                      </a:r>
-                      <a:r>
-                        <a:rPr lang="en-US" altLang="zh-CN" sz="1400" i="1" dirty="0" smtClean="0">
-                          <a:solidFill>
-                            <a:schemeClr val="tx1"/>
-                          </a:solidFill>
-                        </a:rPr>
-                        <a:t>,S</a:t>
-                      </a:r>
-                      <a:r>
-                        <a:rPr lang="en-US" altLang="zh-CN" sz="1400" i="1" baseline="-25000" dirty="0" smtClean="0">
-                          <a:solidFill>
-                            <a:schemeClr val="tx1"/>
-                          </a:solidFill>
-                        </a:rPr>
-                        <a:t>1,5</a:t>
-                      </a:r>
-                      <a:r>
-                        <a:rPr lang="en-US" altLang="zh-CN" sz="1400" i="1" dirty="0" smtClean="0">
-                          <a:solidFill>
-                            <a:schemeClr val="tx1"/>
-                          </a:solidFill>
-                        </a:rPr>
-                        <a:t>)</a:t>
-                      </a:r>
-                    </a:p>
-                    <a:p>
-                      <a:pPr algn="l"/>
-                      <a:r>
-                        <a:rPr lang="en-US" altLang="zh-CN" sz="1400" i="1" dirty="0" smtClean="0">
-                          <a:solidFill>
-                            <a:schemeClr val="tx1"/>
-                          </a:solidFill>
-                        </a:rPr>
-                        <a:t>(MATCH R</a:t>
-                      </a:r>
-                      <a:r>
-                        <a:rPr lang="en-US" altLang="zh-CN" sz="1400" i="1" baseline="-25000" dirty="0" smtClean="0">
-                          <a:solidFill>
-                            <a:schemeClr val="tx1"/>
-                          </a:solidFill>
-                        </a:rPr>
-                        <a:t>1,3</a:t>
-                      </a:r>
-                      <a:r>
-                        <a:rPr lang="en-US" altLang="zh-CN" sz="1400" i="1" dirty="0" smtClean="0">
-                          <a:solidFill>
-                            <a:schemeClr val="tx1"/>
-                          </a:solidFill>
-                        </a:rPr>
-                        <a:t>,S</a:t>
-                      </a:r>
-                      <a:r>
-                        <a:rPr lang="en-US" altLang="zh-CN" sz="1400" i="1" baseline="-25000" dirty="0" smtClean="0">
-                          <a:solidFill>
-                            <a:schemeClr val="tx1"/>
-                          </a:solidFill>
-                        </a:rPr>
-                        <a:t>2,7</a:t>
-                      </a:r>
-                      <a:r>
-                        <a:rPr lang="en-US" altLang="zh-CN" sz="1400" i="1" dirty="0" smtClean="0">
-                          <a:solidFill>
-                            <a:schemeClr val="tx1"/>
-                          </a:solidFill>
-                        </a:rPr>
-                        <a:t>)</a:t>
-                      </a:r>
-                    </a:p>
-                    <a:p>
-                      <a:endParaRPr lang="en-US" sz="1400" dirty="0" smtClean="0">
-                        <a:solidFill>
-                          <a:schemeClr val="tx1"/>
-                        </a:solidFill>
-                      </a:endParaRPr>
-                    </a:p>
-                    <a:p>
-                      <a:endParaRPr lang="en-US" sz="1400" dirty="0">
-                        <a:solidFill>
-                          <a:schemeClr val="tx1"/>
-                        </a:solidFill>
-                      </a:endParaRPr>
-                    </a:p>
-                  </a:txBody>
-                  <a:tcPr>
-                    <a:lnL w="12700" cmpd="sng">
-                      <a:noFill/>
-                    </a:lnL>
-                    <a:lnR w="12700" cmpd="sng">
-                      <a:noFill/>
-                    </a:lnR>
-                    <a:lnT w="12700" cmpd="sng">
-                      <a:noFill/>
-                    </a:lnT>
-                    <a:lnB w="12700" cmpd="sng">
-                      <a:noFill/>
-                    </a:lnB>
-                    <a:lnTlToBr w="12700" cmpd="sng">
-                      <a:noFill/>
-                      <a:prstDash val="solid"/>
-                    </a:lnTlToBr>
-                    <a:lnBlToTr w="12700" cmpd="sng">
-                      <a:noFill/>
-                      <a:prstDash val="solid"/>
-                    </a:lnBlToTr>
-                  </a:tcPr>
-                </a:tc>
-                <a:tc>
-                  <a:txBody>
-                    <a:bodyPr/>
-                    <a:lstStyle/>
-                    <a:p>
-                      <a:pPr marL="0" algn="l" defTabSz="914400" rtl="0" eaLnBrk="1" latinLnBrk="0" hangingPunct="1"/>
-                      <a:endParaRPr lang="en-US" sz="1400" u="none" strike="noStrike" kern="1200" baseline="0" dirty="0" smtClean="0"/>
-                    </a:p>
-                    <a:p>
-                      <a:pPr marL="0" algn="l" defTabSz="914400" rtl="0" eaLnBrk="1" latinLnBrk="0" hangingPunct="1"/>
-                      <a:endParaRPr lang="en-US" sz="1400" u="none" strike="noStrike" kern="1200" baseline="0" dirty="0" smtClean="0"/>
-                    </a:p>
-                    <a:p>
-                      <a:pPr marL="0" algn="l" defTabSz="914400" rtl="0" eaLnBrk="1" latinLnBrk="0" hangingPunct="1"/>
-                      <a:endParaRPr lang="en-US" sz="1400" u="none" strike="noStrike" kern="1200" baseline="0" dirty="0" smtClean="0"/>
-                    </a:p>
-                    <a:p>
-                      <a:pPr marL="0" algn="l" defTabSz="914400" rtl="0" eaLnBrk="1" latinLnBrk="0" hangingPunct="1"/>
-                      <a:endParaRPr lang="en-US" sz="1400" u="none" strike="noStrike" kern="1200" baseline="0" dirty="0" smtClean="0"/>
-                    </a:p>
-                    <a:p>
-                      <a:pPr marL="0" algn="l" defTabSz="914400" rtl="0" eaLnBrk="1" latinLnBrk="0" hangingPunct="1"/>
-                      <a:endParaRPr lang="en-US" sz="1400" u="none" strike="noStrike" kern="1200" baseline="0" dirty="0" smtClean="0"/>
-                    </a:p>
-                    <a:p>
-                      <a:pPr marL="0" algn="l" defTabSz="914400" rtl="0" eaLnBrk="1" latinLnBrk="0" hangingPunct="1"/>
-                      <a:endParaRPr lang="en-US" sz="1400" u="none" strike="noStrike" kern="1200" baseline="0" dirty="0" smtClean="0"/>
-                    </a:p>
-                    <a:p>
-                      <a:pPr marL="0" algn="l" defTabSz="914400" rtl="0" eaLnBrk="1" latinLnBrk="0" hangingPunct="1"/>
-                      <a:endParaRPr lang="en-US" sz="1400" u="none" strike="noStrike" kern="1200" baseline="0" dirty="0" smtClean="0"/>
-                    </a:p>
-                    <a:p>
-                      <a:pPr marL="0" algn="l" defTabSz="914400" rtl="0" eaLnBrk="1" latinLnBrk="0" hangingPunct="1"/>
-                      <a:endParaRPr lang="en-US" sz="1400" u="none" strike="noStrike" kern="1200" baseline="0" dirty="0" smtClean="0"/>
-                    </a:p>
-                    <a:p>
-                      <a:pPr marL="0" algn="l" defTabSz="914400" rtl="0" eaLnBrk="1" latinLnBrk="0" hangingPunct="1"/>
-                      <a:endParaRPr lang="en-US" sz="1400" u="none" strike="noStrike" kern="1200" baseline="0" dirty="0" smtClean="0"/>
-                    </a:p>
-                    <a:p>
-                      <a:pPr marL="0" algn="l" defTabSz="914400" rtl="0" eaLnBrk="1" latinLnBrk="0" hangingPunct="1"/>
-                      <a:endParaRPr lang="en-US" sz="1400" u="none" strike="noStrike" kern="1200" baseline="0" dirty="0" smtClean="0"/>
-                    </a:p>
-                    <a:p>
-                      <a:pPr marL="0" algn="l" defTabSz="914400" rtl="0" eaLnBrk="1" latinLnBrk="0" hangingPunct="1"/>
-                      <a:endParaRPr lang="en-US" sz="1400" u="none" strike="noStrike" kern="1200" baseline="0" dirty="0" smtClean="0"/>
-                    </a:p>
-                    <a:p>
-                      <a:pPr marL="0" algn="l" defTabSz="914400" rtl="0" eaLnBrk="1" latinLnBrk="0" hangingPunct="1"/>
-                      <a:r>
-                        <a:rPr lang="en-US" sz="1400" u="none" strike="noStrike" kern="1200" baseline="0" dirty="0" smtClean="0"/>
-                        <a:t>match ;</a:t>
-                      </a:r>
-                    </a:p>
-                    <a:p>
-                      <a:pPr algn="l"/>
-                      <a:r>
-                        <a:rPr lang="en-US" sz="1400" i="1" dirty="0" smtClean="0">
-                          <a:solidFill>
-                            <a:schemeClr val="tx1"/>
-                          </a:solidFill>
-                        </a:rPr>
-                        <a:t>(</a:t>
-                      </a:r>
-                      <a:r>
-                        <a:rPr lang="en-US" sz="1400" i="1" baseline="0" dirty="0" smtClean="0">
-                          <a:solidFill>
-                            <a:schemeClr val="tx1"/>
-                          </a:solidFill>
-                        </a:rPr>
-                        <a:t>MATCH </a:t>
-                      </a:r>
-                      <a:r>
-                        <a:rPr lang="en-US" sz="1400" i="1" dirty="0" smtClean="0">
-                          <a:solidFill>
-                            <a:schemeClr val="tx1"/>
-                          </a:solidFill>
-                        </a:rPr>
-                        <a:t>R</a:t>
-                      </a:r>
-                      <a:r>
-                        <a:rPr lang="en-US" sz="1400" i="1" baseline="-25000" dirty="0" smtClean="0">
-                          <a:solidFill>
-                            <a:schemeClr val="tx1"/>
-                          </a:solidFill>
-                        </a:rPr>
-                        <a:t>0,2</a:t>
-                      </a:r>
-                      <a:r>
-                        <a:rPr lang="en-US" sz="1400" i="1" dirty="0" smtClean="0">
-                          <a:solidFill>
-                            <a:schemeClr val="tx1"/>
-                          </a:solidFill>
-                        </a:rPr>
-                        <a:t>,S</a:t>
-                      </a:r>
-                      <a:r>
-                        <a:rPr lang="en-US" sz="1400" i="1" baseline="-25000" dirty="0" smtClean="0">
-                          <a:solidFill>
-                            <a:schemeClr val="tx1"/>
-                          </a:solidFill>
-                        </a:rPr>
-                        <a:t>1,5</a:t>
-                      </a:r>
-                      <a:r>
-                        <a:rPr lang="en-US" sz="1400" i="1" dirty="0" smtClean="0">
-                          <a:solidFill>
-                            <a:schemeClr val="tx1"/>
-                          </a:solidFill>
-                        </a:rPr>
-                        <a:t>)</a:t>
-                      </a:r>
-                    </a:p>
-                    <a:p>
-                      <a:pPr algn="l"/>
-                      <a:r>
-                        <a:rPr lang="en-US" altLang="zh-CN" sz="1400" i="1" dirty="0" smtClean="0">
-                          <a:solidFill>
-                            <a:schemeClr val="tx1"/>
-                          </a:solidFill>
-                        </a:rPr>
-                        <a:t>(MATCH R</a:t>
-                      </a:r>
-                      <a:r>
-                        <a:rPr lang="en-US" altLang="zh-CN" sz="1400" i="1" baseline="-25000" dirty="0" smtClean="0">
-                          <a:solidFill>
-                            <a:schemeClr val="tx1"/>
-                          </a:solidFill>
-                        </a:rPr>
-                        <a:t>0,5</a:t>
-                      </a:r>
-                      <a:r>
-                        <a:rPr lang="en-US" altLang="zh-CN" sz="1400" i="1" dirty="0" smtClean="0">
-                          <a:solidFill>
-                            <a:schemeClr val="tx1"/>
-                          </a:solidFill>
-                        </a:rPr>
-                        <a:t>,S</a:t>
-                      </a:r>
-                      <a:r>
-                        <a:rPr lang="en-US" altLang="zh-CN" sz="1400" i="1" baseline="-25000" dirty="0" smtClean="0">
-                          <a:solidFill>
-                            <a:schemeClr val="tx1"/>
-                          </a:solidFill>
-                        </a:rPr>
-                        <a:t>2,4</a:t>
-                      </a:r>
-                      <a:r>
-                        <a:rPr lang="en-US" altLang="zh-CN" sz="1400" i="1" dirty="0" smtClean="0">
-                          <a:solidFill>
-                            <a:schemeClr val="tx1"/>
-                          </a:solidFill>
-                        </a:rPr>
-                        <a:t>)</a:t>
-                      </a:r>
-                    </a:p>
-                    <a:p>
-                      <a:pPr algn="l"/>
-                      <a:r>
-                        <a:rPr lang="en-US" altLang="zh-CN" sz="1400" i="1" dirty="0" smtClean="0">
-                          <a:solidFill>
-                            <a:schemeClr val="tx1"/>
-                          </a:solidFill>
-                        </a:rPr>
-                        <a:t>(MATCH R</a:t>
-                      </a:r>
-                      <a:r>
-                        <a:rPr lang="en-US" altLang="zh-CN" sz="1400" i="1" baseline="-25000" dirty="0" smtClean="0">
-                          <a:solidFill>
-                            <a:schemeClr val="tx1"/>
-                          </a:solidFill>
-                        </a:rPr>
-                        <a:t>1,3</a:t>
-                      </a:r>
-                      <a:r>
-                        <a:rPr lang="en-US" altLang="zh-CN" sz="1400" i="1" dirty="0" smtClean="0">
-                          <a:solidFill>
-                            <a:schemeClr val="tx1"/>
-                          </a:solidFill>
-                        </a:rPr>
-                        <a:t>,S</a:t>
-                      </a:r>
-                      <a:r>
-                        <a:rPr lang="en-US" altLang="zh-CN" sz="1400" i="1" baseline="-25000" dirty="0" smtClean="0">
-                          <a:solidFill>
-                            <a:schemeClr val="tx1"/>
-                          </a:solidFill>
-                        </a:rPr>
-                        <a:t>2,7</a:t>
-                      </a:r>
-                      <a:r>
-                        <a:rPr lang="en-US" altLang="zh-CN" sz="1400" i="1" dirty="0" smtClean="0">
-                          <a:solidFill>
-                            <a:schemeClr val="tx1"/>
-                          </a:solidFill>
-                        </a:rPr>
-                        <a:t>)</a:t>
-                      </a:r>
-                    </a:p>
-                    <a:p>
-                      <a:endParaRPr lang="en-US" sz="1400" u="none" strike="noStrike" kern="1200" baseline="0" dirty="0" smtClean="0">
-                        <a:solidFill>
-                          <a:schemeClr val="tx1"/>
-                        </a:solidFill>
-                      </a:endParaRPr>
-                    </a:p>
-                  </a:txBody>
-                  <a:tcPr>
-                    <a:lnL w="12700" cmpd="sng">
-                      <a:noFill/>
-                    </a:lnL>
-                    <a:lnR w="12700" cmpd="sng">
-                      <a:noFill/>
-                    </a:lnR>
-                    <a:lnT w="12700" cmpd="sng">
-                      <a:noFill/>
-                    </a:lnT>
-                    <a:lnB w="12700" cmpd="sng">
-                      <a:noFill/>
-                    </a:lnB>
-                    <a:lnTlToBr w="12700" cmpd="sng">
-                      <a:noFill/>
-                      <a:prstDash val="solid"/>
-                    </a:lnTlToBr>
-                    <a:lnBlToTr w="12700" cmpd="sng">
-                      <a:noFill/>
-                      <a:prstDash val="solid"/>
-                    </a:lnBlToTr>
-                  </a:tcPr>
-                </a:tc>
-              </a:tr>
-            </a:tbl>
-          </a:graphicData>
-        </a:graphic>
-      </p:graphicFrame>
-      <p:sp>
-        <p:nvSpPr>
-          <p:cNvPr id="7" name="Rectangle 6"/>
-          <p:cNvSpPr/>
-          <p:nvPr/>
-        </p:nvSpPr>
-        <p:spPr>
-          <a:xfrm>
-            <a:off x="3429000" y="1828800"/>
-            <a:ext cx="2016224" cy="792088"/>
-          </a:xfrm>
-          <a:prstGeom prst="rect">
-            <a:avLst/>
-          </a:prstGeom>
-        </p:spPr>
-        <p:style>
-          <a:lnRef idx="1">
-            <a:schemeClr val="accent1"/>
-          </a:lnRef>
-          <a:fillRef idx="3">
-            <a:schemeClr val="accent1"/>
-          </a:fillRef>
-          <a:effectRef idx="2">
-            <a:schemeClr val="accent1"/>
-          </a:effectRef>
-          <a:fontRef idx="minor">
-            <a:schemeClr val="lt1"/>
-          </a:fontRef>
-        </p:style>
-        <p:txBody>
-          <a:bodyPr rtlCol="0" anchor="ctr"/>
-          <a:lstStyle/>
-          <a:p>
-            <a:pPr algn="ctr"/>
-            <a:r>
-              <a:rPr lang="en-US" i="1" dirty="0" smtClean="0"/>
-              <a:t>definitions</a:t>
-            </a:r>
-            <a:endParaRPr lang="en-US" i="1" dirty="0"/>
-          </a:p>
-        </p:txBody>
-      </p:sp>
-      <p:sp>
-        <p:nvSpPr>
-          <p:cNvPr id="8" name="Rectangle 7"/>
-          <p:cNvSpPr/>
-          <p:nvPr/>
-        </p:nvSpPr>
-        <p:spPr>
-          <a:xfrm>
-            <a:off x="3429000" y="2819400"/>
-            <a:ext cx="2016224" cy="792088"/>
-          </a:xfrm>
-          <a:prstGeom prst="rect">
-            <a:avLst/>
-          </a:prstGeom>
-        </p:spPr>
-        <p:style>
-          <a:lnRef idx="1">
-            <a:schemeClr val="accent1"/>
-          </a:lnRef>
-          <a:fillRef idx="3">
-            <a:schemeClr val="accent1"/>
-          </a:fillRef>
-          <a:effectRef idx="2">
-            <a:schemeClr val="accent1"/>
-          </a:effectRef>
-          <a:fontRef idx="minor">
-            <a:schemeClr val="lt1"/>
-          </a:fontRef>
-        </p:style>
-        <p:txBody>
-          <a:bodyPr rtlCol="0" anchor="ctr"/>
-          <a:lstStyle/>
-          <a:p>
-            <a:pPr algn="ctr"/>
-            <a:r>
-              <a:rPr lang="en-US" i="1" dirty="0" smtClean="0"/>
-              <a:t>constraints</a:t>
-            </a:r>
-            <a:endParaRPr lang="en-US" i="1" dirty="0"/>
-          </a:p>
-        </p:txBody>
-      </p:sp>
-      <p:sp>
-        <p:nvSpPr>
-          <p:cNvPr id="9" name="Rectangle 8"/>
-          <p:cNvSpPr/>
-          <p:nvPr/>
-        </p:nvSpPr>
-        <p:spPr>
-          <a:xfrm>
-            <a:off x="6248400" y="1828800"/>
-            <a:ext cx="2016224" cy="792088"/>
-          </a:xfrm>
-          <a:prstGeom prst="rect">
-            <a:avLst/>
-          </a:prstGeom>
-        </p:spPr>
-        <p:style>
-          <a:lnRef idx="1">
-            <a:schemeClr val="accent1"/>
-          </a:lnRef>
-          <a:fillRef idx="3">
-            <a:schemeClr val="accent1"/>
-          </a:fillRef>
-          <a:effectRef idx="2">
-            <a:schemeClr val="accent1"/>
-          </a:effectRef>
-          <a:fontRef idx="minor">
-            <a:schemeClr val="lt1"/>
-          </a:fontRef>
-        </p:style>
-        <p:txBody>
-          <a:bodyPr rtlCol="0" anchor="ctr"/>
-          <a:lstStyle/>
-          <a:p>
-            <a:pPr algn="ctr"/>
-            <a:r>
-              <a:rPr lang="en-US" i="1" dirty="0" smtClean="0"/>
-              <a:t>definitions</a:t>
-            </a:r>
-            <a:endParaRPr lang="en-US" i="1" dirty="0"/>
-          </a:p>
-        </p:txBody>
-      </p:sp>
-      <p:sp>
-        <p:nvSpPr>
-          <p:cNvPr id="10" name="Rectangle 9"/>
-          <p:cNvSpPr/>
-          <p:nvPr/>
-        </p:nvSpPr>
-        <p:spPr>
-          <a:xfrm>
-            <a:off x="6248400" y="2819400"/>
-            <a:ext cx="2016224" cy="792088"/>
-          </a:xfrm>
-          <a:prstGeom prst="rect">
-            <a:avLst/>
-          </a:prstGeom>
-        </p:spPr>
-        <p:style>
-          <a:lnRef idx="1">
-            <a:schemeClr val="accent1"/>
-          </a:lnRef>
-          <a:fillRef idx="3">
-            <a:schemeClr val="accent1"/>
-          </a:fillRef>
-          <a:effectRef idx="2">
-            <a:schemeClr val="accent1"/>
-          </a:effectRef>
-          <a:fontRef idx="minor">
-            <a:schemeClr val="lt1"/>
-          </a:fontRef>
-        </p:style>
-        <p:txBody>
-          <a:bodyPr rtlCol="0" anchor="ctr"/>
-          <a:lstStyle/>
-          <a:p>
-            <a:pPr algn="ctr"/>
-            <a:r>
-              <a:rPr lang="en-US" i="1" dirty="0" smtClean="0"/>
-              <a:t>constraints</a:t>
-            </a:r>
-            <a:endParaRPr lang="en-US" i="1" dirty="0"/>
-          </a:p>
-        </p:txBody>
-      </p:sp>
-      <p:sp>
-        <p:nvSpPr>
-          <p:cNvPr id="11" name="TextBox 10"/>
-          <p:cNvSpPr txBox="1"/>
-          <p:nvPr/>
-        </p:nvSpPr>
-        <p:spPr>
-          <a:xfrm>
-            <a:off x="5638800" y="2514600"/>
-            <a:ext cx="352982" cy="461665"/>
-          </a:xfrm>
-          <a:prstGeom prst="rect">
-            <a:avLst/>
-          </a:prstGeom>
-          <a:noFill/>
-        </p:spPr>
-        <p:txBody>
-          <a:bodyPr wrap="none" rtlCol="0">
-            <a:spAutoFit/>
-          </a:bodyPr>
-          <a:lstStyle/>
-          <a:p>
-            <a:r>
-              <a:rPr lang="en-US" sz="2400" dirty="0" smtClean="0">
-                <a:sym typeface="Symbol"/>
-              </a:rPr>
-              <a:t></a:t>
-            </a:r>
-            <a:endParaRPr lang="en-US" sz="2400" dirty="0"/>
-          </a:p>
-        </p:txBody>
-      </p:sp>
-      <p:sp>
-        <p:nvSpPr>
-          <p:cNvPr id="13" name="TextBox 12"/>
-          <p:cNvSpPr txBox="1"/>
-          <p:nvPr/>
-        </p:nvSpPr>
-        <p:spPr>
-          <a:xfrm>
-            <a:off x="5232176" y="4343400"/>
-            <a:ext cx="352982" cy="461665"/>
-          </a:xfrm>
-          <a:prstGeom prst="rect">
-            <a:avLst/>
-          </a:prstGeom>
-          <a:noFill/>
-        </p:spPr>
-        <p:txBody>
-          <a:bodyPr wrap="none" rtlCol="0">
-            <a:spAutoFit/>
-          </a:bodyPr>
-          <a:lstStyle/>
-          <a:p>
-            <a:r>
-              <a:rPr lang="en-US" sz="2400" dirty="0" smtClean="0">
-                <a:sym typeface="Symbol"/>
-              </a:rPr>
-              <a:t></a:t>
-            </a:r>
-            <a:endParaRPr lang="en-US" sz="2400" dirty="0"/>
-          </a:p>
-        </p:txBody>
-      </p:sp>
-      <p:pic>
-        <p:nvPicPr>
-          <p:cNvPr id="12" name="Picture 11"/>
-          <p:cNvPicPr>
-            <a:picLocks noChangeAspect="1"/>
-          </p:cNvPicPr>
-          <p:nvPr/>
-        </p:nvPicPr>
-        <p:blipFill>
-          <a:blip r:embed="rId3">
-            <a:extLst>
-              <a:ext uri="{28A0092B-C50C-407E-A947-70E740481C1C}">
-                <a14:useLocalDpi xmlns:a14="http://schemas.microsoft.com/office/drawing/2010/main" val="0"/>
-              </a:ext>
-            </a:extLst>
-          </a:blip>
-          <a:stretch>
-            <a:fillRect/>
-          </a:stretch>
-        </p:blipFill>
-        <p:spPr>
-          <a:xfrm>
-            <a:off x="190500" y="152400"/>
-            <a:ext cx="685800" cy="685800"/>
-          </a:xfrm>
-          <a:prstGeom prst="rect">
-            <a:avLst/>
-          </a:prstGeom>
-        </p:spPr>
-      </p:pic>
-      <p:sp>
-        <p:nvSpPr>
-          <p:cNvPr id="3" name="TextBox 2"/>
-          <p:cNvSpPr txBox="1"/>
-          <p:nvPr/>
-        </p:nvSpPr>
-        <p:spPr>
-          <a:xfrm>
-            <a:off x="304800" y="3810000"/>
-            <a:ext cx="2514600" cy="369332"/>
-          </a:xfrm>
-          <a:prstGeom prst="rect">
-            <a:avLst/>
-          </a:prstGeom>
-          <a:noFill/>
-        </p:spPr>
-        <p:txBody>
-          <a:bodyPr wrap="square" rtlCol="0">
-            <a:spAutoFit/>
-          </a:bodyPr>
-          <a:lstStyle/>
-          <a:p>
-            <a:endParaRPr lang="en-US" dirty="0"/>
-          </a:p>
-        </p:txBody>
-      </p:sp>
-    </p:spTree>
-    <p:extLst>
-      <p:ext uri="{BB962C8B-B14F-4D97-AF65-F5344CB8AC3E}">
-        <p14:creationId xmlns:p14="http://schemas.microsoft.com/office/powerpoint/2010/main" val="2642016844"/>
-      </p:ext>
-    </p:extLst>
-  </p:cSld>
-  <p:clrMapOvr>
-    <a:masterClrMapping/>
-  </p:clrMapOvr>
-  <p:timing>
-    <p:tnLst>
-      <p:par>
-        <p:cTn xmlns:p14="http://schemas.microsoft.com/office/powerpoint/2010/main" id="1" dur="indefinite" restart="never" nodeType="tmRoot"/>
-      </p:par>
-    </p:tnLst>
-  </p:timing>
-</p:sld>
-</file>
-
-<file path=ppt/slides/slide23.xml><?xml version="1.0" encoding="utf-8"?>
-<p:sld xmlns:a="http://schemas.openxmlformats.org/drawingml/2006/main" xmlns:r="http://schemas.openxmlformats.org/officeDocument/2006/relationships" xmlns:p="http://schemas.openxmlformats.org/presentationml/2006/main">
-  <p:cSld>
-    <p:spTree>
-      <p:nvGrpSpPr>
-        <p:cNvPr id="1" name=""/>
-        <p:cNvGrpSpPr/>
-        <p:nvPr/>
-      </p:nvGrpSpPr>
-      <p:grpSpPr>
-        <a:xfrm>
-          <a:off x="0" y="0"/>
-          <a:ext cx="0" cy="0"/>
-          <a:chOff x="0" y="0"/>
-          <a:chExt cx="0" cy="0"/>
-        </a:xfrm>
-      </p:grpSpPr>
-      <p:sp>
-        <p:nvSpPr>
-          <p:cNvPr id="2" name="Title 1"/>
-          <p:cNvSpPr>
-            <a:spLocks noGrp="1"/>
-          </p:cNvSpPr>
-          <p:nvPr>
-            <p:ph type="title"/>
-          </p:nvPr>
-        </p:nvSpPr>
-        <p:spPr/>
-        <p:txBody>
-          <a:bodyPr/>
-          <a:lstStyle/>
-          <a:p>
-            <a:r>
-              <a:rPr lang="en-US" altLang="zh-CN" dirty="0" smtClean="0"/>
-              <a:t>Proof Sketch</a:t>
-            </a:r>
-            <a:endParaRPr lang="en-US" dirty="0"/>
-          </a:p>
-        </p:txBody>
-      </p:sp>
-      <p:graphicFrame>
-        <p:nvGraphicFramePr>
-          <p:cNvPr id="4" name="Content Placeholder 3"/>
-          <p:cNvGraphicFramePr>
-            <a:graphicFrameLocks noGrp="1"/>
-          </p:cNvGraphicFramePr>
-          <p:nvPr>
-            <p:ph idx="1"/>
-            <p:extLst>
-              <p:ext uri="{D42A27DB-BD31-4B8C-83A1-F6EECF244321}">
-                <p14:modId xmlns:p14="http://schemas.microsoft.com/office/powerpoint/2010/main" val="247016622"/>
-              </p:ext>
-            </p:extLst>
-          </p:nvPr>
-        </p:nvGraphicFramePr>
-        <p:xfrm>
-          <a:off x="457200" y="1600200"/>
-          <a:ext cx="8229600" cy="4724400"/>
-        </p:xfrm>
-        <a:graphic>
-          <a:graphicData uri="http://schemas.openxmlformats.org/drawingml/2006/table">
-            <a:tbl>
-              <a:tblPr firstRow="1" bandRow="1">
-                <a:tableStyleId>{5940675A-B579-460E-94D1-54222C63F5DA}</a:tableStyleId>
-              </a:tblPr>
-              <a:tblGrid>
-                <a:gridCol w="2819400"/>
-                <a:gridCol w="2819400"/>
-                <a:gridCol w="2590800"/>
-              </a:tblGrid>
-              <a:tr h="4724400">
-                <a:tc>
-                  <a:txBody>
-                    <a:bodyPr/>
-                    <a:lstStyle/>
-                    <a:p>
-                      <a:endParaRPr lang="en-US" sz="1400" u="none" strike="noStrike" kern="1200" baseline="0" dirty="0" smtClean="0"/>
-                    </a:p>
-                    <a:p>
-                      <a:endParaRPr lang="en-US" sz="1400" u="none" strike="noStrike" kern="1200" baseline="0" dirty="0" smtClean="0"/>
-                    </a:p>
-                    <a:p>
-                      <a:endParaRPr lang="en-US" sz="1400" u="none" strike="noStrike" kern="1200" baseline="0" dirty="0" smtClean="0"/>
-                    </a:p>
-                    <a:p>
-                      <a:endParaRPr lang="en-US" sz="1400" u="none" strike="noStrike" kern="1200" baseline="0" dirty="0" smtClean="0"/>
-                    </a:p>
-                    <a:p>
-                      <a:endParaRPr lang="en-US" sz="1400" u="none" strike="noStrike" kern="1200" baseline="0" dirty="0" smtClean="0"/>
-                    </a:p>
-                    <a:p>
-                      <a:endParaRPr lang="en-US" sz="1400" u="none" strike="noStrike" kern="1200" baseline="0" dirty="0" smtClean="0"/>
-                    </a:p>
-                    <a:p>
-                      <a:endParaRPr lang="en-US" sz="1400" u="none" strike="noStrike" kern="1200" baseline="0" dirty="0" smtClean="0"/>
-                    </a:p>
-                    <a:p>
-                      <a:endParaRPr lang="en-US" sz="1400" u="none" strike="noStrike" kern="1200" baseline="0" dirty="0" smtClean="0"/>
-                    </a:p>
-                    <a:p>
-                      <a:endParaRPr lang="en-US" sz="1400" u="none" strike="noStrike" kern="1200" baseline="0" dirty="0" smtClean="0"/>
-                    </a:p>
-                    <a:p>
-                      <a:endParaRPr lang="en-US" sz="1400" u="none" strike="noStrike" kern="1200" baseline="0" dirty="0" smtClean="0"/>
-                    </a:p>
-                    <a:p>
-                      <a:endParaRPr lang="en-US" sz="1400" u="none" strike="noStrike" kern="1200" baseline="0" dirty="0" smtClean="0"/>
-                    </a:p>
-                    <a:p>
-                      <a:r>
-                        <a:rPr lang="en-US" sz="1400" u="none" strike="noStrike" kern="1200" baseline="0" dirty="0" smtClean="0"/>
-                        <a:t>match ;</a:t>
-                      </a:r>
-                    </a:p>
-                    <a:p>
-                      <a:pPr algn="l"/>
-                      <a:r>
-                        <a:rPr lang="en-US" sz="1400" i="1" dirty="0" smtClean="0">
-                          <a:solidFill>
-                            <a:schemeClr val="tx1"/>
-                          </a:solidFill>
-                        </a:rPr>
-                        <a:t>(or</a:t>
-                      </a:r>
-                      <a:r>
-                        <a:rPr lang="en-US" sz="1400" i="1" baseline="0" dirty="0" smtClean="0">
-                          <a:solidFill>
-                            <a:schemeClr val="tx1"/>
-                          </a:solidFill>
-                        </a:rPr>
-                        <a:t> </a:t>
-                      </a:r>
-                      <a:r>
-                        <a:rPr lang="en-US" sz="1400" i="1" dirty="0" smtClean="0">
-                          <a:solidFill>
-                            <a:schemeClr val="tx1"/>
-                          </a:solidFill>
-                        </a:rPr>
-                        <a:t>(</a:t>
-                      </a:r>
-                      <a:r>
-                        <a:rPr lang="en-US" sz="1400" i="1" baseline="0" dirty="0" smtClean="0">
-                          <a:solidFill>
-                            <a:schemeClr val="tx1"/>
-                          </a:solidFill>
-                        </a:rPr>
-                        <a:t>MATCH </a:t>
-                      </a:r>
-                      <a:r>
-                        <a:rPr lang="en-US" sz="1400" i="1" dirty="0" smtClean="0">
-                          <a:solidFill>
-                            <a:schemeClr val="tx1"/>
-                          </a:solidFill>
-                        </a:rPr>
-                        <a:t>R</a:t>
-                      </a:r>
-                      <a:r>
-                        <a:rPr lang="en-US" sz="1400" i="1" baseline="-25000" dirty="0" smtClean="0">
-                          <a:solidFill>
-                            <a:schemeClr val="tx1"/>
-                          </a:solidFill>
-                        </a:rPr>
-                        <a:t>0,2</a:t>
-                      </a:r>
-                      <a:r>
-                        <a:rPr lang="en-US" sz="1400" i="1" dirty="0" smtClean="0">
-                          <a:solidFill>
-                            <a:schemeClr val="tx1"/>
-                          </a:solidFill>
-                        </a:rPr>
-                        <a:t>,S</a:t>
-                      </a:r>
-                      <a:r>
-                        <a:rPr lang="en-US" sz="1400" i="1" baseline="-25000" dirty="0" smtClean="0">
-                          <a:solidFill>
-                            <a:schemeClr val="tx1"/>
-                          </a:solidFill>
-                        </a:rPr>
-                        <a:t>2,4</a:t>
-                      </a:r>
-                      <a:r>
-                        <a:rPr lang="en-US" sz="1400" i="1" dirty="0" smtClean="0">
+                        <a:rPr lang="en-US" sz="1800" i="1" dirty="0" smtClean="0">
                           <a:solidFill>
                             <a:schemeClr val="tx1"/>
                           </a:solidFill>
@@ -21636,7 +21228,7 @@
                         <a:defRPr/>
                       </a:pPr>
                       <a:r>
-                        <a:rPr lang="en-US" sz="1400" i="1" dirty="0" smtClean="0">
+                        <a:rPr lang="en-US" sz="1800" i="1" dirty="0" smtClean="0">
                           <a:solidFill>
                             <a:schemeClr val="tx1"/>
                           </a:solidFill>
@@ -21644,7 +21236,7 @@
                         <a:t>(</a:t>
                       </a:r>
                       <a:r>
-                        <a:rPr lang="en-US" sz="1400" i="1" baseline="0" dirty="0" smtClean="0">
+                        <a:rPr lang="en-US" sz="1800" i="1" baseline="0" dirty="0" smtClean="0">
                           <a:solidFill>
                             <a:schemeClr val="tx1"/>
                           </a:solidFill>
@@ -21652,7 +21244,7 @@
                         <a:t>MATCH </a:t>
                       </a:r>
                       <a:r>
-                        <a:rPr lang="en-US" sz="1400" i="1" dirty="0" smtClean="0">
+                        <a:rPr lang="en-US" sz="1800" i="1" dirty="0" smtClean="0">
                           <a:solidFill>
                             <a:schemeClr val="tx1"/>
                           </a:solidFill>
@@ -21660,7 +21252,7 @@
                         <a:t>R</a:t>
                       </a:r>
                       <a:r>
-                        <a:rPr lang="en-US" sz="1400" i="1" baseline="-25000" dirty="0" smtClean="0">
+                        <a:rPr lang="en-US" sz="1800" i="1" baseline="-25000" dirty="0" smtClean="0">
                           <a:solidFill>
                             <a:schemeClr val="tx1"/>
                           </a:solidFill>
@@ -21668,7 +21260,7 @@
                         <a:t>0,2</a:t>
                       </a:r>
                       <a:r>
-                        <a:rPr lang="en-US" sz="1400" i="1" dirty="0" smtClean="0">
+                        <a:rPr lang="en-US" sz="1800" i="1" dirty="0" smtClean="0">
                           <a:solidFill>
                             <a:schemeClr val="tx1"/>
                           </a:solidFill>
@@ -21676,7 +21268,7 @@
                         <a:t>,S</a:t>
                       </a:r>
                       <a:r>
-                        <a:rPr lang="en-US" sz="1400" i="1" baseline="-25000" dirty="0" smtClean="0">
+                        <a:rPr lang="en-US" sz="1800" i="1" baseline="-25000" dirty="0" smtClean="0">
                           <a:solidFill>
                             <a:schemeClr val="tx1"/>
                           </a:solidFill>
@@ -21684,7 +21276,7 @@
                         <a:t>1,5</a:t>
                       </a:r>
                       <a:r>
-                        <a:rPr lang="en-US" sz="1400" i="1" dirty="0" smtClean="0">
+                        <a:rPr lang="en-US" sz="1800" i="1" dirty="0" smtClean="0">
                           <a:solidFill>
                             <a:schemeClr val="tx1"/>
                           </a:solidFill>
@@ -21711,7 +21303,7 @@
                         <a:defRPr/>
                       </a:pPr>
                       <a:r>
-                        <a:rPr lang="en-US" sz="1400" i="1" dirty="0" smtClean="0">
+                        <a:rPr lang="en-US" sz="1800" i="1" dirty="0" smtClean="0">
                           <a:solidFill>
                             <a:schemeClr val="tx1"/>
                           </a:solidFill>
@@ -21719,7 +21311,7 @@
                         <a:t>(or </a:t>
                       </a:r>
                       <a:r>
-                        <a:rPr lang="en-US" altLang="zh-CN" sz="1400" i="1" dirty="0" smtClean="0">
+                        <a:rPr lang="en-US" altLang="zh-CN" sz="1800" i="1" dirty="0" smtClean="0">
                           <a:solidFill>
                             <a:schemeClr val="tx1"/>
                           </a:solidFill>
@@ -21727,7 +21319,7 @@
                         <a:t>(MATCH R</a:t>
                       </a:r>
                       <a:r>
-                        <a:rPr lang="en-US" altLang="zh-CN" sz="1400" i="1" baseline="-25000" dirty="0" smtClean="0">
+                        <a:rPr lang="en-US" altLang="zh-CN" sz="1800" i="1" baseline="-25000" dirty="0" smtClean="0">
                           <a:solidFill>
                             <a:schemeClr val="tx1"/>
                           </a:solidFill>
@@ -21735,7 +21327,7 @@
                         <a:t>0,5</a:t>
                       </a:r>
                       <a:r>
-                        <a:rPr lang="en-US" altLang="zh-CN" sz="1400" i="1" dirty="0" smtClean="0">
+                        <a:rPr lang="en-US" altLang="zh-CN" sz="1800" i="1" dirty="0" smtClean="0">
                           <a:solidFill>
                             <a:schemeClr val="tx1"/>
                           </a:solidFill>
@@ -21743,7 +21335,7 @@
                         <a:t>,S</a:t>
                       </a:r>
                       <a:r>
-                        <a:rPr lang="en-US" altLang="zh-CN" sz="1400" i="1" baseline="-25000" dirty="0" smtClean="0">
+                        <a:rPr lang="en-US" altLang="zh-CN" sz="1800" i="1" baseline="-25000" dirty="0" smtClean="0">
                           <a:solidFill>
                             <a:schemeClr val="tx1"/>
                           </a:solidFill>
@@ -21751,14 +21343,14 @@
                         <a:t>2,4</a:t>
                       </a:r>
                       <a:r>
-                        <a:rPr lang="en-US" altLang="zh-CN" sz="1400" i="1" dirty="0" smtClean="0">
+                        <a:rPr lang="en-US" altLang="zh-CN" sz="1800" i="1" dirty="0" smtClean="0">
                           <a:solidFill>
                             <a:schemeClr val="tx1"/>
                           </a:solidFill>
                         </a:rPr>
                         <a:t>)</a:t>
                       </a:r>
-                      <a:endParaRPr lang="en-US" sz="1400" i="1" dirty="0" smtClean="0">
+                      <a:endParaRPr lang="en-US" sz="1800" i="1" dirty="0" smtClean="0">
                         <a:solidFill>
                           <a:schemeClr val="tx1"/>
                         </a:solidFill>
@@ -21767,7 +21359,7 @@
                     <a:p>
                       <a:pPr algn="l"/>
                       <a:r>
-                        <a:rPr lang="en-US" altLang="zh-CN" sz="1400" i="1" dirty="0" smtClean="0">
+                        <a:rPr lang="en-US" altLang="zh-CN" sz="1800" i="1" dirty="0" smtClean="0">
                           <a:solidFill>
                             <a:schemeClr val="tx1"/>
                           </a:solidFill>
@@ -21775,7 +21367,7 @@
                         <a:t>(MATCH R</a:t>
                       </a:r>
                       <a:r>
-                        <a:rPr lang="en-US" altLang="zh-CN" sz="1400" i="1" baseline="-25000" dirty="0" smtClean="0">
+                        <a:rPr lang="en-US" altLang="zh-CN" sz="1800" i="1" baseline="-25000" dirty="0" smtClean="0">
                           <a:solidFill>
                             <a:schemeClr val="tx1"/>
                           </a:solidFill>
@@ -21783,7 +21375,7 @@
                         <a:t>0,5</a:t>
                       </a:r>
                       <a:r>
-                        <a:rPr lang="en-US" altLang="zh-CN" sz="1400" i="1" dirty="0" smtClean="0">
+                        <a:rPr lang="en-US" altLang="zh-CN" sz="1800" i="1" dirty="0" smtClean="0">
                           <a:solidFill>
                             <a:schemeClr val="tx1"/>
                           </a:solidFill>
@@ -21791,7 +21383,7 @@
                         <a:t>,S</a:t>
                       </a:r>
                       <a:r>
-                        <a:rPr lang="en-US" altLang="zh-CN" sz="1400" i="1" baseline="-25000" dirty="0" smtClean="0">
+                        <a:rPr lang="en-US" altLang="zh-CN" sz="1800" i="1" baseline="-25000" dirty="0" smtClean="0">
                           <a:solidFill>
                             <a:schemeClr val="tx1"/>
                           </a:solidFill>
@@ -21799,7 +21391,7 @@
                         <a:t>1,5</a:t>
                       </a:r>
                       <a:r>
-                        <a:rPr lang="en-US" altLang="zh-CN" sz="1400" i="1" dirty="0" smtClean="0">
+                        <a:rPr lang="en-US" altLang="zh-CN" sz="1800" i="1" dirty="0" smtClean="0">
                           <a:solidFill>
                             <a:schemeClr val="tx1"/>
                           </a:solidFill>
@@ -21810,7 +21402,7 @@
                     <a:p>
                       <a:pPr algn="l"/>
                       <a:r>
-                        <a:rPr lang="en-US" altLang="zh-CN" sz="1400" i="1" dirty="0" smtClean="0">
+                        <a:rPr lang="en-US" altLang="zh-CN" sz="1800" i="1" dirty="0" smtClean="0">
                           <a:solidFill>
                             <a:schemeClr val="tx1"/>
                           </a:solidFill>
@@ -21818,7 +21410,7 @@
                         <a:t>(MATCH R</a:t>
                       </a:r>
                       <a:r>
-                        <a:rPr lang="en-US" altLang="zh-CN" sz="1400" i="1" baseline="-25000" dirty="0" smtClean="0">
+                        <a:rPr lang="en-US" altLang="zh-CN" sz="1800" i="1" baseline="-25000" dirty="0" smtClean="0">
                           <a:solidFill>
                             <a:schemeClr val="tx1"/>
                           </a:solidFill>
@@ -21826,7 +21418,7 @@
                         <a:t>1,3</a:t>
                       </a:r>
                       <a:r>
-                        <a:rPr lang="en-US" altLang="zh-CN" sz="1400" i="1" dirty="0" smtClean="0">
+                        <a:rPr lang="en-US" altLang="zh-CN" sz="1800" i="1" dirty="0" smtClean="0">
                           <a:solidFill>
                             <a:schemeClr val="tx1"/>
                           </a:solidFill>
@@ -21834,7 +21426,7 @@
                         <a:t>,S</a:t>
                       </a:r>
                       <a:r>
-                        <a:rPr lang="en-US" altLang="zh-CN" sz="1400" i="1" baseline="-25000" dirty="0" smtClean="0">
+                        <a:rPr lang="en-US" altLang="zh-CN" sz="1800" i="1" baseline="-25000" dirty="0" smtClean="0">
                           <a:solidFill>
                             <a:schemeClr val="tx1"/>
                           </a:solidFill>
@@ -21842,7 +21434,7 @@
                         <a:t>2,7</a:t>
                       </a:r>
                       <a:r>
-                        <a:rPr lang="en-US" altLang="zh-CN" sz="1400" i="1" dirty="0" smtClean="0">
+                        <a:rPr lang="en-US" altLang="zh-CN" sz="1800" i="1" dirty="0" smtClean="0">
                           <a:solidFill>
                             <a:schemeClr val="tx1"/>
                           </a:solidFill>
@@ -21853,7 +21445,7 @@
                     <a:p>
                       <a:pPr algn="l"/>
                       <a:r>
-                        <a:rPr lang="en-US" altLang="zh-CN" sz="1400" i="1" dirty="0" smtClean="0">
+                        <a:rPr lang="en-US" altLang="zh-CN" sz="1800" i="1" dirty="0" smtClean="0">
                           <a:solidFill>
                             <a:schemeClr val="tx1"/>
                           </a:solidFill>
@@ -21861,7 +21453,7 @@
                         <a:t>(NE R</a:t>
                       </a:r>
                       <a:r>
-                        <a:rPr lang="en-US" altLang="zh-CN" sz="1400" i="1" baseline="-25000" dirty="0" smtClean="0">
+                        <a:rPr lang="en-US" altLang="zh-CN" sz="1800" i="1" baseline="-25000" dirty="0" smtClean="0">
                           <a:solidFill>
                             <a:schemeClr val="tx1"/>
                           </a:solidFill>
@@ -21869,7 +21461,7 @@
                         <a:t>0,2</a:t>
                       </a:r>
                       <a:r>
-                        <a:rPr lang="en-US" altLang="zh-CN" sz="1400" i="1" dirty="0" smtClean="0">
+                        <a:rPr lang="en-US" altLang="zh-CN" sz="1800" i="1" dirty="0" smtClean="0">
                           <a:solidFill>
                             <a:schemeClr val="tx1"/>
                           </a:solidFill>
@@ -21877,7 +21469,7 @@
                         <a:t> R</a:t>
                       </a:r>
                       <a:r>
-                        <a:rPr lang="en-US" altLang="zh-CN" sz="1400" i="1" baseline="-25000" dirty="0" smtClean="0">
+                        <a:rPr lang="en-US" altLang="zh-CN" sz="1800" i="1" baseline="-25000" dirty="0" smtClean="0">
                           <a:solidFill>
                             <a:schemeClr val="tx1"/>
                           </a:solidFill>
@@ -21885,7 +21477,7 @@
                         <a:t>0,5</a:t>
                       </a:r>
                       <a:r>
-                        <a:rPr lang="en-US" altLang="zh-CN" sz="1400" i="1" dirty="0" smtClean="0">
+                        <a:rPr lang="en-US" altLang="zh-CN" sz="1800" i="1" dirty="0" smtClean="0">
                           <a:solidFill>
                             <a:schemeClr val="tx1"/>
                           </a:solidFill>
@@ -21985,57 +21577,89 @@
                     <a:p>
                       <a:pPr algn="l"/>
                       <a:r>
-                        <a:rPr lang="en-US" sz="1400" i="1" dirty="0" smtClean="0">
-                          <a:solidFill>
-                            <a:schemeClr val="tx1"/>
+                        <a:rPr lang="en-US" sz="1800" i="1" dirty="0" smtClean="0">
+                          <a:solidFill>
+                            <a:schemeClr val="accent2">
+                              <a:lumMod val="40000"/>
+                              <a:lumOff val="60000"/>
+                            </a:schemeClr>
                           </a:solidFill>
                         </a:rPr>
                         <a:t>(</a:t>
                       </a:r>
                       <a:r>
-                        <a:rPr lang="en-US" sz="1400" i="1" baseline="0" dirty="0" smtClean="0">
-                          <a:solidFill>
-                            <a:schemeClr val="tx1"/>
+                        <a:rPr lang="en-US" sz="1800" i="1" baseline="0" dirty="0" smtClean="0">
+                          <a:solidFill>
+                            <a:schemeClr val="accent2">
+                              <a:lumMod val="40000"/>
+                              <a:lumOff val="60000"/>
+                            </a:schemeClr>
                           </a:solidFill>
                         </a:rPr>
                         <a:t>MATCH </a:t>
                       </a:r>
                       <a:r>
-                        <a:rPr lang="en-US" sz="1400" i="1" dirty="0" smtClean="0">
-                          <a:solidFill>
-                            <a:schemeClr val="tx1"/>
+                        <a:rPr lang="en-US" sz="1800" i="1" dirty="0" smtClean="0">
+                          <a:solidFill>
+                            <a:schemeClr val="accent2">
+                              <a:lumMod val="40000"/>
+                              <a:lumOff val="60000"/>
+                            </a:schemeClr>
                           </a:solidFill>
                         </a:rPr>
                         <a:t>R</a:t>
                       </a:r>
                       <a:r>
-                        <a:rPr lang="en-US" sz="1400" i="1" baseline="-25000" dirty="0" smtClean="0">
-                          <a:solidFill>
-                            <a:schemeClr val="tx1"/>
+                        <a:rPr lang="en-US" sz="1800" i="1" baseline="-25000" dirty="0" smtClean="0">
+                          <a:solidFill>
+                            <a:schemeClr val="accent2">
+                              <a:lumMod val="40000"/>
+                              <a:lumOff val="60000"/>
+                            </a:schemeClr>
                           </a:solidFill>
                         </a:rPr>
                         <a:t>0,2</a:t>
                       </a:r>
                       <a:r>
-                        <a:rPr lang="en-US" sz="1400" i="1" dirty="0" smtClean="0">
-                          <a:solidFill>
-                            <a:schemeClr val="tx1"/>
-                          </a:solidFill>
-                        </a:rPr>
-                        <a:t>,S</a:t>
-                      </a:r>
-                      <a:r>
-                        <a:rPr lang="en-US" sz="1400" i="1" baseline="-25000" dirty="0" smtClean="0">
-                          <a:solidFill>
-                            <a:schemeClr val="tx1"/>
-                          </a:solidFill>
-                        </a:rPr>
-                        <a:t>2,4</a:t>
-                      </a:r>
-                      <a:r>
-                        <a:rPr lang="en-US" sz="1400" i="1" dirty="0" smtClean="0">
-                          <a:solidFill>
-                            <a:schemeClr val="tx1"/>
+                        <a:rPr lang="en-US" sz="1800" i="1" baseline="0" dirty="0" smtClean="0">
+                          <a:solidFill>
+                            <a:schemeClr val="accent2">
+                              <a:lumMod val="40000"/>
+                              <a:lumOff val="60000"/>
+                            </a:schemeClr>
+                          </a:solidFill>
+                        </a:rPr>
+                        <a:t>  </a:t>
+                      </a:r>
+                      <a:r>
+                        <a:rPr lang="en-US" sz="1800" i="1" dirty="0" smtClean="0">
+                          <a:solidFill>
+                            <a:schemeClr val="accent2">
+                              <a:lumMod val="40000"/>
+                              <a:lumOff val="60000"/>
+                            </a:schemeClr>
+                          </a:solidFill>
+                        </a:rPr>
+                        <a:t>S</a:t>
+                      </a:r>
+                      <a:r>
+                        <a:rPr lang="en-US" sz="1800" i="1" baseline="-25000" dirty="0" smtClean="0">
+                          <a:solidFill>
+                            <a:schemeClr val="accent2">
+                              <a:lumMod val="40000"/>
+                              <a:lumOff val="60000"/>
+                            </a:schemeClr>
+                          </a:solidFill>
+                        </a:rPr>
+                        <a:t>2,4 </a:t>
+                      </a:r>
+                      <a:r>
+                        <a:rPr lang="en-US" sz="1800" i="1" dirty="0" smtClean="0">
+                          <a:solidFill>
+                            <a:schemeClr val="accent2">
+                              <a:lumMod val="40000"/>
+                              <a:lumOff val="60000"/>
+                            </a:schemeClr>
                           </a:solidFill>
                         </a:rPr>
                         <a:t>)</a:t>
@@ -22044,41 +21668,61 @@
                     <a:p>
                       <a:pPr algn="l"/>
                       <a:r>
-                        <a:rPr lang="en-US" altLang="zh-CN" sz="1400" i="1" dirty="0" smtClean="0">
-                          <a:solidFill>
-                            <a:schemeClr val="tx1"/>
+                        <a:rPr lang="en-US" altLang="zh-CN" sz="1800" i="1" dirty="0" smtClean="0">
+                          <a:solidFill>
+                            <a:schemeClr val="tx2">
+                              <a:lumMod val="75000"/>
+                            </a:schemeClr>
                           </a:solidFill>
                         </a:rPr>
                         <a:t>(MATCH R</a:t>
                       </a:r>
                       <a:r>
-                        <a:rPr lang="en-US" altLang="zh-CN" sz="1400" i="1" baseline="-25000" dirty="0" smtClean="0">
-                          <a:solidFill>
-                            <a:schemeClr val="tx1"/>
+                        <a:rPr lang="en-US" altLang="zh-CN" sz="1800" i="1" baseline="-25000" dirty="0" smtClean="0">
+                          <a:solidFill>
+                            <a:schemeClr val="tx2">
+                              <a:lumMod val="75000"/>
+                            </a:schemeClr>
                           </a:solidFill>
                         </a:rPr>
                         <a:t>0,5</a:t>
                       </a:r>
                       <a:r>
-                        <a:rPr lang="en-US" altLang="zh-CN" sz="1400" i="1" dirty="0" smtClean="0">
-                          <a:solidFill>
-                            <a:schemeClr val="tx1"/>
-                          </a:solidFill>
-                        </a:rPr>
-                        <a:t>,S</a:t>
-                      </a:r>
-                      <a:r>
-                        <a:rPr lang="en-US" altLang="zh-CN" sz="1400" i="1" baseline="-25000" dirty="0" smtClean="0">
-                          <a:solidFill>
-                            <a:schemeClr val="tx1"/>
-                          </a:solidFill>
-                        </a:rPr>
-                        <a:t>1,5</a:t>
-                      </a:r>
-                      <a:r>
-                        <a:rPr lang="en-US" altLang="zh-CN" sz="1400" i="1" dirty="0" smtClean="0">
-                          <a:solidFill>
-                            <a:schemeClr val="tx1"/>
+                        <a:rPr lang="en-US" altLang="zh-CN" sz="1800" i="1" baseline="0" dirty="0" smtClean="0">
+                          <a:solidFill>
+                            <a:schemeClr val="tx2">
+                              <a:lumMod val="75000"/>
+                            </a:schemeClr>
+                          </a:solidFill>
+                        </a:rPr>
+                        <a:t>  </a:t>
+                      </a:r>
+                      <a:r>
+                        <a:rPr lang="en-US" altLang="zh-CN" sz="1800" i="1" dirty="0" smtClean="0">
+                          <a:solidFill>
+                            <a:schemeClr val="tx2">
+                              <a:lumMod val="75000"/>
+                            </a:schemeClr>
+                          </a:solidFill>
+                        </a:rPr>
+                        <a:t>S</a:t>
+                      </a:r>
+                      <a:r>
+                        <a:rPr lang="en-US" altLang="zh-CN" sz="1800" i="1" baseline="-25000" dirty="0" smtClean="0">
+                          <a:solidFill>
+                            <a:schemeClr val="tx2">
+                              <a:lumMod val="75000"/>
+                            </a:schemeClr>
+                          </a:solidFill>
+                        </a:rPr>
+                        <a:t>1,5 </a:t>
+                      </a:r>
+                      <a:r>
+                        <a:rPr lang="en-US" altLang="zh-CN" sz="1800" i="1" dirty="0" smtClean="0">
+                          <a:solidFill>
+                            <a:schemeClr val="tx2">
+                              <a:lumMod val="75000"/>
+                            </a:schemeClr>
                           </a:solidFill>
                         </a:rPr>
                         <a:t>)</a:t>
@@ -22087,7 +21731,7 @@
                     <a:p>
                       <a:pPr algn="l"/>
                       <a:r>
-                        <a:rPr lang="en-US" altLang="zh-CN" sz="1400" i="1" dirty="0" smtClean="0">
+                        <a:rPr lang="en-US" altLang="zh-CN" sz="1800" i="1" dirty="0" smtClean="0">
                           <a:solidFill>
                             <a:schemeClr val="tx1"/>
                           </a:solidFill>
@@ -22095,7 +21739,7 @@
                         <a:t>(MATCH R</a:t>
                       </a:r>
                       <a:r>
-                        <a:rPr lang="en-US" altLang="zh-CN" sz="1400" i="1" baseline="-25000" dirty="0" smtClean="0">
+                        <a:rPr lang="en-US" altLang="zh-CN" sz="1800" i="1" baseline="-25000" dirty="0" smtClean="0">
                           <a:solidFill>
                             <a:schemeClr val="tx1"/>
                           </a:solidFill>
@@ -22103,23 +21747,31 @@
                         <a:t>1,3</a:t>
                       </a:r>
                       <a:r>
-                        <a:rPr lang="en-US" altLang="zh-CN" sz="1400" i="1" dirty="0" smtClean="0">
-                          <a:solidFill>
-                            <a:schemeClr val="tx1"/>
-                          </a:solidFill>
-                        </a:rPr>
-                        <a:t>,S</a:t>
-                      </a:r>
-                      <a:r>
-                        <a:rPr lang="en-US" altLang="zh-CN" sz="1400" i="1" baseline="-25000" dirty="0" smtClean="0">
-                          <a:solidFill>
-                            <a:schemeClr val="tx1"/>
-                          </a:solidFill>
-                        </a:rPr>
-                        <a:t>2,7</a:t>
-                      </a:r>
-                      <a:r>
-                        <a:rPr lang="en-US" altLang="zh-CN" sz="1400" i="1" dirty="0" smtClean="0">
+                        <a:rPr lang="en-US" altLang="zh-CN" sz="1800" i="1" baseline="0" dirty="0" smtClean="0">
+                          <a:solidFill>
+                            <a:schemeClr val="tx1"/>
+                          </a:solidFill>
+                        </a:rPr>
+                        <a:t>  </a:t>
+                      </a:r>
+                      <a:r>
+                        <a:rPr lang="en-US" altLang="zh-CN" sz="1800" i="1" dirty="0" smtClean="0">
+                          <a:solidFill>
+                            <a:schemeClr val="tx1"/>
+                          </a:solidFill>
+                        </a:rPr>
+                        <a:t>S</a:t>
+                      </a:r>
+                      <a:r>
+                        <a:rPr lang="en-US" altLang="zh-CN" sz="1800" i="1" baseline="-25000" dirty="0" smtClean="0">
+                          <a:solidFill>
+                            <a:schemeClr val="tx1"/>
+                          </a:solidFill>
+                        </a:rPr>
+                        <a:t>2,7 </a:t>
+                      </a:r>
+                      <a:r>
+                        <a:rPr lang="en-US" altLang="zh-CN" sz="1800" i="1" dirty="0" smtClean="0">
                           <a:solidFill>
                             <a:schemeClr val="tx1"/>
                           </a:solidFill>
@@ -22216,57 +21868,89 @@
                     <a:p>
                       <a:pPr algn="l"/>
                       <a:r>
-                        <a:rPr lang="en-US" sz="1400" i="1" dirty="0" smtClean="0">
-                          <a:solidFill>
-                            <a:schemeClr val="tx1"/>
+                        <a:rPr lang="en-US" sz="1800" i="1" dirty="0" smtClean="0">
+                          <a:solidFill>
+                            <a:schemeClr val="accent2">
+                              <a:lumMod val="40000"/>
+                              <a:lumOff val="60000"/>
+                            </a:schemeClr>
                           </a:solidFill>
                         </a:rPr>
                         <a:t>(</a:t>
                       </a:r>
                       <a:r>
-                        <a:rPr lang="en-US" sz="1400" i="1" baseline="0" dirty="0" smtClean="0">
-                          <a:solidFill>
-                            <a:schemeClr val="tx1"/>
+                        <a:rPr lang="en-US" sz="1800" i="1" baseline="0" dirty="0" smtClean="0">
+                          <a:solidFill>
+                            <a:schemeClr val="accent2">
+                              <a:lumMod val="40000"/>
+                              <a:lumOff val="60000"/>
+                            </a:schemeClr>
                           </a:solidFill>
                         </a:rPr>
                         <a:t>MATCH </a:t>
                       </a:r>
                       <a:r>
-                        <a:rPr lang="en-US" sz="1400" i="1" dirty="0" smtClean="0">
-                          <a:solidFill>
-                            <a:schemeClr val="tx1"/>
+                        <a:rPr lang="en-US" sz="1800" i="1" dirty="0" smtClean="0">
+                          <a:solidFill>
+                            <a:schemeClr val="accent2">
+                              <a:lumMod val="40000"/>
+                              <a:lumOff val="60000"/>
+                            </a:schemeClr>
                           </a:solidFill>
                         </a:rPr>
                         <a:t>R</a:t>
                       </a:r>
                       <a:r>
-                        <a:rPr lang="en-US" sz="1400" i="1" baseline="-25000" dirty="0" smtClean="0">
-                          <a:solidFill>
-                            <a:schemeClr val="tx1"/>
+                        <a:rPr lang="en-US" sz="1800" i="1" baseline="-25000" dirty="0" smtClean="0">
+                          <a:solidFill>
+                            <a:schemeClr val="accent2">
+                              <a:lumMod val="40000"/>
+                              <a:lumOff val="60000"/>
+                            </a:schemeClr>
                           </a:solidFill>
                         </a:rPr>
                         <a:t>0,2</a:t>
                       </a:r>
                       <a:r>
-                        <a:rPr lang="en-US" sz="1400" i="1" dirty="0" smtClean="0">
-                          <a:solidFill>
-                            <a:schemeClr val="tx1"/>
-                          </a:solidFill>
-                        </a:rPr>
-                        <a:t>,S</a:t>
-                      </a:r>
-                      <a:r>
-                        <a:rPr lang="en-US" sz="1400" i="1" baseline="-25000" dirty="0" smtClean="0">
-                          <a:solidFill>
-                            <a:schemeClr val="tx1"/>
-                          </a:solidFill>
-                        </a:rPr>
-                        <a:t>1,5</a:t>
-                      </a:r>
-                      <a:r>
-                        <a:rPr lang="en-US" sz="1400" i="1" dirty="0" smtClean="0">
-                          <a:solidFill>
-                            <a:schemeClr val="tx1"/>
+                        <a:rPr lang="en-US" sz="1800" i="1" baseline="0" dirty="0" smtClean="0">
+                          <a:solidFill>
+                            <a:schemeClr val="accent2">
+                              <a:lumMod val="40000"/>
+                              <a:lumOff val="60000"/>
+                            </a:schemeClr>
+                          </a:solidFill>
+                        </a:rPr>
+                        <a:t>  </a:t>
+                      </a:r>
+                      <a:r>
+                        <a:rPr lang="en-US" sz="1800" i="1" dirty="0" smtClean="0">
+                          <a:solidFill>
+                            <a:schemeClr val="accent2">
+                              <a:lumMod val="40000"/>
+                              <a:lumOff val="60000"/>
+                            </a:schemeClr>
+                          </a:solidFill>
+                        </a:rPr>
+                        <a:t>S</a:t>
+                      </a:r>
+                      <a:r>
+                        <a:rPr lang="en-US" sz="1800" i="1" baseline="-25000" dirty="0" smtClean="0">
+                          <a:solidFill>
+                            <a:schemeClr val="accent2">
+                              <a:lumMod val="40000"/>
+                              <a:lumOff val="60000"/>
+                            </a:schemeClr>
+                          </a:solidFill>
+                        </a:rPr>
+                        <a:t>1,5 </a:t>
+                      </a:r>
+                      <a:r>
+                        <a:rPr lang="en-US" sz="1800" i="1" dirty="0" smtClean="0">
+                          <a:solidFill>
+                            <a:schemeClr val="accent2">
+                              <a:lumMod val="40000"/>
+                              <a:lumOff val="60000"/>
+                            </a:schemeClr>
                           </a:solidFill>
                         </a:rPr>
                         <a:t>)</a:t>
@@ -22275,41 +21959,61 @@
                     <a:p>
                       <a:pPr algn="l"/>
                       <a:r>
-                        <a:rPr lang="en-US" altLang="zh-CN" sz="1400" i="1" dirty="0" smtClean="0">
-                          <a:solidFill>
-                            <a:schemeClr val="tx1"/>
+                        <a:rPr lang="en-US" altLang="zh-CN" sz="1800" i="1" dirty="0" smtClean="0">
+                          <a:solidFill>
+                            <a:schemeClr val="tx2">
+                              <a:lumMod val="75000"/>
+                            </a:schemeClr>
                           </a:solidFill>
                         </a:rPr>
                         <a:t>(MATCH R</a:t>
                       </a:r>
                       <a:r>
-                        <a:rPr lang="en-US" altLang="zh-CN" sz="1400" i="1" baseline="-25000" dirty="0" smtClean="0">
-                          <a:solidFill>
-                            <a:schemeClr val="tx1"/>
+                        <a:rPr lang="en-US" altLang="zh-CN" sz="1800" i="1" baseline="-25000" dirty="0" smtClean="0">
+                          <a:solidFill>
+                            <a:schemeClr val="tx2">
+                              <a:lumMod val="75000"/>
+                            </a:schemeClr>
                           </a:solidFill>
                         </a:rPr>
                         <a:t>0,5</a:t>
                       </a:r>
                       <a:r>
-                        <a:rPr lang="en-US" altLang="zh-CN" sz="1400" i="1" dirty="0" smtClean="0">
-                          <a:solidFill>
-                            <a:schemeClr val="tx1"/>
-                          </a:solidFill>
-                        </a:rPr>
-                        <a:t>,S</a:t>
-                      </a:r>
-                      <a:r>
-                        <a:rPr lang="en-US" altLang="zh-CN" sz="1400" i="1" baseline="-25000" dirty="0" smtClean="0">
-                          <a:solidFill>
-                            <a:schemeClr val="tx1"/>
-                          </a:solidFill>
-                        </a:rPr>
-                        <a:t>2,4</a:t>
-                      </a:r>
-                      <a:r>
-                        <a:rPr lang="en-US" altLang="zh-CN" sz="1400" i="1" dirty="0" smtClean="0">
-                          <a:solidFill>
-                            <a:schemeClr val="tx1"/>
+                        <a:rPr lang="en-US" altLang="zh-CN" sz="1800" i="1" baseline="0" dirty="0" smtClean="0">
+                          <a:solidFill>
+                            <a:schemeClr val="tx2">
+                              <a:lumMod val="75000"/>
+                            </a:schemeClr>
+                          </a:solidFill>
+                        </a:rPr>
+                        <a:t>  </a:t>
+                      </a:r>
+                      <a:r>
+                        <a:rPr lang="en-US" altLang="zh-CN" sz="1800" i="1" dirty="0" smtClean="0">
+                          <a:solidFill>
+                            <a:schemeClr val="tx2">
+                              <a:lumMod val="75000"/>
+                            </a:schemeClr>
+                          </a:solidFill>
+                        </a:rPr>
+                        <a:t>S</a:t>
+                      </a:r>
+                      <a:r>
+                        <a:rPr lang="en-US" altLang="zh-CN" sz="1800" i="1" baseline="-25000" dirty="0" smtClean="0">
+                          <a:solidFill>
+                            <a:schemeClr val="tx2">
+                              <a:lumMod val="75000"/>
+                            </a:schemeClr>
+                          </a:solidFill>
+                        </a:rPr>
+                        <a:t>2,4 </a:t>
+                      </a:r>
+                      <a:r>
+                        <a:rPr lang="en-US" altLang="zh-CN" sz="1800" i="1" dirty="0" smtClean="0">
+                          <a:solidFill>
+                            <a:schemeClr val="tx2">
+                              <a:lumMod val="75000"/>
+                            </a:schemeClr>
                           </a:solidFill>
                         </a:rPr>
                         <a:t>)</a:t>
@@ -22318,7 +22022,7 @@
                     <a:p>
                       <a:pPr algn="l"/>
                       <a:r>
-                        <a:rPr lang="en-US" altLang="zh-CN" sz="1400" i="1" dirty="0" smtClean="0">
+                        <a:rPr lang="en-US" altLang="zh-CN" sz="1800" i="1" dirty="0" smtClean="0">
                           <a:solidFill>
                             <a:schemeClr val="tx1"/>
                           </a:solidFill>
@@ -22326,7 +22030,7 @@
                         <a:t>(MATCH R</a:t>
                       </a:r>
                       <a:r>
-                        <a:rPr lang="en-US" altLang="zh-CN" sz="1400" i="1" baseline="-25000" dirty="0" smtClean="0">
+                        <a:rPr lang="en-US" altLang="zh-CN" sz="1800" i="1" baseline="-25000" dirty="0" smtClean="0">
                           <a:solidFill>
                             <a:schemeClr val="tx1"/>
                           </a:solidFill>
@@ -22334,29 +22038,42 @@
                         <a:t>1,3</a:t>
                       </a:r>
                       <a:r>
-                        <a:rPr lang="en-US" altLang="zh-CN" sz="1400" i="1" dirty="0" smtClean="0">
-                          <a:solidFill>
-                            <a:schemeClr val="tx1"/>
-                          </a:solidFill>
-                        </a:rPr>
-                        <a:t>,S</a:t>
-                      </a:r>
-                      <a:r>
-                        <a:rPr lang="en-US" altLang="zh-CN" sz="1400" i="1" baseline="-25000" dirty="0" smtClean="0">
-                          <a:solidFill>
-                            <a:schemeClr val="tx1"/>
-                          </a:solidFill>
-                        </a:rPr>
-                        <a:t>2,7</a:t>
-                      </a:r>
-                      <a:r>
-                        <a:rPr lang="en-US" altLang="zh-CN" sz="1400" i="1" dirty="0" smtClean="0">
+                        <a:rPr lang="en-US" altLang="zh-CN" sz="1800" i="1" baseline="0" dirty="0" smtClean="0">
+                          <a:solidFill>
+                            <a:schemeClr val="tx1"/>
+                          </a:solidFill>
+                        </a:rPr>
+                        <a:t>  </a:t>
+                      </a:r>
+                      <a:r>
+                        <a:rPr lang="en-US" altLang="zh-CN" sz="1800" i="1" dirty="0" smtClean="0">
+                          <a:solidFill>
+                            <a:schemeClr val="tx1"/>
+                          </a:solidFill>
+                        </a:rPr>
+                        <a:t>S</a:t>
+                      </a:r>
+                      <a:r>
+                        <a:rPr lang="en-US" altLang="zh-CN" sz="1800" i="1" baseline="-25000" dirty="0" smtClean="0">
+                          <a:solidFill>
+                            <a:schemeClr val="tx1"/>
+                          </a:solidFill>
+                        </a:rPr>
+                        <a:t>2,7 </a:t>
+                      </a:r>
+                      <a:r>
+                        <a:rPr lang="en-US" altLang="zh-CN" sz="1800" i="1" dirty="0" smtClean="0">
                           <a:solidFill>
                             <a:schemeClr val="tx1"/>
                           </a:solidFill>
                         </a:rPr>
                         <a:t>)</a:t>
                       </a:r>
+                      <a:endParaRPr lang="en-US" altLang="zh-CN" sz="1800" i="1" dirty="0" smtClean="0">
+                        <a:solidFill>
+                          <a:schemeClr val="tx1"/>
+                        </a:solidFill>
+                      </a:endParaRPr>
                     </a:p>
                   </a:txBody>
                   <a:tcPr>
@@ -22810,14 +22527,14 @@
   <p:timing>
     <p:tnLst>
       <p:par>
-        <p:cTn xmlns:p14="http://schemas.microsoft.com/office/powerpoint/2010/main" id="1" dur="indefinite" restart="never" nodeType="tmRoot"/>
+        <p:cTn id="1" dur="indefinite" restart="never" nodeType="tmRoot"/>
       </p:par>
     </p:tnLst>
   </p:timing>
 </p:sld>
 </file>
 
-<file path=ppt/slides/slide24.xml><?xml version="1.0" encoding="utf-8"?>
+<file path=ppt/slides/slide23.xml><?xml version="1.0" encoding="utf-8"?>
 <p:sld xmlns:a="http://schemas.openxmlformats.org/drawingml/2006/main" xmlns:r="http://schemas.openxmlformats.org/officeDocument/2006/relationships" xmlns:p="http://schemas.openxmlformats.org/presentationml/2006/main">
   <p:cSld>
     <p:spTree>
@@ -22867,7 +22584,7 @@
             <p:ph idx="1"/>
             <p:extLst>
               <p:ext uri="{D42A27DB-BD31-4B8C-83A1-F6EECF244321}">
-                <p14:modId xmlns:p14="http://schemas.microsoft.com/office/powerpoint/2010/main" val="4250197484"/>
+                <p14:modId xmlns:p14="http://schemas.microsoft.com/office/powerpoint/2010/main" val="1236721376"/>
               </p:ext>
             </p:extLst>
           </p:nvPr>
@@ -22934,7 +22651,7 @@
                     <a:p>
                       <a:pPr algn="l"/>
                       <a:r>
-                        <a:rPr lang="en-US" sz="1400" i="1" dirty="0" smtClean="0">
+                        <a:rPr lang="en-US" sz="1800" i="1" dirty="0" smtClean="0">
                           <a:solidFill>
                             <a:schemeClr val="tx1"/>
                           </a:solidFill>
@@ -22942,7 +22659,7 @@
                         <a:t>(or</a:t>
                       </a:r>
                       <a:r>
-                        <a:rPr lang="en-US" sz="1400" i="1" baseline="0" dirty="0" smtClean="0">
+                        <a:rPr lang="en-US" sz="1800" i="1" baseline="0" dirty="0" smtClean="0">
                           <a:solidFill>
                             <a:schemeClr val="tx1"/>
                           </a:solidFill>
@@ -22950,7 +22667,7 @@
                         <a:t> </a:t>
                       </a:r>
                       <a:r>
-                        <a:rPr lang="en-US" sz="1400" i="1" dirty="0" smtClean="0">
+                        <a:rPr lang="en-US" sz="1800" i="1" dirty="0" smtClean="0">
                           <a:solidFill>
                             <a:schemeClr val="tx1"/>
                           </a:solidFill>
@@ -22958,7 +22675,7 @@
                         <a:t>(</a:t>
                       </a:r>
                       <a:r>
-                        <a:rPr lang="en-US" sz="1400" i="1" baseline="0" dirty="0" smtClean="0">
+                        <a:rPr lang="en-US" sz="1800" i="1" baseline="0" dirty="0" smtClean="0">
                           <a:solidFill>
                             <a:schemeClr val="tx1"/>
                           </a:solidFill>
@@ -22966,7 +22683,7 @@
                         <a:t>MATCH </a:t>
                       </a:r>
                       <a:r>
-                        <a:rPr lang="en-US" sz="1400" i="1" dirty="0" smtClean="0">
+                        <a:rPr lang="en-US" sz="1800" i="1" dirty="0" smtClean="0">
                           <a:solidFill>
                             <a:schemeClr val="tx1"/>
                           </a:solidFill>
@@ -22974,7 +22691,7 @@
                         <a:t>R</a:t>
                       </a:r>
                       <a:r>
-                        <a:rPr lang="en-US" sz="1400" i="1" baseline="-25000" dirty="0" smtClean="0">
+                        <a:rPr lang="en-US" sz="1800" i="1" baseline="-25000" dirty="0" smtClean="0">
                           <a:solidFill>
                             <a:schemeClr val="tx1"/>
                           </a:solidFill>
@@ -22982,7 +22699,7 @@
                         <a:t>0,2</a:t>
                       </a:r>
                       <a:r>
-                        <a:rPr lang="en-US" sz="1400" i="1" dirty="0" smtClean="0">
+                        <a:rPr lang="en-US" sz="1800" i="1" dirty="0" smtClean="0">
                           <a:solidFill>
                             <a:schemeClr val="tx1"/>
                           </a:solidFill>
@@ -22990,7 +22707,7 @@
                         <a:t>,S</a:t>
                       </a:r>
                       <a:r>
-                        <a:rPr lang="en-US" sz="1400" i="1" baseline="-25000" dirty="0" smtClean="0">
+                        <a:rPr lang="en-US" sz="1800" i="1" baseline="-25000" dirty="0" smtClean="0">
                           <a:solidFill>
                             <a:schemeClr val="tx1"/>
                           </a:solidFill>
@@ -22998,7 +22715,7 @@
                         <a:t>2,4</a:t>
                       </a:r>
                       <a:r>
-                        <a:rPr lang="en-US" sz="1400" i="1" dirty="0" smtClean="0">
+                        <a:rPr lang="en-US" sz="1800" i="1" dirty="0" smtClean="0">
                           <a:solidFill>
                             <a:schemeClr val="tx1"/>
                           </a:solidFill>
@@ -23025,7 +22742,7 @@
                         <a:defRPr/>
                       </a:pPr>
                       <a:r>
-                        <a:rPr lang="en-US" sz="1400" i="1" dirty="0" smtClean="0">
+                        <a:rPr lang="en-US" sz="1800" i="1" dirty="0" smtClean="0">
                           <a:solidFill>
                             <a:schemeClr val="tx1"/>
                           </a:solidFill>
@@ -23033,7 +22750,7 @@
                         <a:t>(</a:t>
                       </a:r>
                       <a:r>
-                        <a:rPr lang="en-US" sz="1400" i="1" baseline="0" dirty="0" smtClean="0">
+                        <a:rPr lang="en-US" sz="1800" i="1" baseline="0" dirty="0" smtClean="0">
                           <a:solidFill>
                             <a:schemeClr val="tx1"/>
                           </a:solidFill>
@@ -23041,7 +22758,7 @@
                         <a:t>MATCH </a:t>
                       </a:r>
                       <a:r>
-                        <a:rPr lang="en-US" sz="1400" i="1" dirty="0" smtClean="0">
+                        <a:rPr lang="en-US" sz="1800" i="1" dirty="0" smtClean="0">
                           <a:solidFill>
                             <a:schemeClr val="tx1"/>
                           </a:solidFill>
@@ -23049,7 +22766,7 @@
                         <a:t>R</a:t>
                       </a:r>
                       <a:r>
-                        <a:rPr lang="en-US" sz="1400" i="1" baseline="-25000" dirty="0" smtClean="0">
+                        <a:rPr lang="en-US" sz="1800" i="1" baseline="-25000" dirty="0" smtClean="0">
                           <a:solidFill>
                             <a:schemeClr val="tx1"/>
                           </a:solidFill>
@@ -23057,7 +22774,7 @@
                         <a:t>0,2</a:t>
                       </a:r>
                       <a:r>
-                        <a:rPr lang="en-US" sz="1400" i="1" dirty="0" smtClean="0">
+                        <a:rPr lang="en-US" sz="1800" i="1" dirty="0" smtClean="0">
                           <a:solidFill>
                             <a:schemeClr val="tx1"/>
                           </a:solidFill>
@@ -23065,7 +22782,7 @@
                         <a:t>,S</a:t>
                       </a:r>
                       <a:r>
-                        <a:rPr lang="en-US" sz="1400" i="1" baseline="-25000" dirty="0" smtClean="0">
+                        <a:rPr lang="en-US" sz="1800" i="1" baseline="-25000" dirty="0" smtClean="0">
                           <a:solidFill>
                             <a:schemeClr val="tx1"/>
                           </a:solidFill>
@@ -23073,7 +22790,7 @@
                         <a:t>1,5</a:t>
                       </a:r>
                       <a:r>
-                        <a:rPr lang="en-US" sz="1400" i="1" dirty="0" smtClean="0">
+                        <a:rPr lang="en-US" sz="1800" i="1" dirty="0" smtClean="0">
                           <a:solidFill>
                             <a:schemeClr val="tx1"/>
                           </a:solidFill>
@@ -23100,7 +22817,7 @@
                         <a:defRPr/>
                       </a:pPr>
                       <a:r>
-                        <a:rPr lang="en-US" sz="1400" i="1" dirty="0" smtClean="0">
+                        <a:rPr lang="en-US" sz="1800" i="1" dirty="0" smtClean="0">
                           <a:solidFill>
                             <a:schemeClr val="tx1"/>
                           </a:solidFill>
@@ -23108,7 +22825,7 @@
                         <a:t>(or </a:t>
                       </a:r>
                       <a:r>
-                        <a:rPr lang="en-US" altLang="zh-CN" sz="1400" i="1" dirty="0" smtClean="0">
+                        <a:rPr lang="en-US" altLang="zh-CN" sz="1800" i="1" dirty="0" smtClean="0">
                           <a:solidFill>
                             <a:schemeClr val="tx1"/>
                           </a:solidFill>
@@ -23116,7 +22833,7 @@
                         <a:t>(MATCH R</a:t>
                       </a:r>
                       <a:r>
-                        <a:rPr lang="en-US" altLang="zh-CN" sz="1400" i="1" baseline="-25000" dirty="0" smtClean="0">
+                        <a:rPr lang="en-US" altLang="zh-CN" sz="1800" i="1" baseline="-25000" dirty="0" smtClean="0">
                           <a:solidFill>
                             <a:schemeClr val="tx1"/>
                           </a:solidFill>
@@ -23124,7 +22841,7 @@
                         <a:t>0,5</a:t>
                       </a:r>
                       <a:r>
-                        <a:rPr lang="en-US" altLang="zh-CN" sz="1400" i="1" dirty="0" smtClean="0">
+                        <a:rPr lang="en-US" altLang="zh-CN" sz="1800" i="1" dirty="0" smtClean="0">
                           <a:solidFill>
                             <a:schemeClr val="tx1"/>
                           </a:solidFill>
@@ -23132,7 +22849,7 @@
                         <a:t>,S</a:t>
                       </a:r>
                       <a:r>
-                        <a:rPr lang="en-US" altLang="zh-CN" sz="1400" i="1" baseline="-25000" dirty="0" smtClean="0">
+                        <a:rPr lang="en-US" altLang="zh-CN" sz="1800" i="1" baseline="-25000" dirty="0" smtClean="0">
                           <a:solidFill>
                             <a:schemeClr val="tx1"/>
                           </a:solidFill>
@@ -23140,14 +22857,14 @@
                         <a:t>2,4</a:t>
                       </a:r>
                       <a:r>
-                        <a:rPr lang="en-US" altLang="zh-CN" sz="1400" i="1" dirty="0" smtClean="0">
+                        <a:rPr lang="en-US" altLang="zh-CN" sz="1800" i="1" dirty="0" smtClean="0">
                           <a:solidFill>
                             <a:schemeClr val="tx1"/>
                           </a:solidFill>
                         </a:rPr>
                         <a:t>)</a:t>
                       </a:r>
-                      <a:endParaRPr lang="en-US" sz="1400" i="1" dirty="0" smtClean="0">
+                      <a:endParaRPr lang="en-US" sz="1800" i="1" dirty="0" smtClean="0">
                         <a:solidFill>
                           <a:schemeClr val="tx1"/>
                         </a:solidFill>
@@ -23156,7 +22873,7 @@
                     <a:p>
                       <a:pPr algn="l"/>
                       <a:r>
-                        <a:rPr lang="en-US" altLang="zh-CN" sz="1400" i="1" dirty="0" smtClean="0">
+                        <a:rPr lang="en-US" altLang="zh-CN" sz="1800" i="1" dirty="0" smtClean="0">
                           <a:solidFill>
                             <a:schemeClr val="tx1"/>
                           </a:solidFill>
@@ -23164,7 +22881,7 @@
                         <a:t>(MATCH R</a:t>
                       </a:r>
                       <a:r>
-                        <a:rPr lang="en-US" altLang="zh-CN" sz="1400" i="1" baseline="-25000" dirty="0" smtClean="0">
+                        <a:rPr lang="en-US" altLang="zh-CN" sz="1800" i="1" baseline="-25000" dirty="0" smtClean="0">
                           <a:solidFill>
                             <a:schemeClr val="tx1"/>
                           </a:solidFill>
@@ -23172,7 +22889,7 @@
                         <a:t>0,5</a:t>
                       </a:r>
                       <a:r>
-                        <a:rPr lang="en-US" altLang="zh-CN" sz="1400" i="1" dirty="0" smtClean="0">
+                        <a:rPr lang="en-US" altLang="zh-CN" sz="1800" i="1" dirty="0" smtClean="0">
                           <a:solidFill>
                             <a:schemeClr val="tx1"/>
                           </a:solidFill>
@@ -23180,7 +22897,7 @@
                         <a:t>,S</a:t>
                       </a:r>
                       <a:r>
-                        <a:rPr lang="en-US" altLang="zh-CN" sz="1400" i="1" baseline="-25000" dirty="0" smtClean="0">
+                        <a:rPr lang="en-US" altLang="zh-CN" sz="1800" i="1" baseline="-25000" dirty="0" smtClean="0">
                           <a:solidFill>
                             <a:schemeClr val="tx1"/>
                           </a:solidFill>
@@ -23188,7 +22905,7 @@
                         <a:t>1,5</a:t>
                       </a:r>
                       <a:r>
-                        <a:rPr lang="en-US" altLang="zh-CN" sz="1400" i="1" dirty="0" smtClean="0">
+                        <a:rPr lang="en-US" altLang="zh-CN" sz="1800" i="1" dirty="0" smtClean="0">
                           <a:solidFill>
                             <a:schemeClr val="tx1"/>
                           </a:solidFill>
@@ -23199,7 +22916,7 @@
                     <a:p>
                       <a:pPr algn="l"/>
                       <a:r>
-                        <a:rPr lang="en-US" altLang="zh-CN" sz="1400" i="1" dirty="0" smtClean="0">
+                        <a:rPr lang="en-US" altLang="zh-CN" sz="1800" i="1" dirty="0" smtClean="0">
                           <a:solidFill>
                             <a:schemeClr val="tx1"/>
                           </a:solidFill>
@@ -23207,7 +22924,7 @@
                         <a:t>(MATCH R</a:t>
                       </a:r>
                       <a:r>
-                        <a:rPr lang="en-US" altLang="zh-CN" sz="1400" i="1" baseline="-25000" dirty="0" smtClean="0">
+                        <a:rPr lang="en-US" altLang="zh-CN" sz="1800" i="1" baseline="-25000" dirty="0" smtClean="0">
                           <a:solidFill>
                             <a:schemeClr val="tx1"/>
                           </a:solidFill>
@@ -23215,7 +22932,7 @@
                         <a:t>1,3</a:t>
                       </a:r>
                       <a:r>
-                        <a:rPr lang="en-US" altLang="zh-CN" sz="1400" i="1" dirty="0" smtClean="0">
+                        <a:rPr lang="en-US" altLang="zh-CN" sz="1800" i="1" dirty="0" smtClean="0">
                           <a:solidFill>
                             <a:schemeClr val="tx1"/>
                           </a:solidFill>
@@ -23223,7 +22940,7 @@
                         <a:t>,S</a:t>
                       </a:r>
                       <a:r>
-                        <a:rPr lang="en-US" altLang="zh-CN" sz="1400" i="1" baseline="-25000" dirty="0" smtClean="0">
+                        <a:rPr lang="en-US" altLang="zh-CN" sz="1800" i="1" baseline="-25000" dirty="0" smtClean="0">
                           <a:solidFill>
                             <a:schemeClr val="tx1"/>
                           </a:solidFill>
@@ -23231,7 +22948,7 @@
                         <a:t>2,7</a:t>
                       </a:r>
                       <a:r>
-                        <a:rPr lang="en-US" altLang="zh-CN" sz="1400" i="1" dirty="0" smtClean="0">
+                        <a:rPr lang="en-US" altLang="zh-CN" sz="1800" i="1" dirty="0" smtClean="0">
                           <a:solidFill>
                             <a:schemeClr val="tx1"/>
                           </a:solidFill>
@@ -23242,7 +22959,7 @@
                     <a:p>
                       <a:pPr algn="l"/>
                       <a:r>
-                        <a:rPr lang="en-US" altLang="zh-CN" sz="1400" i="1" dirty="0" smtClean="0">
+                        <a:rPr lang="en-US" altLang="zh-CN" sz="1800" i="1" dirty="0" smtClean="0">
                           <a:solidFill>
                             <a:schemeClr val="tx1"/>
                           </a:solidFill>
@@ -23250,7 +22967,7 @@
                         <a:t>(NE R</a:t>
                       </a:r>
                       <a:r>
-                        <a:rPr lang="en-US" altLang="zh-CN" sz="1400" i="1" baseline="-25000" dirty="0" smtClean="0">
+                        <a:rPr lang="en-US" altLang="zh-CN" sz="1800" i="1" baseline="-25000" dirty="0" smtClean="0">
                           <a:solidFill>
                             <a:schemeClr val="tx1"/>
                           </a:solidFill>
@@ -23258,7 +22975,7 @@
                         <a:t>0,2</a:t>
                       </a:r>
                       <a:r>
-                        <a:rPr lang="en-US" altLang="zh-CN" sz="1400" i="1" dirty="0" smtClean="0">
+                        <a:rPr lang="en-US" altLang="zh-CN" sz="1800" i="1" dirty="0" smtClean="0">
                           <a:solidFill>
                             <a:schemeClr val="tx1"/>
                           </a:solidFill>
@@ -23266,7 +22983,7 @@
                         <a:t> R</a:t>
                       </a:r>
                       <a:r>
-                        <a:rPr lang="en-US" altLang="zh-CN" sz="1400" i="1" baseline="-25000" dirty="0" smtClean="0">
+                        <a:rPr lang="en-US" altLang="zh-CN" sz="1800" i="1" baseline="-25000" dirty="0" smtClean="0">
                           <a:solidFill>
                             <a:schemeClr val="tx1"/>
                           </a:solidFill>
@@ -23274,13 +22991,18 @@
                         <a:t>0,5</a:t>
                       </a:r>
                       <a:r>
-                        <a:rPr lang="en-US" altLang="zh-CN" sz="1400" i="1" dirty="0" smtClean="0">
+                        <a:rPr lang="en-US" altLang="zh-CN" sz="1800" i="1" dirty="0" smtClean="0">
                           <a:solidFill>
                             <a:schemeClr val="tx1"/>
                           </a:solidFill>
                         </a:rPr>
                         <a:t>)</a:t>
                       </a:r>
+                      <a:endParaRPr lang="en-US" altLang="zh-CN" sz="1800" i="1" dirty="0" smtClean="0">
+                        <a:solidFill>
+                          <a:schemeClr val="tx1"/>
+                        </a:solidFill>
+                      </a:endParaRPr>
                     </a:p>
                   </a:txBody>
                   <a:tcPr>
@@ -23364,57 +23086,89 @@
                     <a:p>
                       <a:pPr algn="l"/>
                       <a:r>
-                        <a:rPr lang="en-US" sz="1400" i="1" dirty="0" smtClean="0">
-                          <a:solidFill>
-                            <a:schemeClr val="tx1"/>
+                        <a:rPr lang="en-US" sz="1800" i="1" dirty="0" smtClean="0">
+                          <a:solidFill>
+                            <a:schemeClr val="accent2">
+                              <a:lumMod val="40000"/>
+                              <a:lumOff val="60000"/>
+                            </a:schemeClr>
                           </a:solidFill>
                         </a:rPr>
                         <a:t>(</a:t>
                       </a:r>
                       <a:r>
-                        <a:rPr lang="en-US" sz="1400" i="1" baseline="0" dirty="0" smtClean="0">
-                          <a:solidFill>
-                            <a:schemeClr val="tx1"/>
+                        <a:rPr lang="en-US" sz="1800" i="1" baseline="0" dirty="0" smtClean="0">
+                          <a:solidFill>
+                            <a:schemeClr val="accent2">
+                              <a:lumMod val="40000"/>
+                              <a:lumOff val="60000"/>
+                            </a:schemeClr>
                           </a:solidFill>
                         </a:rPr>
                         <a:t>MATCH </a:t>
                       </a:r>
                       <a:r>
-                        <a:rPr lang="en-US" sz="1400" i="1" dirty="0" smtClean="0">
-                          <a:solidFill>
-                            <a:schemeClr val="tx1"/>
+                        <a:rPr lang="en-US" sz="1800" i="1" dirty="0" smtClean="0">
+                          <a:solidFill>
+                            <a:schemeClr val="accent2">
+                              <a:lumMod val="40000"/>
+                              <a:lumOff val="60000"/>
+                            </a:schemeClr>
                           </a:solidFill>
                         </a:rPr>
                         <a:t>R</a:t>
                       </a:r>
                       <a:r>
-                        <a:rPr lang="en-US" sz="1400" i="1" baseline="-25000" dirty="0" smtClean="0">
-                          <a:solidFill>
-                            <a:schemeClr val="tx1"/>
+                        <a:rPr lang="en-US" sz="1800" i="1" baseline="-25000" dirty="0" smtClean="0">
+                          <a:solidFill>
+                            <a:schemeClr val="accent2">
+                              <a:lumMod val="40000"/>
+                              <a:lumOff val="60000"/>
+                            </a:schemeClr>
                           </a:solidFill>
                         </a:rPr>
                         <a:t>0,2</a:t>
                       </a:r>
                       <a:r>
-                        <a:rPr lang="en-US" sz="1400" i="1" dirty="0" smtClean="0">
-                          <a:solidFill>
-                            <a:schemeClr val="tx1"/>
-                          </a:solidFill>
-                        </a:rPr>
-                        <a:t>,S</a:t>
-                      </a:r>
-                      <a:r>
-                        <a:rPr lang="en-US" sz="1400" i="1" baseline="-25000" dirty="0" smtClean="0">
-                          <a:solidFill>
-                            <a:schemeClr val="tx1"/>
-                          </a:solidFill>
-                        </a:rPr>
-                        <a:t>2,4</a:t>
-                      </a:r>
-                      <a:r>
-                        <a:rPr lang="en-US" sz="1400" i="1" dirty="0" smtClean="0">
-                          <a:solidFill>
-                            <a:schemeClr val="tx1"/>
+                        <a:rPr lang="en-US" sz="1800" i="1" baseline="0" dirty="0" smtClean="0">
+                          <a:solidFill>
+                            <a:schemeClr val="accent2">
+                              <a:lumMod val="40000"/>
+                              <a:lumOff val="60000"/>
+                            </a:schemeClr>
+                          </a:solidFill>
+                        </a:rPr>
+                        <a:t>  </a:t>
+                      </a:r>
+                      <a:r>
+                        <a:rPr lang="en-US" sz="1800" i="1" dirty="0" smtClean="0">
+                          <a:solidFill>
+                            <a:schemeClr val="accent2">
+                              <a:lumMod val="40000"/>
+                              <a:lumOff val="60000"/>
+                            </a:schemeClr>
+                          </a:solidFill>
+                        </a:rPr>
+                        <a:t>S</a:t>
+                      </a:r>
+                      <a:r>
+                        <a:rPr lang="en-US" sz="1800" i="1" baseline="-25000" dirty="0" smtClean="0">
+                          <a:solidFill>
+                            <a:schemeClr val="accent2">
+                              <a:lumMod val="40000"/>
+                              <a:lumOff val="60000"/>
+                            </a:schemeClr>
+                          </a:solidFill>
+                        </a:rPr>
+                        <a:t>2,4 </a:t>
+                      </a:r>
+                      <a:r>
+                        <a:rPr lang="en-US" sz="1800" i="1" dirty="0" smtClean="0">
+                          <a:solidFill>
+                            <a:schemeClr val="accent2">
+                              <a:lumMod val="40000"/>
+                              <a:lumOff val="60000"/>
+                            </a:schemeClr>
                           </a:solidFill>
                         </a:rPr>
                         <a:t>)</a:t>
@@ -23423,41 +23177,61 @@
                     <a:p>
                       <a:pPr algn="l"/>
                       <a:r>
-                        <a:rPr lang="en-US" altLang="zh-CN" sz="1400" i="1" dirty="0" smtClean="0">
-                          <a:solidFill>
-                            <a:schemeClr val="tx1"/>
+                        <a:rPr lang="en-US" altLang="zh-CN" sz="1800" i="1" dirty="0" smtClean="0">
+                          <a:solidFill>
+                            <a:schemeClr val="tx2">
+                              <a:lumMod val="75000"/>
+                            </a:schemeClr>
                           </a:solidFill>
                         </a:rPr>
                         <a:t>(MATCH R</a:t>
                       </a:r>
                       <a:r>
-                        <a:rPr lang="en-US" altLang="zh-CN" sz="1400" i="1" baseline="-25000" dirty="0" smtClean="0">
-                          <a:solidFill>
-                            <a:schemeClr val="tx1"/>
+                        <a:rPr lang="en-US" altLang="zh-CN" sz="1800" i="1" baseline="-25000" dirty="0" smtClean="0">
+                          <a:solidFill>
+                            <a:schemeClr val="tx2">
+                              <a:lumMod val="75000"/>
+                            </a:schemeClr>
                           </a:solidFill>
                         </a:rPr>
                         <a:t>0,5</a:t>
                       </a:r>
                       <a:r>
-                        <a:rPr lang="en-US" altLang="zh-CN" sz="1400" i="1" dirty="0" smtClean="0">
-                          <a:solidFill>
-                            <a:schemeClr val="tx1"/>
-                          </a:solidFill>
-                        </a:rPr>
-                        <a:t>,S</a:t>
-                      </a:r>
-                      <a:r>
-                        <a:rPr lang="en-US" altLang="zh-CN" sz="1400" i="1" baseline="-25000" dirty="0" smtClean="0">
-                          <a:solidFill>
-                            <a:schemeClr val="tx1"/>
-                          </a:solidFill>
-                        </a:rPr>
-                        <a:t>1,5</a:t>
-                      </a:r>
-                      <a:r>
-                        <a:rPr lang="en-US" altLang="zh-CN" sz="1400" i="1" dirty="0" smtClean="0">
-                          <a:solidFill>
-                            <a:schemeClr val="tx1"/>
+                        <a:rPr lang="en-US" altLang="zh-CN" sz="1800" i="1" baseline="0" dirty="0" smtClean="0">
+                          <a:solidFill>
+                            <a:schemeClr val="tx2">
+                              <a:lumMod val="75000"/>
+                            </a:schemeClr>
+                          </a:solidFill>
+                        </a:rPr>
+                        <a:t>  </a:t>
+                      </a:r>
+                      <a:r>
+                        <a:rPr lang="en-US" altLang="zh-CN" sz="1800" i="1" dirty="0" smtClean="0">
+                          <a:solidFill>
+                            <a:schemeClr val="tx2">
+                              <a:lumMod val="75000"/>
+                            </a:schemeClr>
+                          </a:solidFill>
+                        </a:rPr>
+                        <a:t>S</a:t>
+                      </a:r>
+                      <a:r>
+                        <a:rPr lang="en-US" altLang="zh-CN" sz="1800" i="1" baseline="-25000" dirty="0" smtClean="0">
+                          <a:solidFill>
+                            <a:schemeClr val="tx2">
+                              <a:lumMod val="75000"/>
+                            </a:schemeClr>
+                          </a:solidFill>
+                        </a:rPr>
+                        <a:t>1,5 </a:t>
+                      </a:r>
+                      <a:r>
+                        <a:rPr lang="en-US" altLang="zh-CN" sz="1800" i="1" dirty="0" smtClean="0">
+                          <a:solidFill>
+                            <a:schemeClr val="tx2">
+                              <a:lumMod val="75000"/>
+                            </a:schemeClr>
                           </a:solidFill>
                         </a:rPr>
                         <a:t>)</a:t>
@@ -23466,7 +23240,7 @@
                     <a:p>
                       <a:pPr algn="l"/>
                       <a:r>
-                        <a:rPr lang="en-US" altLang="zh-CN" sz="1400" i="1" dirty="0" smtClean="0">
+                        <a:rPr lang="en-US" altLang="zh-CN" sz="1800" i="1" dirty="0" smtClean="0">
                           <a:solidFill>
                             <a:schemeClr val="tx1"/>
                           </a:solidFill>
@@ -23474,7 +23248,7 @@
                         <a:t>(MATCH R</a:t>
                       </a:r>
                       <a:r>
-                        <a:rPr lang="en-US" altLang="zh-CN" sz="1400" i="1" baseline="-25000" dirty="0" smtClean="0">
+                        <a:rPr lang="en-US" altLang="zh-CN" sz="1800" i="1" baseline="-25000" dirty="0" smtClean="0">
                           <a:solidFill>
                             <a:schemeClr val="tx1"/>
                           </a:solidFill>
@@ -23482,23 +23256,31 @@
                         <a:t>1,3</a:t>
                       </a:r>
                       <a:r>
-                        <a:rPr lang="en-US" altLang="zh-CN" sz="1400" i="1" dirty="0" smtClean="0">
-                          <a:solidFill>
-                            <a:schemeClr val="tx1"/>
-                          </a:solidFill>
-                        </a:rPr>
-                        <a:t>,S</a:t>
-                      </a:r>
-                      <a:r>
-                        <a:rPr lang="en-US" altLang="zh-CN" sz="1400" i="1" baseline="-25000" dirty="0" smtClean="0">
-                          <a:solidFill>
-                            <a:schemeClr val="tx1"/>
-                          </a:solidFill>
-                        </a:rPr>
-                        <a:t>2,7</a:t>
-                      </a:r>
-                      <a:r>
-                        <a:rPr lang="en-US" altLang="zh-CN" sz="1400" i="1" dirty="0" smtClean="0">
+                        <a:rPr lang="en-US" altLang="zh-CN" sz="1800" i="1" baseline="0" dirty="0" smtClean="0">
+                          <a:solidFill>
+                            <a:schemeClr val="tx1"/>
+                          </a:solidFill>
+                        </a:rPr>
+                        <a:t>  </a:t>
+                      </a:r>
+                      <a:r>
+                        <a:rPr lang="en-US" altLang="zh-CN" sz="1800" i="1" dirty="0" smtClean="0">
+                          <a:solidFill>
+                            <a:schemeClr val="tx1"/>
+                          </a:solidFill>
+                        </a:rPr>
+                        <a:t>S</a:t>
+                      </a:r>
+                      <a:r>
+                        <a:rPr lang="en-US" altLang="zh-CN" sz="1800" i="1" baseline="-25000" dirty="0" smtClean="0">
+                          <a:solidFill>
+                            <a:schemeClr val="tx1"/>
+                          </a:solidFill>
+                        </a:rPr>
+                        <a:t>2,7 </a:t>
+                      </a:r>
+                      <a:r>
+                        <a:rPr lang="en-US" altLang="zh-CN" sz="1800" i="1" dirty="0" smtClean="0">
                           <a:solidFill>
                             <a:schemeClr val="tx1"/>
                           </a:solidFill>
@@ -23592,57 +23374,89 @@
                     <a:p>
                       <a:pPr algn="l"/>
                       <a:r>
-                        <a:rPr lang="en-US" sz="1400" i="1" dirty="0" smtClean="0">
-                          <a:solidFill>
-                            <a:schemeClr val="tx1"/>
+                        <a:rPr lang="en-US" sz="1800" i="1" dirty="0" smtClean="0">
+                          <a:solidFill>
+                            <a:schemeClr val="accent2">
+                              <a:lumMod val="40000"/>
+                              <a:lumOff val="60000"/>
+                            </a:schemeClr>
                           </a:solidFill>
                         </a:rPr>
                         <a:t>(</a:t>
                       </a:r>
                       <a:r>
-                        <a:rPr lang="en-US" sz="1400" i="1" baseline="0" dirty="0" smtClean="0">
-                          <a:solidFill>
-                            <a:schemeClr val="tx1"/>
+                        <a:rPr lang="en-US" sz="1800" i="1" baseline="0" dirty="0" smtClean="0">
+                          <a:solidFill>
+                            <a:schemeClr val="accent2">
+                              <a:lumMod val="40000"/>
+                              <a:lumOff val="60000"/>
+                            </a:schemeClr>
                           </a:solidFill>
                         </a:rPr>
                         <a:t>MATCH </a:t>
                       </a:r>
                       <a:r>
-                        <a:rPr lang="en-US" sz="1400" i="1" dirty="0" smtClean="0">
-                          <a:solidFill>
-                            <a:schemeClr val="tx1"/>
+                        <a:rPr lang="en-US" sz="1800" i="1" dirty="0" smtClean="0">
+                          <a:solidFill>
+                            <a:schemeClr val="accent2">
+                              <a:lumMod val="40000"/>
+                              <a:lumOff val="60000"/>
+                            </a:schemeClr>
                           </a:solidFill>
                         </a:rPr>
                         <a:t>R</a:t>
                       </a:r>
                       <a:r>
-                        <a:rPr lang="en-US" sz="1400" i="1" baseline="-25000" dirty="0" smtClean="0">
-                          <a:solidFill>
-                            <a:schemeClr val="tx1"/>
+                        <a:rPr lang="en-US" sz="1800" i="1" baseline="-25000" dirty="0" smtClean="0">
+                          <a:solidFill>
+                            <a:schemeClr val="accent2">
+                              <a:lumMod val="40000"/>
+                              <a:lumOff val="60000"/>
+                            </a:schemeClr>
                           </a:solidFill>
                         </a:rPr>
                         <a:t>0,2</a:t>
                       </a:r>
                       <a:r>
-                        <a:rPr lang="en-US" sz="1400" i="1" dirty="0" smtClean="0">
-                          <a:solidFill>
-                            <a:schemeClr val="tx1"/>
-                          </a:solidFill>
-                        </a:rPr>
-                        <a:t>,S</a:t>
-                      </a:r>
-                      <a:r>
-                        <a:rPr lang="en-US" sz="1400" i="1" baseline="-25000" dirty="0" smtClean="0">
-                          <a:solidFill>
-                            <a:schemeClr val="tx1"/>
-                          </a:solidFill>
-                        </a:rPr>
-                        <a:t>1,5</a:t>
-                      </a:r>
-                      <a:r>
-                        <a:rPr lang="en-US" sz="1400" i="1" dirty="0" smtClean="0">
-                          <a:solidFill>
-                            <a:schemeClr val="tx1"/>
+                        <a:rPr lang="en-US" sz="1800" i="1" baseline="0" dirty="0" smtClean="0">
+                          <a:solidFill>
+                            <a:schemeClr val="accent2">
+                              <a:lumMod val="40000"/>
+                              <a:lumOff val="60000"/>
+                            </a:schemeClr>
+                          </a:solidFill>
+                        </a:rPr>
+                        <a:t>  </a:t>
+                      </a:r>
+                      <a:r>
+                        <a:rPr lang="en-US" sz="1800" i="1" dirty="0" smtClean="0">
+                          <a:solidFill>
+                            <a:schemeClr val="accent2">
+                              <a:lumMod val="40000"/>
+                              <a:lumOff val="60000"/>
+                            </a:schemeClr>
+                          </a:solidFill>
+                        </a:rPr>
+                        <a:t>S</a:t>
+                      </a:r>
+                      <a:r>
+                        <a:rPr lang="en-US" sz="1800" i="1" baseline="-25000" dirty="0" smtClean="0">
+                          <a:solidFill>
+                            <a:schemeClr val="accent2">
+                              <a:lumMod val="40000"/>
+                              <a:lumOff val="60000"/>
+                            </a:schemeClr>
+                          </a:solidFill>
+                        </a:rPr>
+                        <a:t>1,5 </a:t>
+                      </a:r>
+                      <a:r>
+                        <a:rPr lang="en-US" sz="1800" i="1" dirty="0" smtClean="0">
+                          <a:solidFill>
+                            <a:schemeClr val="accent2">
+                              <a:lumMod val="40000"/>
+                              <a:lumOff val="60000"/>
+                            </a:schemeClr>
                           </a:solidFill>
                         </a:rPr>
                         <a:t>)</a:t>
@@ -23651,41 +23465,61 @@
                     <a:p>
                       <a:pPr algn="l"/>
                       <a:r>
-                        <a:rPr lang="en-US" altLang="zh-CN" sz="1400" i="1" dirty="0" smtClean="0">
-                          <a:solidFill>
-                            <a:schemeClr val="tx1"/>
+                        <a:rPr lang="en-US" altLang="zh-CN" sz="1800" i="1" dirty="0" smtClean="0">
+                          <a:solidFill>
+                            <a:schemeClr val="tx2">
+                              <a:lumMod val="75000"/>
+                            </a:schemeClr>
                           </a:solidFill>
                         </a:rPr>
                         <a:t>(MATCH R</a:t>
                       </a:r>
                       <a:r>
-                        <a:rPr lang="en-US" altLang="zh-CN" sz="1400" i="1" baseline="-25000" dirty="0" smtClean="0">
-                          <a:solidFill>
-                            <a:schemeClr val="tx1"/>
+                        <a:rPr lang="en-US" altLang="zh-CN" sz="1800" i="1" baseline="-25000" dirty="0" smtClean="0">
+                          <a:solidFill>
+                            <a:schemeClr val="tx2">
+                              <a:lumMod val="75000"/>
+                            </a:schemeClr>
                           </a:solidFill>
                         </a:rPr>
                         <a:t>0,5</a:t>
                       </a:r>
                       <a:r>
-                        <a:rPr lang="en-US" altLang="zh-CN" sz="1400" i="1" dirty="0" smtClean="0">
-                          <a:solidFill>
-                            <a:schemeClr val="tx1"/>
-                          </a:solidFill>
-                        </a:rPr>
-                        <a:t>,S</a:t>
-                      </a:r>
-                      <a:r>
-                        <a:rPr lang="en-US" altLang="zh-CN" sz="1400" i="1" baseline="-25000" dirty="0" smtClean="0">
-                          <a:solidFill>
-                            <a:schemeClr val="tx1"/>
-                          </a:solidFill>
-                        </a:rPr>
-                        <a:t>2,4</a:t>
-                      </a:r>
-                      <a:r>
-                        <a:rPr lang="en-US" altLang="zh-CN" sz="1400" i="1" dirty="0" smtClean="0">
-                          <a:solidFill>
-                            <a:schemeClr val="tx1"/>
+                        <a:rPr lang="en-US" altLang="zh-CN" sz="1800" i="1" baseline="0" dirty="0" smtClean="0">
+                          <a:solidFill>
+                            <a:schemeClr val="tx2">
+                              <a:lumMod val="75000"/>
+                            </a:schemeClr>
+                          </a:solidFill>
+                        </a:rPr>
+                        <a:t>  </a:t>
+                      </a:r>
+                      <a:r>
+                        <a:rPr lang="en-US" altLang="zh-CN" sz="1800" i="1" dirty="0" smtClean="0">
+                          <a:solidFill>
+                            <a:schemeClr val="tx2">
+                              <a:lumMod val="75000"/>
+                            </a:schemeClr>
+                          </a:solidFill>
+                        </a:rPr>
+                        <a:t>S</a:t>
+                      </a:r>
+                      <a:r>
+                        <a:rPr lang="en-US" altLang="zh-CN" sz="1800" i="1" baseline="-25000" dirty="0" smtClean="0">
+                          <a:solidFill>
+                            <a:schemeClr val="tx2">
+                              <a:lumMod val="75000"/>
+                            </a:schemeClr>
+                          </a:solidFill>
+                        </a:rPr>
+                        <a:t>2,4 </a:t>
+                      </a:r>
+                      <a:r>
+                        <a:rPr lang="en-US" altLang="zh-CN" sz="1800" i="1" dirty="0" smtClean="0">
+                          <a:solidFill>
+                            <a:schemeClr val="tx2">
+                              <a:lumMod val="75000"/>
+                            </a:schemeClr>
                           </a:solidFill>
                         </a:rPr>
                         <a:t>)</a:t>
@@ -23694,7 +23528,7 @@
                     <a:p>
                       <a:pPr algn="l"/>
                       <a:r>
-                        <a:rPr lang="en-US" altLang="zh-CN" sz="1400" i="1" dirty="0" smtClean="0">
+                        <a:rPr lang="en-US" altLang="zh-CN" sz="1800" i="1" dirty="0" smtClean="0">
                           <a:solidFill>
                             <a:schemeClr val="tx1"/>
                           </a:solidFill>
@@ -23702,7 +23536,7 @@
                         <a:t>(MATCH R</a:t>
                       </a:r>
                       <a:r>
-                        <a:rPr lang="en-US" altLang="zh-CN" sz="1400" i="1" baseline="-25000" dirty="0" smtClean="0">
+                        <a:rPr lang="en-US" altLang="zh-CN" sz="1800" i="1" baseline="-25000" dirty="0" smtClean="0">
                           <a:solidFill>
                             <a:schemeClr val="tx1"/>
                           </a:solidFill>
@@ -23710,29 +23544,42 @@
                         <a:t>1,3</a:t>
                       </a:r>
                       <a:r>
-                        <a:rPr lang="en-US" altLang="zh-CN" sz="1400" i="1" dirty="0" smtClean="0">
-                          <a:solidFill>
-                            <a:schemeClr val="tx1"/>
-                          </a:solidFill>
-                        </a:rPr>
-                        <a:t>,S</a:t>
-                      </a:r>
-                      <a:r>
-                        <a:rPr lang="en-US" altLang="zh-CN" sz="1400" i="1" baseline="-25000" dirty="0" smtClean="0">
-                          <a:solidFill>
-                            <a:schemeClr val="tx1"/>
-                          </a:solidFill>
-                        </a:rPr>
-                        <a:t>2,7</a:t>
-                      </a:r>
-                      <a:r>
-                        <a:rPr lang="en-US" altLang="zh-CN" sz="1400" i="1" dirty="0" smtClean="0">
+                        <a:rPr lang="en-US" altLang="zh-CN" sz="1800" i="1" baseline="0" dirty="0" smtClean="0">
+                          <a:solidFill>
+                            <a:schemeClr val="tx1"/>
+                          </a:solidFill>
+                        </a:rPr>
+                        <a:t>  </a:t>
+                      </a:r>
+                      <a:r>
+                        <a:rPr lang="en-US" altLang="zh-CN" sz="1800" i="1" dirty="0" smtClean="0">
+                          <a:solidFill>
+                            <a:schemeClr val="tx1"/>
+                          </a:solidFill>
+                        </a:rPr>
+                        <a:t>S</a:t>
+                      </a:r>
+                      <a:r>
+                        <a:rPr lang="en-US" altLang="zh-CN" sz="1800" i="1" baseline="-25000" dirty="0" smtClean="0">
+                          <a:solidFill>
+                            <a:schemeClr val="tx1"/>
+                          </a:solidFill>
+                        </a:rPr>
+                        <a:t>2,7 </a:t>
+                      </a:r>
+                      <a:r>
+                        <a:rPr lang="en-US" altLang="zh-CN" sz="1800" i="1" dirty="0" smtClean="0">
                           <a:solidFill>
                             <a:schemeClr val="tx1"/>
                           </a:solidFill>
                         </a:rPr>
                         <a:t>)</a:t>
                       </a:r>
+                      <a:endParaRPr lang="en-US" altLang="zh-CN" sz="1800" i="1" dirty="0" smtClean="0">
+                        <a:solidFill>
+                          <a:schemeClr val="tx1"/>
+                        </a:solidFill>
+                      </a:endParaRPr>
                     </a:p>
                   </a:txBody>
                   <a:tcPr>
@@ -24342,14 +24189,14 @@
   <p:timing>
     <p:tnLst>
       <p:par>
-        <p:cTn xmlns:p14="http://schemas.microsoft.com/office/powerpoint/2010/main" id="1" dur="indefinite" restart="never" nodeType="tmRoot"/>
+        <p:cTn id="1" dur="indefinite" restart="never" nodeType="tmRoot"/>
       </p:par>
     </p:tnLst>
   </p:timing>
 </p:sld>
 </file>
 
-<file path=ppt/slides/slide25.xml><?xml version="1.0" encoding="utf-8"?>
+<file path=ppt/slides/slide24.xml><?xml version="1.0" encoding="utf-8"?>
 <p:sld xmlns:a="http://schemas.openxmlformats.org/drawingml/2006/main" xmlns:r="http://schemas.openxmlformats.org/officeDocument/2006/relationships" xmlns:p="http://schemas.openxmlformats.org/presentationml/2006/main">
   <p:cSld>
     <p:spTree>
@@ -24750,14 +24597,14 @@
   <p:timing>
     <p:tnLst>
       <p:par>
-        <p:cTn xmlns:p14="http://schemas.microsoft.com/office/powerpoint/2010/main" id="1" dur="indefinite" restart="never" nodeType="tmRoot"/>
+        <p:cTn id="1" dur="indefinite" restart="never" nodeType="tmRoot"/>
       </p:par>
     </p:tnLst>
   </p:timing>
 </p:sld>
 </file>
 
-<file path=ppt/slides/slide26.xml><?xml version="1.0" encoding="utf-8"?>
+<file path=ppt/slides/slide25.xml><?xml version="1.0" encoding="utf-8"?>
 <p:sld xmlns:a="http://schemas.openxmlformats.org/drawingml/2006/main" xmlns:r="http://schemas.openxmlformats.org/officeDocument/2006/relationships" xmlns:p="http://schemas.openxmlformats.org/presentationml/2006/main">
   <p:cSld>
     <p:spTree>
@@ -24813,7 +24660,7 @@
         </p:nvGraphicFramePr>
         <p:xfrm>
           <a:off x="1524000" y="2895600"/>
-          <a:ext cx="6096000" cy="1285239"/>
+          <a:ext cx="6096000" cy="1285240"/>
         </p:xfrm>
         <a:graphic>
           <a:graphicData uri="http://schemas.openxmlformats.org/drawingml/2006/table">
@@ -25157,14 +25004,14 @@
   <p:timing>
     <p:tnLst>
       <p:par>
-        <p:cTn xmlns:p14="http://schemas.microsoft.com/office/powerpoint/2010/main" id="1" dur="indefinite" restart="never" nodeType="tmRoot"/>
+        <p:cTn id="1" dur="indefinite" restart="never" nodeType="tmRoot"/>
       </p:par>
     </p:tnLst>
   </p:timing>
 </p:sld>
 </file>
 
-<file path=ppt/slides/slide27.xml><?xml version="1.0" encoding="utf-8"?>
+<file path=ppt/slides/slide26.xml><?xml version="1.0" encoding="utf-8"?>
 <p:sld xmlns:a="http://schemas.openxmlformats.org/drawingml/2006/main" xmlns:r="http://schemas.openxmlformats.org/officeDocument/2006/relationships" xmlns:p="http://schemas.openxmlformats.org/presentationml/2006/main">
   <p:cSld>
     <p:spTree>
@@ -25604,14 +25451,14 @@
   <p:timing>
     <p:tnLst>
       <p:par>
-        <p:cTn xmlns:p14="http://schemas.microsoft.com/office/powerpoint/2010/main" id="1" dur="indefinite" restart="never" nodeType="tmRoot"/>
+        <p:cTn id="1" dur="indefinite" restart="never" nodeType="tmRoot"/>
       </p:par>
     </p:tnLst>
   </p:timing>
 </p:sld>
 </file>
 
-<file path=ppt/slides/slide28.xml><?xml version="1.0" encoding="utf-8"?>
+<file path=ppt/slides/slide27.xml><?xml version="1.0" encoding="utf-8"?>
 <p:sld xmlns:a="http://schemas.openxmlformats.org/drawingml/2006/main" xmlns:r="http://schemas.openxmlformats.org/officeDocument/2006/relationships" xmlns:p="http://schemas.openxmlformats.org/presentationml/2006/main">
   <p:cSld>
     <p:spTree>
@@ -26355,14 +26202,14 @@
   <p:timing>
     <p:tnLst>
       <p:par>
-        <p:cTn xmlns:p14="http://schemas.microsoft.com/office/powerpoint/2010/main" id="1" dur="indefinite" restart="never" nodeType="tmRoot"/>
+        <p:cTn id="1" dur="indefinite" restart="never" nodeType="tmRoot"/>
       </p:par>
     </p:tnLst>
   </p:timing>
 </p:sld>
 </file>
 
-<file path=ppt/slides/slide29.xml><?xml version="1.0" encoding="utf-8"?>
+<file path=ppt/slides/slide28.xml><?xml version="1.0" encoding="utf-8"?>
 <p:sld xmlns:a="http://schemas.openxmlformats.org/drawingml/2006/main" xmlns:r="http://schemas.openxmlformats.org/officeDocument/2006/relationships" xmlns:p="http://schemas.openxmlformats.org/presentationml/2006/main">
   <p:cSld>
     <p:spTree>
@@ -27588,951 +27435,14 @@
   <p:timing>
     <p:tnLst>
       <p:par>
-        <p:cTn xmlns:p14="http://schemas.microsoft.com/office/powerpoint/2010/main" id="1" dur="indefinite" restart="never" nodeType="tmRoot"/>
+        <p:cTn id="1" dur="indefinite" restart="never" nodeType="tmRoot"/>
       </p:par>
     </p:tnLst>
   </p:timing>
 </p:sld>
 </file>
 
-<file path=ppt/slides/slide3.xml><?xml version="1.0" encoding="utf-8"?>
-<p:sld xmlns:a="http://schemas.openxmlformats.org/drawingml/2006/main" xmlns:r="http://schemas.openxmlformats.org/officeDocument/2006/relationships" xmlns:p="http://schemas.openxmlformats.org/presentationml/2006/main">
-  <p:cSld>
-    <p:spTree>
-      <p:nvGrpSpPr>
-        <p:cNvPr id="1" name=""/>
-        <p:cNvGrpSpPr/>
-        <p:nvPr/>
-      </p:nvGrpSpPr>
-      <p:grpSpPr>
-        <a:xfrm>
-          <a:off x="0" y="0"/>
-          <a:ext cx="0" cy="0"/>
-          <a:chOff x="0" y="0"/>
-          <a:chExt cx="0" cy="0"/>
-        </a:xfrm>
-      </p:grpSpPr>
-      <p:sp>
-        <p:nvSpPr>
-          <p:cNvPr id="2" name="Title 1"/>
-          <p:cNvSpPr>
-            <a:spLocks noGrp="1"/>
-          </p:cNvSpPr>
-          <p:nvPr>
-            <p:ph type="title"/>
-          </p:nvPr>
-        </p:nvSpPr>
-        <p:spPr/>
-        <p:txBody>
-          <a:bodyPr/>
-          <a:lstStyle/>
-          <a:p>
-            <a:r>
-              <a:rPr lang="en-US" dirty="0" smtClean="0"/>
-              <a:t>Introduction</a:t>
-            </a:r>
-            <a:endParaRPr lang="en-US" dirty="0"/>
-          </a:p>
-        </p:txBody>
-      </p:sp>
-      <p:graphicFrame>
-        <p:nvGraphicFramePr>
-          <p:cNvPr id="3" name="Table 2"/>
-          <p:cNvGraphicFramePr>
-            <a:graphicFrameLocks noGrp="1"/>
-          </p:cNvGraphicFramePr>
-          <p:nvPr>
-            <p:extLst>
-              <p:ext uri="{D42A27DB-BD31-4B8C-83A1-F6EECF244321}">
-                <p14:modId xmlns:p14="http://schemas.microsoft.com/office/powerpoint/2010/main" val="3396678475"/>
-              </p:ext>
-            </p:extLst>
-          </p:nvPr>
-        </p:nvGraphicFramePr>
-        <p:xfrm>
-          <a:off x="762000" y="1889760"/>
-          <a:ext cx="8077200" cy="4206240"/>
-        </p:xfrm>
-        <a:graphic>
-          <a:graphicData uri="http://schemas.openxmlformats.org/drawingml/2006/table">
-            <a:tbl>
-              <a:tblPr firstRow="1" bandRow="1">
-                <a:tableStyleId>{5C22544A-7EE6-4342-B048-85BDC9FD1C3A}</a:tableStyleId>
-              </a:tblPr>
-              <a:tblGrid>
-                <a:gridCol w="6019800"/>
-                <a:gridCol w="2057400"/>
-              </a:tblGrid>
-              <a:tr h="370840">
-                <a:tc>
-                  <a:txBody>
-                    <a:bodyPr/>
-                    <a:lstStyle/>
-                    <a:p>
-                      <a:r>
-                        <a:rPr lang="en-US" b="0" dirty="0" smtClean="0">
-                          <a:solidFill>
-                            <a:schemeClr val="tx1"/>
-                          </a:solidFill>
-                          <a:latin typeface="Lucida Console" pitchFamily="49" charset="0"/>
-                          <a:cs typeface="Times New Roman" pitchFamily="18" charset="0"/>
-                        </a:rPr>
-                        <a:t> 00 initialize(NODE_0,</a:t>
-                      </a:r>
-                      <a:r>
-                        <a:rPr lang="en-US" b="0" baseline="0" dirty="0" smtClean="0">
-                          <a:solidFill>
-                            <a:schemeClr val="tx1"/>
-                          </a:solidFill>
-                          <a:latin typeface="Lucida Console" pitchFamily="49" charset="0"/>
-                          <a:cs typeface="Times New Roman" pitchFamily="18" charset="0"/>
-                        </a:rPr>
-                        <a:t> &amp;v, &amp;s</a:t>
-                      </a:r>
-                      <a:r>
-                        <a:rPr lang="en-US" b="0" dirty="0" smtClean="0">
-                          <a:solidFill>
-                            <a:schemeClr val="tx1"/>
-                          </a:solidFill>
-                          <a:latin typeface="Lucida Console" pitchFamily="49" charset="0"/>
-                          <a:cs typeface="Times New Roman" pitchFamily="18" charset="0"/>
-                        </a:rPr>
-                        <a:t>);</a:t>
-                      </a:r>
-                    </a:p>
-                    <a:p>
-                      <a:r>
-                        <a:rPr lang="en-US" b="0" dirty="0" smtClean="0">
-                          <a:solidFill>
-                            <a:schemeClr val="tx1"/>
-                          </a:solidFill>
-                          <a:latin typeface="Lucida Console" pitchFamily="49" charset="0"/>
-                          <a:cs typeface="Times New Roman" pitchFamily="18" charset="0"/>
-                        </a:rPr>
-                        <a:t> 01 e0 = </a:t>
-                      </a:r>
-                      <a:r>
-                        <a:rPr lang="en-US" b="0" dirty="0" err="1" smtClean="0">
-                          <a:solidFill>
-                            <a:schemeClr val="tx1"/>
-                          </a:solidFill>
-                          <a:latin typeface="Lucida Console" pitchFamily="49" charset="0"/>
-                          <a:cs typeface="Times New Roman" pitchFamily="18" charset="0"/>
-                        </a:rPr>
-                        <a:t>create_endpoint</a:t>
-                      </a:r>
-                      <a:r>
-                        <a:rPr lang="en-US" b="0" dirty="0" smtClean="0">
-                          <a:solidFill>
-                            <a:schemeClr val="tx1"/>
-                          </a:solidFill>
-                          <a:latin typeface="Lucida Console" pitchFamily="49" charset="0"/>
-                          <a:cs typeface="Times New Roman" pitchFamily="18" charset="0"/>
-                        </a:rPr>
-                        <a:t>(PORT_0, &amp;s);</a:t>
-                      </a:r>
-                    </a:p>
-                    <a:p>
-                      <a:r>
-                        <a:rPr lang="en-US" b="0" dirty="0" smtClean="0">
-                          <a:solidFill>
-                            <a:schemeClr val="tx1"/>
-                          </a:solidFill>
-                          <a:latin typeface="Lucida Console" pitchFamily="49" charset="0"/>
-                          <a:cs typeface="Times New Roman" pitchFamily="18" charset="0"/>
-                        </a:rPr>
-                        <a:t>      </a:t>
-                      </a:r>
-                    </a:p>
-                    <a:p>
-                      <a:r>
-                        <a:rPr lang="en-US" b="0" baseline="0" dirty="0" smtClean="0">
-                          <a:solidFill>
-                            <a:schemeClr val="tx1"/>
-                          </a:solidFill>
-                          <a:latin typeface="Lucida Console" pitchFamily="49" charset="0"/>
-                          <a:cs typeface="Times New Roman" pitchFamily="18" charset="0"/>
-                        </a:rPr>
-                        <a:t> 02 </a:t>
-                      </a:r>
-                      <a:r>
-                        <a:rPr lang="en-US" b="0" baseline="0" dirty="0" err="1" smtClean="0">
-                          <a:solidFill>
-                            <a:schemeClr val="tx1"/>
-                          </a:solidFill>
-                          <a:latin typeface="Lucida Console" pitchFamily="49" charset="0"/>
-                          <a:cs typeface="Times New Roman" pitchFamily="18" charset="0"/>
-                        </a:rPr>
-                        <a:t>msg_recv_i</a:t>
-                      </a:r>
-                      <a:r>
-                        <a:rPr lang="en-US" b="0" baseline="0" dirty="0" smtClean="0">
-                          <a:solidFill>
-                            <a:schemeClr val="tx1"/>
-                          </a:solidFill>
-                          <a:latin typeface="Lucida Console" pitchFamily="49" charset="0"/>
-                          <a:cs typeface="Times New Roman" pitchFamily="18" charset="0"/>
-                        </a:rPr>
-                        <a:t>(e0, A, </a:t>
-                      </a:r>
-                      <a:r>
-                        <a:rPr lang="en-US" b="0" baseline="0" dirty="0" err="1" smtClean="0">
-                          <a:solidFill>
-                            <a:schemeClr val="tx1"/>
-                          </a:solidFill>
-                          <a:latin typeface="Lucida Console" pitchFamily="49" charset="0"/>
-                          <a:cs typeface="Times New Roman" pitchFamily="18" charset="0"/>
-                        </a:rPr>
-                        <a:t>sizeof</a:t>
-                      </a:r>
-                      <a:r>
-                        <a:rPr lang="en-US" b="0" baseline="0" dirty="0" smtClean="0">
-                          <a:solidFill>
-                            <a:schemeClr val="tx1"/>
-                          </a:solidFill>
-                          <a:latin typeface="Lucida Console" pitchFamily="49" charset="0"/>
-                          <a:cs typeface="Times New Roman" pitchFamily="18" charset="0"/>
-                        </a:rPr>
-                        <a:t>(A), &amp;h1, &amp;s);</a:t>
-                      </a:r>
-                    </a:p>
-                    <a:p>
-                      <a:r>
-                        <a:rPr lang="en-US" b="0" baseline="0" dirty="0" smtClean="0">
-                          <a:solidFill>
-                            <a:schemeClr val="tx1"/>
-                          </a:solidFill>
-                          <a:latin typeface="Lucida Console" pitchFamily="49" charset="0"/>
-                          <a:cs typeface="Times New Roman" pitchFamily="18" charset="0"/>
-                        </a:rPr>
-                        <a:t> 03 wait(&amp;h1, &amp;size, &amp;s, MCAPI_INF);</a:t>
-                      </a:r>
-                    </a:p>
-                    <a:p>
-                      <a:r>
-                        <a:rPr lang="en-US" b="0" baseline="0" dirty="0" smtClean="0">
-                          <a:solidFill>
-                            <a:schemeClr val="tx1"/>
-                          </a:solidFill>
-                          <a:latin typeface="Lucida Console" pitchFamily="49" charset="0"/>
-                          <a:cs typeface="Times New Roman" pitchFamily="18" charset="0"/>
-                        </a:rPr>
-                        <a:t> 04 a = </a:t>
-                      </a:r>
-                      <a:r>
-                        <a:rPr lang="en-US" b="0" baseline="0" dirty="0" err="1" smtClean="0">
-                          <a:solidFill>
-                            <a:schemeClr val="tx1"/>
-                          </a:solidFill>
-                          <a:latin typeface="Lucida Console" pitchFamily="49" charset="0"/>
-                          <a:cs typeface="Times New Roman" pitchFamily="18" charset="0"/>
-                        </a:rPr>
-                        <a:t>atoi</a:t>
-                      </a:r>
-                      <a:r>
-                        <a:rPr lang="en-US" b="0" baseline="0" dirty="0" smtClean="0">
-                          <a:solidFill>
-                            <a:schemeClr val="tx1"/>
-                          </a:solidFill>
-                          <a:latin typeface="Lucida Console" pitchFamily="49" charset="0"/>
-                          <a:cs typeface="Times New Roman" pitchFamily="18" charset="0"/>
-                        </a:rPr>
-                        <a:t>(A);</a:t>
-                      </a:r>
-                    </a:p>
-                    <a:p>
-                      <a:endParaRPr lang="en-US" b="0" baseline="0" dirty="0" smtClean="0">
-                        <a:solidFill>
-                          <a:schemeClr val="tx1"/>
-                        </a:solidFill>
-                        <a:latin typeface="Lucida Console" pitchFamily="49" charset="0"/>
-                        <a:cs typeface="Times New Roman" pitchFamily="18" charset="0"/>
-                      </a:endParaRPr>
-                    </a:p>
-                    <a:p>
-                      <a:r>
-                        <a:rPr lang="en-US" b="0" baseline="0" dirty="0" smtClean="0">
-                          <a:solidFill>
-                            <a:schemeClr val="tx1"/>
-                          </a:solidFill>
-                          <a:latin typeface="Lucida Console" pitchFamily="49" charset="0"/>
-                          <a:cs typeface="Times New Roman" pitchFamily="18" charset="0"/>
-                        </a:rPr>
-                        <a:t> 05 </a:t>
-                      </a:r>
-                      <a:r>
-                        <a:rPr lang="en-US" b="0" baseline="0" dirty="0" err="1" smtClean="0">
-                          <a:solidFill>
-                            <a:schemeClr val="tx1"/>
-                          </a:solidFill>
-                          <a:latin typeface="Lucida Console" pitchFamily="49" charset="0"/>
-                          <a:cs typeface="Times New Roman" pitchFamily="18" charset="0"/>
-                        </a:rPr>
-                        <a:t>msg_recv_i</a:t>
-                      </a:r>
-                      <a:r>
-                        <a:rPr lang="en-US" b="0" baseline="0" dirty="0" smtClean="0">
-                          <a:solidFill>
-                            <a:schemeClr val="tx1"/>
-                          </a:solidFill>
-                          <a:latin typeface="Lucida Console" pitchFamily="49" charset="0"/>
-                          <a:cs typeface="Times New Roman" pitchFamily="18" charset="0"/>
-                        </a:rPr>
-                        <a:t>(e0, B, </a:t>
-                      </a:r>
-                      <a:r>
-                        <a:rPr lang="en-US" b="0" baseline="0" dirty="0" err="1" smtClean="0">
-                          <a:solidFill>
-                            <a:schemeClr val="tx1"/>
-                          </a:solidFill>
-                          <a:latin typeface="Lucida Console" pitchFamily="49" charset="0"/>
-                          <a:cs typeface="Times New Roman" pitchFamily="18" charset="0"/>
-                        </a:rPr>
-                        <a:t>sizeof</a:t>
-                      </a:r>
-                      <a:r>
-                        <a:rPr lang="en-US" b="0" baseline="0" dirty="0" smtClean="0">
-                          <a:solidFill>
-                            <a:schemeClr val="tx1"/>
-                          </a:solidFill>
-                          <a:latin typeface="Lucida Console" pitchFamily="49" charset="0"/>
-                          <a:cs typeface="Times New Roman" pitchFamily="18" charset="0"/>
-                        </a:rPr>
-                        <a:t>(B), &amp;h2, &amp;s);</a:t>
-                      </a:r>
-                    </a:p>
-                    <a:p>
-                      <a:r>
-                        <a:rPr lang="en-US" b="0" baseline="0" dirty="0" smtClean="0">
-                          <a:solidFill>
-                            <a:schemeClr val="tx1"/>
-                          </a:solidFill>
-                          <a:latin typeface="Lucida Console" pitchFamily="49" charset="0"/>
-                          <a:cs typeface="Times New Roman" pitchFamily="18" charset="0"/>
-                        </a:rPr>
-                        <a:t> 06 wait(&amp;h2, &amp;size, &amp;s, MCAPI_INF);</a:t>
-                      </a:r>
-                    </a:p>
-                    <a:p>
-                      <a:r>
-                        <a:rPr lang="en-US" b="0" dirty="0" smtClean="0">
-                          <a:solidFill>
-                            <a:schemeClr val="tx1"/>
-                          </a:solidFill>
-                          <a:latin typeface="Lucida Console" pitchFamily="49" charset="0"/>
-                          <a:cs typeface="Times New Roman" pitchFamily="18" charset="0"/>
-                        </a:rPr>
-                        <a:t> 07 b = </a:t>
-                      </a:r>
-                      <a:r>
-                        <a:rPr lang="en-US" b="0" dirty="0" err="1" smtClean="0">
-                          <a:solidFill>
-                            <a:schemeClr val="tx1"/>
-                          </a:solidFill>
-                          <a:latin typeface="Lucida Console" pitchFamily="49" charset="0"/>
-                          <a:cs typeface="Times New Roman" pitchFamily="18" charset="0"/>
-                        </a:rPr>
-                        <a:t>atoi</a:t>
-                      </a:r>
-                      <a:r>
-                        <a:rPr lang="en-US" b="0" dirty="0" smtClean="0">
-                          <a:solidFill>
-                            <a:schemeClr val="tx1"/>
-                          </a:solidFill>
-                          <a:latin typeface="Lucida Console" pitchFamily="49" charset="0"/>
-                          <a:cs typeface="Times New Roman" pitchFamily="18" charset="0"/>
-                        </a:rPr>
-                        <a:t>(B);</a:t>
-                      </a:r>
-                    </a:p>
-                    <a:p>
-                      <a:endParaRPr lang="en-US" b="0" dirty="0" smtClean="0">
-                        <a:solidFill>
-                          <a:schemeClr val="tx1"/>
-                        </a:solidFill>
-                        <a:latin typeface="Lucida Console" pitchFamily="49" charset="0"/>
-                        <a:cs typeface="Times New Roman" pitchFamily="18" charset="0"/>
-                      </a:endParaRPr>
-                    </a:p>
-                    <a:p>
-                      <a:r>
-                        <a:rPr lang="en-US" b="0" dirty="0" smtClean="0">
-                          <a:solidFill>
-                            <a:schemeClr val="tx1"/>
-                          </a:solidFill>
-                          <a:latin typeface="Lucida Console" pitchFamily="49" charset="0"/>
-                          <a:cs typeface="Times New Roman" pitchFamily="18" charset="0"/>
-                        </a:rPr>
-                        <a:t> 08</a:t>
-                      </a:r>
-                      <a:r>
-                        <a:rPr lang="en-US" b="0" baseline="0" dirty="0" smtClean="0">
-                          <a:solidFill>
-                            <a:schemeClr val="tx1"/>
-                          </a:solidFill>
-                          <a:latin typeface="Lucida Console" pitchFamily="49" charset="0"/>
-                          <a:cs typeface="Times New Roman" pitchFamily="18" charset="0"/>
-                        </a:rPr>
-                        <a:t> if(b &gt; 0)</a:t>
-                      </a:r>
-                    </a:p>
-                    <a:p>
-                      <a:r>
-                        <a:rPr lang="en-US" b="0" baseline="0" dirty="0" smtClean="0">
-                          <a:solidFill>
-                            <a:schemeClr val="tx1"/>
-                          </a:solidFill>
-                          <a:latin typeface="Lucida Console" pitchFamily="49" charset="0"/>
-                          <a:cs typeface="Times New Roman" pitchFamily="18" charset="0"/>
-                        </a:rPr>
-                        <a:t> 09   assert(a == 4);</a:t>
-                      </a:r>
-                    </a:p>
-                    <a:p>
-                      <a:endParaRPr lang="en-US" b="0" baseline="0" dirty="0" smtClean="0">
-                        <a:solidFill>
-                          <a:schemeClr val="tx1"/>
-                        </a:solidFill>
-                        <a:latin typeface="Lucida Console" pitchFamily="49" charset="0"/>
-                        <a:cs typeface="Times New Roman" pitchFamily="18" charset="0"/>
-                      </a:endParaRPr>
-                    </a:p>
-                    <a:p>
-                      <a:r>
-                        <a:rPr lang="en-US" b="0" baseline="0" dirty="0" smtClean="0">
-                          <a:solidFill>
-                            <a:schemeClr val="tx1"/>
-                          </a:solidFill>
-                          <a:latin typeface="Lucida Console" pitchFamily="49" charset="0"/>
-                          <a:cs typeface="Times New Roman" pitchFamily="18" charset="0"/>
-                        </a:rPr>
-                        <a:t> 10 finalize(&amp;s);</a:t>
-                      </a:r>
-                      <a:endParaRPr lang="en-US" b="0" dirty="0">
-                        <a:solidFill>
-                          <a:schemeClr val="tx1"/>
-                        </a:solidFill>
-                        <a:latin typeface="Lucida Console" pitchFamily="49" charset="0"/>
-                        <a:cs typeface="Times New Roman" pitchFamily="18" charset="0"/>
-                      </a:endParaRPr>
-                    </a:p>
-                  </a:txBody>
-                  <a:tcPr>
-                    <a:lnL w="12700" cmpd="sng">
-                      <a:noFill/>
-                    </a:lnL>
-                    <a:lnR w="12700" cmpd="sng">
-                      <a:noFill/>
-                    </a:lnR>
-                    <a:lnT w="38100" cmpd="sng">
-                      <a:noFill/>
-                    </a:lnT>
-                    <a:lnB w="12700" cmpd="sng">
-                      <a:noFill/>
-                    </a:lnB>
-                    <a:lnTlToBr w="12700" cmpd="sng">
-                      <a:noFill/>
-                      <a:prstDash val="solid"/>
-                    </a:lnTlToBr>
-                    <a:lnBlToTr w="12700" cmpd="sng">
-                      <a:noFill/>
-                      <a:prstDash val="solid"/>
-                    </a:lnBlToTr>
-                    <a:solidFill>
-                      <a:schemeClr val="bg1"/>
-                    </a:solidFill>
-                  </a:tcPr>
-                </a:tc>
-                <a:tc>
-                  <a:txBody>
-                    <a:bodyPr/>
-                    <a:lstStyle/>
-                    <a:p>
-                      <a:pPr marL="0" marR="0" indent="0" algn="l" defTabSz="914400" rtl="0" eaLnBrk="1" fontAlgn="auto" latinLnBrk="0" hangingPunct="1">
-                        <a:lnSpc>
-                          <a:spcPct val="100000"/>
-                        </a:lnSpc>
-                        <a:spcBef>
-                          <a:spcPts val="0"/>
-                        </a:spcBef>
-                        <a:spcAft>
-                          <a:spcPts val="0"/>
-                        </a:spcAft>
-                        <a:buClrTx/>
-                        <a:buSzTx/>
-                        <a:buFontTx/>
-                        <a:buNone/>
-                        <a:tabLst/>
-                        <a:defRPr/>
-                      </a:pPr>
-                      <a:r>
-                        <a:rPr lang="en-US" b="0" dirty="0" smtClean="0">
-                          <a:solidFill>
-                            <a:schemeClr val="tx1"/>
-                          </a:solidFill>
-                          <a:latin typeface="Lucida Console" pitchFamily="49" charset="0"/>
-                          <a:cs typeface="Times New Roman" pitchFamily="18" charset="0"/>
-                        </a:rPr>
-                        <a:t>  </a:t>
-                      </a:r>
-                    </a:p>
-                    <a:p>
-                      <a:pPr marL="0" marR="0" indent="0" algn="l" defTabSz="914400" rtl="0" eaLnBrk="1" fontAlgn="auto" latinLnBrk="0" hangingPunct="1">
-                        <a:lnSpc>
-                          <a:spcPct val="100000"/>
-                        </a:lnSpc>
-                        <a:spcBef>
-                          <a:spcPts val="0"/>
-                        </a:spcBef>
-                        <a:spcAft>
-                          <a:spcPts val="0"/>
-                        </a:spcAft>
-                        <a:buClrTx/>
-                        <a:buSzTx/>
-                        <a:buFontTx/>
-                        <a:buNone/>
-                        <a:tabLst/>
-                        <a:defRPr/>
-                      </a:pPr>
-                      <a:endParaRPr lang="en-US" b="0" dirty="0" smtClean="0">
-                        <a:solidFill>
-                          <a:schemeClr val="tx1"/>
-                        </a:solidFill>
-                        <a:latin typeface="Lucida Console" pitchFamily="49" charset="0"/>
-                        <a:cs typeface="Times New Roman" pitchFamily="18" charset="0"/>
-                      </a:endParaRPr>
-                    </a:p>
-                    <a:p>
-                      <a:pPr marL="0" marR="0" indent="0" algn="l" defTabSz="914400" rtl="0" eaLnBrk="1" fontAlgn="auto" latinLnBrk="0" hangingPunct="1">
-                        <a:lnSpc>
-                          <a:spcPct val="100000"/>
-                        </a:lnSpc>
-                        <a:spcBef>
-                          <a:spcPts val="0"/>
-                        </a:spcBef>
-                        <a:spcAft>
-                          <a:spcPts val="0"/>
-                        </a:spcAft>
-                        <a:buClrTx/>
-                        <a:buSzTx/>
-                        <a:buFontTx/>
-                        <a:buNone/>
-                        <a:tabLst/>
-                        <a:defRPr/>
-                      </a:pPr>
-                      <a:endParaRPr lang="en-US" b="0" dirty="0" smtClean="0">
-                        <a:solidFill>
-                          <a:schemeClr val="tx1"/>
-                        </a:solidFill>
-                        <a:latin typeface="Lucida Console" pitchFamily="49" charset="0"/>
-                        <a:cs typeface="Times New Roman" pitchFamily="18" charset="0"/>
-                      </a:endParaRPr>
-                    </a:p>
-                    <a:p>
-                      <a:pPr marL="0" marR="0" indent="0" algn="l" defTabSz="914400" rtl="0" eaLnBrk="1" fontAlgn="auto" latinLnBrk="0" hangingPunct="1">
-                        <a:lnSpc>
-                          <a:spcPct val="100000"/>
-                        </a:lnSpc>
-                        <a:spcBef>
-                          <a:spcPts val="0"/>
-                        </a:spcBef>
-                        <a:spcAft>
-                          <a:spcPts val="0"/>
-                        </a:spcAft>
-                        <a:buClrTx/>
-                        <a:buSzTx/>
-                        <a:buFontTx/>
-                        <a:buNone/>
-                        <a:tabLst/>
-                        <a:defRPr/>
-                      </a:pPr>
-                      <a:r>
-                        <a:rPr lang="en-US" altLang="zh-CN" b="0" dirty="0" smtClean="0">
-                          <a:solidFill>
-                            <a:schemeClr val="tx1"/>
-                          </a:solidFill>
-                          <a:latin typeface="Lucida Console" pitchFamily="49" charset="0"/>
-                        </a:rPr>
-                        <a:t>R</a:t>
-                      </a:r>
-                      <a:r>
-                        <a:rPr lang="en-US" altLang="zh-CN" b="0" baseline="-25000" dirty="0" smtClean="0">
-                          <a:solidFill>
-                            <a:schemeClr val="tx1"/>
-                          </a:solidFill>
-                          <a:latin typeface="Lucida Console" pitchFamily="49" charset="0"/>
-                        </a:rPr>
-                        <a:t>0,2</a:t>
-                      </a:r>
-                      <a:r>
-                        <a:rPr lang="en-US" altLang="zh-CN" b="0" dirty="0" smtClean="0">
-                          <a:solidFill>
-                            <a:schemeClr val="tx1"/>
-                          </a:solidFill>
-                          <a:latin typeface="Lucida Console" pitchFamily="49" charset="0"/>
-                        </a:rPr>
-                        <a:t>(*,a,&amp;h1)</a:t>
-                      </a:r>
-                    </a:p>
-                    <a:p>
-                      <a:pPr marL="0" marR="0" indent="0" algn="l" defTabSz="914400" rtl="0" eaLnBrk="1" fontAlgn="auto" latinLnBrk="0" hangingPunct="1">
-                        <a:lnSpc>
-                          <a:spcPct val="100000"/>
-                        </a:lnSpc>
-                        <a:spcBef>
-                          <a:spcPts val="0"/>
-                        </a:spcBef>
-                        <a:spcAft>
-                          <a:spcPts val="0"/>
-                        </a:spcAft>
-                        <a:buClrTx/>
-                        <a:buSzTx/>
-                        <a:buFontTx/>
-                        <a:buNone/>
-                        <a:tabLst/>
-                        <a:defRPr/>
-                      </a:pPr>
-                      <a:r>
-                        <a:rPr lang="en-US" b="0" dirty="0" smtClean="0">
-                          <a:solidFill>
-                            <a:schemeClr val="tx1"/>
-                          </a:solidFill>
-                          <a:latin typeface="Lucida Console" pitchFamily="49" charset="0"/>
-                          <a:cs typeface="Times New Roman" pitchFamily="18" charset="0"/>
-                        </a:rPr>
-                        <a:t>W(&amp;h1)</a:t>
-                      </a:r>
-                    </a:p>
-                    <a:p>
-                      <a:pPr marL="0" marR="0" indent="0" algn="l" defTabSz="914400" rtl="0" eaLnBrk="1" fontAlgn="auto" latinLnBrk="0" hangingPunct="1">
-                        <a:lnSpc>
-                          <a:spcPct val="100000"/>
-                        </a:lnSpc>
-                        <a:spcBef>
-                          <a:spcPts val="0"/>
-                        </a:spcBef>
-                        <a:spcAft>
-                          <a:spcPts val="0"/>
-                        </a:spcAft>
-                        <a:buClrTx/>
-                        <a:buSzTx/>
-                        <a:buFontTx/>
-                        <a:buNone/>
-                        <a:tabLst/>
-                        <a:defRPr/>
-                      </a:pPr>
-                      <a:endParaRPr lang="en-US" b="0" dirty="0" smtClean="0">
-                        <a:solidFill>
-                          <a:schemeClr val="tx1"/>
-                        </a:solidFill>
-                        <a:latin typeface="Lucida Console" pitchFamily="49" charset="0"/>
-                        <a:cs typeface="Times New Roman" pitchFamily="18" charset="0"/>
-                      </a:endParaRPr>
-                    </a:p>
-                    <a:p>
-                      <a:pPr marL="0" marR="0" indent="0" algn="l" defTabSz="914400" rtl="0" eaLnBrk="1" fontAlgn="auto" latinLnBrk="0" hangingPunct="1">
-                        <a:lnSpc>
-                          <a:spcPct val="100000"/>
-                        </a:lnSpc>
-                        <a:spcBef>
-                          <a:spcPts val="0"/>
-                        </a:spcBef>
-                        <a:spcAft>
-                          <a:spcPts val="0"/>
-                        </a:spcAft>
-                        <a:buClrTx/>
-                        <a:buSzTx/>
-                        <a:buFontTx/>
-                        <a:buNone/>
-                        <a:tabLst/>
-                        <a:defRPr/>
-                      </a:pPr>
-                      <a:endParaRPr lang="en-US" b="0" i="0" dirty="0" smtClean="0">
-                        <a:solidFill>
-                          <a:schemeClr val="tx1"/>
-                        </a:solidFill>
-                        <a:latin typeface="Lucida Console" pitchFamily="49" charset="0"/>
-                        <a:cs typeface="Times New Roman" pitchFamily="18" charset="0"/>
-                      </a:endParaRPr>
-                    </a:p>
-                    <a:p>
-                      <a:pPr marL="0" marR="0" indent="0" algn="l" defTabSz="914400" rtl="0" eaLnBrk="1" fontAlgn="auto" latinLnBrk="0" hangingPunct="1">
-                        <a:lnSpc>
-                          <a:spcPct val="100000"/>
-                        </a:lnSpc>
-                        <a:spcBef>
-                          <a:spcPts val="0"/>
-                        </a:spcBef>
-                        <a:spcAft>
-                          <a:spcPts val="0"/>
-                        </a:spcAft>
-                        <a:buClrTx/>
-                        <a:buSzTx/>
-                        <a:buFontTx/>
-                        <a:buNone/>
-                        <a:tabLst/>
-                        <a:defRPr/>
-                      </a:pPr>
-                      <a:r>
-                        <a:rPr lang="en-US" b="0" i="0" dirty="0" smtClean="0">
-                          <a:solidFill>
-                            <a:schemeClr val="tx1"/>
-                          </a:solidFill>
-                          <a:latin typeface="Lucida Console" pitchFamily="49" charset="0"/>
-                          <a:cs typeface="Times New Roman" pitchFamily="18" charset="0"/>
-                        </a:rPr>
-                        <a:t>R</a:t>
-                      </a:r>
-                      <a:r>
-                        <a:rPr lang="en-US" b="0" i="0" baseline="-25000" dirty="0" smtClean="0">
-                          <a:solidFill>
-                            <a:schemeClr val="tx1"/>
-                          </a:solidFill>
-                          <a:latin typeface="Lucida Console" pitchFamily="49" charset="0"/>
-                          <a:cs typeface="Times New Roman" pitchFamily="18" charset="0"/>
-                        </a:rPr>
-                        <a:t>0,5</a:t>
-                      </a:r>
-                      <a:r>
-                        <a:rPr lang="en-US" b="0" i="0" dirty="0" smtClean="0">
-                          <a:solidFill>
-                            <a:schemeClr val="tx1"/>
-                          </a:solidFill>
-                          <a:latin typeface="Lucida Console" pitchFamily="49" charset="0"/>
-                          <a:cs typeface="Times New Roman" pitchFamily="18" charset="0"/>
-                        </a:rPr>
-                        <a:t>(*,b,&amp;h2)</a:t>
-                      </a:r>
-                    </a:p>
-                    <a:p>
-                      <a:pPr marL="0" marR="0" indent="0" algn="l" defTabSz="914400" rtl="0" eaLnBrk="1" fontAlgn="auto" latinLnBrk="0" hangingPunct="1">
-                        <a:lnSpc>
-                          <a:spcPct val="100000"/>
-                        </a:lnSpc>
-                        <a:spcBef>
-                          <a:spcPts val="0"/>
-                        </a:spcBef>
-                        <a:spcAft>
-                          <a:spcPts val="0"/>
-                        </a:spcAft>
-                        <a:buClrTx/>
-                        <a:buSzTx/>
-                        <a:buFontTx/>
-                        <a:buNone/>
-                        <a:tabLst/>
-                        <a:defRPr/>
-                      </a:pPr>
-                      <a:r>
-                        <a:rPr lang="en-US" altLang="zh-CN" b="0" baseline="0" dirty="0" smtClean="0">
-                          <a:solidFill>
-                            <a:schemeClr val="tx1"/>
-                          </a:solidFill>
-                          <a:latin typeface="Lucida Console" pitchFamily="49" charset="0"/>
-                        </a:rPr>
-                        <a:t>W(&amp;h2)</a:t>
-                      </a:r>
-                    </a:p>
-                    <a:p>
-                      <a:pPr marL="0" marR="0" indent="0" algn="l" defTabSz="914400" rtl="0" eaLnBrk="1" fontAlgn="auto" latinLnBrk="0" hangingPunct="1">
-                        <a:lnSpc>
-                          <a:spcPct val="100000"/>
-                        </a:lnSpc>
-                        <a:spcBef>
-                          <a:spcPts val="0"/>
-                        </a:spcBef>
-                        <a:spcAft>
-                          <a:spcPts val="0"/>
-                        </a:spcAft>
-                        <a:buClrTx/>
-                        <a:buSzTx/>
-                        <a:buFontTx/>
-                        <a:buNone/>
-                        <a:tabLst/>
-                        <a:defRPr/>
-                      </a:pPr>
-                      <a:endParaRPr lang="en-US" altLang="zh-CN" b="0" baseline="0" dirty="0" smtClean="0">
-                        <a:solidFill>
-                          <a:schemeClr val="tx1"/>
-                        </a:solidFill>
-                        <a:latin typeface="Lucida Console" pitchFamily="49" charset="0"/>
-                      </a:endParaRPr>
-                    </a:p>
-                    <a:p>
-                      <a:pPr marL="0" marR="0" indent="0" algn="l" defTabSz="914400" rtl="0" eaLnBrk="1" fontAlgn="auto" latinLnBrk="0" hangingPunct="1">
-                        <a:lnSpc>
-                          <a:spcPct val="100000"/>
-                        </a:lnSpc>
-                        <a:spcBef>
-                          <a:spcPts val="0"/>
-                        </a:spcBef>
-                        <a:spcAft>
-                          <a:spcPts val="0"/>
-                        </a:spcAft>
-                        <a:buClrTx/>
-                        <a:buSzTx/>
-                        <a:buFontTx/>
-                        <a:buNone/>
-                        <a:tabLst/>
-                        <a:defRPr/>
-                      </a:pPr>
-                      <a:endParaRPr lang="en-US" altLang="zh-CN" b="0" baseline="0" dirty="0" smtClean="0">
-                        <a:solidFill>
-                          <a:schemeClr val="tx1"/>
-                        </a:solidFill>
-                        <a:latin typeface="Lucida Console" pitchFamily="49" charset="0"/>
-                      </a:endParaRPr>
-                    </a:p>
-                    <a:p>
-                      <a:pPr marL="0" marR="0" indent="0" algn="l" defTabSz="914400" rtl="0" eaLnBrk="1" fontAlgn="auto" latinLnBrk="0" hangingPunct="1">
-                        <a:lnSpc>
-                          <a:spcPct val="100000"/>
-                        </a:lnSpc>
-                        <a:spcBef>
-                          <a:spcPts val="0"/>
-                        </a:spcBef>
-                        <a:spcAft>
-                          <a:spcPts val="0"/>
-                        </a:spcAft>
-                        <a:buClrTx/>
-                        <a:buSzTx/>
-                        <a:buFontTx/>
-                        <a:buNone/>
-                        <a:tabLst/>
-                        <a:defRPr/>
-                      </a:pPr>
-                      <a:r>
-                        <a:rPr lang="en-US" altLang="zh-CN" sz="1800" b="0" i="0" kern="1200" dirty="0" smtClean="0">
-                          <a:solidFill>
-                            <a:schemeClr val="tx1"/>
-                          </a:solidFill>
-                          <a:latin typeface="Lucida Console" pitchFamily="49" charset="0"/>
-                          <a:ea typeface="+mn-ea"/>
-                          <a:cs typeface="Times New Roman" pitchFamily="18" charset="0"/>
-                        </a:rPr>
-                        <a:t>assume(b&gt;0)</a:t>
-                      </a:r>
-                    </a:p>
-                    <a:p>
-                      <a:pPr marL="0" marR="0" indent="0" algn="l" defTabSz="914400" rtl="0" eaLnBrk="1" fontAlgn="auto" latinLnBrk="0" hangingPunct="1">
-                        <a:lnSpc>
-                          <a:spcPct val="100000"/>
-                        </a:lnSpc>
-                        <a:spcBef>
-                          <a:spcPts val="0"/>
-                        </a:spcBef>
-                        <a:spcAft>
-                          <a:spcPts val="0"/>
-                        </a:spcAft>
-                        <a:buClrTx/>
-                        <a:buSzTx/>
-                        <a:buFontTx/>
-                        <a:buNone/>
-                        <a:tabLst/>
-                        <a:defRPr/>
-                      </a:pPr>
-                      <a:r>
-                        <a:rPr lang="en-US" sz="1800" b="0" i="0" kern="1200" dirty="0" smtClean="0">
-                          <a:solidFill>
-                            <a:schemeClr val="tx1"/>
-                          </a:solidFill>
-                          <a:latin typeface="Lucida Console" pitchFamily="49" charset="0"/>
-                          <a:ea typeface="+mn-ea"/>
-                          <a:cs typeface="Times New Roman" pitchFamily="18" charset="0"/>
-                        </a:rPr>
-                        <a:t>assert(a==4)</a:t>
-                      </a:r>
-                      <a:endParaRPr lang="en-US" sz="1800" b="0" i="0" kern="1200" dirty="0">
-                        <a:solidFill>
-                          <a:schemeClr val="tx1"/>
-                        </a:solidFill>
-                        <a:latin typeface="Lucida Console" pitchFamily="49" charset="0"/>
-                        <a:ea typeface="+mn-ea"/>
-                        <a:cs typeface="Times New Roman" pitchFamily="18" charset="0"/>
-                      </a:endParaRPr>
-                    </a:p>
-                  </a:txBody>
-                  <a:tcPr>
-                    <a:lnL w="12700" cmpd="sng">
-                      <a:noFill/>
-                    </a:lnL>
-                    <a:lnR w="12700" cmpd="sng">
-                      <a:noFill/>
-                    </a:lnR>
-                    <a:lnT w="38100" cmpd="sng">
-                      <a:noFill/>
-                    </a:lnT>
-                    <a:lnB w="12700" cmpd="sng">
-                      <a:noFill/>
-                    </a:lnB>
-                    <a:lnTlToBr w="12700" cmpd="sng">
-                      <a:noFill/>
-                      <a:prstDash val="solid"/>
-                    </a:lnTlToBr>
-                    <a:lnBlToTr w="12700" cmpd="sng">
-                      <a:noFill/>
-                      <a:prstDash val="solid"/>
-                    </a:lnBlToTr>
-                    <a:solidFill>
-                      <a:schemeClr val="bg1"/>
-                    </a:solidFill>
-                  </a:tcPr>
-                </a:tc>
-              </a:tr>
-            </a:tbl>
-          </a:graphicData>
-        </a:graphic>
-      </p:graphicFrame>
-      <p:pic>
-        <p:nvPicPr>
-          <p:cNvPr id="5" name="Picture 4"/>
-          <p:cNvPicPr>
-            <a:picLocks noChangeAspect="1"/>
-          </p:cNvPicPr>
-          <p:nvPr/>
-        </p:nvPicPr>
-        <p:blipFill>
-          <a:blip r:embed="rId3">
-            <a:extLst>
-              <a:ext uri="{28A0092B-C50C-407E-A947-70E740481C1C}">
-                <a14:useLocalDpi xmlns:a14="http://schemas.microsoft.com/office/drawing/2010/main" val="0"/>
-              </a:ext>
-            </a:extLst>
-          </a:blip>
-          <a:stretch>
-            <a:fillRect/>
-          </a:stretch>
-        </p:blipFill>
-        <p:spPr>
-          <a:xfrm>
-            <a:off x="190500" y="152400"/>
-            <a:ext cx="685800" cy="685800"/>
-          </a:xfrm>
-          <a:prstGeom prst="rect">
-            <a:avLst/>
-          </a:prstGeom>
-        </p:spPr>
-      </p:pic>
-    </p:spTree>
-    <p:extLst>
-      <p:ext uri="{BB962C8B-B14F-4D97-AF65-F5344CB8AC3E}">
-        <p14:creationId xmlns:p14="http://schemas.microsoft.com/office/powerpoint/2010/main" val="2756655423"/>
-      </p:ext>
-    </p:extLst>
-  </p:cSld>
-  <p:clrMapOvr>
-    <a:masterClrMapping/>
-  </p:clrMapOvr>
-  <p:timing>
-    <p:tnLst>
-      <p:par>
-        <p:cTn xmlns:p14="http://schemas.microsoft.com/office/powerpoint/2010/main" id="1" dur="indefinite" restart="never" nodeType="tmRoot"/>
-      </p:par>
-    </p:tnLst>
-  </p:timing>
-</p:sld>
-</file>
-
-<file path=ppt/slides/slide30.xml><?xml version="1.0" encoding="utf-8"?>
+<file path=ppt/slides/slide29.xml><?xml version="1.0" encoding="utf-8"?>
 <p:sld xmlns:a="http://schemas.openxmlformats.org/drawingml/2006/main" xmlns:r="http://schemas.openxmlformats.org/officeDocument/2006/relationships" xmlns:p="http://schemas.openxmlformats.org/presentationml/2006/main" show="0">
   <p:cSld>
     <p:spTree>
@@ -30139,14 +29049,951 @@
   <p:timing>
     <p:tnLst>
       <p:par>
-        <p:cTn xmlns:p14="http://schemas.microsoft.com/office/powerpoint/2010/main" id="1" dur="indefinite" restart="never" nodeType="tmRoot"/>
+        <p:cTn id="1" dur="indefinite" restart="never" nodeType="tmRoot"/>
       </p:par>
     </p:tnLst>
   </p:timing>
 </p:sld>
 </file>
 
-<file path=ppt/slides/slide31.xml><?xml version="1.0" encoding="utf-8"?>
+<file path=ppt/slides/slide3.xml><?xml version="1.0" encoding="utf-8"?>
+<p:sld xmlns:a="http://schemas.openxmlformats.org/drawingml/2006/main" xmlns:r="http://schemas.openxmlformats.org/officeDocument/2006/relationships" xmlns:p="http://schemas.openxmlformats.org/presentationml/2006/main">
+  <p:cSld>
+    <p:spTree>
+      <p:nvGrpSpPr>
+        <p:cNvPr id="1" name=""/>
+        <p:cNvGrpSpPr/>
+        <p:nvPr/>
+      </p:nvGrpSpPr>
+      <p:grpSpPr>
+        <a:xfrm>
+          <a:off x="0" y="0"/>
+          <a:ext cx="0" cy="0"/>
+          <a:chOff x="0" y="0"/>
+          <a:chExt cx="0" cy="0"/>
+        </a:xfrm>
+      </p:grpSpPr>
+      <p:sp>
+        <p:nvSpPr>
+          <p:cNvPr id="2" name="Title 1"/>
+          <p:cNvSpPr>
+            <a:spLocks noGrp="1"/>
+          </p:cNvSpPr>
+          <p:nvPr>
+            <p:ph type="title"/>
+          </p:nvPr>
+        </p:nvSpPr>
+        <p:spPr/>
+        <p:txBody>
+          <a:bodyPr/>
+          <a:lstStyle/>
+          <a:p>
+            <a:r>
+              <a:rPr lang="en-US" dirty="0" smtClean="0"/>
+              <a:t>Introduction</a:t>
+            </a:r>
+            <a:endParaRPr lang="en-US" dirty="0"/>
+          </a:p>
+        </p:txBody>
+      </p:sp>
+      <p:graphicFrame>
+        <p:nvGraphicFramePr>
+          <p:cNvPr id="3" name="Table 2"/>
+          <p:cNvGraphicFramePr>
+            <a:graphicFrameLocks noGrp="1"/>
+          </p:cNvGraphicFramePr>
+          <p:nvPr>
+            <p:extLst>
+              <p:ext uri="{D42A27DB-BD31-4B8C-83A1-F6EECF244321}">
+                <p14:modId xmlns:p14="http://schemas.microsoft.com/office/powerpoint/2010/main" val="3396678475"/>
+              </p:ext>
+            </p:extLst>
+          </p:nvPr>
+        </p:nvGraphicFramePr>
+        <p:xfrm>
+          <a:off x="762000" y="1889760"/>
+          <a:ext cx="8077200" cy="4206240"/>
+        </p:xfrm>
+        <a:graphic>
+          <a:graphicData uri="http://schemas.openxmlformats.org/drawingml/2006/table">
+            <a:tbl>
+              <a:tblPr firstRow="1" bandRow="1">
+                <a:tableStyleId>{5C22544A-7EE6-4342-B048-85BDC9FD1C3A}</a:tableStyleId>
+              </a:tblPr>
+              <a:tblGrid>
+                <a:gridCol w="6019800"/>
+                <a:gridCol w="2057400"/>
+              </a:tblGrid>
+              <a:tr h="370840">
+                <a:tc>
+                  <a:txBody>
+                    <a:bodyPr/>
+                    <a:lstStyle/>
+                    <a:p>
+                      <a:r>
+                        <a:rPr lang="en-US" b="0" dirty="0" smtClean="0">
+                          <a:solidFill>
+                            <a:schemeClr val="tx1"/>
+                          </a:solidFill>
+                          <a:latin typeface="Lucida Console" pitchFamily="49" charset="0"/>
+                          <a:cs typeface="Times New Roman" pitchFamily="18" charset="0"/>
+                        </a:rPr>
+                        <a:t> 00 initialize(NODE_0,</a:t>
+                      </a:r>
+                      <a:r>
+                        <a:rPr lang="en-US" b="0" baseline="0" dirty="0" smtClean="0">
+                          <a:solidFill>
+                            <a:schemeClr val="tx1"/>
+                          </a:solidFill>
+                          <a:latin typeface="Lucida Console" pitchFamily="49" charset="0"/>
+                          <a:cs typeface="Times New Roman" pitchFamily="18" charset="0"/>
+                        </a:rPr>
+                        <a:t> &amp;v, &amp;s</a:t>
+                      </a:r>
+                      <a:r>
+                        <a:rPr lang="en-US" b="0" dirty="0" smtClean="0">
+                          <a:solidFill>
+                            <a:schemeClr val="tx1"/>
+                          </a:solidFill>
+                          <a:latin typeface="Lucida Console" pitchFamily="49" charset="0"/>
+                          <a:cs typeface="Times New Roman" pitchFamily="18" charset="0"/>
+                        </a:rPr>
+                        <a:t>);</a:t>
+                      </a:r>
+                    </a:p>
+                    <a:p>
+                      <a:r>
+                        <a:rPr lang="en-US" b="0" dirty="0" smtClean="0">
+                          <a:solidFill>
+                            <a:schemeClr val="tx1"/>
+                          </a:solidFill>
+                          <a:latin typeface="Lucida Console" pitchFamily="49" charset="0"/>
+                          <a:cs typeface="Times New Roman" pitchFamily="18" charset="0"/>
+                        </a:rPr>
+                        <a:t> 01 e0 = </a:t>
+                      </a:r>
+                      <a:r>
+                        <a:rPr lang="en-US" b="0" dirty="0" err="1" smtClean="0">
+                          <a:solidFill>
+                            <a:schemeClr val="tx1"/>
+                          </a:solidFill>
+                          <a:latin typeface="Lucida Console" pitchFamily="49" charset="0"/>
+                          <a:cs typeface="Times New Roman" pitchFamily="18" charset="0"/>
+                        </a:rPr>
+                        <a:t>create_endpoint</a:t>
+                      </a:r>
+                      <a:r>
+                        <a:rPr lang="en-US" b="0" dirty="0" smtClean="0">
+                          <a:solidFill>
+                            <a:schemeClr val="tx1"/>
+                          </a:solidFill>
+                          <a:latin typeface="Lucida Console" pitchFamily="49" charset="0"/>
+                          <a:cs typeface="Times New Roman" pitchFamily="18" charset="0"/>
+                        </a:rPr>
+                        <a:t>(PORT_0, &amp;s);</a:t>
+                      </a:r>
+                    </a:p>
+                    <a:p>
+                      <a:r>
+                        <a:rPr lang="en-US" b="0" dirty="0" smtClean="0">
+                          <a:solidFill>
+                            <a:schemeClr val="tx1"/>
+                          </a:solidFill>
+                          <a:latin typeface="Lucida Console" pitchFamily="49" charset="0"/>
+                          <a:cs typeface="Times New Roman" pitchFamily="18" charset="0"/>
+                        </a:rPr>
+                        <a:t>      </a:t>
+                      </a:r>
+                    </a:p>
+                    <a:p>
+                      <a:r>
+                        <a:rPr lang="en-US" b="0" baseline="0" dirty="0" smtClean="0">
+                          <a:solidFill>
+                            <a:schemeClr val="tx1"/>
+                          </a:solidFill>
+                          <a:latin typeface="Lucida Console" pitchFamily="49" charset="0"/>
+                          <a:cs typeface="Times New Roman" pitchFamily="18" charset="0"/>
+                        </a:rPr>
+                        <a:t> 02 </a:t>
+                      </a:r>
+                      <a:r>
+                        <a:rPr lang="en-US" b="0" baseline="0" dirty="0" err="1" smtClean="0">
+                          <a:solidFill>
+                            <a:schemeClr val="tx1"/>
+                          </a:solidFill>
+                          <a:latin typeface="Lucida Console" pitchFamily="49" charset="0"/>
+                          <a:cs typeface="Times New Roman" pitchFamily="18" charset="0"/>
+                        </a:rPr>
+                        <a:t>msg_recv_i</a:t>
+                      </a:r>
+                      <a:r>
+                        <a:rPr lang="en-US" b="0" baseline="0" dirty="0" smtClean="0">
+                          <a:solidFill>
+                            <a:schemeClr val="tx1"/>
+                          </a:solidFill>
+                          <a:latin typeface="Lucida Console" pitchFamily="49" charset="0"/>
+                          <a:cs typeface="Times New Roman" pitchFamily="18" charset="0"/>
+                        </a:rPr>
+                        <a:t>(e0, A, </a:t>
+                      </a:r>
+                      <a:r>
+                        <a:rPr lang="en-US" b="0" baseline="0" dirty="0" err="1" smtClean="0">
+                          <a:solidFill>
+                            <a:schemeClr val="tx1"/>
+                          </a:solidFill>
+                          <a:latin typeface="Lucida Console" pitchFamily="49" charset="0"/>
+                          <a:cs typeface="Times New Roman" pitchFamily="18" charset="0"/>
+                        </a:rPr>
+                        <a:t>sizeof</a:t>
+                      </a:r>
+                      <a:r>
+                        <a:rPr lang="en-US" b="0" baseline="0" dirty="0" smtClean="0">
+                          <a:solidFill>
+                            <a:schemeClr val="tx1"/>
+                          </a:solidFill>
+                          <a:latin typeface="Lucida Console" pitchFamily="49" charset="0"/>
+                          <a:cs typeface="Times New Roman" pitchFamily="18" charset="0"/>
+                        </a:rPr>
+                        <a:t>(A), &amp;h1, &amp;s);</a:t>
+                      </a:r>
+                    </a:p>
+                    <a:p>
+                      <a:r>
+                        <a:rPr lang="en-US" b="0" baseline="0" dirty="0" smtClean="0">
+                          <a:solidFill>
+                            <a:schemeClr val="tx1"/>
+                          </a:solidFill>
+                          <a:latin typeface="Lucida Console" pitchFamily="49" charset="0"/>
+                          <a:cs typeface="Times New Roman" pitchFamily="18" charset="0"/>
+                        </a:rPr>
+                        <a:t> 03 wait(&amp;h1, &amp;size, &amp;s, MCAPI_INF);</a:t>
+                      </a:r>
+                    </a:p>
+                    <a:p>
+                      <a:r>
+                        <a:rPr lang="en-US" b="0" baseline="0" dirty="0" smtClean="0">
+                          <a:solidFill>
+                            <a:schemeClr val="tx1"/>
+                          </a:solidFill>
+                          <a:latin typeface="Lucida Console" pitchFamily="49" charset="0"/>
+                          <a:cs typeface="Times New Roman" pitchFamily="18" charset="0"/>
+                        </a:rPr>
+                        <a:t> 04 a = </a:t>
+                      </a:r>
+                      <a:r>
+                        <a:rPr lang="en-US" b="0" baseline="0" dirty="0" err="1" smtClean="0">
+                          <a:solidFill>
+                            <a:schemeClr val="tx1"/>
+                          </a:solidFill>
+                          <a:latin typeface="Lucida Console" pitchFamily="49" charset="0"/>
+                          <a:cs typeface="Times New Roman" pitchFamily="18" charset="0"/>
+                        </a:rPr>
+                        <a:t>atoi</a:t>
+                      </a:r>
+                      <a:r>
+                        <a:rPr lang="en-US" b="0" baseline="0" dirty="0" smtClean="0">
+                          <a:solidFill>
+                            <a:schemeClr val="tx1"/>
+                          </a:solidFill>
+                          <a:latin typeface="Lucida Console" pitchFamily="49" charset="0"/>
+                          <a:cs typeface="Times New Roman" pitchFamily="18" charset="0"/>
+                        </a:rPr>
+                        <a:t>(A);</a:t>
+                      </a:r>
+                    </a:p>
+                    <a:p>
+                      <a:endParaRPr lang="en-US" b="0" baseline="0" dirty="0" smtClean="0">
+                        <a:solidFill>
+                          <a:schemeClr val="tx1"/>
+                        </a:solidFill>
+                        <a:latin typeface="Lucida Console" pitchFamily="49" charset="0"/>
+                        <a:cs typeface="Times New Roman" pitchFamily="18" charset="0"/>
+                      </a:endParaRPr>
+                    </a:p>
+                    <a:p>
+                      <a:r>
+                        <a:rPr lang="en-US" b="0" baseline="0" dirty="0" smtClean="0">
+                          <a:solidFill>
+                            <a:schemeClr val="tx1"/>
+                          </a:solidFill>
+                          <a:latin typeface="Lucida Console" pitchFamily="49" charset="0"/>
+                          <a:cs typeface="Times New Roman" pitchFamily="18" charset="0"/>
+                        </a:rPr>
+                        <a:t> 05 </a:t>
+                      </a:r>
+                      <a:r>
+                        <a:rPr lang="en-US" b="0" baseline="0" dirty="0" err="1" smtClean="0">
+                          <a:solidFill>
+                            <a:schemeClr val="tx1"/>
+                          </a:solidFill>
+                          <a:latin typeface="Lucida Console" pitchFamily="49" charset="0"/>
+                          <a:cs typeface="Times New Roman" pitchFamily="18" charset="0"/>
+                        </a:rPr>
+                        <a:t>msg_recv_i</a:t>
+                      </a:r>
+                      <a:r>
+                        <a:rPr lang="en-US" b="0" baseline="0" dirty="0" smtClean="0">
+                          <a:solidFill>
+                            <a:schemeClr val="tx1"/>
+                          </a:solidFill>
+                          <a:latin typeface="Lucida Console" pitchFamily="49" charset="0"/>
+                          <a:cs typeface="Times New Roman" pitchFamily="18" charset="0"/>
+                        </a:rPr>
+                        <a:t>(e0, B, </a:t>
+                      </a:r>
+                      <a:r>
+                        <a:rPr lang="en-US" b="0" baseline="0" dirty="0" err="1" smtClean="0">
+                          <a:solidFill>
+                            <a:schemeClr val="tx1"/>
+                          </a:solidFill>
+                          <a:latin typeface="Lucida Console" pitchFamily="49" charset="0"/>
+                          <a:cs typeface="Times New Roman" pitchFamily="18" charset="0"/>
+                        </a:rPr>
+                        <a:t>sizeof</a:t>
+                      </a:r>
+                      <a:r>
+                        <a:rPr lang="en-US" b="0" baseline="0" dirty="0" smtClean="0">
+                          <a:solidFill>
+                            <a:schemeClr val="tx1"/>
+                          </a:solidFill>
+                          <a:latin typeface="Lucida Console" pitchFamily="49" charset="0"/>
+                          <a:cs typeface="Times New Roman" pitchFamily="18" charset="0"/>
+                        </a:rPr>
+                        <a:t>(B), &amp;h2, &amp;s);</a:t>
+                      </a:r>
+                    </a:p>
+                    <a:p>
+                      <a:r>
+                        <a:rPr lang="en-US" b="0" baseline="0" dirty="0" smtClean="0">
+                          <a:solidFill>
+                            <a:schemeClr val="tx1"/>
+                          </a:solidFill>
+                          <a:latin typeface="Lucida Console" pitchFamily="49" charset="0"/>
+                          <a:cs typeface="Times New Roman" pitchFamily="18" charset="0"/>
+                        </a:rPr>
+                        <a:t> 06 wait(&amp;h2, &amp;size, &amp;s, MCAPI_INF);</a:t>
+                      </a:r>
+                    </a:p>
+                    <a:p>
+                      <a:r>
+                        <a:rPr lang="en-US" b="0" dirty="0" smtClean="0">
+                          <a:solidFill>
+                            <a:schemeClr val="tx1"/>
+                          </a:solidFill>
+                          <a:latin typeface="Lucida Console" pitchFamily="49" charset="0"/>
+                          <a:cs typeface="Times New Roman" pitchFamily="18" charset="0"/>
+                        </a:rPr>
+                        <a:t> 07 b = </a:t>
+                      </a:r>
+                      <a:r>
+                        <a:rPr lang="en-US" b="0" dirty="0" err="1" smtClean="0">
+                          <a:solidFill>
+                            <a:schemeClr val="tx1"/>
+                          </a:solidFill>
+                          <a:latin typeface="Lucida Console" pitchFamily="49" charset="0"/>
+                          <a:cs typeface="Times New Roman" pitchFamily="18" charset="0"/>
+                        </a:rPr>
+                        <a:t>atoi</a:t>
+                      </a:r>
+                      <a:r>
+                        <a:rPr lang="en-US" b="0" dirty="0" smtClean="0">
+                          <a:solidFill>
+                            <a:schemeClr val="tx1"/>
+                          </a:solidFill>
+                          <a:latin typeface="Lucida Console" pitchFamily="49" charset="0"/>
+                          <a:cs typeface="Times New Roman" pitchFamily="18" charset="0"/>
+                        </a:rPr>
+                        <a:t>(B);</a:t>
+                      </a:r>
+                    </a:p>
+                    <a:p>
+                      <a:endParaRPr lang="en-US" b="0" dirty="0" smtClean="0">
+                        <a:solidFill>
+                          <a:schemeClr val="tx1"/>
+                        </a:solidFill>
+                        <a:latin typeface="Lucida Console" pitchFamily="49" charset="0"/>
+                        <a:cs typeface="Times New Roman" pitchFamily="18" charset="0"/>
+                      </a:endParaRPr>
+                    </a:p>
+                    <a:p>
+                      <a:r>
+                        <a:rPr lang="en-US" b="0" dirty="0" smtClean="0">
+                          <a:solidFill>
+                            <a:schemeClr val="tx1"/>
+                          </a:solidFill>
+                          <a:latin typeface="Lucida Console" pitchFamily="49" charset="0"/>
+                          <a:cs typeface="Times New Roman" pitchFamily="18" charset="0"/>
+                        </a:rPr>
+                        <a:t> 08</a:t>
+                      </a:r>
+                      <a:r>
+                        <a:rPr lang="en-US" b="0" baseline="0" dirty="0" smtClean="0">
+                          <a:solidFill>
+                            <a:schemeClr val="tx1"/>
+                          </a:solidFill>
+                          <a:latin typeface="Lucida Console" pitchFamily="49" charset="0"/>
+                          <a:cs typeface="Times New Roman" pitchFamily="18" charset="0"/>
+                        </a:rPr>
+                        <a:t> if(b &gt; 0)</a:t>
+                      </a:r>
+                    </a:p>
+                    <a:p>
+                      <a:r>
+                        <a:rPr lang="en-US" b="0" baseline="0" dirty="0" smtClean="0">
+                          <a:solidFill>
+                            <a:schemeClr val="tx1"/>
+                          </a:solidFill>
+                          <a:latin typeface="Lucida Console" pitchFamily="49" charset="0"/>
+                          <a:cs typeface="Times New Roman" pitchFamily="18" charset="0"/>
+                        </a:rPr>
+                        <a:t> 09   assert(a == 4);</a:t>
+                      </a:r>
+                    </a:p>
+                    <a:p>
+                      <a:endParaRPr lang="en-US" b="0" baseline="0" dirty="0" smtClean="0">
+                        <a:solidFill>
+                          <a:schemeClr val="tx1"/>
+                        </a:solidFill>
+                        <a:latin typeface="Lucida Console" pitchFamily="49" charset="0"/>
+                        <a:cs typeface="Times New Roman" pitchFamily="18" charset="0"/>
+                      </a:endParaRPr>
+                    </a:p>
+                    <a:p>
+                      <a:r>
+                        <a:rPr lang="en-US" b="0" baseline="0" dirty="0" smtClean="0">
+                          <a:solidFill>
+                            <a:schemeClr val="tx1"/>
+                          </a:solidFill>
+                          <a:latin typeface="Lucida Console" pitchFamily="49" charset="0"/>
+                          <a:cs typeface="Times New Roman" pitchFamily="18" charset="0"/>
+                        </a:rPr>
+                        <a:t> 10 finalize(&amp;s);</a:t>
+                      </a:r>
+                      <a:endParaRPr lang="en-US" b="0" dirty="0">
+                        <a:solidFill>
+                          <a:schemeClr val="tx1"/>
+                        </a:solidFill>
+                        <a:latin typeface="Lucida Console" pitchFamily="49" charset="0"/>
+                        <a:cs typeface="Times New Roman" pitchFamily="18" charset="0"/>
+                      </a:endParaRPr>
+                    </a:p>
+                  </a:txBody>
+                  <a:tcPr>
+                    <a:lnL w="12700" cmpd="sng">
+                      <a:noFill/>
+                    </a:lnL>
+                    <a:lnR w="12700" cmpd="sng">
+                      <a:noFill/>
+                    </a:lnR>
+                    <a:lnT w="38100" cmpd="sng">
+                      <a:noFill/>
+                    </a:lnT>
+                    <a:lnB w="12700" cmpd="sng">
+                      <a:noFill/>
+                    </a:lnB>
+                    <a:lnTlToBr w="12700" cmpd="sng">
+                      <a:noFill/>
+                      <a:prstDash val="solid"/>
+                    </a:lnTlToBr>
+                    <a:lnBlToTr w="12700" cmpd="sng">
+                      <a:noFill/>
+                      <a:prstDash val="solid"/>
+                    </a:lnBlToTr>
+                    <a:solidFill>
+                      <a:schemeClr val="bg1"/>
+                    </a:solidFill>
+                  </a:tcPr>
+                </a:tc>
+                <a:tc>
+                  <a:txBody>
+                    <a:bodyPr/>
+                    <a:lstStyle/>
+                    <a:p>
+                      <a:pPr marL="0" marR="0" indent="0" algn="l" defTabSz="914400" rtl="0" eaLnBrk="1" fontAlgn="auto" latinLnBrk="0" hangingPunct="1">
+                        <a:lnSpc>
+                          <a:spcPct val="100000"/>
+                        </a:lnSpc>
+                        <a:spcBef>
+                          <a:spcPts val="0"/>
+                        </a:spcBef>
+                        <a:spcAft>
+                          <a:spcPts val="0"/>
+                        </a:spcAft>
+                        <a:buClrTx/>
+                        <a:buSzTx/>
+                        <a:buFontTx/>
+                        <a:buNone/>
+                        <a:tabLst/>
+                        <a:defRPr/>
+                      </a:pPr>
+                      <a:r>
+                        <a:rPr lang="en-US" b="0" dirty="0" smtClean="0">
+                          <a:solidFill>
+                            <a:schemeClr val="tx1"/>
+                          </a:solidFill>
+                          <a:latin typeface="Lucida Console" pitchFamily="49" charset="0"/>
+                          <a:cs typeface="Times New Roman" pitchFamily="18" charset="0"/>
+                        </a:rPr>
+                        <a:t>  </a:t>
+                      </a:r>
+                    </a:p>
+                    <a:p>
+                      <a:pPr marL="0" marR="0" indent="0" algn="l" defTabSz="914400" rtl="0" eaLnBrk="1" fontAlgn="auto" latinLnBrk="0" hangingPunct="1">
+                        <a:lnSpc>
+                          <a:spcPct val="100000"/>
+                        </a:lnSpc>
+                        <a:spcBef>
+                          <a:spcPts val="0"/>
+                        </a:spcBef>
+                        <a:spcAft>
+                          <a:spcPts val="0"/>
+                        </a:spcAft>
+                        <a:buClrTx/>
+                        <a:buSzTx/>
+                        <a:buFontTx/>
+                        <a:buNone/>
+                        <a:tabLst/>
+                        <a:defRPr/>
+                      </a:pPr>
+                      <a:endParaRPr lang="en-US" b="0" dirty="0" smtClean="0">
+                        <a:solidFill>
+                          <a:schemeClr val="tx1"/>
+                        </a:solidFill>
+                        <a:latin typeface="Lucida Console" pitchFamily="49" charset="0"/>
+                        <a:cs typeface="Times New Roman" pitchFamily="18" charset="0"/>
+                      </a:endParaRPr>
+                    </a:p>
+                    <a:p>
+                      <a:pPr marL="0" marR="0" indent="0" algn="l" defTabSz="914400" rtl="0" eaLnBrk="1" fontAlgn="auto" latinLnBrk="0" hangingPunct="1">
+                        <a:lnSpc>
+                          <a:spcPct val="100000"/>
+                        </a:lnSpc>
+                        <a:spcBef>
+                          <a:spcPts val="0"/>
+                        </a:spcBef>
+                        <a:spcAft>
+                          <a:spcPts val="0"/>
+                        </a:spcAft>
+                        <a:buClrTx/>
+                        <a:buSzTx/>
+                        <a:buFontTx/>
+                        <a:buNone/>
+                        <a:tabLst/>
+                        <a:defRPr/>
+                      </a:pPr>
+                      <a:endParaRPr lang="en-US" b="0" dirty="0" smtClean="0">
+                        <a:solidFill>
+                          <a:schemeClr val="tx1"/>
+                        </a:solidFill>
+                        <a:latin typeface="Lucida Console" pitchFamily="49" charset="0"/>
+                        <a:cs typeface="Times New Roman" pitchFamily="18" charset="0"/>
+                      </a:endParaRPr>
+                    </a:p>
+                    <a:p>
+                      <a:pPr marL="0" marR="0" indent="0" algn="l" defTabSz="914400" rtl="0" eaLnBrk="1" fontAlgn="auto" latinLnBrk="0" hangingPunct="1">
+                        <a:lnSpc>
+                          <a:spcPct val="100000"/>
+                        </a:lnSpc>
+                        <a:spcBef>
+                          <a:spcPts val="0"/>
+                        </a:spcBef>
+                        <a:spcAft>
+                          <a:spcPts val="0"/>
+                        </a:spcAft>
+                        <a:buClrTx/>
+                        <a:buSzTx/>
+                        <a:buFontTx/>
+                        <a:buNone/>
+                        <a:tabLst/>
+                        <a:defRPr/>
+                      </a:pPr>
+                      <a:r>
+                        <a:rPr lang="en-US" altLang="zh-CN" b="0" dirty="0" smtClean="0">
+                          <a:solidFill>
+                            <a:schemeClr val="tx1"/>
+                          </a:solidFill>
+                          <a:latin typeface="Lucida Console" pitchFamily="49" charset="0"/>
+                        </a:rPr>
+                        <a:t>R</a:t>
+                      </a:r>
+                      <a:r>
+                        <a:rPr lang="en-US" altLang="zh-CN" b="0" baseline="-25000" dirty="0" smtClean="0">
+                          <a:solidFill>
+                            <a:schemeClr val="tx1"/>
+                          </a:solidFill>
+                          <a:latin typeface="Lucida Console" pitchFamily="49" charset="0"/>
+                        </a:rPr>
+                        <a:t>0,2</a:t>
+                      </a:r>
+                      <a:r>
+                        <a:rPr lang="en-US" altLang="zh-CN" b="0" dirty="0" smtClean="0">
+                          <a:solidFill>
+                            <a:schemeClr val="tx1"/>
+                          </a:solidFill>
+                          <a:latin typeface="Lucida Console" pitchFamily="49" charset="0"/>
+                        </a:rPr>
+                        <a:t>(*,a,&amp;h1)</a:t>
+                      </a:r>
+                    </a:p>
+                    <a:p>
+                      <a:pPr marL="0" marR="0" indent="0" algn="l" defTabSz="914400" rtl="0" eaLnBrk="1" fontAlgn="auto" latinLnBrk="0" hangingPunct="1">
+                        <a:lnSpc>
+                          <a:spcPct val="100000"/>
+                        </a:lnSpc>
+                        <a:spcBef>
+                          <a:spcPts val="0"/>
+                        </a:spcBef>
+                        <a:spcAft>
+                          <a:spcPts val="0"/>
+                        </a:spcAft>
+                        <a:buClrTx/>
+                        <a:buSzTx/>
+                        <a:buFontTx/>
+                        <a:buNone/>
+                        <a:tabLst/>
+                        <a:defRPr/>
+                      </a:pPr>
+                      <a:r>
+                        <a:rPr lang="en-US" b="0" dirty="0" smtClean="0">
+                          <a:solidFill>
+                            <a:schemeClr val="tx1"/>
+                          </a:solidFill>
+                          <a:latin typeface="Lucida Console" pitchFamily="49" charset="0"/>
+                          <a:cs typeface="Times New Roman" pitchFamily="18" charset="0"/>
+                        </a:rPr>
+                        <a:t>W(&amp;h1)</a:t>
+                      </a:r>
+                    </a:p>
+                    <a:p>
+                      <a:pPr marL="0" marR="0" indent="0" algn="l" defTabSz="914400" rtl="0" eaLnBrk="1" fontAlgn="auto" latinLnBrk="0" hangingPunct="1">
+                        <a:lnSpc>
+                          <a:spcPct val="100000"/>
+                        </a:lnSpc>
+                        <a:spcBef>
+                          <a:spcPts val="0"/>
+                        </a:spcBef>
+                        <a:spcAft>
+                          <a:spcPts val="0"/>
+                        </a:spcAft>
+                        <a:buClrTx/>
+                        <a:buSzTx/>
+                        <a:buFontTx/>
+                        <a:buNone/>
+                        <a:tabLst/>
+                        <a:defRPr/>
+                      </a:pPr>
+                      <a:endParaRPr lang="en-US" b="0" dirty="0" smtClean="0">
+                        <a:solidFill>
+                          <a:schemeClr val="tx1"/>
+                        </a:solidFill>
+                        <a:latin typeface="Lucida Console" pitchFamily="49" charset="0"/>
+                        <a:cs typeface="Times New Roman" pitchFamily="18" charset="0"/>
+                      </a:endParaRPr>
+                    </a:p>
+                    <a:p>
+                      <a:pPr marL="0" marR="0" indent="0" algn="l" defTabSz="914400" rtl="0" eaLnBrk="1" fontAlgn="auto" latinLnBrk="0" hangingPunct="1">
+                        <a:lnSpc>
+                          <a:spcPct val="100000"/>
+                        </a:lnSpc>
+                        <a:spcBef>
+                          <a:spcPts val="0"/>
+                        </a:spcBef>
+                        <a:spcAft>
+                          <a:spcPts val="0"/>
+                        </a:spcAft>
+                        <a:buClrTx/>
+                        <a:buSzTx/>
+                        <a:buFontTx/>
+                        <a:buNone/>
+                        <a:tabLst/>
+                        <a:defRPr/>
+                      </a:pPr>
+                      <a:endParaRPr lang="en-US" b="0" i="0" dirty="0" smtClean="0">
+                        <a:solidFill>
+                          <a:schemeClr val="tx1"/>
+                        </a:solidFill>
+                        <a:latin typeface="Lucida Console" pitchFamily="49" charset="0"/>
+                        <a:cs typeface="Times New Roman" pitchFamily="18" charset="0"/>
+                      </a:endParaRPr>
+                    </a:p>
+                    <a:p>
+                      <a:pPr marL="0" marR="0" indent="0" algn="l" defTabSz="914400" rtl="0" eaLnBrk="1" fontAlgn="auto" latinLnBrk="0" hangingPunct="1">
+                        <a:lnSpc>
+                          <a:spcPct val="100000"/>
+                        </a:lnSpc>
+                        <a:spcBef>
+                          <a:spcPts val="0"/>
+                        </a:spcBef>
+                        <a:spcAft>
+                          <a:spcPts val="0"/>
+                        </a:spcAft>
+                        <a:buClrTx/>
+                        <a:buSzTx/>
+                        <a:buFontTx/>
+                        <a:buNone/>
+                        <a:tabLst/>
+                        <a:defRPr/>
+                      </a:pPr>
+                      <a:r>
+                        <a:rPr lang="en-US" b="0" i="0" dirty="0" smtClean="0">
+                          <a:solidFill>
+                            <a:schemeClr val="tx1"/>
+                          </a:solidFill>
+                          <a:latin typeface="Lucida Console" pitchFamily="49" charset="0"/>
+                          <a:cs typeface="Times New Roman" pitchFamily="18" charset="0"/>
+                        </a:rPr>
+                        <a:t>R</a:t>
+                      </a:r>
+                      <a:r>
+                        <a:rPr lang="en-US" b="0" i="0" baseline="-25000" dirty="0" smtClean="0">
+                          <a:solidFill>
+                            <a:schemeClr val="tx1"/>
+                          </a:solidFill>
+                          <a:latin typeface="Lucida Console" pitchFamily="49" charset="0"/>
+                          <a:cs typeface="Times New Roman" pitchFamily="18" charset="0"/>
+                        </a:rPr>
+                        <a:t>0,5</a:t>
+                      </a:r>
+                      <a:r>
+                        <a:rPr lang="en-US" b="0" i="0" dirty="0" smtClean="0">
+                          <a:solidFill>
+                            <a:schemeClr val="tx1"/>
+                          </a:solidFill>
+                          <a:latin typeface="Lucida Console" pitchFamily="49" charset="0"/>
+                          <a:cs typeface="Times New Roman" pitchFamily="18" charset="0"/>
+                        </a:rPr>
+                        <a:t>(*,b,&amp;h2)</a:t>
+                      </a:r>
+                    </a:p>
+                    <a:p>
+                      <a:pPr marL="0" marR="0" indent="0" algn="l" defTabSz="914400" rtl="0" eaLnBrk="1" fontAlgn="auto" latinLnBrk="0" hangingPunct="1">
+                        <a:lnSpc>
+                          <a:spcPct val="100000"/>
+                        </a:lnSpc>
+                        <a:spcBef>
+                          <a:spcPts val="0"/>
+                        </a:spcBef>
+                        <a:spcAft>
+                          <a:spcPts val="0"/>
+                        </a:spcAft>
+                        <a:buClrTx/>
+                        <a:buSzTx/>
+                        <a:buFontTx/>
+                        <a:buNone/>
+                        <a:tabLst/>
+                        <a:defRPr/>
+                      </a:pPr>
+                      <a:r>
+                        <a:rPr lang="en-US" altLang="zh-CN" b="0" baseline="0" dirty="0" smtClean="0">
+                          <a:solidFill>
+                            <a:schemeClr val="tx1"/>
+                          </a:solidFill>
+                          <a:latin typeface="Lucida Console" pitchFamily="49" charset="0"/>
+                        </a:rPr>
+                        <a:t>W(&amp;h2)</a:t>
+                      </a:r>
+                    </a:p>
+                    <a:p>
+                      <a:pPr marL="0" marR="0" indent="0" algn="l" defTabSz="914400" rtl="0" eaLnBrk="1" fontAlgn="auto" latinLnBrk="0" hangingPunct="1">
+                        <a:lnSpc>
+                          <a:spcPct val="100000"/>
+                        </a:lnSpc>
+                        <a:spcBef>
+                          <a:spcPts val="0"/>
+                        </a:spcBef>
+                        <a:spcAft>
+                          <a:spcPts val="0"/>
+                        </a:spcAft>
+                        <a:buClrTx/>
+                        <a:buSzTx/>
+                        <a:buFontTx/>
+                        <a:buNone/>
+                        <a:tabLst/>
+                        <a:defRPr/>
+                      </a:pPr>
+                      <a:endParaRPr lang="en-US" altLang="zh-CN" b="0" baseline="0" dirty="0" smtClean="0">
+                        <a:solidFill>
+                          <a:schemeClr val="tx1"/>
+                        </a:solidFill>
+                        <a:latin typeface="Lucida Console" pitchFamily="49" charset="0"/>
+                      </a:endParaRPr>
+                    </a:p>
+                    <a:p>
+                      <a:pPr marL="0" marR="0" indent="0" algn="l" defTabSz="914400" rtl="0" eaLnBrk="1" fontAlgn="auto" latinLnBrk="0" hangingPunct="1">
+                        <a:lnSpc>
+                          <a:spcPct val="100000"/>
+                        </a:lnSpc>
+                        <a:spcBef>
+                          <a:spcPts val="0"/>
+                        </a:spcBef>
+                        <a:spcAft>
+                          <a:spcPts val="0"/>
+                        </a:spcAft>
+                        <a:buClrTx/>
+                        <a:buSzTx/>
+                        <a:buFontTx/>
+                        <a:buNone/>
+                        <a:tabLst/>
+                        <a:defRPr/>
+                      </a:pPr>
+                      <a:endParaRPr lang="en-US" altLang="zh-CN" b="0" baseline="0" dirty="0" smtClean="0">
+                        <a:solidFill>
+                          <a:schemeClr val="tx1"/>
+                        </a:solidFill>
+                        <a:latin typeface="Lucida Console" pitchFamily="49" charset="0"/>
+                      </a:endParaRPr>
+                    </a:p>
+                    <a:p>
+                      <a:pPr marL="0" marR="0" indent="0" algn="l" defTabSz="914400" rtl="0" eaLnBrk="1" fontAlgn="auto" latinLnBrk="0" hangingPunct="1">
+                        <a:lnSpc>
+                          <a:spcPct val="100000"/>
+                        </a:lnSpc>
+                        <a:spcBef>
+                          <a:spcPts val="0"/>
+                        </a:spcBef>
+                        <a:spcAft>
+                          <a:spcPts val="0"/>
+                        </a:spcAft>
+                        <a:buClrTx/>
+                        <a:buSzTx/>
+                        <a:buFontTx/>
+                        <a:buNone/>
+                        <a:tabLst/>
+                        <a:defRPr/>
+                      </a:pPr>
+                      <a:r>
+                        <a:rPr lang="en-US" altLang="zh-CN" sz="1800" b="0" i="0" kern="1200" dirty="0" smtClean="0">
+                          <a:solidFill>
+                            <a:schemeClr val="tx1"/>
+                          </a:solidFill>
+                          <a:latin typeface="Lucida Console" pitchFamily="49" charset="0"/>
+                          <a:ea typeface="+mn-ea"/>
+                          <a:cs typeface="Times New Roman" pitchFamily="18" charset="0"/>
+                        </a:rPr>
+                        <a:t>assume(b&gt;0)</a:t>
+                      </a:r>
+                    </a:p>
+                    <a:p>
+                      <a:pPr marL="0" marR="0" indent="0" algn="l" defTabSz="914400" rtl="0" eaLnBrk="1" fontAlgn="auto" latinLnBrk="0" hangingPunct="1">
+                        <a:lnSpc>
+                          <a:spcPct val="100000"/>
+                        </a:lnSpc>
+                        <a:spcBef>
+                          <a:spcPts val="0"/>
+                        </a:spcBef>
+                        <a:spcAft>
+                          <a:spcPts val="0"/>
+                        </a:spcAft>
+                        <a:buClrTx/>
+                        <a:buSzTx/>
+                        <a:buFontTx/>
+                        <a:buNone/>
+                        <a:tabLst/>
+                        <a:defRPr/>
+                      </a:pPr>
+                      <a:r>
+                        <a:rPr lang="en-US" sz="1800" b="0" i="0" kern="1200" dirty="0" smtClean="0">
+                          <a:solidFill>
+                            <a:schemeClr val="tx1"/>
+                          </a:solidFill>
+                          <a:latin typeface="Lucida Console" pitchFamily="49" charset="0"/>
+                          <a:ea typeface="+mn-ea"/>
+                          <a:cs typeface="Times New Roman" pitchFamily="18" charset="0"/>
+                        </a:rPr>
+                        <a:t>assert(a==4)</a:t>
+                      </a:r>
+                      <a:endParaRPr lang="en-US" sz="1800" b="0" i="0" kern="1200" dirty="0">
+                        <a:solidFill>
+                          <a:schemeClr val="tx1"/>
+                        </a:solidFill>
+                        <a:latin typeface="Lucida Console" pitchFamily="49" charset="0"/>
+                        <a:ea typeface="+mn-ea"/>
+                        <a:cs typeface="Times New Roman" pitchFamily="18" charset="0"/>
+                      </a:endParaRPr>
+                    </a:p>
+                  </a:txBody>
+                  <a:tcPr>
+                    <a:lnL w="12700" cmpd="sng">
+                      <a:noFill/>
+                    </a:lnL>
+                    <a:lnR w="12700" cmpd="sng">
+                      <a:noFill/>
+                    </a:lnR>
+                    <a:lnT w="38100" cmpd="sng">
+                      <a:noFill/>
+                    </a:lnT>
+                    <a:lnB w="12700" cmpd="sng">
+                      <a:noFill/>
+                    </a:lnB>
+                    <a:lnTlToBr w="12700" cmpd="sng">
+                      <a:noFill/>
+                      <a:prstDash val="solid"/>
+                    </a:lnTlToBr>
+                    <a:lnBlToTr w="12700" cmpd="sng">
+                      <a:noFill/>
+                      <a:prstDash val="solid"/>
+                    </a:lnBlToTr>
+                    <a:solidFill>
+                      <a:schemeClr val="bg1"/>
+                    </a:solidFill>
+                  </a:tcPr>
+                </a:tc>
+              </a:tr>
+            </a:tbl>
+          </a:graphicData>
+        </a:graphic>
+      </p:graphicFrame>
+      <p:pic>
+        <p:nvPicPr>
+          <p:cNvPr id="5" name="Picture 4"/>
+          <p:cNvPicPr>
+            <a:picLocks noChangeAspect="1"/>
+          </p:cNvPicPr>
+          <p:nvPr/>
+        </p:nvPicPr>
+        <p:blipFill>
+          <a:blip r:embed="rId3">
+            <a:extLst>
+              <a:ext uri="{28A0092B-C50C-407E-A947-70E740481C1C}">
+                <a14:useLocalDpi xmlns:a14="http://schemas.microsoft.com/office/drawing/2010/main" val="0"/>
+              </a:ext>
+            </a:extLst>
+          </a:blip>
+          <a:stretch>
+            <a:fillRect/>
+          </a:stretch>
+        </p:blipFill>
+        <p:spPr>
+          <a:xfrm>
+            <a:off x="190500" y="152400"/>
+            <a:ext cx="685800" cy="685800"/>
+          </a:xfrm>
+          <a:prstGeom prst="rect">
+            <a:avLst/>
+          </a:prstGeom>
+        </p:spPr>
+      </p:pic>
+    </p:spTree>
+    <p:extLst>
+      <p:ext uri="{BB962C8B-B14F-4D97-AF65-F5344CB8AC3E}">
+        <p14:creationId xmlns:p14="http://schemas.microsoft.com/office/powerpoint/2010/main" val="2756655423"/>
+      </p:ext>
+    </p:extLst>
+  </p:cSld>
+  <p:clrMapOvr>
+    <a:masterClrMapping/>
+  </p:clrMapOvr>
+  <p:timing>
+    <p:tnLst>
+      <p:par>
+        <p:cTn id="1" dur="indefinite" restart="never" nodeType="tmRoot"/>
+      </p:par>
+    </p:tnLst>
+  </p:timing>
+</p:sld>
+</file>
+
+<file path=ppt/slides/slide30.xml><?xml version="1.0" encoding="utf-8"?>
 <p:sld xmlns:a="http://schemas.openxmlformats.org/drawingml/2006/main" xmlns:r="http://schemas.openxmlformats.org/officeDocument/2006/relationships" xmlns:p="http://schemas.openxmlformats.org/presentationml/2006/main">
   <p:cSld>
     <p:spTree>
@@ -31889,14 +31736,14 @@
   <p:timing>
     <p:tnLst>
       <p:par>
-        <p:cTn xmlns:p14="http://schemas.microsoft.com/office/powerpoint/2010/main" id="1" dur="indefinite" restart="never" nodeType="tmRoot"/>
+        <p:cTn id="1" dur="indefinite" restart="never" nodeType="tmRoot"/>
       </p:par>
     </p:tnLst>
   </p:timing>
 </p:sld>
 </file>
 
-<file path=ppt/slides/slide32.xml><?xml version="1.0" encoding="utf-8"?>
+<file path=ppt/slides/slide31.xml><?xml version="1.0" encoding="utf-8"?>
 <p:sld xmlns:a="http://schemas.openxmlformats.org/drawingml/2006/main" xmlns:r="http://schemas.openxmlformats.org/officeDocument/2006/relationships" xmlns:p="http://schemas.openxmlformats.org/presentationml/2006/main">
   <p:cSld>
     <p:spTree>
@@ -32733,14 +32580,14 @@
   <p:timing>
     <p:tnLst>
       <p:par>
-        <p:cTn xmlns:p14="http://schemas.microsoft.com/office/powerpoint/2010/main" id="1" dur="indefinite" restart="never" nodeType="tmRoot"/>
+        <p:cTn id="1" dur="indefinite" restart="never" nodeType="tmRoot"/>
       </p:par>
     </p:tnLst>
   </p:timing>
 </p:sld>
 </file>
 
-<file path=ppt/slides/slide33.xml><?xml version="1.0" encoding="utf-8"?>
+<file path=ppt/slides/slide32.xml><?xml version="1.0" encoding="utf-8"?>
 <p:sld xmlns:a="http://schemas.openxmlformats.org/drawingml/2006/main" xmlns:r="http://schemas.openxmlformats.org/officeDocument/2006/relationships" xmlns:p="http://schemas.openxmlformats.org/presentationml/2006/main">
   <p:cSld>
     <p:spTree>
@@ -32796,7 +32643,7 @@
         </p:nvGraphicFramePr>
         <p:xfrm>
           <a:off x="990600" y="2514600"/>
-          <a:ext cx="7162800" cy="2113279"/>
+          <a:ext cx="7162800" cy="2113280"/>
         </p:xfrm>
         <a:graphic>
           <a:graphicData uri="http://schemas.openxmlformats.org/drawingml/2006/table">
@@ -33188,7 +33035,6 @@
                         <a:rPr lang="en-US" dirty="0" smtClean="0"/>
                         <a:t>-</a:t>
                       </a:r>
-                      <a:endParaRPr lang="en-US" dirty="0" smtClean="0"/>
                     </a:p>
                     <a:p>
                       <a:pPr algn="ctr"/>
@@ -33232,7 +33078,6 @@
                         <a:rPr lang="en-US" dirty="0" smtClean="0"/>
                         <a:t>-</a:t>
                       </a:r>
-                      <a:endParaRPr lang="en-US" dirty="0" smtClean="0"/>
                     </a:p>
                     <a:p>
                       <a:pPr algn="ctr"/>
@@ -33314,14 +33159,14 @@
   <p:timing>
     <p:tnLst>
       <p:par>
-        <p:cTn xmlns:p14="http://schemas.microsoft.com/office/powerpoint/2010/main" id="1" dur="indefinite" restart="never" nodeType="tmRoot"/>
+        <p:cTn id="1" dur="indefinite" restart="never" nodeType="tmRoot"/>
       </p:par>
     </p:tnLst>
   </p:timing>
 </p:sld>
 </file>
 
-<file path=ppt/slides/slide34.xml><?xml version="1.0" encoding="utf-8"?>
+<file path=ppt/slides/slide33.xml><?xml version="1.0" encoding="utf-8"?>
 <p:sld xmlns:a="http://schemas.openxmlformats.org/drawingml/2006/main" xmlns:r="http://schemas.openxmlformats.org/officeDocument/2006/relationships" xmlns:p="http://schemas.openxmlformats.org/presentationml/2006/main">
   <p:cSld>
     <p:spTree>
@@ -33580,14 +33425,14 @@
   <p:timing>
     <p:tnLst>
       <p:par>
-        <p:cTn xmlns:p14="http://schemas.microsoft.com/office/powerpoint/2010/main" id="1" dur="indefinite" restart="never" nodeType="tmRoot"/>
+        <p:cTn id="1" dur="indefinite" restart="never" nodeType="tmRoot"/>
       </p:par>
     </p:tnLst>
   </p:timing>
 </p:sld>
 </file>
 
-<file path=ppt/slides/slide35.xml><?xml version="1.0" encoding="utf-8"?>
+<file path=ppt/slides/slide34.xml><?xml version="1.0" encoding="utf-8"?>
 <p:sld xmlns:a="http://schemas.openxmlformats.org/drawingml/2006/main" xmlns:r="http://schemas.openxmlformats.org/officeDocument/2006/relationships" xmlns:p="http://schemas.openxmlformats.org/presentationml/2006/main">
   <p:cSld>
     <p:spTree>
@@ -33689,7 +33534,7 @@
   <p:timing>
     <p:tnLst>
       <p:par>
-        <p:cTn xmlns:p14="http://schemas.microsoft.com/office/powerpoint/2010/main" id="1" dur="indefinite" restart="never" nodeType="tmRoot"/>
+        <p:cTn id="1" dur="indefinite" restart="never" nodeType="tmRoot"/>
       </p:par>
     </p:tnLst>
   </p:timing>
@@ -35036,7 +34881,7 @@
   <p:timing>
     <p:tnLst>
       <p:par>
-        <p:cTn xmlns:p14="http://schemas.microsoft.com/office/powerpoint/2010/main" id="1" dur="indefinite" restart="never" nodeType="tmRoot"/>
+        <p:cTn id="1" dur="indefinite" restart="never" nodeType="tmRoot"/>
       </p:par>
     </p:tnLst>
   </p:timing>
@@ -36392,7 +36237,7 @@
   <p:timing>
     <p:tnLst>
       <p:par>
-        <p:cTn xmlns:p14="http://schemas.microsoft.com/office/powerpoint/2010/main" id="1" dur="indefinite" restart="never" nodeType="tmRoot"/>
+        <p:cTn id="1" dur="indefinite" restart="never" nodeType="tmRoot"/>
       </p:par>
     </p:tnLst>
   </p:timing>
@@ -36613,7 +36458,7 @@
   <p:timing>
     <p:tnLst>
       <p:par>
-        <p:cTn xmlns:p14="http://schemas.microsoft.com/office/powerpoint/2010/main" id="1" dur="indefinite" restart="never" nodeType="tmRoot"/>
+        <p:cTn id="1" dur="indefinite" restart="never" nodeType="tmRoot"/>
       </p:par>
     </p:tnLst>
   </p:timing>
@@ -36744,11 +36589,7 @@
             <a:pPr algn="ctr"/>
             <a:r>
               <a:rPr lang="en-US" dirty="0" smtClean="0"/>
-              <a:t>SMT </a:t>
-            </a:r>
-            <a:r>
-              <a:rPr lang="en-US" dirty="0" smtClean="0"/>
-              <a:t>Encoder and </a:t>
+              <a:t>SMT Encoder and </a:t>
             </a:r>
             <a:r>
               <a:rPr lang="en-US" dirty="0" err="1" smtClean="0"/>
@@ -38318,7 +38159,7 @@
   <p:timing>
     <p:tnLst>
       <p:par>
-        <p:cTn xmlns:p14="http://schemas.microsoft.com/office/powerpoint/2010/main" id="1" dur="indefinite" restart="never" nodeType="tmRoot"/>
+        <p:cTn id="1" dur="indefinite" restart="never" nodeType="tmRoot"/>
       </p:par>
     </p:tnLst>
   </p:timing>
@@ -38534,7 +38375,7 @@
   <p:timing>
     <p:tnLst>
       <p:par>
-        <p:cTn xmlns:p14="http://schemas.microsoft.com/office/powerpoint/2010/main" id="1" dur="indefinite" restart="never" nodeType="tmRoot"/>
+        <p:cTn id="1" dur="indefinite" restart="never" nodeType="tmRoot"/>
       </p:par>
     </p:tnLst>
   </p:timing>
@@ -38827,7 +38668,7 @@
   <p:timing>
     <p:tnLst>
       <p:par>
-        <p:cTn xmlns:p14="http://schemas.microsoft.com/office/powerpoint/2010/main" id="1" dur="indefinite" restart="never" nodeType="tmRoot"/>
+        <p:cTn id="1" dur="indefinite" restart="never" nodeType="tmRoot"/>
       </p:par>
     </p:tnLst>
   </p:timing>
